--- a/미팅 자료/1주차(220316)-세미나영상요약.pptx
+++ b/미팅 자료/1주차(220316)-세미나영상요약.pptx
@@ -4,11 +4,18 @@
   <p:sldMasterIdLst>
     <p:sldMasterId id="2147483648" r:id="rId1"/>
   </p:sldMasterIdLst>
+  <p:notesMasterIdLst>
+    <p:notesMasterId r:id="rId10"/>
+  </p:notesMasterIdLst>
   <p:sldIdLst>
     <p:sldId id="257" r:id="rId2"/>
     <p:sldId id="263" r:id="rId3"/>
     <p:sldId id="262" r:id="rId4"/>
     <p:sldId id="261" r:id="rId5"/>
+    <p:sldId id="264" r:id="rId6"/>
+    <p:sldId id="265" r:id="rId7"/>
+    <p:sldId id="266" r:id="rId8"/>
+    <p:sldId id="267" r:id="rId9"/>
   </p:sldIdLst>
   <p:sldSz cx="12192000" cy="6858000"/>
   <p:notesSz cx="6858000" cy="9144000"/>
@@ -118,7 +125,9 @@
 <file path=ppt/revisionInfo.xml><?xml version="1.0" encoding="utf-8"?>
 <p1510:revInfo xmlns:a="http://schemas.openxmlformats.org/drawingml/2006/main" xmlns:r="http://schemas.openxmlformats.org/officeDocument/2006/relationships" xmlns:p1510="http://schemas.microsoft.com/office/powerpoint/2015/10/main">
   <p1510:revLst>
+    <p1510:client id="{0E6A21B4-57FE-4EAC-9D01-36AC7F607920}" v="5829" dt="2022-03-14T03:06:10.534"/>
     <p1510:client id="{3DAD0114-187A-4A9A-954B-29283055D7D5}" v="86" dt="2022-03-13T14:46:00.341"/>
+    <p1510:client id="{693E72B1-7C15-44F0-81C4-8666D4BC6FB4}" v="19" dt="2022-03-14T00:40:14.820"/>
   </p1510:revLst>
 </p1510:revInfo>
 </file>
@@ -401,7 +410,1537 @@
       </pc:sldChg>
     </pc:docChg>
   </pc:docChgLst>
+  <pc:docChgLst>
+    <pc:chgData name="김 소희" userId="bb2aac79503078d9" providerId="Windows Live" clId="Web-{0E6A21B4-57FE-4EAC-9D01-36AC7F607920}"/>
+    <pc:docChg chg="addSld modSld">
+      <pc:chgData name="김 소희" userId="bb2aac79503078d9" providerId="Windows Live" clId="Web-{0E6A21B4-57FE-4EAC-9D01-36AC7F607920}" dt="2022-03-14T03:06:10.534" v="4423" actId="1076"/>
+      <pc:docMkLst>
+        <pc:docMk/>
+      </pc:docMkLst>
+      <pc:sldChg chg="modSp">
+        <pc:chgData name="김 소희" userId="bb2aac79503078d9" providerId="Windows Live" clId="Web-{0E6A21B4-57FE-4EAC-9D01-36AC7F607920}" dt="2022-03-14T01:52:09.054" v="2589" actId="1076"/>
+        <pc:sldMkLst>
+          <pc:docMk/>
+          <pc:sldMk cId="1844111494" sldId="261"/>
+        </pc:sldMkLst>
+        <pc:picChg chg="mod">
+          <ac:chgData name="김 소희" userId="bb2aac79503078d9" providerId="Windows Live" clId="Web-{0E6A21B4-57FE-4EAC-9D01-36AC7F607920}" dt="2022-03-14T01:52:09.054" v="2589" actId="1076"/>
+          <ac:picMkLst>
+            <pc:docMk/>
+            <pc:sldMk cId="1844111494" sldId="261"/>
+            <ac:picMk id="13" creationId="{2F61108A-2474-4CC3-B64C-CFB10F5BABA5}"/>
+          </ac:picMkLst>
+        </pc:picChg>
+      </pc:sldChg>
+      <pc:sldChg chg="modSp">
+        <pc:chgData name="김 소희" userId="bb2aac79503078d9" providerId="Windows Live" clId="Web-{0E6A21B4-57FE-4EAC-9D01-36AC7F607920}" dt="2022-03-14T01:52:18.726" v="2591"/>
+        <pc:sldMkLst>
+          <pc:docMk/>
+          <pc:sldMk cId="2320026372" sldId="262"/>
+        </pc:sldMkLst>
+        <pc:picChg chg="mod">
+          <ac:chgData name="김 소희" userId="bb2aac79503078d9" providerId="Windows Live" clId="Web-{0E6A21B4-57FE-4EAC-9D01-36AC7F607920}" dt="2022-03-14T01:52:18.726" v="2591"/>
+          <ac:picMkLst>
+            <pc:docMk/>
+            <pc:sldMk cId="2320026372" sldId="262"/>
+            <ac:picMk id="5" creationId="{D47460F3-12D9-4308-9C49-D915D0F66B04}"/>
+          </ac:picMkLst>
+        </pc:picChg>
+      </pc:sldChg>
+      <pc:sldChg chg="addSp modSp">
+        <pc:chgData name="김 소희" userId="bb2aac79503078d9" providerId="Windows Live" clId="Web-{0E6A21B4-57FE-4EAC-9D01-36AC7F607920}" dt="2022-03-14T01:50:25.849" v="2576" actId="1076"/>
+        <pc:sldMkLst>
+          <pc:docMk/>
+          <pc:sldMk cId="1028700088" sldId="264"/>
+        </pc:sldMkLst>
+        <pc:spChg chg="mod">
+          <ac:chgData name="김 소희" userId="bb2aac79503078d9" providerId="Windows Live" clId="Web-{0E6A21B4-57FE-4EAC-9D01-36AC7F607920}" dt="2022-03-14T00:50:38.486" v="18" actId="20577"/>
+          <ac:spMkLst>
+            <pc:docMk/>
+            <pc:sldMk cId="1028700088" sldId="264"/>
+            <ac:spMk id="2" creationId="{E145F6C6-1DB4-4CB6-BAC3-26838AF58E9A}"/>
+          </ac:spMkLst>
+        </pc:spChg>
+        <pc:spChg chg="mod ord">
+          <ac:chgData name="김 소희" userId="bb2aac79503078d9" providerId="Windows Live" clId="Web-{0E6A21B4-57FE-4EAC-9D01-36AC7F607920}" dt="2022-03-14T01:50:04.567" v="2571" actId="1076"/>
+          <ac:spMkLst>
+            <pc:docMk/>
+            <pc:sldMk cId="1028700088" sldId="264"/>
+            <ac:spMk id="3" creationId="{50386AB0-DF0D-4A1B-A498-06F55F036CE4}"/>
+          </ac:spMkLst>
+        </pc:spChg>
+        <pc:spChg chg="add mod">
+          <ac:chgData name="김 소희" userId="bb2aac79503078d9" providerId="Windows Live" clId="Web-{0E6A21B4-57FE-4EAC-9D01-36AC7F607920}" dt="2022-03-14T01:50:17.130" v="2573" actId="1076"/>
+          <ac:spMkLst>
+            <pc:docMk/>
+            <pc:sldMk cId="1028700088" sldId="264"/>
+            <ac:spMk id="5" creationId="{458CFB2C-34A0-4A6E-8148-8102F4828DF6}"/>
+          </ac:spMkLst>
+        </pc:spChg>
+        <pc:spChg chg="add mod">
+          <ac:chgData name="김 소희" userId="bb2aac79503078d9" providerId="Windows Live" clId="Web-{0E6A21B4-57FE-4EAC-9D01-36AC7F607920}" dt="2022-03-14T01:49:55.005" v="2568" actId="20577"/>
+          <ac:spMkLst>
+            <pc:docMk/>
+            <pc:sldMk cId="1028700088" sldId="264"/>
+            <ac:spMk id="7" creationId="{7BC4A1AF-994C-4475-A0E0-85ABE30353C9}"/>
+          </ac:spMkLst>
+        </pc:spChg>
+        <pc:spChg chg="mod">
+          <ac:chgData name="김 소희" userId="bb2aac79503078d9" providerId="Windows Live" clId="Web-{0E6A21B4-57FE-4EAC-9D01-36AC7F607920}" dt="2022-03-14T01:50:11.833" v="2572" actId="1076"/>
+          <ac:spMkLst>
+            <pc:docMk/>
+            <pc:sldMk cId="1028700088" sldId="264"/>
+            <ac:spMk id="8" creationId="{04E72B91-2C90-4124-AC90-21F824F6DA0A}"/>
+          </ac:spMkLst>
+        </pc:spChg>
+        <pc:spChg chg="mod">
+          <ac:chgData name="김 소희" userId="bb2aac79503078d9" providerId="Windows Live" clId="Web-{0E6A21B4-57FE-4EAC-9D01-36AC7F607920}" dt="2022-03-14T01:50:25.849" v="2576" actId="1076"/>
+          <ac:spMkLst>
+            <pc:docMk/>
+            <pc:sldMk cId="1028700088" sldId="264"/>
+            <ac:spMk id="9" creationId="{84ABFCD9-1D23-4882-9A99-C1863F6D6FEC}"/>
+          </ac:spMkLst>
+        </pc:spChg>
+        <pc:picChg chg="add mod">
+          <ac:chgData name="김 소희" userId="bb2aac79503078d9" providerId="Windows Live" clId="Web-{0E6A21B4-57FE-4EAC-9D01-36AC7F607920}" dt="2022-03-14T01:49:59.380" v="2570" actId="1076"/>
+          <ac:picMkLst>
+            <pc:docMk/>
+            <pc:sldMk cId="1028700088" sldId="264"/>
+            <ac:picMk id="4" creationId="{02FBF75B-6EC0-4499-8051-77EFDB797735}"/>
+          </ac:picMkLst>
+        </pc:picChg>
+      </pc:sldChg>
+      <pc:sldChg chg="addSp delSp modSp add replId">
+        <pc:chgData name="김 소희" userId="bb2aac79503078d9" providerId="Windows Live" clId="Web-{0E6A21B4-57FE-4EAC-9D01-36AC7F607920}" dt="2022-03-14T01:52:37.273" v="2595" actId="1076"/>
+        <pc:sldMkLst>
+          <pc:docMk/>
+          <pc:sldMk cId="2862650852" sldId="265"/>
+        </pc:sldMkLst>
+        <pc:spChg chg="mod">
+          <ac:chgData name="김 소희" userId="bb2aac79503078d9" providerId="Windows Live" clId="Web-{0E6A21B4-57FE-4EAC-9D01-36AC7F607920}" dt="2022-03-14T01:41:49.683" v="2402" actId="1076"/>
+          <ac:spMkLst>
+            <pc:docMk/>
+            <pc:sldMk cId="2862650852" sldId="265"/>
+            <ac:spMk id="3" creationId="{50386AB0-DF0D-4A1B-A498-06F55F036CE4}"/>
+          </ac:spMkLst>
+        </pc:spChg>
+        <pc:spChg chg="del mod">
+          <ac:chgData name="김 소희" userId="bb2aac79503078d9" providerId="Windows Live" clId="Web-{0E6A21B4-57FE-4EAC-9D01-36AC7F607920}" dt="2022-03-14T01:14:20.731" v="1768"/>
+          <ac:spMkLst>
+            <pc:docMk/>
+            <pc:sldMk cId="2862650852" sldId="265"/>
+            <ac:spMk id="5" creationId="{458CFB2C-34A0-4A6E-8148-8102F4828DF6}"/>
+          </ac:spMkLst>
+        </pc:spChg>
+        <pc:spChg chg="add del">
+          <ac:chgData name="김 소희" userId="bb2aac79503078d9" providerId="Windows Live" clId="Web-{0E6A21B4-57FE-4EAC-9D01-36AC7F607920}" dt="2022-03-14T01:41:15.339" v="2391"/>
+          <ac:spMkLst>
+            <pc:docMk/>
+            <pc:sldMk cId="2862650852" sldId="265"/>
+            <ac:spMk id="6" creationId="{615A39F9-383D-446C-A699-18832BD7950B}"/>
+          </ac:spMkLst>
+        </pc:spChg>
+        <pc:spChg chg="mod">
+          <ac:chgData name="김 소희" userId="bb2aac79503078d9" providerId="Windows Live" clId="Web-{0E6A21B4-57FE-4EAC-9D01-36AC7F607920}" dt="2022-03-14T01:47:31.924" v="2532" actId="20577"/>
+          <ac:spMkLst>
+            <pc:docMk/>
+            <pc:sldMk cId="2862650852" sldId="265"/>
+            <ac:spMk id="7" creationId="{7BC4A1AF-994C-4475-A0E0-85ABE30353C9}"/>
+          </ac:spMkLst>
+        </pc:spChg>
+        <pc:spChg chg="del mod">
+          <ac:chgData name="김 소희" userId="bb2aac79503078d9" providerId="Windows Live" clId="Web-{0E6A21B4-57FE-4EAC-9D01-36AC7F607920}" dt="2022-03-14T01:14:19.294" v="1767"/>
+          <ac:spMkLst>
+            <pc:docMk/>
+            <pc:sldMk cId="2862650852" sldId="265"/>
+            <ac:spMk id="8" creationId="{04E72B91-2C90-4124-AC90-21F824F6DA0A}"/>
+          </ac:spMkLst>
+        </pc:spChg>
+        <pc:spChg chg="mod">
+          <ac:chgData name="김 소희" userId="bb2aac79503078d9" providerId="Windows Live" clId="Web-{0E6A21B4-57FE-4EAC-9D01-36AC7F607920}" dt="2022-03-14T01:46:20.063" v="2513" actId="14100"/>
+          <ac:spMkLst>
+            <pc:docMk/>
+            <pc:sldMk cId="2862650852" sldId="265"/>
+            <ac:spMk id="9" creationId="{84ABFCD9-1D23-4882-9A99-C1863F6D6FEC}"/>
+          </ac:spMkLst>
+        </pc:spChg>
+        <pc:spChg chg="add mod">
+          <ac:chgData name="김 소희" userId="bb2aac79503078d9" providerId="Windows Live" clId="Web-{0E6A21B4-57FE-4EAC-9D01-36AC7F607920}" dt="2022-03-14T01:43:04.591" v="2442" actId="20577"/>
+          <ac:spMkLst>
+            <pc:docMk/>
+            <pc:sldMk cId="2862650852" sldId="265"/>
+            <ac:spMk id="10" creationId="{5F6E6521-34D8-44F5-9852-657817D28B02}"/>
+          </ac:spMkLst>
+        </pc:spChg>
+        <pc:spChg chg="add mod">
+          <ac:chgData name="김 소희" userId="bb2aac79503078d9" providerId="Windows Live" clId="Web-{0E6A21B4-57FE-4EAC-9D01-36AC7F607920}" dt="2022-03-14T01:46:09.610" v="2510" actId="1076"/>
+          <ac:spMkLst>
+            <pc:docMk/>
+            <pc:sldMk cId="2862650852" sldId="265"/>
+            <ac:spMk id="12" creationId="{4C8C21E7-BA43-450A-959A-15CE5D93F0D0}"/>
+          </ac:spMkLst>
+        </pc:spChg>
+        <pc:spChg chg="add mod">
+          <ac:chgData name="김 소희" userId="bb2aac79503078d9" providerId="Windows Live" clId="Web-{0E6A21B4-57FE-4EAC-9D01-36AC7F607920}" dt="2022-03-14T01:46:49.532" v="2520"/>
+          <ac:spMkLst>
+            <pc:docMk/>
+            <pc:sldMk cId="2862650852" sldId="265"/>
+            <ac:spMk id="13" creationId="{3E2055CC-B7BE-4117-A574-D7CDC966B567}"/>
+          </ac:spMkLst>
+        </pc:spChg>
+        <pc:spChg chg="add mod">
+          <ac:chgData name="김 소희" userId="bb2aac79503078d9" providerId="Windows Live" clId="Web-{0E6A21B4-57FE-4EAC-9D01-36AC7F607920}" dt="2022-03-14T01:47:21.642" v="2531" actId="1076"/>
+          <ac:spMkLst>
+            <pc:docMk/>
+            <pc:sldMk cId="2862650852" sldId="265"/>
+            <ac:spMk id="14" creationId="{7E5816BF-8ED2-425C-B4B6-8146B9CAF083}"/>
+          </ac:spMkLst>
+        </pc:spChg>
+        <pc:picChg chg="del">
+          <ac:chgData name="김 소희" userId="bb2aac79503078d9" providerId="Windows Live" clId="Web-{0E6A21B4-57FE-4EAC-9D01-36AC7F607920}" dt="2022-03-14T01:06:59.973" v="1116"/>
+          <ac:picMkLst>
+            <pc:docMk/>
+            <pc:sldMk cId="2862650852" sldId="265"/>
+            <ac:picMk id="4" creationId="{02FBF75B-6EC0-4499-8051-77EFDB797735}"/>
+          </ac:picMkLst>
+        </pc:picChg>
+        <pc:picChg chg="add del mod">
+          <ac:chgData name="김 소희" userId="bb2aac79503078d9" providerId="Windows Live" clId="Web-{0E6A21B4-57FE-4EAC-9D01-36AC7F607920}" dt="2022-03-14T01:51:39.506" v="2580"/>
+          <ac:picMkLst>
+            <pc:docMk/>
+            <pc:sldMk cId="2862650852" sldId="265"/>
+            <ac:picMk id="15" creationId="{3DE179B4-0D98-4E74-9837-C2E667756616}"/>
+          </ac:picMkLst>
+        </pc:picChg>
+        <pc:picChg chg="add mod">
+          <ac:chgData name="김 소희" userId="bb2aac79503078d9" providerId="Windows Live" clId="Web-{0E6A21B4-57FE-4EAC-9D01-36AC7F607920}" dt="2022-03-14T01:52:37.273" v="2595" actId="1076"/>
+          <ac:picMkLst>
+            <pc:docMk/>
+            <pc:sldMk cId="2862650852" sldId="265"/>
+            <ac:picMk id="16" creationId="{44B740AE-A039-4723-9C4C-5DB7A03424A8}"/>
+          </ac:picMkLst>
+        </pc:picChg>
+      </pc:sldChg>
+      <pc:sldChg chg="addSp delSp modSp add replId modNotes">
+        <pc:chgData name="김 소희" userId="bb2aac79503078d9" providerId="Windows Live" clId="Web-{0E6A21B4-57FE-4EAC-9D01-36AC7F607920}" dt="2022-03-14T02:41:56.131" v="3731"/>
+        <pc:sldMkLst>
+          <pc:docMk/>
+          <pc:sldMk cId="2540077337" sldId="266"/>
+        </pc:sldMkLst>
+        <pc:spChg chg="mod">
+          <ac:chgData name="김 소희" userId="bb2aac79503078d9" providerId="Windows Live" clId="Web-{0E6A21B4-57FE-4EAC-9D01-36AC7F607920}" dt="2022-03-14T01:55:15.667" v="2612" actId="20577"/>
+          <ac:spMkLst>
+            <pc:docMk/>
+            <pc:sldMk cId="2540077337" sldId="266"/>
+            <ac:spMk id="2" creationId="{E145F6C6-1DB4-4CB6-BAC3-26838AF58E9A}"/>
+          </ac:spMkLst>
+        </pc:spChg>
+        <pc:spChg chg="mod">
+          <ac:chgData name="김 소희" userId="bb2aac79503078d9" providerId="Windows Live" clId="Web-{0E6A21B4-57FE-4EAC-9D01-36AC7F607920}" dt="2022-03-14T02:31:01.165" v="3277" actId="1076"/>
+          <ac:spMkLst>
+            <pc:docMk/>
+            <pc:sldMk cId="2540077337" sldId="266"/>
+            <ac:spMk id="3" creationId="{50386AB0-DF0D-4A1B-A498-06F55F036CE4}"/>
+          </ac:spMkLst>
+        </pc:spChg>
+        <pc:spChg chg="add mod">
+          <ac:chgData name="김 소희" userId="bb2aac79503078d9" providerId="Windows Live" clId="Web-{0E6A21B4-57FE-4EAC-9D01-36AC7F607920}" dt="2022-03-14T02:32:10.619" v="3315" actId="1076"/>
+          <ac:spMkLst>
+            <pc:docMk/>
+            <pc:sldMk cId="2540077337" sldId="266"/>
+            <ac:spMk id="5" creationId="{824D8FDD-D675-4546-A00A-816AF6DF2572}"/>
+          </ac:spMkLst>
+        </pc:spChg>
+        <pc:spChg chg="mod">
+          <ac:chgData name="김 소희" userId="bb2aac79503078d9" providerId="Windows Live" clId="Web-{0E6A21B4-57FE-4EAC-9D01-36AC7F607920}" dt="2022-03-14T02:31:01.149" v="3276" actId="1076"/>
+          <ac:spMkLst>
+            <pc:docMk/>
+            <pc:sldMk cId="2540077337" sldId="266"/>
+            <ac:spMk id="7" creationId="{7BC4A1AF-994C-4475-A0E0-85ABE30353C9}"/>
+          </ac:spMkLst>
+        </pc:spChg>
+        <pc:spChg chg="mod">
+          <ac:chgData name="김 소희" userId="bb2aac79503078d9" providerId="Windows Live" clId="Web-{0E6A21B4-57FE-4EAC-9D01-36AC7F607920}" dt="2022-03-14T02:38:06.893" v="3506" actId="20577"/>
+          <ac:spMkLst>
+            <pc:docMk/>
+            <pc:sldMk cId="2540077337" sldId="266"/>
+            <ac:spMk id="9" creationId="{84ABFCD9-1D23-4882-9A99-C1863F6D6FEC}"/>
+          </ac:spMkLst>
+        </pc:spChg>
+        <pc:spChg chg="del">
+          <ac:chgData name="김 소희" userId="bb2aac79503078d9" providerId="Windows Live" clId="Web-{0E6A21B4-57FE-4EAC-9D01-36AC7F607920}" dt="2022-03-14T02:04:58.464" v="2842"/>
+          <ac:spMkLst>
+            <pc:docMk/>
+            <pc:sldMk cId="2540077337" sldId="266"/>
+            <ac:spMk id="10" creationId="{5F6E6521-34D8-44F5-9852-657817D28B02}"/>
+          </ac:spMkLst>
+        </pc:spChg>
+        <pc:spChg chg="add mod">
+          <ac:chgData name="김 소희" userId="bb2aac79503078d9" providerId="Windows Live" clId="Web-{0E6A21B4-57FE-4EAC-9D01-36AC7F607920}" dt="2022-03-14T02:31:01.196" v="3278" actId="1076"/>
+          <ac:spMkLst>
+            <pc:docMk/>
+            <pc:sldMk cId="2540077337" sldId="266"/>
+            <ac:spMk id="11" creationId="{B399ABEB-A251-4952-9CB5-C908D743E8AE}"/>
+          </ac:spMkLst>
+        </pc:spChg>
+        <pc:spChg chg="del">
+          <ac:chgData name="김 소희" userId="bb2aac79503078d9" providerId="Windows Live" clId="Web-{0E6A21B4-57FE-4EAC-9D01-36AC7F607920}" dt="2022-03-14T02:07:06.341" v="2908"/>
+          <ac:spMkLst>
+            <pc:docMk/>
+            <pc:sldMk cId="2540077337" sldId="266"/>
+            <ac:spMk id="12" creationId="{4C8C21E7-BA43-450A-959A-15CE5D93F0D0}"/>
+          </ac:spMkLst>
+        </pc:spChg>
+        <pc:spChg chg="del">
+          <ac:chgData name="김 소희" userId="bb2aac79503078d9" providerId="Windows Live" clId="Web-{0E6A21B4-57FE-4EAC-9D01-36AC7F607920}" dt="2022-03-14T02:05:00.355" v="2844"/>
+          <ac:spMkLst>
+            <pc:docMk/>
+            <pc:sldMk cId="2540077337" sldId="266"/>
+            <ac:spMk id="13" creationId="{3E2055CC-B7BE-4117-A574-D7CDC966B567}"/>
+          </ac:spMkLst>
+        </pc:spChg>
+        <pc:spChg chg="del">
+          <ac:chgData name="김 소희" userId="bb2aac79503078d9" providerId="Windows Live" clId="Web-{0E6A21B4-57FE-4EAC-9D01-36AC7F607920}" dt="2022-03-14T02:05:00.355" v="2843"/>
+          <ac:spMkLst>
+            <pc:docMk/>
+            <pc:sldMk cId="2540077337" sldId="266"/>
+            <ac:spMk id="14" creationId="{7E5816BF-8ED2-425C-B4B6-8146B9CAF083}"/>
+          </ac:spMkLst>
+        </pc:spChg>
+        <pc:spChg chg="add mod">
+          <ac:chgData name="김 소희" userId="bb2aac79503078d9" providerId="Windows Live" clId="Web-{0E6A21B4-57FE-4EAC-9D01-36AC7F607920}" dt="2022-03-14T02:37:17.281" v="3500" actId="1076"/>
+          <ac:spMkLst>
+            <pc:docMk/>
+            <pc:sldMk cId="2540077337" sldId="266"/>
+            <ac:spMk id="17" creationId="{15E3F804-EF5E-4517-8C20-D004A665EB23}"/>
+          </ac:spMkLst>
+        </pc:spChg>
+        <pc:spChg chg="add mod">
+          <ac:chgData name="김 소희" userId="bb2aac79503078d9" providerId="Windows Live" clId="Web-{0E6A21B4-57FE-4EAC-9D01-36AC7F607920}" dt="2022-03-14T02:37:10.609" v="3496" actId="1076"/>
+          <ac:spMkLst>
+            <pc:docMk/>
+            <pc:sldMk cId="2540077337" sldId="266"/>
+            <ac:spMk id="18" creationId="{675EF762-4C1C-4292-A139-7F2468DA157D}"/>
+          </ac:spMkLst>
+        </pc:spChg>
+        <pc:picChg chg="add del mod">
+          <ac:chgData name="김 소희" userId="bb2aac79503078d9" providerId="Windows Live" clId="Web-{0E6A21B4-57FE-4EAC-9D01-36AC7F607920}" dt="2022-03-14T02:37:25.359" v="3503"/>
+          <ac:picMkLst>
+            <pc:docMk/>
+            <pc:sldMk cId="2540077337" sldId="266"/>
+            <ac:picMk id="4" creationId="{13F3790E-47DA-4DE8-8664-C7DA8110652D}"/>
+          </ac:picMkLst>
+        </pc:picChg>
+        <pc:picChg chg="add mod">
+          <ac:chgData name="김 소희" userId="bb2aac79503078d9" providerId="Windows Live" clId="Web-{0E6A21B4-57FE-4EAC-9D01-36AC7F607920}" dt="2022-03-14T02:37:12.344" v="3497" actId="1076"/>
+          <ac:picMkLst>
+            <pc:docMk/>
+            <pc:sldMk cId="2540077337" sldId="266"/>
+            <ac:picMk id="6" creationId="{1A73FD7F-0F97-4EDA-AD42-5A7D3BDFCE19}"/>
+          </ac:picMkLst>
+        </pc:picChg>
+        <pc:picChg chg="add mod">
+          <ac:chgData name="김 소희" userId="bb2aac79503078d9" providerId="Windows Live" clId="Web-{0E6A21B4-57FE-4EAC-9D01-36AC7F607920}" dt="2022-03-14T02:37:22.984" v="3502" actId="1076"/>
+          <ac:picMkLst>
+            <pc:docMk/>
+            <pc:sldMk cId="2540077337" sldId="266"/>
+            <ac:picMk id="8" creationId="{8397646D-EA48-4536-8AE1-A92BEE0873D0}"/>
+          </ac:picMkLst>
+        </pc:picChg>
+        <pc:picChg chg="del">
+          <ac:chgData name="김 소희" userId="bb2aac79503078d9" providerId="Windows Live" clId="Web-{0E6A21B4-57FE-4EAC-9D01-36AC7F607920}" dt="2022-03-14T01:55:17.479" v="2613"/>
+          <ac:picMkLst>
+            <pc:docMk/>
+            <pc:sldMk cId="2540077337" sldId="266"/>
+            <ac:picMk id="16" creationId="{44B740AE-A039-4723-9C4C-5DB7A03424A8}"/>
+          </ac:picMkLst>
+        </pc:picChg>
+      </pc:sldChg>
+      <pc:sldChg chg="addSp delSp modSp add replId modNotes">
+        <pc:chgData name="김 소희" userId="bb2aac79503078d9" providerId="Windows Live" clId="Web-{0E6A21B4-57FE-4EAC-9D01-36AC7F607920}" dt="2022-03-14T03:06:10.534" v="4423" actId="1076"/>
+        <pc:sldMkLst>
+          <pc:docMk/>
+          <pc:sldMk cId="3067360380" sldId="267"/>
+        </pc:sldMkLst>
+        <pc:spChg chg="del">
+          <ac:chgData name="김 소희" userId="bb2aac79503078d9" providerId="Windows Live" clId="Web-{0E6A21B4-57FE-4EAC-9D01-36AC7F607920}" dt="2022-03-14T02:31:17.149" v="3284"/>
+          <ac:spMkLst>
+            <pc:docMk/>
+            <pc:sldMk cId="3067360380" sldId="267"/>
+            <ac:spMk id="3" creationId="{50386AB0-DF0D-4A1B-A498-06F55F036CE4}"/>
+          </ac:spMkLst>
+        </pc:spChg>
+        <pc:spChg chg="del mod">
+          <ac:chgData name="김 소희" userId="bb2aac79503078d9" providerId="Windows Live" clId="Web-{0E6A21B4-57FE-4EAC-9D01-36AC7F607920}" dt="2022-03-14T02:56:10.054" v="4167"/>
+          <ac:spMkLst>
+            <pc:docMk/>
+            <pc:sldMk cId="3067360380" sldId="267"/>
+            <ac:spMk id="5" creationId="{824D8FDD-D675-4546-A00A-816AF6DF2572}"/>
+          </ac:spMkLst>
+        </pc:spChg>
+        <pc:spChg chg="del">
+          <ac:chgData name="김 소희" userId="bb2aac79503078d9" providerId="Windows Live" clId="Web-{0E6A21B4-57FE-4EAC-9D01-36AC7F607920}" dt="2022-03-14T02:31:14.931" v="3283"/>
+          <ac:spMkLst>
+            <pc:docMk/>
+            <pc:sldMk cId="3067360380" sldId="267"/>
+            <ac:spMk id="7" creationId="{7BC4A1AF-994C-4475-A0E0-85ABE30353C9}"/>
+          </ac:spMkLst>
+        </pc:spChg>
+        <pc:spChg chg="mod">
+          <ac:chgData name="김 소희" userId="bb2aac79503078d9" providerId="Windows Live" clId="Web-{0E6A21B4-57FE-4EAC-9D01-36AC7F607920}" dt="2022-03-14T03:04:04.610" v="4398" actId="20577"/>
+          <ac:spMkLst>
+            <pc:docMk/>
+            <pc:sldMk cId="3067360380" sldId="267"/>
+            <ac:spMk id="9" creationId="{84ABFCD9-1D23-4882-9A99-C1863F6D6FEC}"/>
+          </ac:spMkLst>
+        </pc:spChg>
+        <pc:spChg chg="del">
+          <ac:chgData name="김 소희" userId="bb2aac79503078d9" providerId="Windows Live" clId="Web-{0E6A21B4-57FE-4EAC-9D01-36AC7F607920}" dt="2022-03-14T02:31:21.181" v="3286"/>
+          <ac:spMkLst>
+            <pc:docMk/>
+            <pc:sldMk cId="3067360380" sldId="267"/>
+            <ac:spMk id="11" creationId="{B399ABEB-A251-4952-9CB5-C908D743E8AE}"/>
+          </ac:spMkLst>
+        </pc:spChg>
+        <pc:spChg chg="add del mod">
+          <ac:chgData name="김 소희" userId="bb2aac79503078d9" providerId="Windows Live" clId="Web-{0E6A21B4-57FE-4EAC-9D01-36AC7F607920}" dt="2022-03-14T02:31:19.837" v="3285"/>
+          <ac:spMkLst>
+            <pc:docMk/>
+            <pc:sldMk cId="3067360380" sldId="267"/>
+            <ac:spMk id="12" creationId="{59163F0C-0039-49C8-AB74-BECD648F99AC}"/>
+          </ac:spMkLst>
+        </pc:spChg>
+        <pc:spChg chg="add mod">
+          <ac:chgData name="김 소희" userId="bb2aac79503078d9" providerId="Windows Live" clId="Web-{0E6A21B4-57FE-4EAC-9D01-36AC7F607920}" dt="2022-03-14T03:03:54.360" v="4394" actId="20577"/>
+          <ac:spMkLst>
+            <pc:docMk/>
+            <pc:sldMk cId="3067360380" sldId="267"/>
+            <ac:spMk id="13" creationId="{B961FD0D-3FB2-4DA6-8A86-A1F65CE772C4}"/>
+          </ac:spMkLst>
+        </pc:spChg>
+        <pc:spChg chg="add del mod">
+          <ac:chgData name="김 소희" userId="bb2aac79503078d9" providerId="Windows Live" clId="Web-{0E6A21B4-57FE-4EAC-9D01-36AC7F607920}" dt="2022-03-14T03:05:52.752" v="4416"/>
+          <ac:spMkLst>
+            <pc:docMk/>
+            <pc:sldMk cId="3067360380" sldId="267"/>
+            <ac:spMk id="17" creationId="{EDE18E0F-0747-4D3C-A77F-22B2AF00E177}"/>
+          </ac:spMkLst>
+        </pc:spChg>
+        <pc:picChg chg="del">
+          <ac:chgData name="김 소희" userId="bb2aac79503078d9" providerId="Windows Live" clId="Web-{0E6A21B4-57FE-4EAC-9D01-36AC7F607920}" dt="2022-03-14T02:31:08.477" v="3280"/>
+          <ac:picMkLst>
+            <pc:docMk/>
+            <pc:sldMk cId="3067360380" sldId="267"/>
+            <ac:picMk id="4" creationId="{13F3790E-47DA-4DE8-8664-C7DA8110652D}"/>
+          </ac:picMkLst>
+        </pc:picChg>
+        <pc:picChg chg="del">
+          <ac:chgData name="김 소희" userId="bb2aac79503078d9" providerId="Windows Live" clId="Web-{0E6A21B4-57FE-4EAC-9D01-36AC7F607920}" dt="2022-03-14T02:31:10.493" v="3282"/>
+          <ac:picMkLst>
+            <pc:docMk/>
+            <pc:sldMk cId="3067360380" sldId="267"/>
+            <ac:picMk id="6" creationId="{1A73FD7F-0F97-4EDA-AD42-5A7D3BDFCE19}"/>
+          </ac:picMkLst>
+        </pc:picChg>
+        <pc:picChg chg="del">
+          <ac:chgData name="김 소희" userId="bb2aac79503078d9" providerId="Windows Live" clId="Web-{0E6A21B4-57FE-4EAC-9D01-36AC7F607920}" dt="2022-03-14T02:31:09.602" v="3281"/>
+          <ac:picMkLst>
+            <pc:docMk/>
+            <pc:sldMk cId="3067360380" sldId="267"/>
+            <ac:picMk id="8" creationId="{8397646D-EA48-4536-8AE1-A92BEE0873D0}"/>
+          </ac:picMkLst>
+        </pc:picChg>
+        <pc:picChg chg="add mod">
+          <ac:chgData name="김 소희" userId="bb2aac79503078d9" providerId="Windows Live" clId="Web-{0E6A21B4-57FE-4EAC-9D01-36AC7F607920}" dt="2022-03-14T03:06:10.534" v="4423" actId="1076"/>
+          <ac:picMkLst>
+            <pc:docMk/>
+            <pc:sldMk cId="3067360380" sldId="267"/>
+            <ac:picMk id="14" creationId="{84F61B69-5F1E-49BC-A6B3-D51EDF87EDD3}"/>
+          </ac:picMkLst>
+        </pc:picChg>
+        <pc:picChg chg="add mod">
+          <ac:chgData name="김 소희" userId="bb2aac79503078d9" providerId="Windows Live" clId="Web-{0E6A21B4-57FE-4EAC-9D01-36AC7F607920}" dt="2022-03-14T03:06:00.174" v="4418" actId="1076"/>
+          <ac:picMkLst>
+            <pc:docMk/>
+            <pc:sldMk cId="3067360380" sldId="267"/>
+            <ac:picMk id="15" creationId="{83B72ABF-5CED-4190-B825-72722565D01A}"/>
+          </ac:picMkLst>
+        </pc:picChg>
+        <pc:picChg chg="add mod">
+          <ac:chgData name="김 소희" userId="bb2aac79503078d9" providerId="Windows Live" clId="Web-{0E6A21B4-57FE-4EAC-9D01-36AC7F607920}" dt="2022-03-14T03:06:08.784" v="4422" actId="1076"/>
+          <ac:picMkLst>
+            <pc:docMk/>
+            <pc:sldMk cId="3067360380" sldId="267"/>
+            <ac:picMk id="16" creationId="{BE7561DC-5BDE-44E1-BE92-2D165A481614}"/>
+          </ac:picMkLst>
+        </pc:picChg>
+      </pc:sldChg>
+    </pc:docChg>
+  </pc:docChgLst>
+  <pc:docChgLst>
+    <pc:chgData name="김 소희" userId="bb2aac79503078d9" providerId="Windows Live" clId="Web-{693E72B1-7C15-44F0-81C4-8666D4BC6FB4}"/>
+    <pc:docChg chg="addSld modSld">
+      <pc:chgData name="김 소희" userId="bb2aac79503078d9" providerId="Windows Live" clId="Web-{693E72B1-7C15-44F0-81C4-8666D4BC6FB4}" dt="2022-03-14T00:40:14.820" v="10"/>
+      <pc:docMkLst>
+        <pc:docMk/>
+      </pc:docMkLst>
+      <pc:sldChg chg="modSp">
+        <pc:chgData name="김 소희" userId="bb2aac79503078d9" providerId="Windows Live" clId="Web-{693E72B1-7C15-44F0-81C4-8666D4BC6FB4}" dt="2022-03-14T00:37:14.597" v="3" actId="20577"/>
+        <pc:sldMkLst>
+          <pc:docMk/>
+          <pc:sldMk cId="423862740" sldId="257"/>
+        </pc:sldMkLst>
+        <pc:spChg chg="mod">
+          <ac:chgData name="김 소희" userId="bb2aac79503078d9" providerId="Windows Live" clId="Web-{693E72B1-7C15-44F0-81C4-8666D4BC6FB4}" dt="2022-03-14T00:37:14.597" v="3" actId="20577"/>
+          <ac:spMkLst>
+            <pc:docMk/>
+            <pc:sldMk cId="423862740" sldId="257"/>
+            <ac:spMk id="13" creationId="{27CDA0AC-25EA-4DAC-B0C9-931F4D219399}"/>
+          </ac:spMkLst>
+        </pc:spChg>
+      </pc:sldChg>
+      <pc:sldChg chg="modSp">
+        <pc:chgData name="김 소희" userId="bb2aac79503078d9" providerId="Windows Live" clId="Web-{693E72B1-7C15-44F0-81C4-8666D4BC6FB4}" dt="2022-03-14T00:36:52.518" v="1" actId="20577"/>
+        <pc:sldMkLst>
+          <pc:docMk/>
+          <pc:sldMk cId="1661784816" sldId="263"/>
+        </pc:sldMkLst>
+        <pc:spChg chg="mod">
+          <ac:chgData name="김 소희" userId="bb2aac79503078d9" providerId="Windows Live" clId="Web-{693E72B1-7C15-44F0-81C4-8666D4BC6FB4}" dt="2022-03-14T00:36:52.518" v="1" actId="20577"/>
+          <ac:spMkLst>
+            <pc:docMk/>
+            <pc:sldMk cId="1661784816" sldId="263"/>
+            <ac:spMk id="13" creationId="{27CDA0AC-25EA-4DAC-B0C9-931F4D219399}"/>
+          </ac:spMkLst>
+        </pc:spChg>
+      </pc:sldChg>
+      <pc:sldChg chg="delSp modSp add replId">
+        <pc:chgData name="김 소희" userId="bb2aac79503078d9" providerId="Windows Live" clId="Web-{693E72B1-7C15-44F0-81C4-8666D4BC6FB4}" dt="2022-03-14T00:40:14.820" v="10"/>
+        <pc:sldMkLst>
+          <pc:docMk/>
+          <pc:sldMk cId="1028700088" sldId="264"/>
+        </pc:sldMkLst>
+        <pc:spChg chg="mod">
+          <ac:chgData name="김 소희" userId="bb2aac79503078d9" providerId="Windows Live" clId="Web-{693E72B1-7C15-44F0-81C4-8666D4BC6FB4}" dt="2022-03-14T00:40:12.913" v="7" actId="20577"/>
+          <ac:spMkLst>
+            <pc:docMk/>
+            <pc:sldMk cId="1028700088" sldId="264"/>
+            <ac:spMk id="8" creationId="{04E72B91-2C90-4124-AC90-21F824F6DA0A}"/>
+          </ac:spMkLst>
+        </pc:spChg>
+        <pc:spChg chg="del">
+          <ac:chgData name="김 소희" userId="bb2aac79503078d9" providerId="Windows Live" clId="Web-{693E72B1-7C15-44F0-81C4-8666D4BC6FB4}" dt="2022-03-14T00:40:14.820" v="10"/>
+          <ac:spMkLst>
+            <pc:docMk/>
+            <pc:sldMk cId="1028700088" sldId="264"/>
+            <ac:spMk id="12" creationId="{60DC85CD-861F-4018-81C9-4CD159A36866}"/>
+          </ac:spMkLst>
+        </pc:spChg>
+        <pc:spChg chg="del">
+          <ac:chgData name="김 소희" userId="bb2aac79503078d9" providerId="Windows Live" clId="Web-{693E72B1-7C15-44F0-81C4-8666D4BC6FB4}" dt="2022-03-14T00:40:14.820" v="9"/>
+          <ac:spMkLst>
+            <pc:docMk/>
+            <pc:sldMk cId="1028700088" sldId="264"/>
+            <ac:spMk id="14" creationId="{E95AF7DB-CDD6-4750-87F8-F6011912B22D}"/>
+          </ac:spMkLst>
+        </pc:spChg>
+        <pc:picChg chg="del">
+          <ac:chgData name="김 소희" userId="bb2aac79503078d9" providerId="Windows Live" clId="Web-{693E72B1-7C15-44F0-81C4-8666D4BC6FB4}" dt="2022-03-14T00:40:11.929" v="5"/>
+          <ac:picMkLst>
+            <pc:docMk/>
+            <pc:sldMk cId="1028700088" sldId="264"/>
+            <ac:picMk id="10" creationId="{1BABC834-48ED-4795-987C-D71DADD68AA8}"/>
+          </ac:picMkLst>
+        </pc:picChg>
+        <pc:picChg chg="del">
+          <ac:chgData name="김 소희" userId="bb2aac79503078d9" providerId="Windows Live" clId="Web-{693E72B1-7C15-44F0-81C4-8666D4BC6FB4}" dt="2022-03-14T00:40:13.476" v="8"/>
+          <ac:picMkLst>
+            <pc:docMk/>
+            <pc:sldMk cId="1028700088" sldId="264"/>
+            <ac:picMk id="11" creationId="{45B4170D-1E8E-4B4D-8BFF-9225AACFCAE4}"/>
+          </ac:picMkLst>
+        </pc:picChg>
+        <pc:picChg chg="del">
+          <ac:chgData name="김 소희" userId="bb2aac79503078d9" providerId="Windows Live" clId="Web-{693E72B1-7C15-44F0-81C4-8666D4BC6FB4}" dt="2022-03-14T00:40:12.398" v="6"/>
+          <ac:picMkLst>
+            <pc:docMk/>
+            <pc:sldMk cId="1028700088" sldId="264"/>
+            <ac:picMk id="13" creationId="{2F61108A-2474-4CC3-B64C-CFB10F5BABA5}"/>
+          </ac:picMkLst>
+        </pc:picChg>
+      </pc:sldChg>
+    </pc:docChg>
+  </pc:docChgLst>
 </pc:chgInfo>
+</file>
+
+<file path=ppt/notesMasters/notesMaster1.xml><?xml version="1.0" encoding="utf-8"?>
+<p:notesMaster xmlns:a="http://schemas.openxmlformats.org/drawingml/2006/main" xmlns:r="http://schemas.openxmlformats.org/officeDocument/2006/relationships" xmlns:p="http://schemas.openxmlformats.org/presentationml/2006/main">
+  <p:cSld>
+    <p:bg>
+      <p:bgRef idx="1001">
+        <a:schemeClr val="bg1"/>
+      </p:bgRef>
+    </p:bg>
+    <p:spTree>
+      <p:nvGrpSpPr>
+        <p:cNvPr id="1" name=""/>
+        <p:cNvGrpSpPr/>
+        <p:nvPr/>
+      </p:nvGrpSpPr>
+      <p:grpSpPr>
+        <a:xfrm>
+          <a:off x="0" y="0"/>
+          <a:ext cx="0" cy="0"/>
+          <a:chOff x="0" y="0"/>
+          <a:chExt cx="0" cy="0"/>
+        </a:xfrm>
+      </p:grpSpPr>
+      <p:sp>
+        <p:nvSpPr>
+          <p:cNvPr id="2" name="머리글 개체 틀 1"/>
+          <p:cNvSpPr>
+            <a:spLocks noGrp="1"/>
+          </p:cNvSpPr>
+          <p:nvPr>
+            <p:ph type="hdr" sz="quarter"/>
+          </p:nvPr>
+        </p:nvSpPr>
+        <p:spPr>
+          <a:xfrm>
+            <a:off x="0" y="0"/>
+            <a:ext cx="2971800" cy="458788"/>
+          </a:xfrm>
+          <a:prstGeom prst="rect">
+            <a:avLst/>
+          </a:prstGeom>
+        </p:spPr>
+        <p:txBody>
+          <a:bodyPr vert="horz" lIns="91440" tIns="45720" rIns="91440" bIns="45720" rtlCol="0"/>
+          <a:lstStyle>
+            <a:lvl1pPr algn="l">
+              <a:defRPr sz="1200"/>
+            </a:lvl1pPr>
+          </a:lstStyle>
+          <a:p>
+            <a:endParaRPr lang="ko-KR" altLang="en-US"/>
+          </a:p>
+        </p:txBody>
+      </p:sp>
+      <p:sp>
+        <p:nvSpPr>
+          <p:cNvPr id="3" name="날짜 개체 틀 2"/>
+          <p:cNvSpPr>
+            <a:spLocks noGrp="1"/>
+          </p:cNvSpPr>
+          <p:nvPr>
+            <p:ph type="dt" idx="1"/>
+          </p:nvPr>
+        </p:nvSpPr>
+        <p:spPr>
+          <a:xfrm>
+            <a:off x="3884613" y="0"/>
+            <a:ext cx="2971800" cy="458788"/>
+          </a:xfrm>
+          <a:prstGeom prst="rect">
+            <a:avLst/>
+          </a:prstGeom>
+        </p:spPr>
+        <p:txBody>
+          <a:bodyPr vert="horz" lIns="91440" tIns="45720" rIns="91440" bIns="45720" rtlCol="0"/>
+          <a:lstStyle>
+            <a:lvl1pPr algn="r">
+              <a:defRPr sz="1200"/>
+            </a:lvl1pPr>
+          </a:lstStyle>
+          <a:p>
+            <a:fld id="{C40E2386-B155-490E-B4F1-B9D81C4A81A4}" type="datetimeFigureOut">
+              <a:t>3/13/2022</a:t>
+            </a:fld>
+            <a:endParaRPr lang="ko-KR" altLang="en-US"/>
+          </a:p>
+        </p:txBody>
+      </p:sp>
+      <p:sp>
+        <p:nvSpPr>
+          <p:cNvPr id="4" name="슬라이드 이미지 개체 틀 3"/>
+          <p:cNvSpPr>
+            <a:spLocks noGrp="1" noRot="1" noChangeAspect="1"/>
+          </p:cNvSpPr>
+          <p:nvPr>
+            <p:ph type="sldImg" idx="2"/>
+          </p:nvPr>
+        </p:nvSpPr>
+        <p:spPr>
+          <a:xfrm>
+            <a:off x="685800" y="1143000"/>
+            <a:ext cx="5486400" cy="3086100"/>
+          </a:xfrm>
+          <a:prstGeom prst="rect">
+            <a:avLst/>
+          </a:prstGeom>
+          <a:noFill/>
+          <a:ln w="12700">
+            <a:solidFill>
+              <a:prstClr val="black"/>
+            </a:solidFill>
+          </a:ln>
+        </p:spPr>
+        <p:txBody>
+          <a:bodyPr vert="horz" lIns="91440" tIns="45720" rIns="91440" bIns="45720" rtlCol="0" anchor="ctr"/>
+          <a:lstStyle/>
+          <a:p>
+            <a:endParaRPr lang="ko-KR" altLang="en-US"/>
+          </a:p>
+        </p:txBody>
+      </p:sp>
+      <p:sp>
+        <p:nvSpPr>
+          <p:cNvPr id="5" name="슬라이드 노트 개체 틀 4"/>
+          <p:cNvSpPr>
+            <a:spLocks noGrp="1"/>
+          </p:cNvSpPr>
+          <p:nvPr>
+            <p:ph type="body" sz="quarter" idx="3"/>
+          </p:nvPr>
+        </p:nvSpPr>
+        <p:spPr>
+          <a:xfrm>
+            <a:off x="685800" y="4400550"/>
+            <a:ext cx="5486400" cy="3600450"/>
+          </a:xfrm>
+          <a:prstGeom prst="rect">
+            <a:avLst/>
+          </a:prstGeom>
+        </p:spPr>
+        <p:txBody>
+          <a:bodyPr vert="horz" lIns="91440" tIns="45720" rIns="91440" bIns="45720" rtlCol="0"/>
+          <a:lstStyle/>
+          <a:p>
+            <a:pPr lvl="0"/>
+            <a:r>
+              <a:rPr lang="ko-KR" altLang="en-US"/>
+              <a:t>마스터 텍스트 스타일을 편집하려면 클릭</a:t>
+            </a:r>
+          </a:p>
+          <a:p>
+            <a:pPr lvl="1"/>
+            <a:r>
+              <a:rPr lang="ko-KR" altLang="en-US"/>
+              <a:t>두 번째 수준</a:t>
+            </a:r>
+          </a:p>
+          <a:p>
+            <a:pPr lvl="2"/>
+            <a:r>
+              <a:rPr lang="ko-KR" altLang="en-US"/>
+              <a:t>세 번째 수준</a:t>
+            </a:r>
+          </a:p>
+          <a:p>
+            <a:pPr lvl="3"/>
+            <a:r>
+              <a:rPr lang="ko-KR" altLang="en-US"/>
+              <a:t>네 번째 수준</a:t>
+            </a:r>
+          </a:p>
+          <a:p>
+            <a:pPr lvl="4"/>
+            <a:r>
+              <a:rPr lang="ko-KR" altLang="en-US"/>
+              <a:t>다섯 번째 수준</a:t>
+            </a:r>
+          </a:p>
+        </p:txBody>
+      </p:sp>
+      <p:sp>
+        <p:nvSpPr>
+          <p:cNvPr id="6" name="바닥글 개체 틀 5"/>
+          <p:cNvSpPr>
+            <a:spLocks noGrp="1"/>
+          </p:cNvSpPr>
+          <p:nvPr>
+            <p:ph type="ftr" sz="quarter" idx="4"/>
+          </p:nvPr>
+        </p:nvSpPr>
+        <p:spPr>
+          <a:xfrm>
+            <a:off x="0" y="8685213"/>
+            <a:ext cx="2971800" cy="458787"/>
+          </a:xfrm>
+          <a:prstGeom prst="rect">
+            <a:avLst/>
+          </a:prstGeom>
+        </p:spPr>
+        <p:txBody>
+          <a:bodyPr vert="horz" lIns="91440" tIns="45720" rIns="91440" bIns="45720" rtlCol="0" anchor="b"/>
+          <a:lstStyle>
+            <a:lvl1pPr algn="l">
+              <a:defRPr sz="1200"/>
+            </a:lvl1pPr>
+          </a:lstStyle>
+          <a:p>
+            <a:endParaRPr lang="ko-KR" altLang="en-US"/>
+          </a:p>
+        </p:txBody>
+      </p:sp>
+      <p:sp>
+        <p:nvSpPr>
+          <p:cNvPr id="7" name="슬라이드 번호 개체 틀 6"/>
+          <p:cNvSpPr>
+            <a:spLocks noGrp="1"/>
+          </p:cNvSpPr>
+          <p:nvPr>
+            <p:ph type="sldNum" sz="quarter" idx="5"/>
+          </p:nvPr>
+        </p:nvSpPr>
+        <p:spPr>
+          <a:xfrm>
+            <a:off x="3884613" y="8685213"/>
+            <a:ext cx="2971800" cy="458787"/>
+          </a:xfrm>
+          <a:prstGeom prst="rect">
+            <a:avLst/>
+          </a:prstGeom>
+        </p:spPr>
+        <p:txBody>
+          <a:bodyPr vert="horz" lIns="91440" tIns="45720" rIns="91440" bIns="45720" rtlCol="0" anchor="b"/>
+          <a:lstStyle>
+            <a:lvl1pPr algn="r">
+              <a:defRPr sz="1200"/>
+            </a:lvl1pPr>
+          </a:lstStyle>
+          <a:p>
+            <a:fld id="{20B22BA1-4AA9-41CC-9C6D-DFFEEC18A739}" type="slidenum">
+              <a:t>‹#›</a:t>
+            </a:fld>
+            <a:endParaRPr lang="ko-KR" altLang="en-US"/>
+          </a:p>
+        </p:txBody>
+      </p:sp>
+    </p:spTree>
+    <p:extLst>
+      <p:ext uri="{BB962C8B-B14F-4D97-AF65-F5344CB8AC3E}">
+        <p14:creationId xmlns:p14="http://schemas.microsoft.com/office/powerpoint/2010/main" val="4049915546"/>
+      </p:ext>
+    </p:extLst>
+  </p:cSld>
+  <p:clrMap bg1="lt1" tx1="dk1" bg2="lt2" tx2="dk2" accent1="accent1" accent2="accent2" accent3="accent3" accent4="accent4" accent5="accent5" accent6="accent6" hlink="hlink" folHlink="folHlink"/>
+  <p:notesStyle>
+    <a:lvl1pPr marL="0" algn="l" defTabSz="914400" rtl="0" eaLnBrk="1" latinLnBrk="1" hangingPunct="1">
+      <a:defRPr sz="1200" kern="1200">
+        <a:solidFill>
+          <a:schemeClr val="tx1"/>
+        </a:solidFill>
+        <a:latin typeface="+mn-lt"/>
+        <a:ea typeface="+mn-ea"/>
+        <a:cs typeface="+mn-cs"/>
+      </a:defRPr>
+    </a:lvl1pPr>
+    <a:lvl2pPr marL="457200" algn="l" defTabSz="914400" rtl="0" eaLnBrk="1" latinLnBrk="1" hangingPunct="1">
+      <a:defRPr sz="1200" kern="1200">
+        <a:solidFill>
+          <a:schemeClr val="tx1"/>
+        </a:solidFill>
+        <a:latin typeface="+mn-lt"/>
+        <a:ea typeface="+mn-ea"/>
+        <a:cs typeface="+mn-cs"/>
+      </a:defRPr>
+    </a:lvl2pPr>
+    <a:lvl3pPr marL="914400" algn="l" defTabSz="914400" rtl="0" eaLnBrk="1" latinLnBrk="1" hangingPunct="1">
+      <a:defRPr sz="1200" kern="1200">
+        <a:solidFill>
+          <a:schemeClr val="tx1"/>
+        </a:solidFill>
+        <a:latin typeface="+mn-lt"/>
+        <a:ea typeface="+mn-ea"/>
+        <a:cs typeface="+mn-cs"/>
+      </a:defRPr>
+    </a:lvl3pPr>
+    <a:lvl4pPr marL="1371600" algn="l" defTabSz="914400" rtl="0" eaLnBrk="1" latinLnBrk="1" hangingPunct="1">
+      <a:defRPr sz="1200" kern="1200">
+        <a:solidFill>
+          <a:schemeClr val="tx1"/>
+        </a:solidFill>
+        <a:latin typeface="+mn-lt"/>
+        <a:ea typeface="+mn-ea"/>
+        <a:cs typeface="+mn-cs"/>
+      </a:defRPr>
+    </a:lvl4pPr>
+    <a:lvl5pPr marL="1828800" algn="l" defTabSz="914400" rtl="0" eaLnBrk="1" latinLnBrk="1" hangingPunct="1">
+      <a:defRPr sz="1200" kern="1200">
+        <a:solidFill>
+          <a:schemeClr val="tx1"/>
+        </a:solidFill>
+        <a:latin typeface="+mn-lt"/>
+        <a:ea typeface="+mn-ea"/>
+        <a:cs typeface="+mn-cs"/>
+      </a:defRPr>
+    </a:lvl5pPr>
+    <a:lvl6pPr marL="2286000" algn="l" defTabSz="914400" rtl="0" eaLnBrk="1" latinLnBrk="1" hangingPunct="1">
+      <a:defRPr sz="1200" kern="1200">
+        <a:solidFill>
+          <a:schemeClr val="tx1"/>
+        </a:solidFill>
+        <a:latin typeface="+mn-lt"/>
+        <a:ea typeface="+mn-ea"/>
+        <a:cs typeface="+mn-cs"/>
+      </a:defRPr>
+    </a:lvl6pPr>
+    <a:lvl7pPr marL="2743200" algn="l" defTabSz="914400" rtl="0" eaLnBrk="1" latinLnBrk="1" hangingPunct="1">
+      <a:defRPr sz="1200" kern="1200">
+        <a:solidFill>
+          <a:schemeClr val="tx1"/>
+        </a:solidFill>
+        <a:latin typeface="+mn-lt"/>
+        <a:ea typeface="+mn-ea"/>
+        <a:cs typeface="+mn-cs"/>
+      </a:defRPr>
+    </a:lvl7pPr>
+    <a:lvl8pPr marL="3200400" algn="l" defTabSz="914400" rtl="0" eaLnBrk="1" latinLnBrk="1" hangingPunct="1">
+      <a:defRPr sz="1200" kern="1200">
+        <a:solidFill>
+          <a:schemeClr val="tx1"/>
+        </a:solidFill>
+        <a:latin typeface="+mn-lt"/>
+        <a:ea typeface="+mn-ea"/>
+        <a:cs typeface="+mn-cs"/>
+      </a:defRPr>
+    </a:lvl8pPr>
+    <a:lvl9pPr marL="3657600" algn="l" defTabSz="914400" rtl="0" eaLnBrk="1" latinLnBrk="1" hangingPunct="1">
+      <a:defRPr sz="1200" kern="1200">
+        <a:solidFill>
+          <a:schemeClr val="tx1"/>
+        </a:solidFill>
+        <a:latin typeface="+mn-lt"/>
+        <a:ea typeface="+mn-ea"/>
+        <a:cs typeface="+mn-cs"/>
+      </a:defRPr>
+    </a:lvl9pPr>
+  </p:notesStyle>
+</p:notesMaster>
+</file>
+
+<file path=ppt/notesSlides/notesSlide1.xml><?xml version="1.0" encoding="utf-8"?>
+<p:notes xmlns:a="http://schemas.openxmlformats.org/drawingml/2006/main" xmlns:r="http://schemas.openxmlformats.org/officeDocument/2006/relationships" xmlns:p="http://schemas.openxmlformats.org/presentationml/2006/main">
+  <p:cSld>
+    <p:spTree>
+      <p:nvGrpSpPr>
+        <p:cNvPr id="1" name=""/>
+        <p:cNvGrpSpPr/>
+        <p:nvPr/>
+      </p:nvGrpSpPr>
+      <p:grpSpPr>
+        <a:xfrm>
+          <a:off x="0" y="0"/>
+          <a:ext cx="0" cy="0"/>
+          <a:chOff x="0" y="0"/>
+          <a:chExt cx="0" cy="0"/>
+        </a:xfrm>
+      </p:grpSpPr>
+      <p:sp>
+        <p:nvSpPr>
+          <p:cNvPr id="2" name="슬라이드 이미지 개체 틀 1"/>
+          <p:cNvSpPr>
+            <a:spLocks noGrp="1" noRot="1" noChangeAspect="1"/>
+          </p:cNvSpPr>
+          <p:nvPr>
+            <p:ph type="sldImg"/>
+          </p:nvPr>
+        </p:nvSpPr>
+        <p:spPr/>
+      </p:sp>
+      <p:sp>
+        <p:nvSpPr>
+          <p:cNvPr id="3" name="슬라이드 노트 개체 틀 2"/>
+          <p:cNvSpPr>
+            <a:spLocks noGrp="1"/>
+          </p:cNvSpPr>
+          <p:nvPr>
+            <p:ph type="body" idx="1"/>
+          </p:nvPr>
+        </p:nvSpPr>
+        <p:spPr/>
+        <p:txBody>
+          <a:bodyPr/>
+          <a:lstStyle/>
+          <a:p>
+            <a:r>
+              <a:rPr lang="en-US" altLang="ko-KR">
+                <a:ea typeface="맑은 고딕"/>
+              </a:rPr>
+              <a:t>1.</a:t>
+            </a:r>
+            <a:r>
+              <a:rPr lang="ko-KR" altLang="en-US">
+                <a:ea typeface="맑은 고딕"/>
+              </a:rPr>
+              <a:t> </a:t>
+            </a:r>
+            <a:r>
+              <a:rPr lang="en-US" altLang="ko-KR">
+                <a:ea typeface="맑은 고딕"/>
+              </a:rPr>
+              <a:t>3d</a:t>
+            </a:r>
+            <a:r>
+              <a:rPr lang="ko-KR" altLang="en-US">
+                <a:ea typeface="맑은 고딕"/>
+              </a:rPr>
+              <a:t>에서 어떻게 딥러닝을 써서 </a:t>
+            </a:r>
+            <a:r>
+              <a:rPr lang="en-US" altLang="ko-KR">
+                <a:ea typeface="맑은 고딕"/>
+              </a:rPr>
+              <a:t>training</a:t>
+            </a:r>
+            <a:r>
+              <a:rPr lang="ko-KR" altLang="en-US">
+                <a:ea typeface="맑은 고딕"/>
+              </a:rPr>
+              <a:t>을 해서 </a:t>
+            </a:r>
+            <a:r>
+              <a:rPr lang="en-US" altLang="ko-KR">
+                <a:ea typeface="맑은 고딕"/>
+              </a:rPr>
+              <a:t>shape</a:t>
+            </a:r>
+            <a:r>
+              <a:rPr lang="ko-KR" altLang="en-US">
+                <a:ea typeface="맑은 고딕"/>
+              </a:rPr>
+              <a:t> </a:t>
+            </a:r>
+            <a:r>
+              <a:rPr lang="en-US" altLang="ko-KR">
+                <a:ea typeface="맑은 고딕"/>
+              </a:rPr>
+              <a:t>genration</a:t>
+            </a:r>
+            <a:r>
+              <a:rPr lang="ko-KR" altLang="en-US">
+                <a:ea typeface="맑은 고딕"/>
+              </a:rPr>
+              <a:t>을 할까</a:t>
+            </a:r>
+          </a:p>
+          <a:p>
+            <a:endParaRPr lang="en-US">
+              <a:latin typeface="Calibri"/>
+              <a:cs typeface="Calibri"/>
+            </a:endParaRPr>
+          </a:p>
+          <a:p>
+            <a:r>
+              <a:rPr lang="en-US">
+                <a:latin typeface="Calibri"/>
+                <a:cs typeface="Calibri"/>
+              </a:rPr>
+              <a:t>64*64*64 </a:t>
+            </a:r>
+            <a:r>
+              <a:rPr lang="ko-KR" altLang="en-US">
+                <a:latin typeface="Calibri"/>
+                <a:ea typeface="맑은 고딕"/>
+                <a:cs typeface="Calibri"/>
+              </a:rPr>
+              <a:t>해상도를</a:t>
+            </a:r>
+            <a:r>
+              <a:rPr lang="en-US">
+                <a:latin typeface="Calibri"/>
+                <a:cs typeface="Calibri"/>
+              </a:rPr>
+              <a:t> </a:t>
+            </a:r>
+            <a:r>
+              <a:rPr lang="ko-KR" altLang="en-US">
+                <a:latin typeface="Calibri"/>
+                <a:ea typeface="맑은 고딕"/>
+                <a:cs typeface="Calibri"/>
+              </a:rPr>
+              <a:t>넘어가기가</a:t>
+            </a:r>
+            <a:r>
+              <a:rPr lang="en-US">
+                <a:latin typeface="Calibri"/>
+                <a:cs typeface="Calibri"/>
+              </a:rPr>
+              <a:t> </a:t>
+            </a:r>
+            <a:r>
+              <a:rPr lang="ko-KR" altLang="en-US" err="1">
+                <a:latin typeface="Calibri"/>
+                <a:ea typeface="맑은 고딕"/>
+                <a:cs typeface="Calibri"/>
+              </a:rPr>
+              <a:t>힘듬</a:t>
+            </a:r>
+            <a:r>
+              <a:rPr lang="ko-KR" altLang="en-US">
+                <a:latin typeface="Calibri"/>
+                <a:ea typeface="맑은 고딕"/>
+                <a:cs typeface="Calibri"/>
+              </a:rPr>
+              <a:t> ( GPU 메모리 한계 때문에)</a:t>
+            </a:r>
+            <a:endParaRPr lang="ko-KR"/>
+          </a:p>
+          <a:p>
+            <a:r>
+              <a:rPr lang="ko-KR" altLang="en-US">
+                <a:latin typeface="Calibri"/>
+                <a:ea typeface="맑은 고딕"/>
+                <a:cs typeface="Calibri"/>
+              </a:rPr>
+              <a:t>효율적으로 </a:t>
+            </a:r>
+            <a:r>
+              <a:rPr lang="ko-KR" altLang="en-US" err="1">
+                <a:latin typeface="Calibri"/>
+                <a:ea typeface="맑은 고딕"/>
+                <a:cs typeface="Calibri"/>
+              </a:rPr>
+              <a:t>딥러닝을</a:t>
+            </a:r>
+            <a:r>
+              <a:rPr lang="ko-KR" altLang="en-US">
+                <a:latin typeface="Calibri"/>
+                <a:ea typeface="맑은 고딕"/>
+                <a:cs typeface="Calibri"/>
+              </a:rPr>
+              <a:t> 돌리기 위해 -   </a:t>
+            </a:r>
+            <a:r>
+              <a:rPr lang="ko-KR" altLang="en-US" err="1">
+                <a:latin typeface="Calibri"/>
+                <a:ea typeface="맑은 고딕"/>
+                <a:cs typeface="Calibri"/>
+              </a:rPr>
+              <a:t>sparsity</a:t>
+            </a:r>
+            <a:r>
+              <a:rPr lang="ko-KR" altLang="en-US">
+                <a:latin typeface="Calibri"/>
+                <a:ea typeface="맑은 고딕"/>
+                <a:cs typeface="Calibri"/>
+              </a:rPr>
+              <a:t> 사용 = 많은 부분이 </a:t>
+            </a:r>
+            <a:r>
+              <a:rPr lang="ko-KR" altLang="en-US" err="1">
+                <a:latin typeface="Calibri"/>
+                <a:ea typeface="맑은 고딕"/>
+                <a:cs typeface="Calibri"/>
+              </a:rPr>
+              <a:t>빈공간</a:t>
+            </a:r>
+            <a:r>
+              <a:rPr lang="ko-KR" altLang="en-US">
+                <a:latin typeface="Calibri"/>
+                <a:ea typeface="맑은 고딕"/>
+                <a:cs typeface="Calibri"/>
+              </a:rPr>
+              <a:t>. </a:t>
+            </a:r>
+            <a:br>
+              <a:rPr lang="ko-KR" altLang="en-US">
+                <a:latin typeface="Calibri"/>
+                <a:ea typeface="맑은 고딕"/>
+                <a:cs typeface="Calibri"/>
+              </a:rPr>
+            </a:br>
+            <a:r>
+              <a:rPr lang="ko-KR" altLang="en-US">
+                <a:latin typeface="Calibri"/>
+                <a:ea typeface="맑은 고딕"/>
+                <a:cs typeface="Calibri"/>
+              </a:rPr>
+              <a:t> </a:t>
+            </a:r>
+            <a:r>
+              <a:rPr lang="ko-KR" altLang="en-US" err="1">
+                <a:latin typeface="Calibri"/>
+                <a:ea typeface="맑은 고딕"/>
+                <a:cs typeface="Calibri"/>
+              </a:rPr>
+              <a:t>Resolution</a:t>
+            </a:r>
+            <a:r>
+              <a:rPr lang="ko-KR" altLang="en-US">
+                <a:latin typeface="Calibri"/>
+                <a:ea typeface="맑은 고딕"/>
+                <a:cs typeface="Calibri"/>
+              </a:rPr>
+              <a:t> 올라가도 </a:t>
+            </a:r>
+            <a:r>
+              <a:rPr lang="ko-KR" altLang="en-US" err="1">
+                <a:latin typeface="Calibri"/>
+                <a:ea typeface="맑은 고딕"/>
+                <a:cs typeface="Calibri"/>
+              </a:rPr>
+              <a:t>sparsity</a:t>
+            </a:r>
+            <a:r>
+              <a:rPr lang="ko-KR" altLang="en-US">
+                <a:latin typeface="Calibri"/>
+                <a:ea typeface="맑은 고딕"/>
+                <a:cs typeface="Calibri"/>
+              </a:rPr>
+              <a:t> 잘 활용하면 효율적으로 딥 </a:t>
+            </a:r>
+            <a:r>
+              <a:rPr lang="ko-KR" altLang="en-US" err="1">
+                <a:latin typeface="Calibri"/>
+                <a:ea typeface="맑은 고딕"/>
+                <a:cs typeface="Calibri"/>
+              </a:rPr>
+              <a:t>뉴럴</a:t>
+            </a:r>
+            <a:r>
+              <a:rPr lang="ko-KR" altLang="en-US">
+                <a:latin typeface="Calibri"/>
+                <a:ea typeface="맑은 고딕"/>
+                <a:cs typeface="Calibri"/>
+              </a:rPr>
+              <a:t> 네트워크를 돌릴 수 있다.</a:t>
+            </a:r>
+          </a:p>
+          <a:p>
+            <a:endParaRPr lang="ko-KR" altLang="en-US">
+              <a:latin typeface="Calibri"/>
+              <a:ea typeface="맑은 고딕"/>
+              <a:cs typeface="Calibri"/>
+            </a:endParaRPr>
+          </a:p>
+          <a:p>
+            <a:endParaRPr lang="ko-KR" altLang="en-US">
+              <a:latin typeface="Calibri"/>
+              <a:ea typeface="맑은 고딕"/>
+              <a:cs typeface="Calibri"/>
+            </a:endParaRPr>
+          </a:p>
+        </p:txBody>
+      </p:sp>
+      <p:sp>
+        <p:nvSpPr>
+          <p:cNvPr id="4" name="슬라이드 번호 개체 틀 3"/>
+          <p:cNvSpPr>
+            <a:spLocks noGrp="1"/>
+          </p:cNvSpPr>
+          <p:nvPr>
+            <p:ph type="sldNum" sz="quarter" idx="5"/>
+          </p:nvPr>
+        </p:nvSpPr>
+        <p:spPr/>
+        <p:txBody>
+          <a:bodyPr/>
+          <a:lstStyle/>
+          <a:p>
+            <a:fld id="{20B22BA1-4AA9-41CC-9C6D-DFFEEC18A739}" type="slidenum">
+              <a:t>7</a:t>
+            </a:fld>
+            <a:endParaRPr lang="ko-KR" altLang="en-US"/>
+          </a:p>
+        </p:txBody>
+      </p:sp>
+    </p:spTree>
+    <p:extLst>
+      <p:ext uri="{BB962C8B-B14F-4D97-AF65-F5344CB8AC3E}">
+        <p14:creationId xmlns:p14="http://schemas.microsoft.com/office/powerpoint/2010/main" val="3880798694"/>
+      </p:ext>
+    </p:extLst>
+  </p:cSld>
+  <p:clrMapOvr>
+    <a:masterClrMapping/>
+  </p:clrMapOvr>
+</p:notes>
+</file>
+
+<file path=ppt/notesSlides/notesSlide2.xml><?xml version="1.0" encoding="utf-8"?>
+<p:notes xmlns:a="http://schemas.openxmlformats.org/drawingml/2006/main" xmlns:r="http://schemas.openxmlformats.org/officeDocument/2006/relationships" xmlns:p="http://schemas.openxmlformats.org/presentationml/2006/main">
+  <p:cSld>
+    <p:spTree>
+      <p:nvGrpSpPr>
+        <p:cNvPr id="1" name=""/>
+        <p:cNvGrpSpPr/>
+        <p:nvPr/>
+      </p:nvGrpSpPr>
+      <p:grpSpPr>
+        <a:xfrm>
+          <a:off x="0" y="0"/>
+          <a:ext cx="0" cy="0"/>
+          <a:chOff x="0" y="0"/>
+          <a:chExt cx="0" cy="0"/>
+        </a:xfrm>
+      </p:grpSpPr>
+      <p:sp>
+        <p:nvSpPr>
+          <p:cNvPr id="2" name="슬라이드 이미지 개체 틀 1"/>
+          <p:cNvSpPr>
+            <a:spLocks noGrp="1" noRot="1" noChangeAspect="1"/>
+          </p:cNvSpPr>
+          <p:nvPr>
+            <p:ph type="sldImg"/>
+          </p:nvPr>
+        </p:nvSpPr>
+        <p:spPr/>
+      </p:sp>
+      <p:sp>
+        <p:nvSpPr>
+          <p:cNvPr id="3" name="슬라이드 노트 개체 틀 2"/>
+          <p:cNvSpPr>
+            <a:spLocks noGrp="1"/>
+          </p:cNvSpPr>
+          <p:nvPr>
+            <p:ph type="body" idx="1"/>
+          </p:nvPr>
+        </p:nvSpPr>
+        <p:spPr/>
+        <p:txBody>
+          <a:bodyPr/>
+          <a:lstStyle/>
+          <a:p>
+            <a:r>
+              <a:rPr lang="en-US" altLang="ko-KR">
+                <a:latin typeface="Calibri"/>
+                <a:ea typeface="맑은 고딕"/>
+                <a:cs typeface="Calibri"/>
+              </a:rPr>
+              <a:t>2. 3d + 2d </a:t>
+            </a:r>
+            <a:r>
+              <a:rPr lang="en-US" altLang="ko-KR" err="1">
+                <a:latin typeface="Calibri"/>
+                <a:ea typeface="맑은 고딕"/>
+                <a:cs typeface="Calibri"/>
+              </a:rPr>
+              <a:t>데이터</a:t>
+            </a:r>
+            <a:r>
+              <a:rPr lang="en-US" altLang="ko-KR">
+                <a:latin typeface="Calibri"/>
+                <a:ea typeface="맑은 고딕"/>
+                <a:cs typeface="Calibri"/>
+              </a:rPr>
+              <a:t> </a:t>
+            </a:r>
+            <a:r>
+              <a:rPr lang="en-US" altLang="ko-KR" err="1">
+                <a:latin typeface="Calibri"/>
+                <a:ea typeface="맑은 고딕"/>
+                <a:cs typeface="Calibri"/>
+              </a:rPr>
+              <a:t>어떻게</a:t>
+            </a:r>
+            <a:r>
+              <a:rPr lang="en-US" altLang="ko-KR">
+                <a:latin typeface="Calibri"/>
+                <a:ea typeface="맑은 고딕"/>
+                <a:cs typeface="Calibri"/>
+              </a:rPr>
+              <a:t> 잘 </a:t>
+            </a:r>
+            <a:r>
+              <a:rPr lang="en-US" altLang="ko-KR" err="1">
+                <a:latin typeface="Calibri"/>
+                <a:ea typeface="맑은 고딕"/>
+                <a:cs typeface="Calibri"/>
+              </a:rPr>
+              <a:t>조합할것인가</a:t>
+            </a:r>
+            <a:r>
+              <a:rPr lang="en-US" altLang="ko-KR">
+                <a:latin typeface="Calibri"/>
+                <a:ea typeface="맑은 고딕"/>
+                <a:cs typeface="Calibri"/>
+              </a:rPr>
+              <a:t>.</a:t>
+            </a:r>
+          </a:p>
+          <a:p>
+            <a:endParaRPr lang="en-US" altLang="ko-KR">
+              <a:latin typeface="Calibri"/>
+              <a:ea typeface="맑은 고딕"/>
+              <a:cs typeface="Calibri"/>
+            </a:endParaRPr>
+          </a:p>
+          <a:p>
+            <a:r>
+              <a:rPr lang="en-US" altLang="ko-KR">
+                <a:latin typeface="Calibri"/>
+                <a:ea typeface="맑은 고딕"/>
+                <a:cs typeface="Calibri"/>
+              </a:rPr>
+              <a:t>3. 3d </a:t>
+            </a:r>
+            <a:r>
+              <a:rPr lang="en-US" altLang="ko-KR" err="1">
+                <a:latin typeface="Calibri"/>
+                <a:ea typeface="맑은 고딕"/>
+                <a:cs typeface="Calibri"/>
+              </a:rPr>
+              <a:t>이미지</a:t>
+            </a:r>
+            <a:r>
+              <a:rPr lang="en-US" altLang="ko-KR">
+                <a:latin typeface="Calibri"/>
+                <a:ea typeface="맑은 고딕"/>
+                <a:cs typeface="Calibri"/>
+              </a:rPr>
+              <a:t> </a:t>
+            </a:r>
+            <a:r>
+              <a:rPr lang="en-US" altLang="ko-KR" err="1">
+                <a:latin typeface="Calibri"/>
+                <a:ea typeface="맑은 고딕"/>
+                <a:cs typeface="Calibri"/>
+              </a:rPr>
+              <a:t>없이</a:t>
+            </a:r>
+            <a:r>
+              <a:rPr lang="en-US" altLang="ko-KR">
+                <a:latin typeface="Calibri"/>
+                <a:ea typeface="맑은 고딕"/>
+                <a:cs typeface="Calibri"/>
+              </a:rPr>
+              <a:t> </a:t>
+            </a:r>
+            <a:r>
+              <a:rPr lang="en-US" altLang="ko-KR" err="1">
+                <a:latin typeface="Calibri"/>
+                <a:ea typeface="맑은 고딕"/>
+                <a:cs typeface="Calibri"/>
+              </a:rPr>
+              <a:t>이미지만</a:t>
+            </a:r>
+            <a:r>
+              <a:rPr lang="en-US" altLang="ko-KR">
+                <a:latin typeface="Calibri"/>
+                <a:ea typeface="맑은 고딕"/>
+                <a:cs typeface="Calibri"/>
+              </a:rPr>
+              <a:t> </a:t>
+            </a:r>
+            <a:r>
+              <a:rPr lang="en-US" altLang="ko-KR" err="1">
+                <a:latin typeface="Calibri"/>
+                <a:ea typeface="맑은 고딕"/>
+                <a:cs typeface="Calibri"/>
+              </a:rPr>
+              <a:t>가지고</a:t>
+            </a:r>
+            <a:r>
+              <a:rPr lang="en-US" altLang="ko-KR">
+                <a:latin typeface="Calibri"/>
+                <a:ea typeface="맑은 고딕"/>
+                <a:cs typeface="Calibri"/>
+              </a:rPr>
+              <a:t> </a:t>
+            </a:r>
+            <a:r>
+              <a:rPr lang="en-US" altLang="ko-KR" err="1">
+                <a:latin typeface="Calibri"/>
+                <a:ea typeface="맑은 고딕"/>
+                <a:cs typeface="Calibri"/>
+              </a:rPr>
+              <a:t>물리적인</a:t>
+            </a:r>
+            <a:r>
+              <a:rPr lang="en-US" altLang="ko-KR">
+                <a:latin typeface="Calibri"/>
+                <a:ea typeface="맑은 고딕"/>
+                <a:cs typeface="Calibri"/>
+              </a:rPr>
+              <a:t> </a:t>
+            </a:r>
+            <a:r>
+              <a:rPr lang="en-US" altLang="ko-KR" err="1">
+                <a:latin typeface="Calibri"/>
+                <a:ea typeface="맑은 고딕"/>
+                <a:cs typeface="Calibri"/>
+              </a:rPr>
+              <a:t>법칙을</a:t>
+            </a:r>
+            <a:r>
+              <a:rPr lang="en-US" altLang="ko-KR">
+                <a:latin typeface="Calibri"/>
+                <a:ea typeface="맑은 고딕"/>
+                <a:cs typeface="Calibri"/>
+              </a:rPr>
+              <a:t> </a:t>
+            </a:r>
+            <a:r>
+              <a:rPr lang="en-US" altLang="ko-KR" err="1">
+                <a:latin typeface="Calibri"/>
+                <a:ea typeface="맑은 고딕"/>
+                <a:cs typeface="Calibri"/>
+              </a:rPr>
+              <a:t>표현할</a:t>
+            </a:r>
+            <a:r>
+              <a:rPr lang="en-US" altLang="ko-KR">
+                <a:latin typeface="Calibri"/>
+                <a:ea typeface="맑은 고딕"/>
+                <a:cs typeface="Calibri"/>
+              </a:rPr>
+              <a:t> 수 </a:t>
+            </a:r>
+            <a:r>
+              <a:rPr lang="en-US" altLang="ko-KR" err="1">
+                <a:latin typeface="Calibri"/>
+                <a:ea typeface="맑은 고딕"/>
+                <a:cs typeface="Calibri"/>
+              </a:rPr>
+              <a:t>없을까</a:t>
+            </a:r>
+            <a:r>
+              <a:rPr lang="en-US" altLang="ko-KR">
+                <a:latin typeface="Calibri"/>
+                <a:ea typeface="맑은 고딕"/>
+                <a:cs typeface="Calibri"/>
+              </a:rPr>
+              <a:t>. </a:t>
+            </a:r>
+          </a:p>
+        </p:txBody>
+      </p:sp>
+      <p:sp>
+        <p:nvSpPr>
+          <p:cNvPr id="4" name="슬라이드 번호 개체 틀 3"/>
+          <p:cNvSpPr>
+            <a:spLocks noGrp="1"/>
+          </p:cNvSpPr>
+          <p:nvPr>
+            <p:ph type="sldNum" sz="quarter" idx="5"/>
+          </p:nvPr>
+        </p:nvSpPr>
+        <p:spPr/>
+        <p:txBody>
+          <a:bodyPr/>
+          <a:lstStyle/>
+          <a:p>
+            <a:fld id="{20B22BA1-4AA9-41CC-9C6D-DFFEEC18A739}" type="slidenum">
+              <a:t>8</a:t>
+            </a:fld>
+            <a:endParaRPr lang="ko-KR" altLang="en-US"/>
+          </a:p>
+        </p:txBody>
+      </p:sp>
+    </p:spTree>
+    <p:extLst>
+      <p:ext uri="{BB962C8B-B14F-4D97-AF65-F5344CB8AC3E}">
+        <p14:creationId xmlns:p14="http://schemas.microsoft.com/office/powerpoint/2010/main" val="1101700052"/>
+      </p:ext>
+    </p:extLst>
+  </p:cSld>
+  <p:clrMapOvr>
+    <a:masterClrMapping/>
+  </p:clrMapOvr>
+</p:notes>
 </file>
 
 <file path=ppt/slideLayouts/slideLayout1.xml><?xml version="1.0" encoding="utf-8"?>
@@ -3647,7 +5186,7 @@
           <a:lstStyle/>
           <a:p>
             <a:r>
-              <a:rPr lang="en-US" altLang="ko-KR" sz="3600" b="1" dirty="0"/>
+              <a:rPr lang="en-US" altLang="ko-KR" sz="3600" b="1"/>
               <a:t>Edge-Cloud Collaborative Systems for Live Video Analytics</a:t>
             </a:r>
           </a:p>
@@ -3871,7 +5410,7 @@
               <a:buNone/>
             </a:pPr>
             <a:r>
-              <a:rPr lang="en-US" altLang="ko-KR" sz="1800" dirty="0"/>
+              <a:rPr lang="en-US" altLang="ko-KR" sz="1800"/>
               <a:t>But, processing latency benefit is quickly compromised by data transmission latency</a:t>
             </a:r>
           </a:p>
@@ -3881,19 +5420,19 @@
               <a:buChar char="Þ"/>
             </a:pPr>
             <a:r>
-              <a:rPr lang="ko-KR" altLang="en-US" sz="1800" dirty="0"/>
+              <a:rPr lang="ko-KR" altLang="en-US" sz="1800"/>
               <a:t> 핵심 문제 </a:t>
             </a:r>
             <a:r>
-              <a:rPr lang="en-US" altLang="ko-KR" sz="1800" dirty="0"/>
+              <a:rPr lang="en-US" altLang="ko-KR" sz="1800"/>
               <a:t>: </a:t>
             </a:r>
             <a:r>
-              <a:rPr lang="ko-KR" altLang="en-US" sz="1800" b="1" dirty="0"/>
+              <a:rPr lang="ko-KR" altLang="en-US" sz="1800" b="1"/>
               <a:t>어떻게 하면 네트워크로 데이터를 효과적으로 보낼 것인가</a:t>
             </a:r>
             <a:r>
-              <a:rPr lang="en-US" altLang="ko-KR" sz="1800" b="1" dirty="0"/>
+              <a:rPr lang="en-US" altLang="ko-KR" sz="1800" b="1"/>
               <a:t>?</a:t>
             </a:r>
           </a:p>
@@ -3903,15 +5442,15 @@
               <a:buChar char="§"/>
             </a:pPr>
             <a:r>
-              <a:rPr lang="en-US" altLang="ko-KR" sz="1800" dirty="0"/>
+              <a:rPr lang="en-US" altLang="ko-KR" sz="1800"/>
               <a:t>1. Split inference</a:t>
             </a:r>
             <a:r>
-              <a:rPr lang="ko-KR" altLang="en-US" sz="1800" dirty="0"/>
+              <a:rPr lang="ko-KR" altLang="en-US" sz="1800"/>
               <a:t> </a:t>
             </a:r>
             <a:r>
-              <a:rPr lang="en-US" altLang="ko-KR" sz="1800" dirty="0"/>
+              <a:rPr lang="en-US" altLang="ko-KR" sz="1800"/>
               <a:t>approach</a:t>
             </a:r>
           </a:p>
@@ -3921,7 +5460,7 @@
               <a:buChar char="§"/>
             </a:pPr>
             <a:r>
-              <a:rPr lang="en-US" altLang="ko-KR" sz="1800" dirty="0"/>
+              <a:rPr lang="en-US" altLang="ko-KR" sz="1800"/>
               <a:t>2. DNN-aware compression approach</a:t>
             </a:r>
           </a:p>
@@ -3929,7 +5468,7 @@
             <a:pPr marL="0" indent="0">
               <a:buNone/>
             </a:pPr>
-            <a:endParaRPr lang="ko-KR" altLang="en-US" sz="1800" dirty="0"/>
+            <a:endParaRPr lang="ko-KR" altLang="en-US" sz="1800"/>
           </a:p>
         </p:txBody>
       </p:sp>
@@ -3962,7 +5501,7 @@
           </a:solidFill>
         </p:spPr>
         <p:txBody>
-          <a:bodyPr wrap="square">
+          <a:bodyPr wrap="square" lIns="91440" tIns="45720" rIns="91440" bIns="45720" anchor="t">
             <a:spAutoFit/>
           </a:bodyPr>
           <a:lstStyle/>
@@ -3975,41 +5514,41 @@
               <a:buChar char="u"/>
             </a:pPr>
             <a:r>
-              <a:rPr lang="en-US" altLang="ko-KR" sz="2000" dirty="0"/>
+              <a:rPr lang="en-US" altLang="ko-KR" sz="2000"/>
               <a:t>O</a:t>
             </a:r>
             <a:r>
-              <a:rPr lang="ko-KR" altLang="en-US" sz="2000" dirty="0" err="1"/>
+              <a:rPr lang="ko-KR" altLang="en-US" sz="2000" err="1"/>
               <a:t>n-device</a:t>
             </a:r>
             <a:r>
-              <a:rPr lang="ko-KR" altLang="en-US" sz="2000" dirty="0"/>
+              <a:rPr lang="ko-KR" altLang="en-US" sz="2000"/>
               <a:t> </a:t>
             </a:r>
             <a:r>
-              <a:rPr lang="en-US" altLang="ko-KR" sz="2000" dirty="0"/>
+              <a:rPr lang="en-US" altLang="ko-KR" sz="2000"/>
               <a:t>approach</a:t>
             </a:r>
             <a:br>
-              <a:rPr lang="en-US" altLang="ko-KR" sz="1600" dirty="0"/>
+              <a:rPr lang="en-US" altLang="ko-KR" sz="1600"/>
             </a:br>
             <a:r>
-              <a:rPr lang="en-US" altLang="ko-KR" sz="1600" dirty="0"/>
+              <a:rPr lang="en-US" altLang="ko-KR" sz="1600"/>
               <a:t>: </a:t>
             </a:r>
             <a:r>
-              <a:rPr lang="ko-KR" altLang="en-US" sz="1600" dirty="0"/>
+              <a:rPr lang="ko-KR" altLang="en-US" sz="1600"/>
               <a:t>비디오가 </a:t>
             </a:r>
             <a:r>
-              <a:rPr lang="ko-KR" altLang="en-US" sz="1600" dirty="0" err="1"/>
+              <a:rPr lang="ko-KR" altLang="en-US" sz="1600" err="1"/>
               <a:t>캡쳐되는</a:t>
             </a:r>
             <a:r>
-              <a:rPr lang="ko-KR" altLang="en-US" sz="1600" dirty="0"/>
+              <a:rPr lang="ko-KR" altLang="en-US" sz="1600"/>
               <a:t> 기기 자체에서 처리</a:t>
             </a:r>
-            <a:endParaRPr lang="en-US" altLang="ko-KR" sz="1600" dirty="0"/>
+            <a:endParaRPr lang="en-US" altLang="ko-KR" sz="1600"/>
           </a:p>
           <a:p>
             <a:pPr marL="800100" lvl="1" indent="-342900">
@@ -4020,44 +5559,62 @@
               <a:buChar char="ü"/>
             </a:pPr>
             <a:r>
-              <a:rPr lang="ko-KR" altLang="en-US" sz="1600" dirty="0"/>
+              <a:rPr lang="ko-KR" altLang="en-US" sz="1600">
+                <a:ea typeface="맑은 고딕"/>
+              </a:rPr>
               <a:t>장점 </a:t>
             </a:r>
             <a:r>
-              <a:rPr lang="en-US" altLang="ko-KR" sz="1600" dirty="0"/>
+              <a:rPr lang="en-US" altLang="ko-KR" sz="1600">
+                <a:ea typeface="맑은 고딕"/>
+              </a:rPr>
               <a:t>- </a:t>
             </a:r>
             <a:r>
-              <a:rPr lang="ko-KR" altLang="en-US" sz="1600" dirty="0"/>
+              <a:rPr lang="ko-KR" altLang="en-US" sz="1600">
+                <a:ea typeface="맑은 고딕"/>
+              </a:rPr>
               <a:t>자체에서 처리하기 때문에 효과적</a:t>
             </a:r>
             <a:r>
-              <a:rPr lang="en-US" altLang="ko-KR" sz="1600" dirty="0"/>
+              <a:rPr lang="en-US" altLang="ko-KR" sz="1600">
+                <a:ea typeface="맑은 고딕"/>
+              </a:rPr>
               <a:t>, </a:t>
             </a:r>
             <a:br>
-              <a:rPr lang="en-US" altLang="ko-KR" sz="1600" dirty="0"/>
+              <a:rPr lang="en-US" altLang="ko-KR" sz="1600"/>
             </a:br>
             <a:r>
-              <a:rPr lang="en-US" altLang="ko-KR" sz="1600" dirty="0"/>
-              <a:t>	     - </a:t>
-            </a:r>
-            <a:r>
-              <a:rPr lang="ko-KR" altLang="en-US" sz="1600" dirty="0"/>
+              <a:rPr lang="en-US" altLang="ko-KR" sz="1600">
+                <a:ea typeface="맑은 고딕"/>
+              </a:rPr>
+              <a:t>       - </a:t>
+            </a:r>
+            <a:r>
+              <a:rPr lang="ko-KR" altLang="en-US" sz="1600">
+                <a:ea typeface="맑은 고딕"/>
+              </a:rPr>
               <a:t>네트워크 영향을 덜 받음</a:t>
             </a:r>
             <a:br>
-              <a:rPr lang="en-US" altLang="ko-KR" sz="1600" dirty="0"/>
+              <a:rPr lang="en-US" altLang="ko-KR" sz="1600"/>
             </a:br>
             <a:r>
-              <a:rPr lang="en-US" altLang="ko-KR" sz="1600" dirty="0"/>
-              <a:t>	     - </a:t>
-            </a:r>
-            <a:r>
-              <a:rPr lang="ko-KR" altLang="en-US" sz="1600" dirty="0"/>
+              <a:rPr lang="en-US" altLang="ko-KR" sz="1600">
+                <a:ea typeface="맑은 고딕"/>
+              </a:rPr>
+              <a:t>       - </a:t>
+            </a:r>
+            <a:r>
+              <a:rPr lang="ko-KR" altLang="en-US" sz="1600">
+                <a:ea typeface="맑은 고딕"/>
+              </a:rPr>
               <a:t>프라이버시 우려가 적음</a:t>
             </a:r>
-            <a:endParaRPr lang="en-US" altLang="ko-KR" sz="1600" dirty="0"/>
+            <a:endParaRPr lang="en-US" altLang="ko-KR" sz="1600">
+              <a:ea typeface="맑은 고딕"/>
+            </a:endParaRPr>
           </a:p>
           <a:p>
             <a:pPr marL="800100" lvl="1" indent="-342900">
@@ -4068,53 +5625,53 @@
               <a:buChar char="ü"/>
             </a:pPr>
             <a:r>
-              <a:rPr lang="ko-KR" altLang="en-US" sz="1600" dirty="0"/>
+              <a:rPr lang="ko-KR" altLang="en-US" sz="1600"/>
               <a:t>한계점 </a:t>
             </a:r>
             <a:r>
-              <a:rPr lang="en-US" altLang="ko-KR" sz="1600" dirty="0"/>
+              <a:rPr lang="en-US" altLang="ko-KR" sz="1600"/>
               <a:t>- </a:t>
             </a:r>
             <a:r>
-              <a:rPr lang="ko-KR" altLang="en-US" sz="1600" dirty="0"/>
+              <a:rPr lang="ko-KR" altLang="en-US" sz="1600"/>
               <a:t>단일모델의 </a:t>
             </a:r>
             <a:r>
-              <a:rPr lang="en-US" altLang="ko-KR" sz="1600" dirty="0"/>
+              <a:rPr lang="en-US" altLang="ko-KR" sz="1600"/>
               <a:t>execution </a:t>
             </a:r>
             <a:r>
-              <a:rPr lang="ko-KR" altLang="en-US" sz="1600" dirty="0"/>
+              <a:rPr lang="ko-KR" altLang="en-US" sz="1600"/>
               <a:t>만 가능</a:t>
             </a:r>
             <a:br>
-              <a:rPr lang="en-US" altLang="ko-KR" sz="1600" dirty="0"/>
+              <a:rPr lang="en-US" altLang="ko-KR" sz="1600"/>
             </a:br>
             <a:r>
-              <a:rPr lang="en-US" altLang="ko-KR" sz="1600" dirty="0"/>
+              <a:rPr lang="en-US" altLang="ko-KR" sz="1600"/>
               <a:t>	- </a:t>
             </a:r>
             <a:r>
-              <a:rPr lang="ko-KR" altLang="en-US" sz="1600" dirty="0"/>
+              <a:rPr lang="ko-KR" altLang="en-US" sz="1600"/>
               <a:t>복잡한 </a:t>
             </a:r>
             <a:r>
-              <a:rPr lang="en-US" altLang="ko-KR" sz="1600" dirty="0"/>
+              <a:rPr lang="en-US" altLang="ko-KR" sz="1600"/>
               <a:t>task</a:t>
             </a:r>
             <a:r>
-              <a:rPr lang="ko-KR" altLang="en-US" sz="1600" dirty="0"/>
+              <a:rPr lang="ko-KR" altLang="en-US" sz="1600"/>
               <a:t>는 무리가 됨</a:t>
             </a:r>
             <a:br>
-              <a:rPr lang="en-US" altLang="ko-KR" sz="1600" dirty="0"/>
+              <a:rPr lang="en-US" altLang="ko-KR" sz="1600"/>
             </a:br>
             <a:r>
-              <a:rPr lang="en-US" altLang="ko-KR" sz="1600" dirty="0"/>
+              <a:rPr lang="en-US" altLang="ko-KR" sz="1600"/>
               <a:t>	- resolution</a:t>
             </a:r>
             <a:r>
-              <a:rPr lang="ko-KR" altLang="en-US" sz="1600" dirty="0"/>
+              <a:rPr lang="ko-KR" altLang="en-US" sz="1600"/>
               <a:t>이 낮은 것만 빨리 됨</a:t>
             </a:r>
           </a:p>
@@ -4175,78 +5732,78 @@
           </a:lstStyle>
           <a:p>
             <a:r>
-              <a:rPr lang="en-US" altLang="ko-KR" dirty="0"/>
+              <a:rPr lang="en-US" altLang="ko-KR"/>
               <a:t>Edge-cloud collaborative : </a:t>
             </a:r>
             <a:r>
-              <a:rPr lang="ko-KR" altLang="en-US" sz="1600" dirty="0"/>
+              <a:rPr lang="ko-KR" altLang="en-US" sz="1600"/>
               <a:t>데이터를 클라우드에 넘겨서</a:t>
             </a:r>
             <a:r>
-              <a:rPr lang="en-US" altLang="ko-KR" sz="1600" dirty="0"/>
+              <a:rPr lang="en-US" altLang="ko-KR" sz="1600"/>
               <a:t>, </a:t>
             </a:r>
             <a:r>
-              <a:rPr lang="ko-KR" altLang="en-US" sz="1600" dirty="0"/>
+              <a:rPr lang="ko-KR" altLang="en-US" sz="1600"/>
               <a:t>클라우드가 처리한 후 기기로 다시 넘기는 형식</a:t>
             </a:r>
-            <a:endParaRPr lang="en-US" altLang="ko-KR" sz="1600" dirty="0"/>
+            <a:endParaRPr lang="en-US" altLang="ko-KR" sz="1600"/>
           </a:p>
           <a:p>
             <a:pPr lvl="1"/>
             <a:r>
-              <a:rPr lang="en-US" altLang="ko-KR" dirty="0"/>
+              <a:rPr lang="en-US" altLang="ko-KR"/>
               <a:t>On device</a:t>
             </a:r>
             <a:r>
-              <a:rPr lang="ko-KR" altLang="en-US" dirty="0"/>
+              <a:rPr lang="ko-KR" altLang="en-US"/>
               <a:t>가 가지는 한계점들을 극복해 줄 가능성이 있음</a:t>
             </a:r>
-            <a:endParaRPr lang="en-US" altLang="ko-KR" dirty="0"/>
+            <a:endParaRPr lang="en-US" altLang="ko-KR"/>
           </a:p>
           <a:p>
             <a:pPr lvl="1"/>
             <a:r>
-              <a:rPr lang="en-US" altLang="ko-KR" dirty="0"/>
+              <a:rPr lang="en-US" altLang="ko-KR"/>
               <a:t>Powerful computing resources - 20</a:t>
             </a:r>
             <a:r>
-              <a:rPr lang="ko-KR" altLang="en-US" dirty="0"/>
+              <a:rPr lang="ko-KR" altLang="en-US"/>
               <a:t>배 정도</a:t>
             </a:r>
-            <a:endParaRPr lang="en-US" altLang="ko-KR" dirty="0"/>
+            <a:endParaRPr lang="en-US" altLang="ko-KR"/>
           </a:p>
           <a:p>
             <a:pPr lvl="1"/>
             <a:r>
-              <a:rPr lang="ko-KR" altLang="en-US" dirty="0"/>
+              <a:rPr lang="ko-KR" altLang="en-US"/>
               <a:t>네트워크 문제 </a:t>
             </a:r>
             <a:r>
-              <a:rPr lang="en-US" altLang="ko-KR" dirty="0"/>
+              <a:rPr lang="en-US" altLang="ko-KR"/>
               <a:t>– </a:t>
             </a:r>
             <a:r>
-              <a:rPr lang="ko-KR" altLang="en-US" dirty="0"/>
+              <a:rPr lang="ko-KR" altLang="en-US"/>
               <a:t>현재 많이 고민되고 있음</a:t>
             </a:r>
-            <a:endParaRPr lang="en-US" altLang="ko-KR" dirty="0"/>
+            <a:endParaRPr lang="en-US" altLang="ko-KR"/>
           </a:p>
           <a:p>
             <a:pPr lvl="1"/>
             <a:r>
-              <a:rPr lang="ko-KR" altLang="en-US" dirty="0"/>
+              <a:rPr lang="ko-KR" altLang="en-US"/>
               <a:t>프라이버시 문제 </a:t>
             </a:r>
             <a:r>
-              <a:rPr lang="en-US" altLang="ko-KR" dirty="0"/>
+              <a:rPr lang="en-US" altLang="ko-KR"/>
               <a:t>– </a:t>
             </a:r>
             <a:r>
-              <a:rPr lang="ko-KR" altLang="en-US" dirty="0"/>
+              <a:rPr lang="ko-KR" altLang="en-US"/>
               <a:t>해결하기 위한 다양한 노력</a:t>
             </a:r>
-            <a:endParaRPr lang="en-US" altLang="ko-KR" dirty="0"/>
+            <a:endParaRPr lang="en-US" altLang="ko-KR"/>
           </a:p>
           <a:p>
             <a:pPr lvl="1">
@@ -4254,19 +5811,19 @@
               <a:buChar char="Þ"/>
             </a:pPr>
             <a:r>
-              <a:rPr lang="ko-KR" altLang="en-US" dirty="0"/>
+              <a:rPr lang="ko-KR" altLang="en-US"/>
               <a:t>주목 해봐야 할 만한 </a:t>
             </a:r>
             <a:r>
-              <a:rPr lang="en-US" altLang="ko-KR" dirty="0"/>
+              <a:rPr lang="en-US" altLang="ko-KR"/>
               <a:t>approach </a:t>
             </a:r>
             <a:r>
-              <a:rPr lang="ko-KR" altLang="en-US" dirty="0"/>
+              <a:rPr lang="ko-KR" altLang="en-US"/>
               <a:t>이다</a:t>
             </a:r>
             <a:r>
-              <a:rPr lang="en-US" altLang="ko-KR" dirty="0"/>
+              <a:rPr lang="en-US" altLang="ko-KR"/>
               <a:t>.</a:t>
             </a:r>
           </a:p>
@@ -4274,7 +5831,7 @@
             <a:pPr marL="457200" lvl="1" indent="0">
               <a:buNone/>
             </a:pPr>
-            <a:endParaRPr lang="en-US" altLang="ko-KR" dirty="0"/>
+            <a:endParaRPr lang="en-US" altLang="ko-KR"/>
           </a:p>
         </p:txBody>
       </p:sp>
@@ -4367,7 +5924,7 @@
           <a:lstStyle/>
           <a:p>
             <a:r>
-              <a:rPr lang="en-US" altLang="ko-KR" sz="3600" b="1" dirty="0"/>
+              <a:rPr lang="en-US" altLang="ko-KR" sz="3600" b="1"/>
               <a:t>Edge-Cloud Collaborative Systems for Live Video Analytics</a:t>
             </a:r>
           </a:p>
@@ -4402,7 +5959,7 @@
           </a:solidFill>
         </p:spPr>
         <p:txBody>
-          <a:bodyPr wrap="square">
+          <a:bodyPr wrap="square" lIns="91440" tIns="45720" rIns="91440" bIns="45720" anchor="t">
             <a:spAutoFit/>
           </a:bodyPr>
           <a:lstStyle/>
@@ -4415,30 +5972,30 @@
               <a:buChar char="u"/>
             </a:pPr>
             <a:r>
-              <a:rPr lang="en-US" altLang="ko-KR" sz="2000" dirty="0"/>
+              <a:rPr lang="en-US" altLang="ko-KR" sz="2000"/>
               <a:t>Split inference</a:t>
             </a:r>
             <a:r>
-              <a:rPr lang="ko-KR" altLang="en-US" sz="2000" dirty="0"/>
+              <a:rPr lang="ko-KR" altLang="en-US" sz="2000"/>
               <a:t> </a:t>
             </a:r>
             <a:r>
-              <a:rPr lang="en-US" altLang="ko-KR" sz="2000" dirty="0"/>
+              <a:rPr lang="en-US" altLang="ko-KR" sz="2000"/>
               <a:t>approach</a:t>
             </a:r>
             <a:br>
-              <a:rPr lang="en-US" altLang="ko-KR" sz="1600" dirty="0"/>
+              <a:rPr lang="en-US" altLang="ko-KR" sz="1600"/>
             </a:br>
             <a:r>
-              <a:rPr lang="en-US" altLang="ko-KR" sz="1600" dirty="0"/>
+              <a:rPr lang="en-US" altLang="ko-KR" sz="1600"/>
               <a:t>: </a:t>
             </a:r>
             <a:r>
-              <a:rPr lang="ko-KR" altLang="en-US" sz="1600" dirty="0"/>
+              <a:rPr lang="ko-KR" altLang="en-US" sz="1600"/>
               <a:t>처리 구조화를 잘 하자</a:t>
             </a:r>
             <a:r>
-              <a:rPr lang="en-US" altLang="ko-KR" sz="1600" dirty="0"/>
+              <a:rPr lang="en-US" altLang="ko-KR" sz="1600"/>
               <a:t>. </a:t>
             </a:r>
           </a:p>
@@ -4451,16 +6008,25 @@
               <a:buChar char="v"/>
             </a:pPr>
             <a:r>
-              <a:rPr lang="en-US" altLang="ko-KR" dirty="0"/>
-              <a:t>Layer-aware Split Inference </a:t>
-            </a:r>
-            <a:r>
-              <a:rPr lang="en-US" altLang="ko-KR" dirty="0">
+              <a:rPr lang="en-US" altLang="ko-KR" u="sng">
+                <a:ea typeface="맑은 고딕"/>
+              </a:rPr>
+              <a:t>Layer-aware Split Inference</a:t>
+            </a:r>
+            <a:r>
+              <a:rPr lang="en-US" altLang="ko-KR">
+                <a:ea typeface="맑은 고딕"/>
+              </a:rPr>
+              <a:t> </a:t>
+            </a:r>
+            <a:r>
+              <a:rPr lang="en-US" altLang="ko-KR">
                 <a:solidFill>
                   <a:schemeClr val="bg2">
                     <a:lumMod val="75000"/>
                   </a:schemeClr>
                 </a:solidFill>
+                <a:ea typeface="맑은 고딕"/>
               </a:rPr>
               <a:t>(vertically)</a:t>
             </a:r>
@@ -4474,11 +6040,11 @@
               <a:buChar char="ü"/>
             </a:pPr>
             <a:r>
-              <a:rPr lang="en-US" altLang="ko-KR" sz="1600" dirty="0"/>
+              <a:rPr lang="en-US" altLang="ko-KR" sz="1600"/>
               <a:t>Edge-only inference </a:t>
             </a:r>
             <a:r>
-              <a:rPr lang="en-US" altLang="ko-KR" sz="1600" dirty="0">
+              <a:rPr lang="en-US" altLang="ko-KR" sz="1600">
                 <a:solidFill>
                   <a:schemeClr val="bg2">
                     <a:lumMod val="50000"/>
@@ -4488,7 +6054,7 @@
               <a:t>: </a:t>
             </a:r>
             <a:r>
-              <a:rPr lang="ko-KR" altLang="en-US" sz="1600" dirty="0">
+              <a:rPr lang="ko-KR" altLang="en-US" sz="1600">
                 <a:solidFill>
                   <a:schemeClr val="bg2">
                     <a:lumMod val="50000"/>
@@ -4498,7 +6064,7 @@
               <a:t>기기 자원 제약</a:t>
             </a:r>
             <a:br>
-              <a:rPr lang="en-US" altLang="ko-KR" sz="1600" dirty="0">
+              <a:rPr lang="en-US" altLang="ko-KR" sz="1600">
                 <a:solidFill>
                   <a:schemeClr val="bg2">
                     <a:lumMod val="50000"/>
@@ -4507,7 +6073,7 @@
               </a:rPr>
             </a:br>
             <a:r>
-              <a:rPr lang="en-US" altLang="ko-KR" sz="1600" dirty="0"/>
+              <a:rPr lang="en-US" altLang="ko-KR" sz="1600"/>
               <a:t>= large latency, energy consumption</a:t>
             </a:r>
           </a:p>
@@ -4520,11 +6086,11 @@
               <a:buChar char="ü"/>
             </a:pPr>
             <a:r>
-              <a:rPr lang="en-US" altLang="ko-KR" sz="1600" dirty="0"/>
+              <a:rPr lang="en-US" altLang="ko-KR" sz="1600"/>
               <a:t>Cloud-only inference </a:t>
             </a:r>
             <a:r>
-              <a:rPr lang="en-US" altLang="ko-KR" sz="1600" dirty="0">
+              <a:rPr lang="en-US" altLang="ko-KR" sz="1600">
                 <a:solidFill>
                   <a:schemeClr val="bg2">
                     <a:lumMod val="50000"/>
@@ -4534,7 +6100,7 @@
               <a:t>: </a:t>
             </a:r>
             <a:r>
-              <a:rPr lang="ko-KR" altLang="en-US" sz="1600" dirty="0">
+              <a:rPr lang="ko-KR" altLang="en-US" sz="1600">
                 <a:solidFill>
                   <a:schemeClr val="bg2">
                     <a:lumMod val="50000"/>
@@ -4544,22 +6110,22 @@
               <a:t>네트워크 제약</a:t>
             </a:r>
             <a:br>
-              <a:rPr lang="en-US" altLang="ko-KR" sz="1600" dirty="0"/>
+              <a:rPr lang="en-US" altLang="ko-KR" sz="1600"/>
             </a:br>
             <a:r>
-              <a:rPr lang="en-US" altLang="ko-KR" sz="1600" dirty="0"/>
+              <a:rPr lang="en-US" altLang="ko-KR" sz="1600"/>
               <a:t>= network condition</a:t>
             </a:r>
             <a:r>
-              <a:rPr lang="ko-KR" altLang="en-US" sz="1600" dirty="0"/>
+              <a:rPr lang="ko-KR" altLang="en-US" sz="1600"/>
               <a:t>에 </a:t>
             </a:r>
             <a:r>
-              <a:rPr lang="en-US" altLang="ko-KR" sz="1600" dirty="0"/>
+              <a:rPr lang="en-US" altLang="ko-KR" sz="1600"/>
               <a:t>vulnerable </a:t>
             </a:r>
             <a:r>
-              <a:rPr lang="ko-KR" altLang="en-US" sz="1600" dirty="0"/>
+              <a:rPr lang="ko-KR" altLang="en-US" sz="1600"/>
               <a:t>함</a:t>
             </a:r>
           </a:p>
@@ -4572,11 +6138,11 @@
               <a:buChar char="ü"/>
             </a:pPr>
             <a:r>
-              <a:rPr lang="en-US" altLang="ko-KR" sz="1600" b="1" dirty="0"/>
+              <a:rPr lang="en-US" altLang="ko-KR" sz="1600" b="1"/>
               <a:t>Split inference </a:t>
             </a:r>
             <a:r>
-              <a:rPr lang="en-US" altLang="ko-KR" sz="1600" dirty="0">
+              <a:rPr lang="en-US" altLang="ko-KR" sz="1600">
                 <a:solidFill>
                   <a:schemeClr val="bg2">
                     <a:lumMod val="50000"/>
@@ -4586,7 +6152,7 @@
               <a:t>: </a:t>
             </a:r>
             <a:r>
-              <a:rPr lang="ko-KR" altLang="en-US" sz="1600" dirty="0">
+              <a:rPr lang="ko-KR" altLang="en-US" sz="1600">
                 <a:solidFill>
                   <a:schemeClr val="bg2">
                     <a:lumMod val="50000"/>
@@ -4596,24 +6162,24 @@
               <a:t>둘을 잘 나눠서 같이함 </a:t>
             </a:r>
             <a:br>
-              <a:rPr lang="en-US" altLang="ko-KR" sz="1600" dirty="0"/>
+              <a:rPr lang="en-US" altLang="ko-KR" sz="1600"/>
             </a:br>
             <a:r>
-              <a:rPr lang="en-US" altLang="ko-KR" sz="1600" dirty="0"/>
+              <a:rPr lang="en-US" altLang="ko-KR" sz="1600"/>
               <a:t>= fast, energy-efficient, robust</a:t>
             </a:r>
             <a:br>
-              <a:rPr lang="en-US" altLang="ko-KR" sz="1600" dirty="0"/>
+              <a:rPr lang="en-US" altLang="ko-KR" sz="1600"/>
             </a:br>
             <a:r>
-              <a:rPr lang="en-US" altLang="ko-KR" sz="1600" dirty="0"/>
+              <a:rPr lang="en-US" altLang="ko-KR" sz="1600"/>
               <a:t>   </a:t>
             </a:r>
             <a:r>
-              <a:rPr lang="ko-KR" altLang="en-US" sz="1600" dirty="0"/>
+              <a:rPr lang="ko-KR" altLang="en-US" sz="1600"/>
               <a:t>빠르면서 효과적임</a:t>
             </a:r>
-            <a:endParaRPr lang="en-US" altLang="ko-KR" sz="1600" dirty="0"/>
+            <a:endParaRPr lang="en-US" altLang="ko-KR" sz="1600"/>
           </a:p>
           <a:p>
             <a:pPr marL="800100" lvl="1" indent="-342900">
@@ -4624,16 +6190,25 @@
               <a:buChar char="v"/>
             </a:pPr>
             <a:r>
-              <a:rPr lang="en-US" altLang="ko-KR" dirty="0"/>
-              <a:t>Content-aware Split Inference </a:t>
-            </a:r>
-            <a:r>
-              <a:rPr lang="en-US" altLang="ko-KR" dirty="0">
+              <a:rPr lang="en-US" altLang="ko-KR" u="sng">
+                <a:ea typeface="맑은 고딕"/>
+              </a:rPr>
+              <a:t>Content-aware Split Inference</a:t>
+            </a:r>
+            <a:r>
+              <a:rPr lang="en-US" altLang="ko-KR">
+                <a:ea typeface="맑은 고딕"/>
+              </a:rPr>
+              <a:t> </a:t>
+            </a:r>
+            <a:r>
+              <a:rPr lang="en-US" altLang="ko-KR">
                 <a:solidFill>
                   <a:schemeClr val="bg2">
                     <a:lumMod val="75000"/>
                   </a:schemeClr>
                 </a:solidFill>
+                <a:ea typeface="맑은 고딕"/>
               </a:rPr>
               <a:t>(horizontally)</a:t>
             </a:r>
@@ -4647,10 +6222,10 @@
               <a:buChar char="ü"/>
             </a:pPr>
             <a:r>
-              <a:rPr lang="ko-KR" altLang="en-US" sz="1600" dirty="0"/>
+              <a:rPr lang="ko-KR" altLang="en-US" sz="1600"/>
               <a:t>이미지의 내용별로 나눔</a:t>
             </a:r>
-            <a:endParaRPr lang="en-US" altLang="ko-KR" sz="1600" dirty="0"/>
+            <a:endParaRPr lang="en-US" altLang="ko-KR" sz="1600"/>
           </a:p>
           <a:p>
             <a:pPr marL="1257300" lvl="2" indent="-342900">
@@ -4661,26 +6236,26 @@
               <a:buChar char="ü"/>
             </a:pPr>
             <a:r>
-              <a:rPr lang="en-US" altLang="ko-KR" sz="1600" dirty="0"/>
+              <a:rPr lang="en-US" altLang="ko-KR" sz="1600"/>
               <a:t>Face detection, Lightweight</a:t>
             </a:r>
             <a:br>
-              <a:rPr lang="en-US" altLang="ko-KR" sz="1600" dirty="0"/>
+              <a:rPr lang="en-US" altLang="ko-KR" sz="1600"/>
             </a:br>
             <a:r>
-              <a:rPr lang="ko-KR" altLang="en-US" sz="1600" dirty="0"/>
+              <a:rPr lang="ko-KR" altLang="en-US" sz="1600"/>
               <a:t>큰</a:t>
             </a:r>
             <a:r>
-              <a:rPr lang="en-US" altLang="ko-KR" sz="1600" dirty="0"/>
+              <a:rPr lang="en-US" altLang="ko-KR" sz="1600"/>
               <a:t>, </a:t>
             </a:r>
             <a:r>
-              <a:rPr lang="ko-KR" altLang="en-US" sz="1600" dirty="0"/>
+              <a:rPr lang="ko-KR" altLang="en-US" sz="1600"/>
               <a:t>쉬운 영역 </a:t>
             </a:r>
             <a:r>
-              <a:rPr lang="en-US" altLang="ko-KR" sz="1600" dirty="0"/>
+              <a:rPr lang="en-US" altLang="ko-KR" sz="1600"/>
               <a:t>-&gt; On-device</a:t>
             </a:r>
           </a:p>
@@ -4693,34 +6268,34 @@
               <a:buChar char="ü"/>
             </a:pPr>
             <a:r>
-              <a:rPr lang="en-US" altLang="ko-KR" sz="1600" dirty="0"/>
+              <a:rPr lang="en-US" altLang="ko-KR" sz="1600"/>
               <a:t>Heavy, Identity clarification</a:t>
             </a:r>
             <a:br>
-              <a:rPr lang="en-US" altLang="ko-KR" sz="1600" dirty="0"/>
+              <a:rPr lang="en-US" altLang="ko-KR" sz="1600"/>
             </a:br>
             <a:r>
-              <a:rPr lang="ko-KR" altLang="en-US" sz="1600" dirty="0"/>
+              <a:rPr lang="ko-KR" altLang="en-US" sz="1600"/>
               <a:t>작은</a:t>
             </a:r>
             <a:r>
-              <a:rPr lang="en-US" altLang="ko-KR" sz="1600" dirty="0"/>
+              <a:rPr lang="en-US" altLang="ko-KR" sz="1600"/>
               <a:t>, </a:t>
             </a:r>
             <a:r>
-              <a:rPr lang="ko-KR" altLang="en-US" sz="1600" dirty="0"/>
+              <a:rPr lang="ko-KR" altLang="en-US" sz="1600"/>
               <a:t>세밀한</a:t>
             </a:r>
             <a:r>
-              <a:rPr lang="en-US" altLang="ko-KR" sz="1600" dirty="0"/>
+              <a:rPr lang="en-US" altLang="ko-KR" sz="1600"/>
               <a:t> </a:t>
             </a:r>
             <a:r>
-              <a:rPr lang="ko-KR" altLang="en-US" sz="1600" dirty="0"/>
+              <a:rPr lang="ko-KR" altLang="en-US" sz="1600"/>
               <a:t>영역 </a:t>
             </a:r>
             <a:r>
-              <a:rPr lang="en-US" altLang="ko-KR" sz="1600" dirty="0"/>
+              <a:rPr lang="en-US" altLang="ko-KR" sz="1600"/>
               <a:t>-&gt; Cloud</a:t>
             </a:r>
           </a:p>
@@ -4781,45 +6356,45 @@
           </a:lstStyle>
           <a:p>
             <a:r>
-              <a:rPr lang="en-US" altLang="ko-KR" sz="2000" dirty="0"/>
+              <a:rPr lang="en-US" altLang="ko-KR" sz="2000"/>
               <a:t>DNN-aware compression approach</a:t>
             </a:r>
             <a:br>
-              <a:rPr lang="en-US" altLang="ko-KR" sz="2000" dirty="0"/>
+              <a:rPr lang="en-US" altLang="ko-KR" sz="2000"/>
             </a:br>
             <a:r>
-              <a:rPr lang="en-US" altLang="ko-KR" sz="2000" dirty="0"/>
+              <a:rPr lang="en-US" altLang="ko-KR" sz="2000"/>
               <a:t> </a:t>
             </a:r>
             <a:r>
-              <a:rPr lang="en-US" altLang="ko-KR" sz="1600" dirty="0"/>
+              <a:rPr lang="en-US" altLang="ko-KR" sz="1600"/>
               <a:t>:</a:t>
             </a:r>
             <a:r>
-              <a:rPr lang="ko-KR" altLang="en-US" sz="1600" dirty="0"/>
+              <a:rPr lang="ko-KR" altLang="en-US" sz="1600"/>
               <a:t> 데이터를 압축해서 보내자 </a:t>
             </a:r>
-            <a:endParaRPr lang="en-US" altLang="ko-KR" sz="1600" dirty="0"/>
+            <a:endParaRPr lang="en-US" altLang="ko-KR" sz="1600"/>
           </a:p>
           <a:p>
             <a:pPr lvl="1"/>
             <a:r>
-              <a:rPr lang="en-US" altLang="ko-KR" dirty="0"/>
+              <a:rPr lang="en-US" altLang="ko-KR"/>
               <a:t>hard objects -&gt; high-quality</a:t>
             </a:r>
           </a:p>
           <a:p>
             <a:pPr lvl="1"/>
             <a:r>
-              <a:rPr lang="en-US" altLang="ko-KR" dirty="0"/>
+              <a:rPr lang="en-US" altLang="ko-KR"/>
               <a:t>easy objects -&gt; </a:t>
             </a:r>
             <a:r>
-              <a:rPr lang="ko-KR" altLang="en-US" dirty="0"/>
+              <a:rPr lang="ko-KR" altLang="en-US"/>
               <a:t>더 압축해서 </a:t>
             </a:r>
             <a:r>
-              <a:rPr lang="en-US" altLang="ko-KR" dirty="0"/>
+              <a:rPr lang="en-US" altLang="ko-KR"/>
               <a:t>low-quality</a:t>
             </a:r>
           </a:p>
@@ -4828,7 +6403,7 @@
               <a:buNone/>
             </a:pPr>
             <a:r>
-              <a:rPr lang="en-US" altLang="ko-KR" dirty="0">
+              <a:rPr lang="en-US" altLang="ko-KR">
                 <a:solidFill>
                   <a:schemeClr val="bg2">
                     <a:lumMod val="50000"/>
@@ -4838,7 +6413,7 @@
               <a:t>=&gt; </a:t>
             </a:r>
             <a:r>
-              <a:rPr lang="ko-KR" altLang="en-US" dirty="0">
+              <a:rPr lang="ko-KR" altLang="en-US">
                 <a:solidFill>
                   <a:schemeClr val="bg2">
                     <a:lumMod val="50000"/>
@@ -4848,7 +6423,7 @@
               <a:t>어떻게 어렵고 쉬운지 아는지</a:t>
             </a:r>
             <a:r>
-              <a:rPr lang="en-US" altLang="ko-KR" dirty="0">
+              <a:rPr lang="en-US" altLang="ko-KR">
                 <a:solidFill>
                   <a:schemeClr val="bg2">
                     <a:lumMod val="50000"/>
@@ -4864,7 +6439,7 @@
               <a:buChar char="v"/>
             </a:pPr>
             <a:r>
-              <a:rPr lang="en-US" altLang="ko-KR" dirty="0"/>
+              <a:rPr lang="en-US" altLang="ko-KR"/>
               <a:t>Predictive vs. Reactive Adaptations </a:t>
             </a:r>
           </a:p>
@@ -4877,22 +6452,22 @@
               <a:buChar char="-"/>
             </a:pPr>
             <a:r>
-              <a:rPr lang="en-US" altLang="ko-KR" sz="1600" dirty="0"/>
+              <a:rPr lang="en-US" altLang="ko-KR" sz="1600"/>
               <a:t>Predictive - </a:t>
             </a:r>
             <a:r>
-              <a:rPr lang="ko-KR" altLang="en-US" sz="1600" dirty="0"/>
+              <a:rPr lang="ko-KR" altLang="en-US" sz="1600"/>
               <a:t>과거의 </a:t>
             </a:r>
             <a:r>
-              <a:rPr lang="en-US" altLang="ko-KR" sz="1600" dirty="0"/>
+              <a:rPr lang="en-US" altLang="ko-KR" sz="1600"/>
               <a:t>frame</a:t>
             </a:r>
             <a:r>
-              <a:rPr lang="ko-KR" altLang="en-US" sz="1600" dirty="0"/>
+              <a:rPr lang="ko-KR" altLang="en-US" sz="1600"/>
               <a:t>을 참고하여 </a:t>
             </a:r>
-            <a:endParaRPr lang="en-US" altLang="ko-KR" sz="1600" dirty="0"/>
+            <a:endParaRPr lang="en-US" altLang="ko-KR" sz="1600"/>
           </a:p>
           <a:p>
             <a:pPr marL="1200150" lvl="2" indent="-285750">
@@ -4903,7 +6478,7 @@
               <a:buChar char="-"/>
             </a:pPr>
             <a:r>
-              <a:rPr lang="en-US" altLang="ko-KR" sz="1600" dirty="0"/>
+              <a:rPr lang="en-US" altLang="ko-KR" sz="1600"/>
               <a:t>Reactive Adaptation</a:t>
             </a:r>
           </a:p>
@@ -4914,14 +6489,14 @@
               </a:lnSpc>
             </a:pPr>
             <a:r>
-              <a:rPr lang="en-US" altLang="ko-KR" sz="1600" dirty="0"/>
+              <a:rPr lang="en-US" altLang="ko-KR" sz="1600"/>
               <a:t>1) low-quality</a:t>
             </a:r>
             <a:r>
-              <a:rPr lang="ko-KR" altLang="en-US" sz="1600" dirty="0"/>
+              <a:rPr lang="ko-KR" altLang="en-US" sz="1600"/>
               <a:t>로 한번 보냄</a:t>
             </a:r>
-            <a:endParaRPr lang="en-US" altLang="ko-KR" sz="1600" dirty="0"/>
+            <a:endParaRPr lang="en-US" altLang="ko-KR" sz="1600"/>
           </a:p>
           <a:p>
             <a:pPr lvl="3">
@@ -4930,23 +6505,23 @@
               </a:lnSpc>
             </a:pPr>
             <a:r>
-              <a:rPr lang="en-US" altLang="ko-KR" sz="1600" dirty="0"/>
+              <a:rPr lang="en-US" altLang="ko-KR" sz="1600"/>
               <a:t>2) Feedback (confidence </a:t>
             </a:r>
             <a:r>
-              <a:rPr lang="ko-KR" altLang="en-US" sz="1600" dirty="0"/>
+              <a:rPr lang="ko-KR" altLang="en-US" sz="1600"/>
               <a:t>활용</a:t>
             </a:r>
             <a:r>
-              <a:rPr lang="en-US" altLang="ko-KR" sz="1600" dirty="0"/>
+              <a:rPr lang="en-US" altLang="ko-KR" sz="1600"/>
               <a:t>, </a:t>
             </a:r>
             <a:r>
-              <a:rPr lang="ko-KR" altLang="en-US" sz="1600" dirty="0"/>
+              <a:rPr lang="ko-KR" altLang="en-US" sz="1600"/>
               <a:t>탐지 안되는 영역 다시하라고 함</a:t>
             </a:r>
             <a:r>
-              <a:rPr lang="en-US" altLang="ko-KR" sz="1600" dirty="0"/>
+              <a:rPr lang="en-US" altLang="ko-KR" sz="1600"/>
               <a:t>)</a:t>
             </a:r>
           </a:p>
@@ -4957,14 +6532,14 @@
               </a:lnSpc>
             </a:pPr>
             <a:r>
-              <a:rPr lang="en-US" altLang="ko-KR" sz="1600" dirty="0"/>
+              <a:rPr lang="en-US" altLang="ko-KR" sz="1600"/>
               <a:t>3) high-quality</a:t>
             </a:r>
             <a:r>
-              <a:rPr lang="ko-KR" altLang="en-US" sz="1600" dirty="0"/>
+              <a:rPr lang="ko-KR" altLang="en-US" sz="1600"/>
               <a:t>로 다시 보냄</a:t>
             </a:r>
-            <a:endParaRPr lang="en-US" altLang="ko-KR" sz="1600" dirty="0"/>
+            <a:endParaRPr lang="en-US" altLang="ko-KR" sz="1600"/>
           </a:p>
         </p:txBody>
       </p:sp>
@@ -5071,7 +6646,7 @@
           <a:lstStyle/>
           <a:p>
             <a:r>
-              <a:rPr lang="en-US" altLang="ko-KR" dirty="0">
+              <a:rPr lang="en-US" altLang="ko-KR">
                 <a:solidFill>
                   <a:schemeClr val="bg2">
                     <a:lumMod val="50000"/>
@@ -5080,7 +6655,7 @@
               </a:rPr>
               <a:t>&gt; Split inference</a:t>
             </a:r>
-            <a:endParaRPr lang="ko-KR" altLang="en-US" dirty="0">
+            <a:endParaRPr lang="ko-KR" altLang="en-US">
               <a:solidFill>
                 <a:schemeClr val="bg2">
                   <a:lumMod val="50000"/>
@@ -5149,10 +6724,10 @@
           <a:lstStyle/>
           <a:p>
             <a:r>
-              <a:rPr lang="en-US" altLang="ko-KR" sz="3600" b="1" dirty="0"/>
+              <a:rPr lang="en-US" altLang="ko-KR" sz="3600" b="1"/>
               <a:t>Mitigating Shortcut Learning of NLP models</a:t>
             </a:r>
-            <a:endParaRPr lang="ko-KR" altLang="en-US" sz="3600" b="1" dirty="0"/>
+            <a:endParaRPr lang="ko-KR" altLang="en-US" sz="3600" b="1"/>
           </a:p>
         </p:txBody>
       </p:sp>
@@ -5188,14 +6763,14 @@
               <a:buNone/>
             </a:pPr>
             <a:r>
-              <a:rPr lang="en-US" altLang="ko-KR" sz="2400" b="1" dirty="0"/>
+              <a:rPr lang="en-US" altLang="ko-KR" sz="2400" b="1"/>
               <a:t>1 - </a:t>
             </a:r>
             <a:r>
-              <a:rPr lang="en-US" altLang="ko-KR" sz="2400" dirty="0"/>
+              <a:rPr lang="en-US" altLang="ko-KR" sz="2400"/>
               <a:t>What is the shortcut learning problem?</a:t>
             </a:r>
-            <a:endParaRPr lang="ko-KR" altLang="en-US" sz="2400" dirty="0"/>
+            <a:endParaRPr lang="ko-KR" altLang="en-US" sz="2400"/>
           </a:p>
         </p:txBody>
       </p:sp>
@@ -5227,6 +6802,13 @@
           <a:prstGeom prst="rect">
             <a:avLst/>
           </a:prstGeom>
+          <a:ln>
+            <a:solidFill>
+              <a:schemeClr val="bg2">
+                <a:lumMod val="75000"/>
+              </a:schemeClr>
+            </a:solidFill>
+          </a:ln>
         </p:spPr>
       </p:pic>
       <p:sp>
@@ -5360,55 +6942,55 @@
               <a:buNone/>
             </a:pPr>
             <a:r>
-              <a:rPr lang="en-US" altLang="ko-KR" dirty="0"/>
+              <a:rPr lang="en-US" altLang="ko-KR"/>
               <a:t>Deep neural model</a:t>
             </a:r>
             <a:r>
-              <a:rPr lang="ko-KR" altLang="en-US" dirty="0"/>
+              <a:rPr lang="ko-KR" altLang="en-US"/>
               <a:t>이 학습을 하는 과정에서 </a:t>
             </a:r>
             <a:r>
-              <a:rPr lang="en-US" altLang="ko-KR" dirty="0"/>
+              <a:rPr lang="en-US" altLang="ko-KR"/>
               <a:t>shortcut</a:t>
             </a:r>
             <a:r>
-              <a:rPr lang="ko-KR" altLang="en-US" dirty="0"/>
+              <a:rPr lang="ko-KR" altLang="en-US"/>
               <a:t>의 전략을 학습하게 됩니다</a:t>
             </a:r>
             <a:r>
-              <a:rPr lang="en-US" altLang="ko-KR" dirty="0"/>
+              <a:rPr lang="en-US" altLang="ko-KR"/>
               <a:t>. </a:t>
             </a:r>
             <a:r>
-              <a:rPr lang="ko-KR" altLang="en-US" dirty="0"/>
+              <a:rPr lang="ko-KR" altLang="en-US"/>
               <a:t>각종 </a:t>
             </a:r>
             <a:r>
-              <a:rPr lang="en-US" altLang="ko-KR" dirty="0"/>
+              <a:rPr lang="en-US" altLang="ko-KR"/>
               <a:t>benchmarks</a:t>
             </a:r>
             <a:r>
-              <a:rPr lang="ko-KR" altLang="en-US" dirty="0"/>
+              <a:rPr lang="ko-KR" altLang="en-US"/>
               <a:t>에선 잘 결정하는데 </a:t>
             </a:r>
             <a:r>
-              <a:rPr lang="en-US" altLang="ko-KR" dirty="0"/>
+              <a:rPr lang="en-US" altLang="ko-KR"/>
               <a:t>challenging</a:t>
             </a:r>
             <a:r>
-              <a:rPr lang="ko-KR" altLang="en-US" dirty="0"/>
+              <a:rPr lang="ko-KR" altLang="en-US"/>
               <a:t>한</a:t>
             </a:r>
             <a:r>
-              <a:rPr lang="en-US" altLang="ko-KR" dirty="0"/>
+              <a:rPr lang="en-US" altLang="ko-KR"/>
               <a:t> testing </a:t>
             </a:r>
             <a:r>
-              <a:rPr lang="ko-KR" altLang="en-US" dirty="0"/>
+              <a:rPr lang="ko-KR" altLang="en-US"/>
               <a:t>환경에선 잘못 판단하는 것을 말합니다</a:t>
             </a:r>
             <a:r>
-              <a:rPr lang="en-US" altLang="ko-KR" dirty="0"/>
+              <a:rPr lang="en-US" altLang="ko-KR"/>
               <a:t>.</a:t>
             </a:r>
           </a:p>
@@ -5420,14 +7002,14 @@
               <a:buNone/>
             </a:pPr>
             <a:r>
-              <a:rPr lang="en-US" altLang="ko-KR" dirty="0"/>
+              <a:rPr lang="en-US" altLang="ko-KR"/>
               <a:t>Ex) </a:t>
             </a:r>
             <a:r>
-              <a:rPr lang="ko-KR" altLang="en-US" dirty="0"/>
+              <a:rPr lang="ko-KR" altLang="en-US"/>
               <a:t>축구사진에서 축구공이 사라지면 테니스로 잘못 판단</a:t>
             </a:r>
-            <a:endParaRPr lang="en-US" altLang="ko-KR" dirty="0"/>
+            <a:endParaRPr lang="en-US" altLang="ko-KR"/>
           </a:p>
         </p:txBody>
       </p:sp>
@@ -5627,14 +7209,14 @@
               <a:buNone/>
             </a:pPr>
             <a:r>
-              <a:rPr lang="en-US" altLang="ko-KR" sz="2400" b="1" dirty="0"/>
+              <a:rPr lang="en-US" altLang="ko-KR" sz="2400" b="1"/>
               <a:t>2 - </a:t>
             </a:r>
             <a:r>
-              <a:rPr lang="en-US" altLang="ko-KR" sz="2400" dirty="0"/>
+              <a:rPr lang="en-US" altLang="ko-KR" sz="2400"/>
               <a:t>Why neural models learn shortcuts?</a:t>
             </a:r>
-            <a:endParaRPr lang="ko-KR" altLang="en-US" sz="2400" dirty="0"/>
+            <a:endParaRPr lang="ko-KR" altLang="en-US" sz="2400"/>
           </a:p>
         </p:txBody>
       </p:sp>
@@ -5699,34 +7281,34 @@
               <a:buChar char="§"/>
             </a:pPr>
             <a:r>
-              <a:rPr lang="ko-KR" altLang="en-US" sz="1600" dirty="0" err="1"/>
+              <a:rPr lang="ko-KR" altLang="en-US" sz="1600" err="1"/>
               <a:t>Annotation</a:t>
             </a:r>
             <a:r>
-              <a:rPr lang="ko-KR" altLang="en-US" sz="1600" dirty="0"/>
+              <a:rPr lang="ko-KR" altLang="en-US" sz="1600"/>
               <a:t> </a:t>
             </a:r>
             <a:r>
-              <a:rPr lang="ko-KR" altLang="en-US" sz="1600" dirty="0" err="1"/>
+              <a:rPr lang="ko-KR" altLang="en-US" sz="1600" err="1"/>
               <a:t>artifacts</a:t>
             </a:r>
             <a:r>
-              <a:rPr lang="ko-KR" altLang="en-US" sz="1600" dirty="0"/>
+              <a:rPr lang="ko-KR" altLang="en-US" sz="1600"/>
               <a:t> =&gt; NLI </a:t>
             </a:r>
             <a:r>
-              <a:rPr lang="ko-KR" altLang="en-US" sz="1600" dirty="0" err="1"/>
+              <a:rPr lang="ko-KR" altLang="en-US" sz="1600" err="1"/>
               <a:t>task에서</a:t>
             </a:r>
             <a:r>
-              <a:rPr lang="ko-KR" altLang="en-US" sz="1600" dirty="0"/>
+              <a:rPr lang="ko-KR" altLang="en-US" sz="1600"/>
               <a:t> 많이 </a:t>
             </a:r>
             <a:r>
-              <a:rPr lang="ko-KR" altLang="en-US" sz="1600" dirty="0" err="1"/>
+              <a:rPr lang="ko-KR" altLang="en-US" sz="1600" err="1"/>
               <a:t>일어남</a:t>
             </a:r>
-            <a:endParaRPr lang="en-US" altLang="ko-KR" sz="1600" dirty="0"/>
+            <a:endParaRPr lang="en-US" altLang="ko-KR" sz="1600"/>
           </a:p>
           <a:p>
             <a:pPr marL="342900" indent="-342900">
@@ -5737,22 +7319,22 @@
               <a:buChar char="-"/>
             </a:pPr>
             <a:r>
-              <a:rPr lang="en-US" altLang="ko-KR" sz="1600" dirty="0"/>
+              <a:rPr lang="en-US" altLang="ko-KR" sz="1600"/>
               <a:t>NLI task : </a:t>
             </a:r>
             <a:r>
-              <a:rPr lang="ko-KR" altLang="en-US" sz="1600" dirty="0"/>
+              <a:rPr lang="ko-KR" altLang="en-US" sz="1600"/>
               <a:t>두개의 문장 관계가 </a:t>
             </a:r>
             <a:r>
-              <a:rPr lang="en-US" altLang="ko-KR" sz="1600" dirty="0"/>
+              <a:rPr lang="en-US" altLang="ko-KR" sz="1600"/>
               <a:t>Entailment, Neutral, Contradiction</a:t>
             </a:r>
             <a:r>
-              <a:rPr lang="ko-KR" altLang="en-US" sz="1600" dirty="0"/>
+              <a:rPr lang="ko-KR" altLang="en-US" sz="1600"/>
               <a:t>인지 분류</a:t>
             </a:r>
-            <a:endParaRPr lang="en-US" altLang="ko-KR" sz="1600" dirty="0"/>
+            <a:endParaRPr lang="en-US" altLang="ko-KR" sz="1600"/>
           </a:p>
           <a:p>
             <a:pPr marL="342900" indent="-342900">
@@ -5763,22 +7345,22 @@
               <a:buChar char="-"/>
             </a:pPr>
             <a:r>
-              <a:rPr lang="en-US" altLang="ko-KR" sz="1600" dirty="0"/>
+              <a:rPr lang="en-US" altLang="ko-KR" sz="1600"/>
               <a:t>Contradiction </a:t>
             </a:r>
             <a:r>
-              <a:rPr lang="ko-KR" altLang="en-US" sz="1600" dirty="0"/>
+              <a:rPr lang="ko-KR" altLang="en-US" sz="1600"/>
               <a:t>에 </a:t>
             </a:r>
             <a:r>
-              <a:rPr lang="en-US" altLang="ko-KR" sz="1600" dirty="0"/>
+              <a:rPr lang="en-US" altLang="ko-KR" sz="1600"/>
               <a:t>never, no, nothing</a:t>
             </a:r>
             <a:r>
-              <a:rPr lang="ko-KR" altLang="en-US" sz="1600" dirty="0"/>
+              <a:rPr lang="ko-KR" altLang="en-US" sz="1600"/>
               <a:t>과 같은 단어들이 많이 분포함</a:t>
             </a:r>
-            <a:endParaRPr lang="en-US" altLang="ko-KR" sz="1600" dirty="0"/>
+            <a:endParaRPr lang="en-US" altLang="ko-KR" sz="1600"/>
           </a:p>
           <a:p>
             <a:pPr>
@@ -5787,22 +7369,22 @@
               </a:lnSpc>
             </a:pPr>
             <a:r>
-              <a:rPr lang="en-US" altLang="ko-KR" sz="1600" dirty="0"/>
+              <a:rPr lang="en-US" altLang="ko-KR" sz="1600"/>
               <a:t>      =&gt; annotation </a:t>
             </a:r>
             <a:r>
-              <a:rPr lang="ko-KR" altLang="en-US" sz="1600" dirty="0"/>
+              <a:rPr lang="ko-KR" altLang="en-US" sz="1600"/>
               <a:t>단계에서 편견이 발생하고</a:t>
             </a:r>
             <a:r>
-              <a:rPr lang="en-US" altLang="ko-KR" sz="1600" dirty="0"/>
+              <a:rPr lang="en-US" altLang="ko-KR" sz="1600"/>
               <a:t>, </a:t>
             </a:r>
             <a:r>
-              <a:rPr lang="ko-KR" altLang="en-US" sz="1600" dirty="0"/>
+              <a:rPr lang="ko-KR" altLang="en-US" sz="1600"/>
               <a:t>모델이 학습함</a:t>
             </a:r>
-            <a:endParaRPr lang="en-US" altLang="ko-KR" sz="1600" dirty="0"/>
+            <a:endParaRPr lang="en-US" altLang="ko-KR" sz="1600"/>
           </a:p>
           <a:p>
             <a:pPr marL="342900" indent="-342900">
@@ -5813,30 +7395,30 @@
               <a:buChar char="-"/>
             </a:pPr>
             <a:r>
-              <a:rPr lang="en-US" altLang="ko-KR" sz="1600" dirty="0"/>
+              <a:rPr lang="en-US" altLang="ko-KR" sz="1600"/>
               <a:t>Classification </a:t>
             </a:r>
             <a:r>
-              <a:rPr lang="ko-KR" altLang="en-US" sz="1600" dirty="0"/>
+              <a:rPr lang="ko-KR" altLang="en-US" sz="1600"/>
               <a:t>문제 </a:t>
             </a:r>
             <a:r>
-              <a:rPr lang="en-US" altLang="ko-KR" sz="1600" dirty="0"/>
+              <a:rPr lang="en-US" altLang="ko-KR" sz="1600"/>
               <a:t>: </a:t>
             </a:r>
             <a:r>
-              <a:rPr lang="ko-KR" altLang="en-US" sz="1600" dirty="0"/>
+              <a:rPr lang="ko-KR" altLang="en-US" sz="1600"/>
               <a:t>두 개의 문장 사이의 관계가 아니라 </a:t>
             </a:r>
             <a:r>
-              <a:rPr lang="en-US" altLang="ko-KR" sz="1600" dirty="0"/>
+              <a:rPr lang="en-US" altLang="ko-KR" sz="1600"/>
               <a:t>hypothesis</a:t>
             </a:r>
             <a:r>
-              <a:rPr lang="ko-KR" altLang="en-US" sz="1600" dirty="0"/>
+              <a:rPr lang="ko-KR" altLang="en-US" sz="1600"/>
               <a:t>에 있는 단어만으로 추론</a:t>
             </a:r>
-            <a:endParaRPr lang="en-US" altLang="ko-KR" sz="1600" dirty="0"/>
+            <a:endParaRPr lang="en-US" altLang="ko-KR" sz="1600"/>
           </a:p>
           <a:p>
             <a:pPr>
@@ -5845,10 +7427,10 @@
               </a:lnSpc>
             </a:pPr>
             <a:r>
-              <a:rPr lang="ko-KR" altLang="en-US" sz="1600" dirty="0"/>
+              <a:rPr lang="ko-KR" altLang="en-US" sz="1600"/>
               <a:t>   </a:t>
             </a:r>
-            <a:endParaRPr lang="en-US" altLang="ko-KR" sz="1600" dirty="0"/>
+            <a:endParaRPr lang="en-US" altLang="ko-KR" sz="1600"/>
           </a:p>
           <a:p>
             <a:pPr marL="342900" indent="-342900">
@@ -5859,22 +7441,22 @@
               <a:buChar char="§"/>
             </a:pPr>
             <a:r>
-              <a:rPr lang="en-US" altLang="ko-KR" sz="1600" dirty="0"/>
+              <a:rPr lang="en-US" altLang="ko-KR" sz="1600"/>
               <a:t>training set</a:t>
             </a:r>
             <a:r>
-              <a:rPr lang="ko-KR" altLang="en-US" sz="1600" dirty="0"/>
+              <a:rPr lang="ko-KR" altLang="en-US" sz="1600"/>
               <a:t>에 따라 왜 이런 일이 일어나는지 분석 </a:t>
             </a:r>
             <a:r>
-              <a:rPr lang="en-US" altLang="ko-KR" sz="1600" dirty="0"/>
+              <a:rPr lang="en-US" altLang="ko-KR" sz="1600"/>
               <a:t>– shortcut / challenging version dataset</a:t>
             </a:r>
             <a:r>
-              <a:rPr lang="ko-KR" altLang="en-US" sz="1600" dirty="0"/>
+              <a:rPr lang="ko-KR" altLang="en-US" sz="1600"/>
               <a:t> </a:t>
             </a:r>
-            <a:endParaRPr lang="en-US" altLang="ko-KR" sz="1600" dirty="0"/>
+            <a:endParaRPr lang="en-US" altLang="ko-KR" sz="1600"/>
           </a:p>
           <a:p>
             <a:pPr>
@@ -5883,34 +7465,34 @@
               </a:lnSpc>
             </a:pPr>
             <a:r>
-              <a:rPr lang="en-US" altLang="ko-KR" sz="1600" dirty="0"/>
+              <a:rPr lang="en-US" altLang="ko-KR" sz="1600"/>
               <a:t>    =&gt; Training set</a:t>
             </a:r>
             <a:r>
-              <a:rPr lang="ko-KR" altLang="en-US" sz="1600" dirty="0"/>
+              <a:rPr lang="ko-KR" altLang="en-US" sz="1600"/>
               <a:t>에서 </a:t>
             </a:r>
             <a:r>
-              <a:rPr lang="en-US" altLang="ko-KR" sz="1600" dirty="0"/>
+              <a:rPr lang="en-US" altLang="ko-KR" sz="1600"/>
               <a:t>challenging</a:t>
             </a:r>
             <a:r>
-              <a:rPr lang="ko-KR" altLang="en-US" sz="1600" dirty="0"/>
+              <a:rPr lang="ko-KR" altLang="en-US" sz="1600"/>
               <a:t>한 </a:t>
             </a:r>
             <a:r>
-              <a:rPr lang="en-US" altLang="ko-KR" sz="1600" dirty="0"/>
+              <a:rPr lang="en-US" altLang="ko-KR" sz="1600"/>
               <a:t>example </a:t>
             </a:r>
             <a:r>
-              <a:rPr lang="ko-KR" altLang="en-US" sz="1600" dirty="0"/>
+              <a:rPr lang="ko-KR" altLang="en-US" sz="1600"/>
               <a:t>만드는 것도 중요하다</a:t>
             </a:r>
             <a:r>
-              <a:rPr lang="en-US" altLang="ko-KR" sz="1600" dirty="0"/>
+              <a:rPr lang="en-US" altLang="ko-KR" sz="1600"/>
               <a:t>.</a:t>
             </a:r>
-            <a:endParaRPr lang="ko-KR" altLang="en-US" sz="1600" dirty="0"/>
+            <a:endParaRPr lang="ko-KR" altLang="en-US" sz="1600"/>
           </a:p>
         </p:txBody>
       </p:sp>
@@ -5973,10 +7555,10 @@
           <a:lstStyle/>
           <a:p>
             <a:r>
-              <a:rPr lang="en-US" altLang="ko-KR" sz="3600" b="1" dirty="0"/>
+              <a:rPr lang="en-US" altLang="ko-KR" sz="3600" b="1"/>
               <a:t>Mitigating Shortcut Learning of NLP models</a:t>
             </a:r>
-            <a:endParaRPr lang="ko-KR" altLang="en-US" sz="3600" b="1" dirty="0"/>
+            <a:endParaRPr lang="ko-KR" altLang="en-US" sz="3600" b="1"/>
           </a:p>
         </p:txBody>
       </p:sp>
@@ -6012,14 +7594,14 @@
               <a:buNone/>
             </a:pPr>
             <a:r>
-              <a:rPr lang="en-US" altLang="ko-KR" sz="2400" b="1" dirty="0"/>
+              <a:rPr lang="en-US" altLang="ko-KR" sz="2400" b="1"/>
               <a:t>3 - </a:t>
             </a:r>
             <a:r>
-              <a:rPr lang="en-US" altLang="ko-KR" sz="2400" dirty="0"/>
+              <a:rPr lang="en-US" altLang="ko-KR" sz="2400"/>
               <a:t>How to mitigate such problem for robust models?</a:t>
             </a:r>
-            <a:endParaRPr lang="ko-KR" altLang="en-US" sz="2400" dirty="0"/>
+            <a:endParaRPr lang="ko-KR" altLang="en-US" sz="2400"/>
           </a:p>
         </p:txBody>
       </p:sp>
@@ -6230,11 +7812,11 @@
               <a:buChar char="§"/>
             </a:pPr>
             <a:r>
-              <a:rPr lang="en-US" altLang="ko-KR" sz="1800" dirty="0"/>
+              <a:rPr lang="en-US" altLang="ko-KR" sz="1800"/>
               <a:t>avoiding shortcuts in QA model - evidentially </a:t>
             </a:r>
             <a:r>
-              <a:rPr lang="ko-KR" altLang="en-US" sz="1800" dirty="0"/>
+              <a:rPr lang="ko-KR" altLang="en-US" sz="1800"/>
               <a:t>이용</a:t>
             </a:r>
           </a:p>
@@ -6246,37 +7828,37 @@
               <a:buNone/>
             </a:pPr>
             <a:r>
-              <a:rPr lang="en-US" altLang="ko-KR" sz="1800" dirty="0"/>
+              <a:rPr lang="en-US" altLang="ko-KR" sz="1800"/>
               <a:t>- problem : reasoning shortcut = </a:t>
             </a:r>
             <a:r>
-              <a:rPr lang="ko-KR" altLang="en-US" sz="1800" dirty="0"/>
+              <a:rPr lang="ko-KR" altLang="en-US" sz="1800"/>
               <a:t>증거 일부만 읽음</a:t>
             </a:r>
             <a:br>
-              <a:rPr lang="en-US" altLang="ko-KR" sz="1800" dirty="0"/>
+              <a:rPr lang="en-US" altLang="ko-KR" sz="1800"/>
             </a:br>
             <a:r>
-              <a:rPr lang="en-US" altLang="ko-KR" sz="1800" dirty="0"/>
+              <a:rPr lang="en-US" altLang="ko-KR" sz="1800"/>
               <a:t>- solution : </a:t>
             </a:r>
             <a:r>
-              <a:rPr lang="en-US" altLang="ko-KR" sz="1800" b="1" dirty="0"/>
+              <a:rPr lang="en-US" altLang="ko-KR" sz="1800" b="1"/>
               <a:t>training evidentiality </a:t>
             </a:r>
             <a:br>
-              <a:rPr lang="en-US" altLang="ko-KR" sz="1800" dirty="0"/>
+              <a:rPr lang="en-US" altLang="ko-KR" sz="1800"/>
             </a:br>
             <a:r>
-              <a:rPr lang="en-US" altLang="ko-KR" sz="1800" dirty="0"/>
+              <a:rPr lang="en-US" altLang="ko-KR" sz="1800"/>
               <a:t>  = </a:t>
             </a:r>
             <a:r>
-              <a:rPr lang="ko-KR" altLang="en-US" sz="1800" dirty="0"/>
+              <a:rPr lang="ko-KR" altLang="en-US" sz="1800"/>
               <a:t>정답이 있더라도 증거가 있는지 모델이 판단해야 한다</a:t>
             </a:r>
             <a:r>
-              <a:rPr lang="en-US" altLang="ko-KR" sz="1800" dirty="0"/>
+              <a:rPr lang="en-US" altLang="ko-KR" sz="1800"/>
               <a:t>.</a:t>
             </a:r>
           </a:p>
@@ -6288,25 +7870,25 @@
               <a:buNone/>
             </a:pPr>
             <a:r>
-              <a:rPr lang="en-US" altLang="ko-KR" sz="1800" dirty="0"/>
+              <a:rPr lang="en-US" altLang="ko-KR" sz="1800"/>
               <a:t>- Evidence-negative set : </a:t>
             </a:r>
             <a:r>
-              <a:rPr lang="ko-KR" altLang="en-US" sz="1800" dirty="0"/>
+              <a:rPr lang="ko-KR" altLang="en-US" sz="1800"/>
               <a:t>정답 포함하지만 증거가 없음</a:t>
             </a:r>
             <a:br>
-              <a:rPr lang="en-US" altLang="ko-KR" sz="1800" dirty="0"/>
+              <a:rPr lang="en-US" altLang="ko-KR" sz="1800"/>
             </a:br>
             <a:r>
-              <a:rPr lang="en-US" altLang="ko-KR" sz="1800" dirty="0"/>
+              <a:rPr lang="en-US" altLang="ko-KR" sz="1800"/>
               <a:t>- Evidence-positive set : </a:t>
             </a:r>
             <a:r>
-              <a:rPr lang="ko-KR" altLang="en-US" sz="1800" dirty="0"/>
+              <a:rPr lang="ko-KR" altLang="en-US" sz="1800"/>
               <a:t>정답과 증거 모두 있음</a:t>
             </a:r>
-            <a:endParaRPr lang="en-US" altLang="ko-KR" sz="1800" dirty="0"/>
+            <a:endParaRPr lang="en-US" altLang="ko-KR" sz="1800"/>
           </a:p>
           <a:p>
             <a:pPr>
@@ -6317,34 +7899,34 @@
               <a:buChar char="Þ"/>
             </a:pPr>
             <a:r>
-              <a:rPr lang="ko-KR" altLang="en-US" sz="1800" dirty="0"/>
+              <a:rPr lang="ko-KR" altLang="en-US" sz="1800"/>
               <a:t> 증거가 충분할 때</a:t>
             </a:r>
             <a:r>
-              <a:rPr lang="en-US" altLang="ko-KR" sz="1800" dirty="0"/>
+              <a:rPr lang="en-US" altLang="ko-KR" sz="1800"/>
               <a:t> </a:t>
             </a:r>
             <a:r>
-              <a:rPr lang="ko-KR" altLang="en-US" sz="1800" dirty="0"/>
+              <a:rPr lang="ko-KR" altLang="en-US" sz="1800"/>
               <a:t>정답을 맞추게 하고</a:t>
             </a:r>
             <a:r>
-              <a:rPr lang="en-US" altLang="ko-KR" sz="1800" dirty="0"/>
+              <a:rPr lang="en-US" altLang="ko-KR" sz="1800"/>
               <a:t>, </a:t>
             </a:r>
             <a:br>
-              <a:rPr lang="en-US" altLang="ko-KR" sz="1800" dirty="0"/>
+              <a:rPr lang="en-US" altLang="ko-KR" sz="1800"/>
             </a:br>
             <a:r>
-              <a:rPr lang="en-US" altLang="ko-KR" sz="1800" dirty="0"/>
+              <a:rPr lang="en-US" altLang="ko-KR" sz="1800"/>
               <a:t> </a:t>
             </a:r>
             <a:r>
-              <a:rPr lang="ko-KR" altLang="en-US" sz="1800" dirty="0"/>
+              <a:rPr lang="ko-KR" altLang="en-US" sz="1800"/>
               <a:t>증거가 없을 때 정답을 맞추지 못하게 한다</a:t>
             </a:r>
             <a:r>
-              <a:rPr lang="en-US" altLang="ko-KR" sz="1800" dirty="0"/>
+              <a:rPr lang="en-US" altLang="ko-KR" sz="1800"/>
               <a:t>.</a:t>
             </a:r>
           </a:p>
@@ -6430,12 +8012,19 @@
         </p:blipFill>
         <p:spPr>
           <a:xfrm>
-            <a:off x="2285170" y="4392554"/>
+            <a:off x="2328302" y="4306290"/>
             <a:ext cx="2329712" cy="2178092"/>
           </a:xfrm>
           <a:prstGeom prst="rect">
             <a:avLst/>
           </a:prstGeom>
+          <a:ln>
+            <a:solidFill>
+              <a:schemeClr val="bg2">
+                <a:lumMod val="75000"/>
+              </a:schemeClr>
+            </a:solidFill>
+          </a:ln>
         </p:spPr>
       </p:pic>
       <p:sp>
@@ -6476,31 +8065,31 @@
               </a:lnSpc>
             </a:pPr>
             <a:r>
-              <a:rPr lang="ko-KR" altLang="en-US" sz="1600" dirty="0"/>
+              <a:rPr lang="ko-KR" altLang="en-US" sz="1600"/>
               <a:t>1. </a:t>
             </a:r>
             <a:r>
-              <a:rPr lang="ko-KR" altLang="en-US" sz="1600" dirty="0" err="1"/>
+              <a:rPr lang="ko-KR" altLang="en-US" sz="1600" err="1"/>
               <a:t>single-paragraphs</a:t>
             </a:r>
             <a:r>
-              <a:rPr lang="ko-KR" altLang="en-US" sz="1600" dirty="0"/>
+              <a:rPr lang="ko-KR" altLang="en-US" sz="1600"/>
               <a:t> 로만 </a:t>
             </a:r>
             <a:r>
-              <a:rPr lang="ko-KR" altLang="en-US" sz="1600" dirty="0" err="1"/>
+              <a:rPr lang="ko-KR" altLang="en-US" sz="1600" err="1"/>
               <a:t>train한</a:t>
             </a:r>
             <a:r>
-              <a:rPr lang="ko-KR" altLang="en-US" sz="1600" dirty="0"/>
+              <a:rPr lang="ko-KR" altLang="en-US" sz="1600"/>
               <a:t> 모델 =&gt; </a:t>
             </a:r>
             <a:r>
-              <a:rPr lang="ko-KR" altLang="en-US" sz="1600" dirty="0" err="1"/>
+              <a:rPr lang="ko-KR" altLang="en-US" sz="1600" err="1"/>
               <a:t>shortcut</a:t>
             </a:r>
             <a:r>
-              <a:rPr lang="ko-KR" altLang="en-US" sz="1600" dirty="0"/>
+              <a:rPr lang="ko-KR" altLang="en-US" sz="1600"/>
               <a:t> 학습이 됨</a:t>
             </a:r>
           </a:p>
@@ -6511,31 +8100,31 @@
               </a:lnSpc>
             </a:pPr>
             <a:r>
-              <a:rPr lang="ko-KR" altLang="en-US" sz="1600" dirty="0"/>
+              <a:rPr lang="ko-KR" altLang="en-US" sz="1600"/>
               <a:t>2. </a:t>
             </a:r>
             <a:r>
-              <a:rPr lang="ko-KR" altLang="en-US" sz="1600" dirty="0" err="1"/>
+              <a:rPr lang="ko-KR" altLang="en-US" sz="1600" err="1"/>
               <a:t>evidence-negative</a:t>
             </a:r>
             <a:r>
-              <a:rPr lang="ko-KR" altLang="en-US" sz="1600" dirty="0"/>
+              <a:rPr lang="ko-KR" altLang="en-US" sz="1600"/>
               <a:t> </a:t>
             </a:r>
             <a:r>
-              <a:rPr lang="ko-KR" altLang="en-US" sz="1600" dirty="0" err="1"/>
+              <a:rPr lang="ko-KR" altLang="en-US" sz="1600" err="1"/>
               <a:t>set으로</a:t>
             </a:r>
             <a:r>
-              <a:rPr lang="ko-KR" altLang="en-US" sz="1600" dirty="0"/>
+              <a:rPr lang="ko-KR" altLang="en-US" sz="1600"/>
               <a:t> </a:t>
             </a:r>
             <a:r>
-              <a:rPr lang="ko-KR" altLang="en-US" sz="1600" dirty="0" err="1"/>
+              <a:rPr lang="ko-KR" altLang="en-US" sz="1600" err="1"/>
               <a:t>regularization한</a:t>
             </a:r>
             <a:r>
-              <a:rPr lang="ko-KR" altLang="en-US" sz="1600" dirty="0"/>
+              <a:rPr lang="ko-KR" altLang="en-US" sz="1600"/>
               <a:t> 모델 </a:t>
             </a:r>
           </a:p>
@@ -6546,22 +8135,22 @@
               </a:lnSpc>
             </a:pPr>
             <a:r>
-              <a:rPr lang="ko-KR" altLang="en-US" sz="1600" dirty="0"/>
+              <a:rPr lang="ko-KR" altLang="en-US" sz="1600"/>
               <a:t>  =&gt; 증거가 없을 때 </a:t>
             </a:r>
             <a:r>
-              <a:rPr lang="ko-KR" altLang="en-US" sz="1600" dirty="0" err="1"/>
+              <a:rPr lang="ko-KR" altLang="en-US" sz="1600" err="1"/>
               <a:t>confidence가</a:t>
             </a:r>
             <a:r>
-              <a:rPr lang="ko-KR" altLang="en-US" sz="1600" dirty="0"/>
+              <a:rPr lang="ko-KR" altLang="en-US" sz="1600"/>
               <a:t> 0으로 </a:t>
             </a:r>
             <a:r>
-              <a:rPr lang="ko-KR" altLang="en-US" sz="1600" dirty="0" err="1"/>
+              <a:rPr lang="ko-KR" altLang="en-US" sz="1600" err="1"/>
               <a:t>가까워짐</a:t>
             </a:r>
-            <a:endParaRPr lang="ko-KR" altLang="en-US" sz="1600" dirty="0"/>
+            <a:endParaRPr lang="ko-KR" altLang="en-US" sz="1600"/>
           </a:p>
           <a:p>
             <a:pPr>
@@ -6570,15 +8159,15 @@
               </a:lnSpc>
             </a:pPr>
             <a:r>
-              <a:rPr lang="ko-KR" altLang="en-US" sz="1600" dirty="0"/>
+              <a:rPr lang="ko-KR" altLang="en-US" sz="1600"/>
               <a:t>3. 최종 </a:t>
             </a:r>
             <a:r>
-              <a:rPr lang="ko-KR" altLang="en-US" sz="1600" dirty="0" err="1"/>
+              <a:rPr lang="ko-KR" altLang="en-US" sz="1600" err="1"/>
               <a:t>full</a:t>
             </a:r>
             <a:r>
-              <a:rPr lang="ko-KR" altLang="en-US" sz="1600" dirty="0"/>
+              <a:rPr lang="ko-KR" altLang="en-US" sz="1600"/>
               <a:t> 모델</a:t>
             </a:r>
           </a:p>
@@ -6589,31 +8178,31 @@
               </a:lnSpc>
             </a:pPr>
             <a:r>
-              <a:rPr lang="en-US" altLang="ko-KR" sz="1600" dirty="0"/>
+              <a:rPr lang="en-US" altLang="ko-KR" sz="1600"/>
               <a:t>  - </a:t>
             </a:r>
             <a:r>
-              <a:rPr lang="ko-KR" altLang="en-US" sz="1600" dirty="0" err="1"/>
+              <a:rPr lang="ko-KR" altLang="en-US" sz="1600" err="1"/>
               <a:t>Evidence-negative</a:t>
             </a:r>
             <a:r>
-              <a:rPr lang="ko-KR" altLang="en-US" sz="1600" dirty="0"/>
+              <a:rPr lang="ko-KR" altLang="en-US" sz="1600"/>
               <a:t> </a:t>
             </a:r>
             <a:r>
-              <a:rPr lang="ko-KR" altLang="en-US" sz="1600" dirty="0" err="1"/>
+              <a:rPr lang="ko-KR" altLang="en-US" sz="1600" err="1"/>
               <a:t>set에서</a:t>
             </a:r>
             <a:r>
-              <a:rPr lang="ko-KR" altLang="en-US" sz="1600" dirty="0"/>
+              <a:rPr lang="ko-KR" altLang="en-US" sz="1600"/>
               <a:t> 낮은 </a:t>
             </a:r>
             <a:r>
-              <a:rPr lang="ko-KR" altLang="en-US" sz="1600" dirty="0" err="1"/>
+              <a:rPr lang="ko-KR" altLang="en-US" sz="1600" err="1"/>
               <a:t>confidence를</a:t>
             </a:r>
             <a:r>
-              <a:rPr lang="ko-KR" altLang="en-US" sz="1600" dirty="0"/>
+              <a:rPr lang="ko-KR" altLang="en-US" sz="1600"/>
               <a:t> 유지하면서 </a:t>
             </a:r>
           </a:p>
@@ -6624,35 +8213,35 @@
               </a:lnSpc>
             </a:pPr>
             <a:r>
-              <a:rPr lang="ko-KR" altLang="en-US" sz="1600" dirty="0"/>
+              <a:rPr lang="ko-KR" altLang="en-US" sz="1600"/>
               <a:t>  </a:t>
             </a:r>
             <a:r>
-              <a:rPr lang="en-US" altLang="ko-KR" sz="1600" dirty="0"/>
+              <a:rPr lang="en-US" altLang="ko-KR" sz="1600"/>
               <a:t>- </a:t>
             </a:r>
             <a:r>
-              <a:rPr lang="ko-KR" altLang="en-US" sz="1600" dirty="0" err="1"/>
+              <a:rPr lang="ko-KR" altLang="en-US" sz="1600" err="1"/>
               <a:t>Evidence-positive</a:t>
             </a:r>
             <a:r>
-              <a:rPr lang="ko-KR" altLang="en-US" sz="1600" dirty="0"/>
+              <a:rPr lang="ko-KR" altLang="en-US" sz="1600"/>
               <a:t> </a:t>
             </a:r>
             <a:r>
-              <a:rPr lang="ko-KR" altLang="en-US" sz="1600" dirty="0" err="1"/>
+              <a:rPr lang="ko-KR" altLang="en-US" sz="1600" err="1"/>
               <a:t>set에서</a:t>
             </a:r>
             <a:r>
-              <a:rPr lang="ko-KR" altLang="en-US" sz="1600" dirty="0"/>
+              <a:rPr lang="ko-KR" altLang="en-US" sz="1600"/>
               <a:t> </a:t>
             </a:r>
             <a:r>
-              <a:rPr lang="ko-KR" altLang="en-US" sz="1600" dirty="0" err="1"/>
+              <a:rPr lang="ko-KR" altLang="en-US" sz="1600" err="1"/>
               <a:t>confidence를</a:t>
             </a:r>
             <a:r>
-              <a:rPr lang="ko-KR" altLang="en-US" sz="1600" dirty="0"/>
+              <a:rPr lang="ko-KR" altLang="en-US" sz="1600"/>
               <a:t> 더 증가시킴</a:t>
             </a:r>
           </a:p>
@@ -6687,7 +8276,7 @@
           <a:lstStyle/>
           <a:p>
             <a:r>
-              <a:rPr lang="ko-KR" altLang="en-US" sz="1600" dirty="0" err="1">
+              <a:rPr lang="ko-KR" altLang="en-US" sz="1600" err="1">
                 <a:solidFill>
                   <a:schemeClr val="tx1">
                     <a:lumMod val="50000"/>
@@ -6698,7 +8287,7 @@
               <a:t>biased</a:t>
             </a:r>
             <a:r>
-              <a:rPr lang="ko-KR" altLang="en-US" sz="1600" dirty="0">
+              <a:rPr lang="ko-KR" altLang="en-US" sz="1600">
                 <a:solidFill>
                   <a:schemeClr val="tx1">
                     <a:lumMod val="50000"/>
@@ -6709,7 +8298,7 @@
               <a:t> </a:t>
             </a:r>
             <a:r>
-              <a:rPr lang="ko-KR" altLang="en-US" sz="1600" dirty="0" err="1">
+              <a:rPr lang="ko-KR" altLang="en-US" sz="1600" err="1">
                 <a:solidFill>
                   <a:schemeClr val="tx1">
                     <a:lumMod val="50000"/>
@@ -6720,7 +8309,7 @@
               <a:t>laye</a:t>
             </a:r>
             <a:r>
-              <a:rPr lang="en-US" altLang="ko-KR" sz="1600" dirty="0">
+              <a:rPr lang="en-US" altLang="ko-KR" sz="1600">
                 <a:solidFill>
                   <a:schemeClr val="tx1">
                     <a:lumMod val="50000"/>
@@ -6731,7 +8320,7 @@
               <a:t>r, </a:t>
             </a:r>
             <a:r>
-              <a:rPr lang="ko-KR" altLang="en-US" sz="1600" dirty="0" err="1">
+              <a:rPr lang="ko-KR" altLang="en-US" sz="1600" err="1">
                 <a:solidFill>
                   <a:schemeClr val="tx1">
                     <a:lumMod val="50000"/>
@@ -6742,7 +8331,7 @@
               <a:t>debiased</a:t>
             </a:r>
             <a:r>
-              <a:rPr lang="ko-KR" altLang="en-US" sz="1600" dirty="0">
+              <a:rPr lang="ko-KR" altLang="en-US" sz="1600">
                 <a:solidFill>
                   <a:schemeClr val="tx1">
                     <a:lumMod val="50000"/>
@@ -6753,7 +8342,7 @@
               <a:t> </a:t>
             </a:r>
             <a:r>
-              <a:rPr lang="ko-KR" altLang="en-US" sz="1600" dirty="0" err="1">
+              <a:rPr lang="ko-KR" altLang="en-US" sz="1600" err="1">
                 <a:solidFill>
                   <a:schemeClr val="tx1">
                     <a:lumMod val="50000"/>
@@ -6764,7 +8353,7 @@
               <a:t>laye</a:t>
             </a:r>
             <a:r>
-              <a:rPr lang="en-US" altLang="ko-KR" sz="1600" dirty="0">
+              <a:rPr lang="en-US" altLang="ko-KR" sz="1600">
                 <a:solidFill>
                   <a:schemeClr val="tx1">
                     <a:lumMod val="50000"/>
@@ -6774,7 +8363,7 @@
               </a:rPr>
               <a:t>r</a:t>
             </a:r>
-            <a:endParaRPr lang="ko-KR" altLang="en-US" sz="1600" dirty="0">
+            <a:endParaRPr lang="ko-KR" altLang="en-US" sz="1600">
               <a:solidFill>
                 <a:schemeClr val="tx1">
                   <a:lumMod val="50000"/>
@@ -6814,7 +8403,7 @@
           <a:lstStyle/>
           <a:p>
             <a:r>
-              <a:rPr lang="en-US" altLang="ko-KR" sz="1600" dirty="0">
+              <a:rPr lang="en-US" altLang="ko-KR" sz="1600">
                 <a:solidFill>
                   <a:schemeClr val="accent1"/>
                 </a:solidFill>
@@ -6822,7 +8411,7 @@
               <a:t>&gt; </a:t>
             </a:r>
             <a:r>
-              <a:rPr lang="ko-KR" altLang="en-US" sz="1600" dirty="0">
+              <a:rPr lang="ko-KR" altLang="en-US" sz="1600">
                 <a:solidFill>
                   <a:schemeClr val="accent1"/>
                 </a:solidFill>
@@ -6830,7 +8419,7 @@
               <a:t>최종 </a:t>
             </a:r>
             <a:r>
-              <a:rPr lang="en-US" altLang="ko-KR" sz="1600" dirty="0">
+              <a:rPr lang="en-US" altLang="ko-KR" sz="1600">
                 <a:solidFill>
                   <a:schemeClr val="accent1"/>
                 </a:solidFill>
@@ -6838,7 +8427,7 @@
               <a:t>full </a:t>
             </a:r>
             <a:r>
-              <a:rPr lang="ko-KR" altLang="en-US" sz="1600" dirty="0">
+              <a:rPr lang="ko-KR" altLang="en-US" sz="1600">
                 <a:solidFill>
                   <a:schemeClr val="accent1"/>
                 </a:solidFill>
@@ -6852,6 +8441,5606 @@
     <p:extLst>
       <p:ext uri="{BB962C8B-B14F-4D97-AF65-F5344CB8AC3E}">
         <p14:creationId xmlns:p14="http://schemas.microsoft.com/office/powerpoint/2010/main" val="1844111494"/>
+      </p:ext>
+    </p:extLst>
+  </p:cSld>
+  <p:clrMapOvr>
+    <a:masterClrMapping/>
+  </p:clrMapOvr>
+</p:sld>
+</file>
+
+<file path=ppt/slides/slide5.xml><?xml version="1.0" encoding="utf-8"?>
+<p:sld xmlns:a="http://schemas.openxmlformats.org/drawingml/2006/main" xmlns:r="http://schemas.openxmlformats.org/officeDocument/2006/relationships" xmlns:p="http://schemas.openxmlformats.org/presentationml/2006/main">
+  <p:cSld>
+    <p:spTree>
+      <p:nvGrpSpPr>
+        <p:cNvPr id="1" name=""/>
+        <p:cNvGrpSpPr/>
+        <p:nvPr/>
+      </p:nvGrpSpPr>
+      <p:grpSpPr>
+        <a:xfrm>
+          <a:off x="0" y="0"/>
+          <a:ext cx="0" cy="0"/>
+          <a:chOff x="0" y="0"/>
+          <a:chExt cx="0" cy="0"/>
+        </a:xfrm>
+      </p:grpSpPr>
+      <p:sp>
+        <p:nvSpPr>
+          <p:cNvPr id="2" name="제목 1">
+            <a:extLst>
+              <a:ext uri="{FF2B5EF4-FFF2-40B4-BE49-F238E27FC236}">
+                <a16:creationId xmlns:a16="http://schemas.microsoft.com/office/drawing/2014/main" id="{E145F6C6-1DB4-4CB6-BAC3-26838AF58E9A}"/>
+              </a:ext>
+            </a:extLst>
+          </p:cNvPr>
+          <p:cNvSpPr>
+            <a:spLocks noGrp="1"/>
+          </p:cNvSpPr>
+          <p:nvPr>
+            <p:ph type="title"/>
+          </p:nvPr>
+        </p:nvSpPr>
+        <p:spPr>
+          <a:xfrm>
+            <a:off x="501315" y="287354"/>
+            <a:ext cx="10728158" cy="744147"/>
+          </a:xfrm>
+        </p:spPr>
+        <p:txBody>
+          <a:bodyPr>
+            <a:normAutofit/>
+          </a:bodyPr>
+          <a:lstStyle/>
+          <a:p>
+            <a:r>
+              <a:rPr lang="en-US" altLang="ko-KR" sz="3600" b="1">
+                <a:ea typeface="맑은 고딕"/>
+              </a:rPr>
+              <a:t>Stock Prediction with AI</a:t>
+            </a:r>
+            <a:endParaRPr lang="ko-KR"/>
+          </a:p>
+        </p:txBody>
+      </p:sp>
+      <p:sp>
+        <p:nvSpPr>
+          <p:cNvPr id="8" name="내용 개체 틀 2">
+            <a:extLst>
+              <a:ext uri="{FF2B5EF4-FFF2-40B4-BE49-F238E27FC236}">
+                <a16:creationId xmlns:a16="http://schemas.microsoft.com/office/drawing/2014/main" id="{04E72B91-2C90-4124-AC90-21F824F6DA0A}"/>
+              </a:ext>
+            </a:extLst>
+          </p:cNvPr>
+          <p:cNvSpPr txBox="1">
+            <a:spLocks/>
+          </p:cNvSpPr>
+          <p:nvPr/>
+        </p:nvSpPr>
+        <p:spPr>
+          <a:xfrm>
+            <a:off x="5926720" y="1553899"/>
+            <a:ext cx="5671570" cy="2375816"/>
+          </a:xfrm>
+          <a:prstGeom prst="roundRect">
+            <a:avLst>
+              <a:gd name="adj" fmla="val 6923"/>
+            </a:avLst>
+          </a:prstGeom>
+          <a:solidFill>
+            <a:schemeClr val="bg1">
+              <a:lumMod val="95000"/>
+            </a:schemeClr>
+          </a:solidFill>
+        </p:spPr>
+        <p:txBody>
+          <a:bodyPr vert="horz" lIns="91440" tIns="45720" rIns="91440" bIns="45720" rtlCol="0" anchor="t">
+            <a:noAutofit/>
+          </a:bodyPr>
+          <a:lstStyle>
+            <a:lvl1pPr marL="228600" indent="-228600" algn="l" defTabSz="914400" rtl="0" eaLnBrk="1" latinLnBrk="1" hangingPunct="1">
+              <a:lnSpc>
+                <a:spcPct val="90000"/>
+              </a:lnSpc>
+              <a:spcBef>
+                <a:spcPts val="1000"/>
+              </a:spcBef>
+              <a:buFont typeface="Arial" panose="020B0604020202020204" pitchFamily="34" charset="0"/>
+              <a:buChar char="•"/>
+              <a:defRPr sz="2800" kern="1200">
+                <a:solidFill>
+                  <a:schemeClr val="tx1"/>
+                </a:solidFill>
+                <a:latin typeface="+mn-lt"/>
+                <a:ea typeface="+mn-ea"/>
+                <a:cs typeface="+mn-cs"/>
+              </a:defRPr>
+            </a:lvl1pPr>
+            <a:lvl2pPr marL="685800" indent="-228600" algn="l" defTabSz="914400" rtl="0" eaLnBrk="1" latinLnBrk="1" hangingPunct="1">
+              <a:lnSpc>
+                <a:spcPct val="90000"/>
+              </a:lnSpc>
+              <a:spcBef>
+                <a:spcPts val="500"/>
+              </a:spcBef>
+              <a:buFont typeface="Arial" panose="020B0604020202020204" pitchFamily="34" charset="0"/>
+              <a:buChar char="•"/>
+              <a:defRPr sz="2400" kern="1200">
+                <a:solidFill>
+                  <a:schemeClr val="tx1"/>
+                </a:solidFill>
+                <a:latin typeface="+mn-lt"/>
+                <a:ea typeface="+mn-ea"/>
+                <a:cs typeface="+mn-cs"/>
+              </a:defRPr>
+            </a:lvl2pPr>
+            <a:lvl3pPr marL="1143000" indent="-228600" algn="l" defTabSz="914400" rtl="0" eaLnBrk="1" latinLnBrk="1" hangingPunct="1">
+              <a:lnSpc>
+                <a:spcPct val="90000"/>
+              </a:lnSpc>
+              <a:spcBef>
+                <a:spcPts val="500"/>
+              </a:spcBef>
+              <a:buFont typeface="Arial" panose="020B0604020202020204" pitchFamily="34" charset="0"/>
+              <a:buChar char="•"/>
+              <a:defRPr sz="2000" kern="1200">
+                <a:solidFill>
+                  <a:schemeClr val="tx1"/>
+                </a:solidFill>
+                <a:latin typeface="+mn-lt"/>
+                <a:ea typeface="+mn-ea"/>
+                <a:cs typeface="+mn-cs"/>
+              </a:defRPr>
+            </a:lvl3pPr>
+            <a:lvl4pPr marL="1600200" indent="-228600" algn="l" defTabSz="914400" rtl="0" eaLnBrk="1" latinLnBrk="1" hangingPunct="1">
+              <a:lnSpc>
+                <a:spcPct val="90000"/>
+              </a:lnSpc>
+              <a:spcBef>
+                <a:spcPts val="500"/>
+              </a:spcBef>
+              <a:buFont typeface="Arial" panose="020B0604020202020204" pitchFamily="34" charset="0"/>
+              <a:buChar char="•"/>
+              <a:defRPr sz="1800" kern="1200">
+                <a:solidFill>
+                  <a:schemeClr val="tx1"/>
+                </a:solidFill>
+                <a:latin typeface="+mn-lt"/>
+                <a:ea typeface="+mn-ea"/>
+                <a:cs typeface="+mn-cs"/>
+              </a:defRPr>
+            </a:lvl4pPr>
+            <a:lvl5pPr marL="2057400" indent="-228600" algn="l" defTabSz="914400" rtl="0" eaLnBrk="1" latinLnBrk="1" hangingPunct="1">
+              <a:lnSpc>
+                <a:spcPct val="90000"/>
+              </a:lnSpc>
+              <a:spcBef>
+                <a:spcPts val="500"/>
+              </a:spcBef>
+              <a:buFont typeface="Arial" panose="020B0604020202020204" pitchFamily="34" charset="0"/>
+              <a:buChar char="•"/>
+              <a:defRPr sz="1800" kern="1200">
+                <a:solidFill>
+                  <a:schemeClr val="tx1"/>
+                </a:solidFill>
+                <a:latin typeface="+mn-lt"/>
+                <a:ea typeface="+mn-ea"/>
+                <a:cs typeface="+mn-cs"/>
+              </a:defRPr>
+            </a:lvl5pPr>
+            <a:lvl6pPr marL="2514600" indent="-228600" algn="l" defTabSz="914400" rtl="0" eaLnBrk="1" latinLnBrk="1" hangingPunct="1">
+              <a:lnSpc>
+                <a:spcPct val="90000"/>
+              </a:lnSpc>
+              <a:spcBef>
+                <a:spcPts val="500"/>
+              </a:spcBef>
+              <a:buFont typeface="Arial" panose="020B0604020202020204" pitchFamily="34" charset="0"/>
+              <a:buChar char="•"/>
+              <a:defRPr sz="1800" kern="1200">
+                <a:solidFill>
+                  <a:schemeClr val="tx1"/>
+                </a:solidFill>
+                <a:latin typeface="+mn-lt"/>
+                <a:ea typeface="+mn-ea"/>
+                <a:cs typeface="+mn-cs"/>
+              </a:defRPr>
+            </a:lvl6pPr>
+            <a:lvl7pPr marL="2971800" indent="-228600" algn="l" defTabSz="914400" rtl="0" eaLnBrk="1" latinLnBrk="1" hangingPunct="1">
+              <a:lnSpc>
+                <a:spcPct val="90000"/>
+              </a:lnSpc>
+              <a:spcBef>
+                <a:spcPts val="500"/>
+              </a:spcBef>
+              <a:buFont typeface="Arial" panose="020B0604020202020204" pitchFamily="34" charset="0"/>
+              <a:buChar char="•"/>
+              <a:defRPr sz="1800" kern="1200">
+                <a:solidFill>
+                  <a:schemeClr val="tx1"/>
+                </a:solidFill>
+                <a:latin typeface="+mn-lt"/>
+                <a:ea typeface="+mn-ea"/>
+                <a:cs typeface="+mn-cs"/>
+              </a:defRPr>
+            </a:lvl7pPr>
+            <a:lvl8pPr marL="3429000" indent="-228600" algn="l" defTabSz="914400" rtl="0" eaLnBrk="1" latinLnBrk="1" hangingPunct="1">
+              <a:lnSpc>
+                <a:spcPct val="90000"/>
+              </a:lnSpc>
+              <a:spcBef>
+                <a:spcPts val="500"/>
+              </a:spcBef>
+              <a:buFont typeface="Arial" panose="020B0604020202020204" pitchFamily="34" charset="0"/>
+              <a:buChar char="•"/>
+              <a:defRPr sz="1800" kern="1200">
+                <a:solidFill>
+                  <a:schemeClr val="tx1"/>
+                </a:solidFill>
+                <a:latin typeface="+mn-lt"/>
+                <a:ea typeface="+mn-ea"/>
+                <a:cs typeface="+mn-cs"/>
+              </a:defRPr>
+            </a:lvl8pPr>
+            <a:lvl9pPr marL="3886200" indent="-228600" algn="l" defTabSz="914400" rtl="0" eaLnBrk="1" latinLnBrk="1" hangingPunct="1">
+              <a:lnSpc>
+                <a:spcPct val="90000"/>
+              </a:lnSpc>
+              <a:spcBef>
+                <a:spcPts val="500"/>
+              </a:spcBef>
+              <a:buFont typeface="Arial" panose="020B0604020202020204" pitchFamily="34" charset="0"/>
+              <a:buChar char="•"/>
+              <a:defRPr sz="1800" kern="1200">
+                <a:solidFill>
+                  <a:schemeClr val="tx1"/>
+                </a:solidFill>
+                <a:latin typeface="+mn-lt"/>
+                <a:ea typeface="+mn-ea"/>
+                <a:cs typeface="+mn-cs"/>
+              </a:defRPr>
+            </a:lvl9pPr>
+          </a:lstStyle>
+          <a:p>
+            <a:pPr>
+              <a:lnSpc>
+                <a:spcPts val="2400"/>
+              </a:lnSpc>
+              <a:buFont typeface="Wingdings" panose="05000000000000000000" pitchFamily="2" charset="2"/>
+              <a:buChar char="§"/>
+            </a:pPr>
+            <a:r>
+              <a:rPr lang="ko-KR" altLang="en-US" sz="1600">
+                <a:ea typeface="맑은 고딕"/>
+              </a:rPr>
+              <a:t>주식가격 예측하기 = </a:t>
+            </a:r>
+            <a:r>
+              <a:rPr lang="ko-KR" altLang="en-US" sz="1600" err="1">
+                <a:ea typeface="맑은 고딕"/>
+              </a:rPr>
+              <a:t>Challenging</a:t>
+            </a:r>
+            <a:r>
+              <a:rPr lang="ko-KR" altLang="en-US" sz="1600">
+                <a:ea typeface="맑은 고딕"/>
+              </a:rPr>
+              <a:t> </a:t>
+            </a:r>
+            <a:r>
+              <a:rPr lang="ko-KR" altLang="en-US" sz="1600" err="1">
+                <a:ea typeface="맑은 고딕"/>
+              </a:rPr>
+              <a:t>but</a:t>
+            </a:r>
+            <a:r>
+              <a:rPr lang="ko-KR" altLang="en-US" sz="1600">
+                <a:ea typeface="맑은 고딕"/>
+              </a:rPr>
+              <a:t> </a:t>
+            </a:r>
+            <a:r>
+              <a:rPr lang="ko-KR" altLang="en-US" sz="1600" err="1">
+                <a:ea typeface="맑은 고딕"/>
+              </a:rPr>
+              <a:t>rewarding</a:t>
+            </a:r>
+            <a:endParaRPr lang="ko-KR" altLang="en-US" sz="1600">
+              <a:ea typeface="맑은 고딕"/>
+            </a:endParaRPr>
+          </a:p>
+          <a:p>
+            <a:pPr>
+              <a:lnSpc>
+                <a:spcPts val="2400"/>
+              </a:lnSpc>
+              <a:buFont typeface="Wingdings" panose="05000000000000000000" pitchFamily="2" charset="2"/>
+              <a:buChar char="§"/>
+            </a:pPr>
+            <a:r>
+              <a:rPr lang="ko-KR" altLang="en-US" sz="1600">
+                <a:ea typeface="맑은 고딕"/>
+              </a:rPr>
+              <a:t>주식이 다음날 오를지 내릴지 결정</a:t>
+            </a:r>
+          </a:p>
+          <a:p>
+            <a:pPr>
+              <a:lnSpc>
+                <a:spcPts val="2400"/>
+              </a:lnSpc>
+              <a:buFont typeface="Wingdings" panose="05000000000000000000" pitchFamily="2" charset="2"/>
+              <a:buChar char="§"/>
+            </a:pPr>
+            <a:r>
+              <a:rPr lang="ko-KR" altLang="en-US" sz="1600" err="1">
+                <a:ea typeface="맑은 고딕"/>
+              </a:rPr>
+              <a:t>Previous</a:t>
+            </a:r>
+            <a:r>
+              <a:rPr lang="ko-KR" altLang="en-US" sz="1600">
+                <a:ea typeface="맑은 고딕"/>
+              </a:rPr>
+              <a:t> </a:t>
+            </a:r>
+            <a:r>
+              <a:rPr lang="ko-KR" altLang="en-US" sz="1600" err="1">
+                <a:ea typeface="맑은 고딕"/>
+              </a:rPr>
+              <a:t>models</a:t>
+            </a:r>
+            <a:endParaRPr lang="ko-KR" altLang="en-US" sz="1600">
+              <a:ea typeface="맑은 고딕"/>
+            </a:endParaRPr>
+          </a:p>
+          <a:p>
+            <a:pPr lvl="1">
+              <a:lnSpc>
+                <a:spcPts val="2400"/>
+              </a:lnSpc>
+              <a:buFont typeface="Wingdings" panose="05000000000000000000" pitchFamily="2" charset="2"/>
+              <a:buChar char="§"/>
+            </a:pPr>
+            <a:r>
+              <a:rPr lang="ko-KR" altLang="en-US" sz="1600" err="1">
+                <a:ea typeface="맑은 고딕"/>
+              </a:rPr>
+              <a:t>Univariate</a:t>
+            </a:r>
+            <a:r>
+              <a:rPr lang="ko-KR" altLang="en-US" sz="1600">
+                <a:ea typeface="맑은 고딕"/>
+              </a:rPr>
+              <a:t> </a:t>
+            </a:r>
+            <a:r>
+              <a:rPr lang="ko-KR" altLang="en-US" sz="1600" err="1">
+                <a:ea typeface="맑은 고딕"/>
+              </a:rPr>
+              <a:t>models</a:t>
+            </a:r>
+            <a:r>
+              <a:rPr lang="ko-KR" altLang="en-US" sz="1600">
+                <a:ea typeface="맑은 고딕"/>
+              </a:rPr>
+              <a:t> - 예측할 주식만 고려</a:t>
+            </a:r>
+          </a:p>
+          <a:p>
+            <a:pPr lvl="1">
+              <a:lnSpc>
+                <a:spcPts val="2400"/>
+              </a:lnSpc>
+              <a:buFont typeface="Wingdings" panose="05000000000000000000" pitchFamily="2" charset="2"/>
+              <a:buChar char="§"/>
+            </a:pPr>
+            <a:r>
+              <a:rPr lang="ko-KR" altLang="en-US" sz="1600" err="1">
+                <a:ea typeface="맑은 고딕"/>
+              </a:rPr>
+              <a:t>Multivariate</a:t>
+            </a:r>
+            <a:r>
+              <a:rPr lang="ko-KR" altLang="en-US" sz="1600">
+                <a:ea typeface="맑은 고딕"/>
+              </a:rPr>
+              <a:t> </a:t>
+            </a:r>
+            <a:r>
+              <a:rPr lang="ko-KR" altLang="en-US" sz="1600" err="1">
+                <a:ea typeface="맑은 고딕"/>
+              </a:rPr>
+              <a:t>models</a:t>
+            </a:r>
+            <a:r>
+              <a:rPr lang="ko-KR" altLang="en-US" sz="1600">
+                <a:ea typeface="맑은 고딕"/>
+              </a:rPr>
+              <a:t> </a:t>
+            </a:r>
+            <a:r>
+              <a:rPr lang="ko-KR" altLang="en-US" sz="1600" err="1">
+                <a:ea typeface="맑은 고딕"/>
+              </a:rPr>
+              <a:t>with</a:t>
+            </a:r>
+            <a:r>
+              <a:rPr lang="ko-KR" altLang="en-US" sz="1600">
+                <a:ea typeface="맑은 고딕"/>
+              </a:rPr>
+              <a:t> </a:t>
+            </a:r>
+            <a:r>
+              <a:rPr lang="ko-KR" altLang="en-US" sz="1600" err="1">
+                <a:ea typeface="맑은 고딕"/>
+              </a:rPr>
+              <a:t>fixed</a:t>
+            </a:r>
+            <a:r>
+              <a:rPr lang="ko-KR" altLang="en-US" sz="1600">
+                <a:ea typeface="맑은 고딕"/>
+              </a:rPr>
+              <a:t> </a:t>
+            </a:r>
+            <a:r>
+              <a:rPr lang="ko-KR" altLang="en-US" sz="1600" err="1">
+                <a:ea typeface="맑은 고딕"/>
+              </a:rPr>
+              <a:t>correlations</a:t>
+            </a:r>
+            <a:r>
+              <a:rPr lang="ko-KR" altLang="en-US" sz="1600">
+                <a:ea typeface="맑은 고딕"/>
+              </a:rPr>
+              <a:t> </a:t>
+            </a:r>
+            <a:br>
+              <a:rPr lang="ko-KR" altLang="en-US" sz="1600">
+                <a:ea typeface="맑은 고딕"/>
+              </a:rPr>
+            </a:br>
+            <a:r>
+              <a:rPr lang="ko-KR" altLang="en-US" sz="1600">
+                <a:ea typeface="맑은 고딕"/>
+              </a:rPr>
+              <a:t>- 여러가지 주식 + 상관관계 고려</a:t>
+            </a:r>
+          </a:p>
+        </p:txBody>
+      </p:sp>
+      <p:sp>
+        <p:nvSpPr>
+          <p:cNvPr id="9" name="TextBox 8">
+            <a:extLst>
+              <a:ext uri="{FF2B5EF4-FFF2-40B4-BE49-F238E27FC236}">
+                <a16:creationId xmlns:a16="http://schemas.microsoft.com/office/drawing/2014/main" id="{84ABFCD9-1D23-4882-9A99-C1863F6D6FEC}"/>
+              </a:ext>
+            </a:extLst>
+          </p:cNvPr>
+          <p:cNvSpPr txBox="1"/>
+          <p:nvPr/>
+        </p:nvSpPr>
+        <p:spPr>
+          <a:xfrm>
+            <a:off x="6222378" y="4194785"/>
+            <a:ext cx="5080623" cy="685719"/>
+          </a:xfrm>
+          <a:prstGeom prst="roundRect">
+            <a:avLst>
+              <a:gd name="adj" fmla="val 9265"/>
+            </a:avLst>
+          </a:prstGeom>
+          <a:solidFill>
+            <a:srgbClr val="FFF7E1"/>
+          </a:solidFill>
+        </p:spPr>
+        <p:txBody>
+          <a:bodyPr wrap="square" lIns="91440" tIns="45720" rIns="91440" bIns="45720" anchor="t">
+            <a:spAutoFit/>
+          </a:bodyPr>
+          <a:lstStyle/>
+          <a:p>
+            <a:pPr>
+              <a:lnSpc>
+                <a:spcPct val="120000"/>
+              </a:lnSpc>
+            </a:pPr>
+            <a:r>
+              <a:rPr lang="en-US" altLang="en-US" sz="1600" b="1">
+                <a:ea typeface="+mn-lt"/>
+                <a:cs typeface="+mn-lt"/>
+              </a:rPr>
+              <a:t>=&gt;</a:t>
+            </a:r>
+            <a:r>
+              <a:rPr lang="ko-KR" altLang="en-US" sz="1600" b="1">
+                <a:ea typeface="+mn-lt"/>
+                <a:cs typeface="+mn-lt"/>
+              </a:rPr>
+              <a:t> </a:t>
+            </a:r>
+            <a:r>
+              <a:rPr lang="ko-KR" altLang="en-US" sz="1600" b="1">
+                <a:ea typeface="맑은 고딕"/>
+              </a:rPr>
+              <a:t>어떻게 하면 주식들 간의 동적인 </a:t>
+            </a:r>
+            <a:r>
+              <a:rPr lang="ko-KR" altLang="en-US" sz="1600" b="1" err="1">
+                <a:ea typeface="맑은 고딕"/>
+              </a:rPr>
+              <a:t>correleation을</a:t>
+            </a:r>
+            <a:r>
+              <a:rPr lang="ko-KR" altLang="en-US" sz="1600" b="1">
+                <a:ea typeface="맑은 고딕"/>
+              </a:rPr>
+              <a:t> 사전지식 없이 잘 학습할 수 있을까?</a:t>
+            </a:r>
+            <a:endParaRPr lang="ko-KR"/>
+          </a:p>
+        </p:txBody>
+      </p:sp>
+      <p:pic>
+        <p:nvPicPr>
+          <p:cNvPr id="4" name="그림 4">
+            <a:extLst>
+              <a:ext uri="{FF2B5EF4-FFF2-40B4-BE49-F238E27FC236}">
+                <a16:creationId xmlns:a16="http://schemas.microsoft.com/office/drawing/2014/main" id="{02FBF75B-6EC0-4499-8051-77EFDB797735}"/>
+              </a:ext>
+            </a:extLst>
+          </p:cNvPr>
+          <p:cNvPicPr>
+            <a:picLocks noChangeAspect="1"/>
+          </p:cNvPicPr>
+          <p:nvPr/>
+        </p:nvPicPr>
+        <p:blipFill>
+          <a:blip r:embed="rId2"/>
+          <a:stretch>
+            <a:fillRect/>
+          </a:stretch>
+        </p:blipFill>
+        <p:spPr>
+          <a:xfrm>
+            <a:off x="953108" y="1041247"/>
+            <a:ext cx="4011540" cy="2229052"/>
+          </a:xfrm>
+          <a:prstGeom prst="rect">
+            <a:avLst/>
+          </a:prstGeom>
+        </p:spPr>
+      </p:pic>
+      <p:sp>
+        <p:nvSpPr>
+          <p:cNvPr id="7" name="내용 개체 틀 2">
+            <a:extLst>
+              <a:ext uri="{FF2B5EF4-FFF2-40B4-BE49-F238E27FC236}">
+                <a16:creationId xmlns:a16="http://schemas.microsoft.com/office/drawing/2014/main" id="{7BC4A1AF-994C-4475-A0E0-85ABE30353C9}"/>
+              </a:ext>
+            </a:extLst>
+          </p:cNvPr>
+          <p:cNvSpPr txBox="1">
+            <a:spLocks/>
+          </p:cNvSpPr>
+          <p:nvPr/>
+        </p:nvSpPr>
+        <p:spPr>
+          <a:xfrm>
+            <a:off x="427933" y="3305172"/>
+            <a:ext cx="5193981" cy="3382230"/>
+          </a:xfrm>
+          <a:prstGeom prst="roundRect">
+            <a:avLst>
+              <a:gd name="adj" fmla="val 6923"/>
+            </a:avLst>
+          </a:prstGeom>
+          <a:solidFill>
+            <a:schemeClr val="bg1">
+              <a:lumMod val="95000"/>
+            </a:schemeClr>
+          </a:solidFill>
+        </p:spPr>
+        <p:txBody>
+          <a:bodyPr vert="horz" lIns="91440" tIns="45720" rIns="91440" bIns="45720" rtlCol="0" anchor="t">
+            <a:noAutofit/>
+          </a:bodyPr>
+          <a:lstStyle>
+            <a:lvl1pPr marL="228600" indent="-228600" algn="l" defTabSz="914400" rtl="0" eaLnBrk="1" latinLnBrk="1" hangingPunct="1">
+              <a:lnSpc>
+                <a:spcPct val="90000"/>
+              </a:lnSpc>
+              <a:spcBef>
+                <a:spcPts val="1000"/>
+              </a:spcBef>
+              <a:buFont typeface="Arial" panose="020B0604020202020204" pitchFamily="34" charset="0"/>
+              <a:buChar char="•"/>
+              <a:defRPr sz="2800" kern="1200">
+                <a:solidFill>
+                  <a:schemeClr val="tx1"/>
+                </a:solidFill>
+                <a:latin typeface="+mn-lt"/>
+                <a:ea typeface="+mn-ea"/>
+                <a:cs typeface="+mn-cs"/>
+              </a:defRPr>
+            </a:lvl1pPr>
+            <a:lvl2pPr marL="685800" indent="-228600" algn="l" defTabSz="914400" rtl="0" eaLnBrk="1" latinLnBrk="1" hangingPunct="1">
+              <a:lnSpc>
+                <a:spcPct val="90000"/>
+              </a:lnSpc>
+              <a:spcBef>
+                <a:spcPts val="500"/>
+              </a:spcBef>
+              <a:buFont typeface="Arial" panose="020B0604020202020204" pitchFamily="34" charset="0"/>
+              <a:buChar char="•"/>
+              <a:defRPr sz="2400" kern="1200">
+                <a:solidFill>
+                  <a:schemeClr val="tx1"/>
+                </a:solidFill>
+                <a:latin typeface="+mn-lt"/>
+                <a:ea typeface="+mn-ea"/>
+                <a:cs typeface="+mn-cs"/>
+              </a:defRPr>
+            </a:lvl2pPr>
+            <a:lvl3pPr marL="1143000" indent="-228600" algn="l" defTabSz="914400" rtl="0" eaLnBrk="1" latinLnBrk="1" hangingPunct="1">
+              <a:lnSpc>
+                <a:spcPct val="90000"/>
+              </a:lnSpc>
+              <a:spcBef>
+                <a:spcPts val="500"/>
+              </a:spcBef>
+              <a:buFont typeface="Arial" panose="020B0604020202020204" pitchFamily="34" charset="0"/>
+              <a:buChar char="•"/>
+              <a:defRPr sz="2000" kern="1200">
+                <a:solidFill>
+                  <a:schemeClr val="tx1"/>
+                </a:solidFill>
+                <a:latin typeface="+mn-lt"/>
+                <a:ea typeface="+mn-ea"/>
+                <a:cs typeface="+mn-cs"/>
+              </a:defRPr>
+            </a:lvl3pPr>
+            <a:lvl4pPr marL="1600200" indent="-228600" algn="l" defTabSz="914400" rtl="0" eaLnBrk="1" latinLnBrk="1" hangingPunct="1">
+              <a:lnSpc>
+                <a:spcPct val="90000"/>
+              </a:lnSpc>
+              <a:spcBef>
+                <a:spcPts val="500"/>
+              </a:spcBef>
+              <a:buFont typeface="Arial" panose="020B0604020202020204" pitchFamily="34" charset="0"/>
+              <a:buChar char="•"/>
+              <a:defRPr sz="1800" kern="1200">
+                <a:solidFill>
+                  <a:schemeClr val="tx1"/>
+                </a:solidFill>
+                <a:latin typeface="+mn-lt"/>
+                <a:ea typeface="+mn-ea"/>
+                <a:cs typeface="+mn-cs"/>
+              </a:defRPr>
+            </a:lvl4pPr>
+            <a:lvl5pPr marL="2057400" indent="-228600" algn="l" defTabSz="914400" rtl="0" eaLnBrk="1" latinLnBrk="1" hangingPunct="1">
+              <a:lnSpc>
+                <a:spcPct val="90000"/>
+              </a:lnSpc>
+              <a:spcBef>
+                <a:spcPts val="500"/>
+              </a:spcBef>
+              <a:buFont typeface="Arial" panose="020B0604020202020204" pitchFamily="34" charset="0"/>
+              <a:buChar char="•"/>
+              <a:defRPr sz="1800" kern="1200">
+                <a:solidFill>
+                  <a:schemeClr val="tx1"/>
+                </a:solidFill>
+                <a:latin typeface="+mn-lt"/>
+                <a:ea typeface="+mn-ea"/>
+                <a:cs typeface="+mn-cs"/>
+              </a:defRPr>
+            </a:lvl5pPr>
+            <a:lvl6pPr marL="2514600" indent="-228600" algn="l" defTabSz="914400" rtl="0" eaLnBrk="1" latinLnBrk="1" hangingPunct="1">
+              <a:lnSpc>
+                <a:spcPct val="90000"/>
+              </a:lnSpc>
+              <a:spcBef>
+                <a:spcPts val="500"/>
+              </a:spcBef>
+              <a:buFont typeface="Arial" panose="020B0604020202020204" pitchFamily="34" charset="0"/>
+              <a:buChar char="•"/>
+              <a:defRPr sz="1800" kern="1200">
+                <a:solidFill>
+                  <a:schemeClr val="tx1"/>
+                </a:solidFill>
+                <a:latin typeface="+mn-lt"/>
+                <a:ea typeface="+mn-ea"/>
+                <a:cs typeface="+mn-cs"/>
+              </a:defRPr>
+            </a:lvl6pPr>
+            <a:lvl7pPr marL="2971800" indent="-228600" algn="l" defTabSz="914400" rtl="0" eaLnBrk="1" latinLnBrk="1" hangingPunct="1">
+              <a:lnSpc>
+                <a:spcPct val="90000"/>
+              </a:lnSpc>
+              <a:spcBef>
+                <a:spcPts val="500"/>
+              </a:spcBef>
+              <a:buFont typeface="Arial" panose="020B0604020202020204" pitchFamily="34" charset="0"/>
+              <a:buChar char="•"/>
+              <a:defRPr sz="1800" kern="1200">
+                <a:solidFill>
+                  <a:schemeClr val="tx1"/>
+                </a:solidFill>
+                <a:latin typeface="+mn-lt"/>
+                <a:ea typeface="+mn-ea"/>
+                <a:cs typeface="+mn-cs"/>
+              </a:defRPr>
+            </a:lvl7pPr>
+            <a:lvl8pPr marL="3429000" indent="-228600" algn="l" defTabSz="914400" rtl="0" eaLnBrk="1" latinLnBrk="1" hangingPunct="1">
+              <a:lnSpc>
+                <a:spcPct val="90000"/>
+              </a:lnSpc>
+              <a:spcBef>
+                <a:spcPts val="500"/>
+              </a:spcBef>
+              <a:buFont typeface="Arial" panose="020B0604020202020204" pitchFamily="34" charset="0"/>
+              <a:buChar char="•"/>
+              <a:defRPr sz="1800" kern="1200">
+                <a:solidFill>
+                  <a:schemeClr val="tx1"/>
+                </a:solidFill>
+                <a:latin typeface="+mn-lt"/>
+                <a:ea typeface="+mn-ea"/>
+                <a:cs typeface="+mn-cs"/>
+              </a:defRPr>
+            </a:lvl8pPr>
+            <a:lvl9pPr marL="3886200" indent="-228600" algn="l" defTabSz="914400" rtl="0" eaLnBrk="1" latinLnBrk="1" hangingPunct="1">
+              <a:lnSpc>
+                <a:spcPct val="90000"/>
+              </a:lnSpc>
+              <a:spcBef>
+                <a:spcPts val="500"/>
+              </a:spcBef>
+              <a:buFont typeface="Arial" panose="020B0604020202020204" pitchFamily="34" charset="0"/>
+              <a:buChar char="•"/>
+              <a:defRPr sz="1800" kern="1200">
+                <a:solidFill>
+                  <a:schemeClr val="tx1"/>
+                </a:solidFill>
+                <a:latin typeface="+mn-lt"/>
+                <a:ea typeface="+mn-ea"/>
+                <a:cs typeface="+mn-cs"/>
+              </a:defRPr>
+            </a:lvl9pPr>
+          </a:lstStyle>
+          <a:p>
+            <a:pPr>
+              <a:lnSpc>
+                <a:spcPts val="2400"/>
+              </a:lnSpc>
+              <a:buFont typeface="Wingdings" panose="05000000000000000000" pitchFamily="2" charset="2"/>
+              <a:buChar char="§"/>
+            </a:pPr>
+            <a:r>
+              <a:rPr lang="ko-KR" altLang="en-US" sz="1800" err="1">
+                <a:ea typeface="맑은 고딕"/>
+              </a:rPr>
+              <a:t>Why</a:t>
+            </a:r>
+            <a:r>
+              <a:rPr lang="ko-KR" altLang="en-US" sz="1800">
+                <a:ea typeface="맑은 고딕"/>
+              </a:rPr>
+              <a:t> AI </a:t>
+            </a:r>
+            <a:r>
+              <a:rPr lang="ko-KR" altLang="en-US" sz="1800" err="1">
+                <a:ea typeface="맑은 고딕"/>
+              </a:rPr>
+              <a:t>for</a:t>
+            </a:r>
+            <a:r>
+              <a:rPr lang="ko-KR" altLang="en-US" sz="1800">
+                <a:ea typeface="맑은 고딕"/>
+              </a:rPr>
+              <a:t> </a:t>
+            </a:r>
+            <a:r>
+              <a:rPr lang="ko-KR" altLang="en-US" sz="1800" err="1">
+                <a:ea typeface="맑은 고딕"/>
+              </a:rPr>
+              <a:t>Trading</a:t>
+            </a:r>
+            <a:r>
+              <a:rPr lang="ko-KR" altLang="en-US" sz="1800">
+                <a:ea typeface="맑은 고딕"/>
+              </a:rPr>
+              <a:t>? (정당성)</a:t>
+            </a:r>
+          </a:p>
+          <a:p>
+            <a:pPr lvl="1">
+              <a:lnSpc>
+                <a:spcPts val="2400"/>
+              </a:lnSpc>
+              <a:buFont typeface="Wingdings" panose="05000000000000000000" pitchFamily="2" charset="2"/>
+              <a:buChar char="§"/>
+            </a:pPr>
+            <a:r>
+              <a:rPr lang="ko-KR" altLang="en-US" sz="1400">
+                <a:ea typeface="맑은 고딕"/>
+              </a:rPr>
+              <a:t>사람은 기억력에 한계가 있고, </a:t>
+            </a:r>
+            <a:br>
+              <a:rPr lang="ko-KR" altLang="en-US" sz="1400">
+                <a:ea typeface="맑은 고딕"/>
+              </a:rPr>
+            </a:br>
+            <a:r>
+              <a:rPr lang="ko-KR" altLang="en-US" sz="1400">
+                <a:ea typeface="맑은 고딕"/>
+              </a:rPr>
+              <a:t>공포심이 있음</a:t>
+            </a:r>
+          </a:p>
+          <a:p>
+            <a:pPr lvl="1">
+              <a:lnSpc>
+                <a:spcPts val="2400"/>
+              </a:lnSpc>
+              <a:buFont typeface="Wingdings" panose="05000000000000000000" pitchFamily="2" charset="2"/>
+              <a:buChar char="§"/>
+            </a:pPr>
+            <a:r>
+              <a:rPr lang="ko-KR" altLang="en-US" sz="1400">
+                <a:ea typeface="맑은 고딕"/>
+              </a:rPr>
+              <a:t> </a:t>
+            </a:r>
+            <a:r>
+              <a:rPr lang="ko-KR" altLang="en-US" sz="1400" err="1">
+                <a:ea typeface="맑은 고딕"/>
+              </a:rPr>
+              <a:t>AI는</a:t>
+            </a:r>
+            <a:r>
+              <a:rPr lang="ko-KR" altLang="en-US" sz="1400">
+                <a:ea typeface="맑은 고딕"/>
+              </a:rPr>
+              <a:t> 패턴을 조기에 탐지가능</a:t>
+            </a:r>
+          </a:p>
+          <a:p>
+            <a:pPr lvl="1">
+              <a:lnSpc>
+                <a:spcPts val="2400"/>
+              </a:lnSpc>
+              <a:buFont typeface="Wingdings" panose="05000000000000000000" pitchFamily="2" charset="2"/>
+              <a:buChar char="§"/>
+            </a:pPr>
+            <a:r>
+              <a:rPr lang="ko-KR" altLang="en-US" sz="1400">
+                <a:ea typeface="맑은 고딕"/>
+              </a:rPr>
+              <a:t>수십년 간의 데이터 활용 가능</a:t>
+            </a:r>
+          </a:p>
+          <a:p>
+            <a:pPr lvl="1">
+              <a:lnSpc>
+                <a:spcPts val="2400"/>
+              </a:lnSpc>
+              <a:buFont typeface="Wingdings" panose="05000000000000000000" pitchFamily="2" charset="2"/>
+              <a:buChar char="§"/>
+            </a:pPr>
+            <a:r>
+              <a:rPr lang="ko-KR" altLang="en-US" sz="1400">
+                <a:ea typeface="맑은 고딕"/>
+              </a:rPr>
+              <a:t>최고의 전략으로 빠르게 찾음</a:t>
+            </a:r>
+          </a:p>
+          <a:p>
+            <a:pPr>
+              <a:lnSpc>
+                <a:spcPts val="2400"/>
+              </a:lnSpc>
+              <a:buFont typeface="Wingdings" panose="05000000000000000000" pitchFamily="2" charset="2"/>
+              <a:buChar char="§"/>
+            </a:pPr>
+            <a:r>
+              <a:rPr lang="ko-KR" altLang="en-US" sz="1600" err="1">
+                <a:ea typeface="맑은 고딕"/>
+              </a:rPr>
+              <a:t>Mission-critical</a:t>
+            </a:r>
+            <a:r>
+              <a:rPr lang="ko-KR" altLang="en-US" sz="1600">
+                <a:ea typeface="맑은 고딕"/>
+              </a:rPr>
+              <a:t> </a:t>
+            </a:r>
+            <a:r>
+              <a:rPr lang="ko-KR" altLang="en-US" sz="1600" err="1">
+                <a:ea typeface="맑은 고딕"/>
+              </a:rPr>
+              <a:t>services는</a:t>
+            </a:r>
+            <a:r>
+              <a:rPr lang="ko-KR" altLang="en-US" sz="1600">
+                <a:ea typeface="맑은 고딕"/>
+              </a:rPr>
+              <a:t> 오류가 있으면 안되는데 (주로 보조역할로 사용) </a:t>
+            </a:r>
+            <a:r>
+              <a:rPr lang="ko-KR" altLang="en-US" sz="1600" err="1">
+                <a:ea typeface="맑은 고딕"/>
+              </a:rPr>
+              <a:t>trading</a:t>
+            </a:r>
+            <a:r>
+              <a:rPr lang="ko-KR" altLang="en-US" sz="1600">
+                <a:ea typeface="맑은 고딕"/>
+              </a:rPr>
+              <a:t> 분야에서는 오류가 있어도 된다.</a:t>
+            </a:r>
+          </a:p>
+          <a:p>
+            <a:pPr marL="0" indent="0">
+              <a:lnSpc>
+                <a:spcPts val="2400"/>
+              </a:lnSpc>
+              <a:buNone/>
+            </a:pPr>
+            <a:endParaRPr lang="en-US" altLang="ko-KR" sz="1800">
+              <a:ea typeface="맑은 고딕"/>
+            </a:endParaRPr>
+          </a:p>
+        </p:txBody>
+      </p:sp>
+      <p:sp>
+        <p:nvSpPr>
+          <p:cNvPr id="3" name="내용 개체 틀 2">
+            <a:extLst>
+              <a:ext uri="{FF2B5EF4-FFF2-40B4-BE49-F238E27FC236}">
+                <a16:creationId xmlns:a16="http://schemas.microsoft.com/office/drawing/2014/main" id="{50386AB0-DF0D-4A1B-A498-06F55F036CE4}"/>
+              </a:ext>
+            </a:extLst>
+          </p:cNvPr>
+          <p:cNvSpPr>
+            <a:spLocks noGrp="1"/>
+          </p:cNvSpPr>
+          <p:nvPr>
+            <p:ph idx="1"/>
+          </p:nvPr>
+        </p:nvSpPr>
+        <p:spPr>
+          <a:xfrm>
+            <a:off x="1035120" y="1141545"/>
+            <a:ext cx="2267881" cy="416585"/>
+          </a:xfrm>
+        </p:spPr>
+        <p:txBody>
+          <a:bodyPr vert="horz" lIns="91440" tIns="45720" rIns="91440" bIns="45720" rtlCol="0" anchor="t">
+            <a:normAutofit/>
+          </a:bodyPr>
+          <a:lstStyle/>
+          <a:p>
+            <a:pPr marL="0" indent="0">
+              <a:buNone/>
+            </a:pPr>
+            <a:r>
+              <a:rPr lang="en-US" altLang="ko-KR" sz="1600">
+                <a:ea typeface="맑은 고딕"/>
+              </a:rPr>
+              <a:t>&gt; </a:t>
+            </a:r>
+            <a:r>
+              <a:rPr lang="en-US" altLang="ko-KR" sz="1600" err="1">
+                <a:ea typeface="맑은 고딕"/>
+              </a:rPr>
+              <a:t>AI가</a:t>
+            </a:r>
+            <a:r>
+              <a:rPr lang="en-US" altLang="ko-KR" sz="1600">
+                <a:ea typeface="맑은 고딕"/>
+              </a:rPr>
+              <a:t> </a:t>
+            </a:r>
+            <a:r>
+              <a:rPr lang="en-US" altLang="ko-KR" sz="1600" err="1">
+                <a:ea typeface="맑은 고딕"/>
+              </a:rPr>
+              <a:t>예측한</a:t>
+            </a:r>
+            <a:r>
+              <a:rPr lang="en-US" altLang="ko-KR" sz="1600">
+                <a:ea typeface="맑은 고딕"/>
+              </a:rPr>
+              <a:t> </a:t>
+            </a:r>
+            <a:r>
+              <a:rPr lang="en-US" altLang="ko-KR" sz="1600" err="1">
+                <a:ea typeface="맑은 고딕"/>
+              </a:rPr>
+              <a:t>주가</a:t>
+            </a:r>
+            <a:endParaRPr lang="en-US" altLang="ko-KR" sz="1600">
+              <a:ea typeface="맑은 고딕"/>
+            </a:endParaRPr>
+          </a:p>
+        </p:txBody>
+      </p:sp>
+      <p:sp>
+        <p:nvSpPr>
+          <p:cNvPr id="5" name="내용 개체 틀 2">
+            <a:extLst>
+              <a:ext uri="{FF2B5EF4-FFF2-40B4-BE49-F238E27FC236}">
+                <a16:creationId xmlns:a16="http://schemas.microsoft.com/office/drawing/2014/main" id="{458CFB2C-34A0-4A6E-8148-8102F4828DF6}"/>
+              </a:ext>
+            </a:extLst>
+          </p:cNvPr>
+          <p:cNvSpPr txBox="1">
+            <a:spLocks/>
+          </p:cNvSpPr>
+          <p:nvPr/>
+        </p:nvSpPr>
+        <p:spPr>
+          <a:xfrm>
+            <a:off x="5883387" y="1196622"/>
+            <a:ext cx="2771089" cy="344698"/>
+          </a:xfrm>
+          <a:prstGeom prst="rect">
+            <a:avLst/>
+          </a:prstGeom>
+        </p:spPr>
+        <p:txBody>
+          <a:bodyPr vert="horz" lIns="91440" tIns="45720" rIns="91440" bIns="45720" rtlCol="0" anchor="t">
+            <a:normAutofit/>
+          </a:bodyPr>
+          <a:lstStyle>
+            <a:lvl1pPr marL="228600" indent="-228600" algn="l" defTabSz="914400" rtl="0" eaLnBrk="1" latinLnBrk="1" hangingPunct="1">
+              <a:lnSpc>
+                <a:spcPct val="90000"/>
+              </a:lnSpc>
+              <a:spcBef>
+                <a:spcPts val="1000"/>
+              </a:spcBef>
+              <a:buFont typeface="Arial" panose="020B0604020202020204" pitchFamily="34" charset="0"/>
+              <a:buChar char="•"/>
+              <a:defRPr sz="2800" kern="1200">
+                <a:solidFill>
+                  <a:schemeClr val="tx1"/>
+                </a:solidFill>
+                <a:latin typeface="+mn-lt"/>
+                <a:ea typeface="+mn-ea"/>
+                <a:cs typeface="+mn-cs"/>
+              </a:defRPr>
+            </a:lvl1pPr>
+            <a:lvl2pPr marL="685800" indent="-228600" algn="l" defTabSz="914400" rtl="0" eaLnBrk="1" latinLnBrk="1" hangingPunct="1">
+              <a:lnSpc>
+                <a:spcPct val="90000"/>
+              </a:lnSpc>
+              <a:spcBef>
+                <a:spcPts val="500"/>
+              </a:spcBef>
+              <a:buFont typeface="Arial" panose="020B0604020202020204" pitchFamily="34" charset="0"/>
+              <a:buChar char="•"/>
+              <a:defRPr sz="2400" kern="1200">
+                <a:solidFill>
+                  <a:schemeClr val="tx1"/>
+                </a:solidFill>
+                <a:latin typeface="+mn-lt"/>
+                <a:ea typeface="+mn-ea"/>
+                <a:cs typeface="+mn-cs"/>
+              </a:defRPr>
+            </a:lvl2pPr>
+            <a:lvl3pPr marL="1143000" indent="-228600" algn="l" defTabSz="914400" rtl="0" eaLnBrk="1" latinLnBrk="1" hangingPunct="1">
+              <a:lnSpc>
+                <a:spcPct val="90000"/>
+              </a:lnSpc>
+              <a:spcBef>
+                <a:spcPts val="500"/>
+              </a:spcBef>
+              <a:buFont typeface="Arial" panose="020B0604020202020204" pitchFamily="34" charset="0"/>
+              <a:buChar char="•"/>
+              <a:defRPr sz="2000" kern="1200">
+                <a:solidFill>
+                  <a:schemeClr val="tx1"/>
+                </a:solidFill>
+                <a:latin typeface="+mn-lt"/>
+                <a:ea typeface="+mn-ea"/>
+                <a:cs typeface="+mn-cs"/>
+              </a:defRPr>
+            </a:lvl3pPr>
+            <a:lvl4pPr marL="1600200" indent="-228600" algn="l" defTabSz="914400" rtl="0" eaLnBrk="1" latinLnBrk="1" hangingPunct="1">
+              <a:lnSpc>
+                <a:spcPct val="90000"/>
+              </a:lnSpc>
+              <a:spcBef>
+                <a:spcPts val="500"/>
+              </a:spcBef>
+              <a:buFont typeface="Arial" panose="020B0604020202020204" pitchFamily="34" charset="0"/>
+              <a:buChar char="•"/>
+              <a:defRPr sz="1800" kern="1200">
+                <a:solidFill>
+                  <a:schemeClr val="tx1"/>
+                </a:solidFill>
+                <a:latin typeface="+mn-lt"/>
+                <a:ea typeface="+mn-ea"/>
+                <a:cs typeface="+mn-cs"/>
+              </a:defRPr>
+            </a:lvl4pPr>
+            <a:lvl5pPr marL="2057400" indent="-228600" algn="l" defTabSz="914400" rtl="0" eaLnBrk="1" latinLnBrk="1" hangingPunct="1">
+              <a:lnSpc>
+                <a:spcPct val="90000"/>
+              </a:lnSpc>
+              <a:spcBef>
+                <a:spcPts val="500"/>
+              </a:spcBef>
+              <a:buFont typeface="Arial" panose="020B0604020202020204" pitchFamily="34" charset="0"/>
+              <a:buChar char="•"/>
+              <a:defRPr sz="1800" kern="1200">
+                <a:solidFill>
+                  <a:schemeClr val="tx1"/>
+                </a:solidFill>
+                <a:latin typeface="+mn-lt"/>
+                <a:ea typeface="+mn-ea"/>
+                <a:cs typeface="+mn-cs"/>
+              </a:defRPr>
+            </a:lvl5pPr>
+            <a:lvl6pPr marL="2514600" indent="-228600" algn="l" defTabSz="914400" rtl="0" eaLnBrk="1" latinLnBrk="1" hangingPunct="1">
+              <a:lnSpc>
+                <a:spcPct val="90000"/>
+              </a:lnSpc>
+              <a:spcBef>
+                <a:spcPts val="500"/>
+              </a:spcBef>
+              <a:buFont typeface="Arial" panose="020B0604020202020204" pitchFamily="34" charset="0"/>
+              <a:buChar char="•"/>
+              <a:defRPr sz="1800" kern="1200">
+                <a:solidFill>
+                  <a:schemeClr val="tx1"/>
+                </a:solidFill>
+                <a:latin typeface="+mn-lt"/>
+                <a:ea typeface="+mn-ea"/>
+                <a:cs typeface="+mn-cs"/>
+              </a:defRPr>
+            </a:lvl6pPr>
+            <a:lvl7pPr marL="2971800" indent="-228600" algn="l" defTabSz="914400" rtl="0" eaLnBrk="1" latinLnBrk="1" hangingPunct="1">
+              <a:lnSpc>
+                <a:spcPct val="90000"/>
+              </a:lnSpc>
+              <a:spcBef>
+                <a:spcPts val="500"/>
+              </a:spcBef>
+              <a:buFont typeface="Arial" panose="020B0604020202020204" pitchFamily="34" charset="0"/>
+              <a:buChar char="•"/>
+              <a:defRPr sz="1800" kern="1200">
+                <a:solidFill>
+                  <a:schemeClr val="tx1"/>
+                </a:solidFill>
+                <a:latin typeface="+mn-lt"/>
+                <a:ea typeface="+mn-ea"/>
+                <a:cs typeface="+mn-cs"/>
+              </a:defRPr>
+            </a:lvl7pPr>
+            <a:lvl8pPr marL="3429000" indent="-228600" algn="l" defTabSz="914400" rtl="0" eaLnBrk="1" latinLnBrk="1" hangingPunct="1">
+              <a:lnSpc>
+                <a:spcPct val="90000"/>
+              </a:lnSpc>
+              <a:spcBef>
+                <a:spcPts val="500"/>
+              </a:spcBef>
+              <a:buFont typeface="Arial" panose="020B0604020202020204" pitchFamily="34" charset="0"/>
+              <a:buChar char="•"/>
+              <a:defRPr sz="1800" kern="1200">
+                <a:solidFill>
+                  <a:schemeClr val="tx1"/>
+                </a:solidFill>
+                <a:latin typeface="+mn-lt"/>
+                <a:ea typeface="+mn-ea"/>
+                <a:cs typeface="+mn-cs"/>
+              </a:defRPr>
+            </a:lvl8pPr>
+            <a:lvl9pPr marL="3886200" indent="-228600" algn="l" defTabSz="914400" rtl="0" eaLnBrk="1" latinLnBrk="1" hangingPunct="1">
+              <a:lnSpc>
+                <a:spcPct val="90000"/>
+              </a:lnSpc>
+              <a:spcBef>
+                <a:spcPts val="500"/>
+              </a:spcBef>
+              <a:buFont typeface="Arial" panose="020B0604020202020204" pitchFamily="34" charset="0"/>
+              <a:buChar char="•"/>
+              <a:defRPr sz="1800" kern="1200">
+                <a:solidFill>
+                  <a:schemeClr val="tx1"/>
+                </a:solidFill>
+                <a:latin typeface="+mn-lt"/>
+                <a:ea typeface="+mn-ea"/>
+                <a:cs typeface="+mn-cs"/>
+              </a:defRPr>
+            </a:lvl9pPr>
+          </a:lstStyle>
+          <a:p>
+            <a:pPr>
+              <a:buFont typeface="Wingdings" panose="020B0604020202020204" pitchFamily="34" charset="0"/>
+              <a:buChar char="q"/>
+            </a:pPr>
+            <a:r>
+              <a:rPr lang="en-US" altLang="ko-KR" sz="1800">
+                <a:ea typeface="맑은 고딕"/>
+              </a:rPr>
+              <a:t> </a:t>
+            </a:r>
+            <a:r>
+              <a:rPr lang="en-US" altLang="ko-KR" sz="1800" err="1">
+                <a:ea typeface="맑은 고딕"/>
+              </a:rPr>
+              <a:t>주가</a:t>
+            </a:r>
+            <a:r>
+              <a:rPr lang="en-US" altLang="ko-KR" sz="1800">
+                <a:ea typeface="맑은 고딕"/>
+              </a:rPr>
+              <a:t> </a:t>
+            </a:r>
+            <a:r>
+              <a:rPr lang="en-US" altLang="ko-KR" sz="1800" err="1">
+                <a:ea typeface="맑은 고딕"/>
+              </a:rPr>
+              <a:t>예측하는</a:t>
+            </a:r>
+            <a:r>
+              <a:rPr lang="en-US" altLang="ko-KR" sz="1800">
+                <a:ea typeface="맑은 고딕"/>
+              </a:rPr>
+              <a:t> </a:t>
+            </a:r>
+            <a:r>
+              <a:rPr lang="en-US" altLang="ko-KR" sz="1800" err="1">
+                <a:ea typeface="맑은 고딕"/>
+              </a:rPr>
+              <a:t>연구</a:t>
+            </a:r>
+            <a:endParaRPr lang="ko-KR" altLang="en-US"/>
+          </a:p>
+        </p:txBody>
+      </p:sp>
+    </p:spTree>
+    <p:extLst>
+      <p:ext uri="{BB962C8B-B14F-4D97-AF65-F5344CB8AC3E}">
+        <p14:creationId xmlns:p14="http://schemas.microsoft.com/office/powerpoint/2010/main" val="1028700088"/>
+      </p:ext>
+    </p:extLst>
+  </p:cSld>
+  <p:clrMapOvr>
+    <a:masterClrMapping/>
+  </p:clrMapOvr>
+</p:sld>
+</file>
+
+<file path=ppt/slides/slide6.xml><?xml version="1.0" encoding="utf-8"?>
+<p:sld xmlns:a="http://schemas.openxmlformats.org/drawingml/2006/main" xmlns:r="http://schemas.openxmlformats.org/officeDocument/2006/relationships" xmlns:p="http://schemas.openxmlformats.org/presentationml/2006/main">
+  <p:cSld>
+    <p:spTree>
+      <p:nvGrpSpPr>
+        <p:cNvPr id="1" name=""/>
+        <p:cNvGrpSpPr/>
+        <p:nvPr/>
+      </p:nvGrpSpPr>
+      <p:grpSpPr>
+        <a:xfrm>
+          <a:off x="0" y="0"/>
+          <a:ext cx="0" cy="0"/>
+          <a:chOff x="0" y="0"/>
+          <a:chExt cx="0" cy="0"/>
+        </a:xfrm>
+      </p:grpSpPr>
+      <p:sp>
+        <p:nvSpPr>
+          <p:cNvPr id="2" name="제목 1">
+            <a:extLst>
+              <a:ext uri="{FF2B5EF4-FFF2-40B4-BE49-F238E27FC236}">
+                <a16:creationId xmlns:a16="http://schemas.microsoft.com/office/drawing/2014/main" id="{E145F6C6-1DB4-4CB6-BAC3-26838AF58E9A}"/>
+              </a:ext>
+            </a:extLst>
+          </p:cNvPr>
+          <p:cNvSpPr>
+            <a:spLocks noGrp="1"/>
+          </p:cNvSpPr>
+          <p:nvPr>
+            <p:ph type="title"/>
+          </p:nvPr>
+        </p:nvSpPr>
+        <p:spPr>
+          <a:xfrm>
+            <a:off x="501315" y="287354"/>
+            <a:ext cx="10728158" cy="744147"/>
+          </a:xfrm>
+        </p:spPr>
+        <p:txBody>
+          <a:bodyPr>
+            <a:normAutofit/>
+          </a:bodyPr>
+          <a:lstStyle/>
+          <a:p>
+            <a:r>
+              <a:rPr lang="en-US" altLang="ko-KR" sz="3600" b="1">
+                <a:ea typeface="맑은 고딕"/>
+              </a:rPr>
+              <a:t>Stock Prediction with AI</a:t>
+            </a:r>
+            <a:endParaRPr lang="ko-KR"/>
+          </a:p>
+        </p:txBody>
+      </p:sp>
+      <p:sp>
+        <p:nvSpPr>
+          <p:cNvPr id="9" name="TextBox 8">
+            <a:extLst>
+              <a:ext uri="{FF2B5EF4-FFF2-40B4-BE49-F238E27FC236}">
+                <a16:creationId xmlns:a16="http://schemas.microsoft.com/office/drawing/2014/main" id="{84ABFCD9-1D23-4882-9A99-C1863F6D6FEC}"/>
+              </a:ext>
+            </a:extLst>
+          </p:cNvPr>
+          <p:cNvSpPr txBox="1"/>
+          <p:nvPr/>
+        </p:nvSpPr>
+        <p:spPr>
+          <a:xfrm>
+            <a:off x="437702" y="4128059"/>
+            <a:ext cx="3915876" cy="2153281"/>
+          </a:xfrm>
+          <a:prstGeom prst="roundRect">
+            <a:avLst>
+              <a:gd name="adj" fmla="val 9265"/>
+            </a:avLst>
+          </a:prstGeom>
+          <a:solidFill>
+            <a:srgbClr val="FFF7E1"/>
+          </a:solidFill>
+        </p:spPr>
+        <p:txBody>
+          <a:bodyPr wrap="square" lIns="91440" tIns="45720" rIns="91440" bIns="45720" anchor="t">
+            <a:spAutoFit/>
+          </a:bodyPr>
+          <a:lstStyle/>
+          <a:p>
+            <a:pPr marL="285750" indent="-285750">
+              <a:lnSpc>
+                <a:spcPct val="120000"/>
+              </a:lnSpc>
+              <a:buFont typeface="Arial"/>
+              <a:buChar char="•"/>
+            </a:pPr>
+            <a:r>
+              <a:rPr lang="ko-KR" altLang="en-US" err="1">
+                <a:ea typeface="맑은 고딕"/>
+              </a:rPr>
+              <a:t>Dataset</a:t>
+            </a:r>
+            <a:r>
+              <a:rPr lang="ko-KR" altLang="en-US">
+                <a:ea typeface="맑은 고딕"/>
+              </a:rPr>
+              <a:t> : 2(기존) + 4(새로운) </a:t>
+            </a:r>
+            <a:endParaRPr lang="ko-KR"/>
+          </a:p>
+          <a:p>
+            <a:pPr lvl="1">
+              <a:lnSpc>
+                <a:spcPct val="120000"/>
+              </a:lnSpc>
+            </a:pPr>
+            <a:r>
+              <a:rPr lang="ko-KR" altLang="en-US">
+                <a:ea typeface="맑은 고딕"/>
+              </a:rPr>
+              <a:t>= </a:t>
+            </a:r>
+            <a:r>
+              <a:rPr lang="ko-KR" altLang="en-US" err="1">
+                <a:ea typeface="맑은 고딕"/>
+              </a:rPr>
+              <a:t>train</a:t>
+            </a:r>
+            <a:r>
+              <a:rPr lang="ko-KR" altLang="en-US">
+                <a:ea typeface="맑은 고딕"/>
+              </a:rPr>
+              <a:t> / </a:t>
+            </a:r>
+            <a:r>
+              <a:rPr lang="ko-KR" altLang="en-US" err="1">
+                <a:ea typeface="맑은 고딕"/>
+              </a:rPr>
+              <a:t>valid</a:t>
+            </a:r>
+            <a:r>
+              <a:rPr lang="ko-KR" altLang="en-US">
+                <a:ea typeface="맑은 고딕"/>
+              </a:rPr>
+              <a:t> / </a:t>
+            </a:r>
+            <a:r>
+              <a:rPr lang="ko-KR" altLang="en-US" err="1">
+                <a:ea typeface="맑은 고딕"/>
+              </a:rPr>
+              <a:t>test</a:t>
+            </a:r>
+            <a:r>
+              <a:rPr lang="ko-KR" altLang="en-US">
+                <a:ea typeface="맑은 고딕"/>
+              </a:rPr>
+              <a:t> </a:t>
+            </a:r>
+            <a:r>
+              <a:rPr lang="ko-KR" altLang="en-US" err="1">
+                <a:ea typeface="맑은 고딕"/>
+              </a:rPr>
+              <a:t>sets</a:t>
+            </a:r>
+            <a:endParaRPr lang="ko-KR" altLang="en-US">
+              <a:ea typeface="맑은 고딕"/>
+            </a:endParaRPr>
+          </a:p>
+          <a:p>
+            <a:pPr marL="285750" indent="-285750">
+              <a:lnSpc>
+                <a:spcPct val="120000"/>
+              </a:lnSpc>
+              <a:buFont typeface="Arial"/>
+              <a:buChar char="•"/>
+            </a:pPr>
+            <a:r>
+              <a:rPr lang="ko-KR" altLang="en-US" err="1">
+                <a:ea typeface="맑은 고딕"/>
+              </a:rPr>
+              <a:t>Evaluation</a:t>
+            </a:r>
+            <a:r>
+              <a:rPr lang="ko-KR" altLang="en-US">
+                <a:ea typeface="맑은 고딕"/>
+              </a:rPr>
+              <a:t> </a:t>
+            </a:r>
+            <a:r>
+              <a:rPr lang="ko-KR" altLang="en-US" err="1">
+                <a:ea typeface="맑은 고딕"/>
+              </a:rPr>
+              <a:t>metrics</a:t>
+            </a:r>
+            <a:r>
+              <a:rPr lang="ko-KR" altLang="en-US">
+                <a:ea typeface="맑은 고딕"/>
+              </a:rPr>
+              <a:t> : </a:t>
+            </a:r>
+            <a:br>
+              <a:rPr lang="ko-KR" altLang="en-US">
+                <a:ea typeface="맑은 고딕"/>
+              </a:rPr>
+            </a:br>
+            <a:r>
+              <a:rPr lang="ko-KR" altLang="en-US">
+                <a:ea typeface="맑은 고딕"/>
+              </a:rPr>
+              <a:t>- </a:t>
+            </a:r>
+            <a:r>
+              <a:rPr lang="ko-KR" altLang="en-US" err="1">
+                <a:ea typeface="맑은 고딕"/>
+              </a:rPr>
+              <a:t>Simple</a:t>
+            </a:r>
+            <a:r>
+              <a:rPr lang="ko-KR" altLang="en-US">
+                <a:ea typeface="맑은 고딕"/>
+              </a:rPr>
+              <a:t> </a:t>
+            </a:r>
+            <a:r>
+              <a:rPr lang="ko-KR" altLang="en-US" err="1">
+                <a:ea typeface="맑은 고딕"/>
+              </a:rPr>
+              <a:t>accuracy</a:t>
+            </a:r>
+            <a:r>
+              <a:rPr lang="ko-KR" altLang="en-US">
+                <a:ea typeface="맑은 고딕"/>
+              </a:rPr>
+              <a:t>(ACC)</a:t>
+            </a:r>
+            <a:br>
+              <a:rPr lang="ko-KR" altLang="en-US">
+                <a:ea typeface="맑은 고딕"/>
+              </a:rPr>
+            </a:br>
+            <a:r>
+              <a:rPr lang="ko-KR" altLang="en-US">
+                <a:ea typeface="맑은 고딕"/>
+              </a:rPr>
+              <a:t>-  The </a:t>
+            </a:r>
+            <a:r>
+              <a:rPr lang="ko-KR" altLang="en-US" err="1">
+                <a:ea typeface="맑은 고딕"/>
+              </a:rPr>
+              <a:t>Matthews</a:t>
+            </a:r>
+            <a:r>
+              <a:rPr lang="ko-KR" altLang="en-US">
+                <a:ea typeface="맑은 고딕"/>
+              </a:rPr>
+              <a:t> </a:t>
+            </a:r>
+            <a:r>
+              <a:rPr lang="ko-KR" altLang="en-US" err="1">
+                <a:ea typeface="맑은 고딕"/>
+              </a:rPr>
+              <a:t>correlation</a:t>
+            </a:r>
+            <a:br>
+              <a:rPr lang="ko-KR" altLang="en-US">
+                <a:ea typeface="맑은 고딕"/>
+              </a:rPr>
+            </a:br>
+            <a:r>
+              <a:rPr lang="ko-KR" altLang="en-US">
+                <a:ea typeface="맑은 고딕"/>
+              </a:rPr>
+              <a:t>    </a:t>
+            </a:r>
+            <a:r>
+              <a:rPr lang="ko-KR" altLang="en-US" err="1">
+                <a:ea typeface="맑은 고딕"/>
+              </a:rPr>
+              <a:t>coefficient</a:t>
+            </a:r>
+            <a:r>
+              <a:rPr lang="ko-KR" altLang="en-US">
+                <a:ea typeface="맑은 고딕"/>
+              </a:rPr>
+              <a:t>(MCC)</a:t>
+            </a:r>
+          </a:p>
+        </p:txBody>
+      </p:sp>
+      <p:sp>
+        <p:nvSpPr>
+          <p:cNvPr id="7" name="내용 개체 틀 2">
+            <a:extLst>
+              <a:ext uri="{FF2B5EF4-FFF2-40B4-BE49-F238E27FC236}">
+                <a16:creationId xmlns:a16="http://schemas.microsoft.com/office/drawing/2014/main" id="{7BC4A1AF-994C-4475-A0E0-85ABE30353C9}"/>
+              </a:ext>
+            </a:extLst>
+          </p:cNvPr>
+          <p:cNvSpPr txBox="1">
+            <a:spLocks/>
+          </p:cNvSpPr>
+          <p:nvPr/>
+        </p:nvSpPr>
+        <p:spPr>
+          <a:xfrm>
+            <a:off x="427933" y="1378606"/>
+            <a:ext cx="11255510" cy="2160156"/>
+          </a:xfrm>
+          <a:prstGeom prst="roundRect">
+            <a:avLst>
+              <a:gd name="adj" fmla="val 6923"/>
+            </a:avLst>
+          </a:prstGeom>
+          <a:solidFill>
+            <a:schemeClr val="bg1">
+              <a:lumMod val="95000"/>
+            </a:schemeClr>
+          </a:solidFill>
+        </p:spPr>
+        <p:txBody>
+          <a:bodyPr vert="horz" lIns="91440" tIns="45720" rIns="91440" bIns="45720" rtlCol="0" anchor="t">
+            <a:noAutofit/>
+          </a:bodyPr>
+          <a:lstStyle>
+            <a:lvl1pPr marL="228600" indent="-228600" algn="l" defTabSz="914400" rtl="0" eaLnBrk="1" latinLnBrk="1" hangingPunct="1">
+              <a:lnSpc>
+                <a:spcPct val="90000"/>
+              </a:lnSpc>
+              <a:spcBef>
+                <a:spcPts val="1000"/>
+              </a:spcBef>
+              <a:buFont typeface="Arial" panose="020B0604020202020204" pitchFamily="34" charset="0"/>
+              <a:buChar char="•"/>
+              <a:defRPr sz="2800" kern="1200">
+                <a:solidFill>
+                  <a:schemeClr val="tx1"/>
+                </a:solidFill>
+                <a:latin typeface="+mn-lt"/>
+                <a:ea typeface="+mn-ea"/>
+                <a:cs typeface="+mn-cs"/>
+              </a:defRPr>
+            </a:lvl1pPr>
+            <a:lvl2pPr marL="685800" indent="-228600" algn="l" defTabSz="914400" rtl="0" eaLnBrk="1" latinLnBrk="1" hangingPunct="1">
+              <a:lnSpc>
+                <a:spcPct val="90000"/>
+              </a:lnSpc>
+              <a:spcBef>
+                <a:spcPts val="500"/>
+              </a:spcBef>
+              <a:buFont typeface="Arial" panose="020B0604020202020204" pitchFamily="34" charset="0"/>
+              <a:buChar char="•"/>
+              <a:defRPr sz="2400" kern="1200">
+                <a:solidFill>
+                  <a:schemeClr val="tx1"/>
+                </a:solidFill>
+                <a:latin typeface="+mn-lt"/>
+                <a:ea typeface="+mn-ea"/>
+                <a:cs typeface="+mn-cs"/>
+              </a:defRPr>
+            </a:lvl2pPr>
+            <a:lvl3pPr marL="1143000" indent="-228600" algn="l" defTabSz="914400" rtl="0" eaLnBrk="1" latinLnBrk="1" hangingPunct="1">
+              <a:lnSpc>
+                <a:spcPct val="90000"/>
+              </a:lnSpc>
+              <a:spcBef>
+                <a:spcPts val="500"/>
+              </a:spcBef>
+              <a:buFont typeface="Arial" panose="020B0604020202020204" pitchFamily="34" charset="0"/>
+              <a:buChar char="•"/>
+              <a:defRPr sz="2000" kern="1200">
+                <a:solidFill>
+                  <a:schemeClr val="tx1"/>
+                </a:solidFill>
+                <a:latin typeface="+mn-lt"/>
+                <a:ea typeface="+mn-ea"/>
+                <a:cs typeface="+mn-cs"/>
+              </a:defRPr>
+            </a:lvl3pPr>
+            <a:lvl4pPr marL="1600200" indent="-228600" algn="l" defTabSz="914400" rtl="0" eaLnBrk="1" latinLnBrk="1" hangingPunct="1">
+              <a:lnSpc>
+                <a:spcPct val="90000"/>
+              </a:lnSpc>
+              <a:spcBef>
+                <a:spcPts val="500"/>
+              </a:spcBef>
+              <a:buFont typeface="Arial" panose="020B0604020202020204" pitchFamily="34" charset="0"/>
+              <a:buChar char="•"/>
+              <a:defRPr sz="1800" kern="1200">
+                <a:solidFill>
+                  <a:schemeClr val="tx1"/>
+                </a:solidFill>
+                <a:latin typeface="+mn-lt"/>
+                <a:ea typeface="+mn-ea"/>
+                <a:cs typeface="+mn-cs"/>
+              </a:defRPr>
+            </a:lvl4pPr>
+            <a:lvl5pPr marL="2057400" indent="-228600" algn="l" defTabSz="914400" rtl="0" eaLnBrk="1" latinLnBrk="1" hangingPunct="1">
+              <a:lnSpc>
+                <a:spcPct val="90000"/>
+              </a:lnSpc>
+              <a:spcBef>
+                <a:spcPts val="500"/>
+              </a:spcBef>
+              <a:buFont typeface="Arial" panose="020B0604020202020204" pitchFamily="34" charset="0"/>
+              <a:buChar char="•"/>
+              <a:defRPr sz="1800" kern="1200">
+                <a:solidFill>
+                  <a:schemeClr val="tx1"/>
+                </a:solidFill>
+                <a:latin typeface="+mn-lt"/>
+                <a:ea typeface="+mn-ea"/>
+                <a:cs typeface="+mn-cs"/>
+              </a:defRPr>
+            </a:lvl5pPr>
+            <a:lvl6pPr marL="2514600" indent="-228600" algn="l" defTabSz="914400" rtl="0" eaLnBrk="1" latinLnBrk="1" hangingPunct="1">
+              <a:lnSpc>
+                <a:spcPct val="90000"/>
+              </a:lnSpc>
+              <a:spcBef>
+                <a:spcPts val="500"/>
+              </a:spcBef>
+              <a:buFont typeface="Arial" panose="020B0604020202020204" pitchFamily="34" charset="0"/>
+              <a:buChar char="•"/>
+              <a:defRPr sz="1800" kern="1200">
+                <a:solidFill>
+                  <a:schemeClr val="tx1"/>
+                </a:solidFill>
+                <a:latin typeface="+mn-lt"/>
+                <a:ea typeface="+mn-ea"/>
+                <a:cs typeface="+mn-cs"/>
+              </a:defRPr>
+            </a:lvl6pPr>
+            <a:lvl7pPr marL="2971800" indent="-228600" algn="l" defTabSz="914400" rtl="0" eaLnBrk="1" latinLnBrk="1" hangingPunct="1">
+              <a:lnSpc>
+                <a:spcPct val="90000"/>
+              </a:lnSpc>
+              <a:spcBef>
+                <a:spcPts val="500"/>
+              </a:spcBef>
+              <a:buFont typeface="Arial" panose="020B0604020202020204" pitchFamily="34" charset="0"/>
+              <a:buChar char="•"/>
+              <a:defRPr sz="1800" kern="1200">
+                <a:solidFill>
+                  <a:schemeClr val="tx1"/>
+                </a:solidFill>
+                <a:latin typeface="+mn-lt"/>
+                <a:ea typeface="+mn-ea"/>
+                <a:cs typeface="+mn-cs"/>
+              </a:defRPr>
+            </a:lvl7pPr>
+            <a:lvl8pPr marL="3429000" indent="-228600" algn="l" defTabSz="914400" rtl="0" eaLnBrk="1" latinLnBrk="1" hangingPunct="1">
+              <a:lnSpc>
+                <a:spcPct val="90000"/>
+              </a:lnSpc>
+              <a:spcBef>
+                <a:spcPts val="500"/>
+              </a:spcBef>
+              <a:buFont typeface="Arial" panose="020B0604020202020204" pitchFamily="34" charset="0"/>
+              <a:buChar char="•"/>
+              <a:defRPr sz="1800" kern="1200">
+                <a:solidFill>
+                  <a:schemeClr val="tx1"/>
+                </a:solidFill>
+                <a:latin typeface="+mn-lt"/>
+                <a:ea typeface="+mn-ea"/>
+                <a:cs typeface="+mn-cs"/>
+              </a:defRPr>
+            </a:lvl8pPr>
+            <a:lvl9pPr marL="3886200" indent="-228600" algn="l" defTabSz="914400" rtl="0" eaLnBrk="1" latinLnBrk="1" hangingPunct="1">
+              <a:lnSpc>
+                <a:spcPct val="90000"/>
+              </a:lnSpc>
+              <a:spcBef>
+                <a:spcPts val="500"/>
+              </a:spcBef>
+              <a:buFont typeface="Arial" panose="020B0604020202020204" pitchFamily="34" charset="0"/>
+              <a:buChar char="•"/>
+              <a:defRPr sz="1800" kern="1200">
+                <a:solidFill>
+                  <a:schemeClr val="tx1"/>
+                </a:solidFill>
+                <a:latin typeface="+mn-lt"/>
+                <a:ea typeface="+mn-ea"/>
+                <a:cs typeface="+mn-cs"/>
+              </a:defRPr>
+            </a:lvl9pPr>
+          </a:lstStyle>
+          <a:p>
+            <a:pPr>
+              <a:lnSpc>
+                <a:spcPts val="2400"/>
+              </a:lnSpc>
+              <a:buFont typeface="Wingdings" panose="05000000000000000000" pitchFamily="2" charset="2"/>
+              <a:buChar char="§"/>
+            </a:pPr>
+            <a:r>
+              <a:rPr lang="ko-KR" altLang="en-US" sz="1800" b="1">
+                <a:ea typeface="맑은 고딕"/>
+              </a:rPr>
+              <a:t>DTML(Data-</a:t>
+            </a:r>
+            <a:r>
+              <a:rPr lang="ko-KR" altLang="en-US" sz="1800" b="1" err="1">
+                <a:ea typeface="맑은 고딕"/>
+              </a:rPr>
+              <a:t>axis</a:t>
+            </a:r>
+            <a:r>
+              <a:rPr lang="ko-KR" altLang="en-US" sz="1800" b="1">
+                <a:ea typeface="맑은 고딕"/>
+              </a:rPr>
+              <a:t> </a:t>
+            </a:r>
+            <a:r>
+              <a:rPr lang="ko-KR" altLang="en-US" sz="1800" b="1" err="1">
+                <a:ea typeface="맑은 고딕"/>
+              </a:rPr>
+              <a:t>Transformer</a:t>
+            </a:r>
+            <a:r>
+              <a:rPr lang="ko-KR" altLang="en-US" sz="1800" b="1">
+                <a:ea typeface="맑은 고딕"/>
+              </a:rPr>
+              <a:t> </a:t>
+            </a:r>
+            <a:r>
+              <a:rPr lang="ko-KR" altLang="en-US" sz="1800" b="1" err="1">
+                <a:ea typeface="맑은 고딕"/>
+              </a:rPr>
+              <a:t>with</a:t>
+            </a:r>
+            <a:r>
+              <a:rPr lang="ko-KR" altLang="en-US" sz="1800" b="1">
+                <a:ea typeface="맑은 고딕"/>
+              </a:rPr>
+              <a:t> </a:t>
+            </a:r>
+            <a:r>
+              <a:rPr lang="ko-KR" altLang="en-US" sz="1800" b="1" err="1">
+                <a:ea typeface="맑은 고딕"/>
+              </a:rPr>
+              <a:t>Multi-Level</a:t>
+            </a:r>
+            <a:r>
+              <a:rPr lang="ko-KR" altLang="en-US" sz="1800" b="1">
+                <a:ea typeface="맑은 고딕"/>
+              </a:rPr>
+              <a:t> </a:t>
+            </a:r>
+            <a:r>
+              <a:rPr lang="ko-KR" altLang="en-US" sz="1800" b="1" err="1">
+                <a:ea typeface="맑은 고딕"/>
+              </a:rPr>
+              <a:t>contexts</a:t>
+            </a:r>
+            <a:r>
+              <a:rPr lang="ko-KR" altLang="en-US" sz="1800" b="1">
+                <a:ea typeface="맑은 고딕"/>
+              </a:rPr>
+              <a:t>)</a:t>
+            </a:r>
+          </a:p>
+          <a:p>
+            <a:pPr lvl="1">
+              <a:lnSpc>
+                <a:spcPts val="2400"/>
+              </a:lnSpc>
+              <a:buFont typeface="Wingdings" panose="05000000000000000000" pitchFamily="2" charset="2"/>
+              <a:buChar char="§"/>
+            </a:pPr>
+            <a:r>
+              <a:rPr lang="ko-KR" altLang="en-US" sz="1800">
+                <a:ea typeface="맑은 고딕"/>
+              </a:rPr>
+              <a:t>Time-</a:t>
+            </a:r>
+            <a:r>
+              <a:rPr lang="ko-KR" altLang="en-US" sz="1800" err="1">
+                <a:ea typeface="맑은 고딕"/>
+              </a:rPr>
+              <a:t>axis</a:t>
+            </a:r>
+            <a:r>
+              <a:rPr lang="ko-KR" altLang="en-US" sz="1800">
+                <a:ea typeface="맑은 고딕"/>
+              </a:rPr>
+              <a:t> </a:t>
+            </a:r>
+            <a:r>
+              <a:rPr lang="ko-KR" altLang="en-US" sz="1800" err="1">
+                <a:ea typeface="맑은 고딕"/>
+              </a:rPr>
+              <a:t>attention</a:t>
+            </a:r>
+            <a:r>
+              <a:rPr lang="ko-KR" altLang="en-US" sz="1800">
+                <a:ea typeface="맑은 고딕"/>
+              </a:rPr>
+              <a:t> - 어떤 날짜가 다음날 예측할 때 도움이 될지 동적으로 학습</a:t>
+            </a:r>
+          </a:p>
+          <a:p>
+            <a:pPr lvl="1">
+              <a:lnSpc>
+                <a:spcPts val="2400"/>
+              </a:lnSpc>
+              <a:buFont typeface="Wingdings" panose="05000000000000000000" pitchFamily="2" charset="2"/>
+              <a:buChar char="§"/>
+            </a:pPr>
+            <a:r>
+              <a:rPr lang="ko-KR" altLang="en-US" sz="1800" err="1">
+                <a:ea typeface="맑은 고딕"/>
+              </a:rPr>
+              <a:t>Context</a:t>
+            </a:r>
+            <a:r>
+              <a:rPr lang="ko-KR" altLang="en-US" sz="1800">
+                <a:ea typeface="맑은 고딕"/>
+              </a:rPr>
+              <a:t> </a:t>
+            </a:r>
+            <a:r>
+              <a:rPr lang="ko-KR" altLang="en-US" sz="1800" err="1">
+                <a:ea typeface="맑은 고딕"/>
+              </a:rPr>
+              <a:t>aggregation</a:t>
+            </a:r>
+            <a:r>
+              <a:rPr lang="ko-KR" altLang="en-US" sz="1800">
+                <a:ea typeface="맑은 고딕"/>
+              </a:rPr>
+              <a:t> - 개별 주식 + 시장의 트렌드</a:t>
+            </a:r>
+          </a:p>
+          <a:p>
+            <a:pPr lvl="1">
+              <a:lnSpc>
+                <a:spcPts val="2400"/>
+              </a:lnSpc>
+              <a:buFont typeface="Wingdings" panose="05000000000000000000" pitchFamily="2" charset="2"/>
+              <a:buChar char="§"/>
+            </a:pPr>
+            <a:r>
+              <a:rPr lang="ko-KR" altLang="en-US" sz="1800">
+                <a:ea typeface="맑은 고딕"/>
+              </a:rPr>
+              <a:t>Data-</a:t>
+            </a:r>
+            <a:r>
+              <a:rPr lang="ko-KR" altLang="en-US" sz="1800" err="1">
+                <a:ea typeface="맑은 고딕"/>
+              </a:rPr>
+              <a:t>axis</a:t>
+            </a:r>
+            <a:r>
+              <a:rPr lang="ko-KR" altLang="en-US" sz="1800">
+                <a:ea typeface="맑은 고딕"/>
+              </a:rPr>
+              <a:t> </a:t>
+            </a:r>
+            <a:r>
+              <a:rPr lang="ko-KR" altLang="en-US" sz="1800" err="1">
+                <a:ea typeface="맑은 고딕"/>
+              </a:rPr>
+              <a:t>attention</a:t>
+            </a:r>
+            <a:r>
+              <a:rPr lang="ko-KR" altLang="en-US" sz="1800">
+                <a:ea typeface="맑은 고딕"/>
+              </a:rPr>
+              <a:t> - 여러 주식 간의 상관관계를 동적으로 학습</a:t>
+            </a:r>
+          </a:p>
+          <a:p>
+            <a:pPr marL="0" indent="0">
+              <a:lnSpc>
+                <a:spcPts val="2400"/>
+              </a:lnSpc>
+              <a:buNone/>
+            </a:pPr>
+            <a:r>
+              <a:rPr lang="ko-KR" altLang="en-US" sz="1800">
+                <a:ea typeface="맑은 고딕"/>
+              </a:rPr>
+              <a:t>=&gt; </a:t>
+            </a:r>
+            <a:r>
+              <a:rPr lang="ko-KR" altLang="en-US" sz="1800" err="1">
+                <a:ea typeface="맑은 고딕"/>
+              </a:rPr>
+              <a:t>시간축</a:t>
+            </a:r>
+            <a:r>
+              <a:rPr lang="ko-KR" altLang="en-US" sz="1800">
+                <a:ea typeface="맑은 고딕"/>
+              </a:rPr>
+              <a:t> + </a:t>
+            </a:r>
+            <a:r>
+              <a:rPr lang="ko-KR" altLang="en-US" sz="1800" err="1">
+                <a:ea typeface="맑은 고딕"/>
+              </a:rPr>
+              <a:t>global</a:t>
+            </a:r>
+            <a:r>
+              <a:rPr lang="ko-KR" altLang="en-US" sz="1800">
+                <a:ea typeface="맑은 고딕"/>
+              </a:rPr>
+              <a:t> </a:t>
+            </a:r>
+            <a:r>
+              <a:rPr lang="ko-KR" altLang="en-US" sz="1800" err="1">
+                <a:ea typeface="맑은 고딕"/>
+              </a:rPr>
+              <a:t>market</a:t>
+            </a:r>
+            <a:r>
+              <a:rPr lang="ko-KR" altLang="en-US" sz="1800">
+                <a:ea typeface="맑은 고딕"/>
+              </a:rPr>
+              <a:t> + 종목 간의 연관관계</a:t>
+            </a:r>
+          </a:p>
+        </p:txBody>
+      </p:sp>
+      <p:sp>
+        <p:nvSpPr>
+          <p:cNvPr id="3" name="내용 개체 틀 2">
+            <a:extLst>
+              <a:ext uri="{FF2B5EF4-FFF2-40B4-BE49-F238E27FC236}">
+                <a16:creationId xmlns:a16="http://schemas.microsoft.com/office/drawing/2014/main" id="{50386AB0-DF0D-4A1B-A498-06F55F036CE4}"/>
+              </a:ext>
+            </a:extLst>
+          </p:cNvPr>
+          <p:cNvSpPr>
+            <a:spLocks noGrp="1"/>
+          </p:cNvSpPr>
+          <p:nvPr>
+            <p:ph idx="1"/>
+          </p:nvPr>
+        </p:nvSpPr>
+        <p:spPr>
+          <a:xfrm>
+            <a:off x="429428" y="1027632"/>
+            <a:ext cx="2612937" cy="344699"/>
+          </a:xfrm>
+        </p:spPr>
+        <p:txBody>
+          <a:bodyPr vert="horz" lIns="91440" tIns="45720" rIns="91440" bIns="45720" rtlCol="0" anchor="t">
+            <a:normAutofit/>
+          </a:bodyPr>
+          <a:lstStyle/>
+          <a:p>
+            <a:pPr>
+              <a:buFont typeface="Wingdings"/>
+              <a:buChar char="q"/>
+            </a:pPr>
+            <a:r>
+              <a:rPr lang="en-US" altLang="ko-KR" sz="1800">
+                <a:ea typeface="맑은 고딕"/>
+              </a:rPr>
+              <a:t> Proposed method</a:t>
+            </a:r>
+            <a:endParaRPr lang="ko-KR" altLang="en-US" sz="1800"/>
+          </a:p>
+        </p:txBody>
+      </p:sp>
+      <p:sp>
+        <p:nvSpPr>
+          <p:cNvPr id="10" name="TextBox 9">
+            <a:extLst>
+              <a:ext uri="{FF2B5EF4-FFF2-40B4-BE49-F238E27FC236}">
+                <a16:creationId xmlns:a16="http://schemas.microsoft.com/office/drawing/2014/main" id="{5F6E6521-34D8-44F5-9852-657817D28B02}"/>
+              </a:ext>
+            </a:extLst>
+          </p:cNvPr>
+          <p:cNvSpPr txBox="1"/>
+          <p:nvPr/>
+        </p:nvSpPr>
+        <p:spPr>
+          <a:xfrm>
+            <a:off x="5546276" y="3588171"/>
+            <a:ext cx="6137173" cy="3008866"/>
+          </a:xfrm>
+          <a:prstGeom prst="roundRect">
+            <a:avLst>
+              <a:gd name="adj" fmla="val 9265"/>
+            </a:avLst>
+          </a:prstGeom>
+          <a:solidFill>
+            <a:srgbClr val="FFF7E1"/>
+          </a:solidFill>
+        </p:spPr>
+        <p:txBody>
+          <a:bodyPr wrap="square" lIns="91440" tIns="45720" rIns="91440" bIns="45720" anchor="t">
+            <a:spAutoFit/>
+          </a:bodyPr>
+          <a:lstStyle/>
+          <a:p>
+            <a:pPr marL="342900" indent="-342900">
+              <a:lnSpc>
+                <a:spcPct val="120000"/>
+              </a:lnSpc>
+              <a:buAutoNum type="arabicPeriod"/>
+            </a:pPr>
+            <a:r>
+              <a:rPr lang="ko-KR" altLang="en-US" b="1" err="1">
+                <a:ea typeface="맑은 고딕"/>
+              </a:rPr>
+              <a:t>Accuracy</a:t>
+            </a:r>
+            <a:r>
+              <a:rPr lang="ko-KR" altLang="en-US" b="1">
+                <a:ea typeface="맑은 고딕"/>
+              </a:rPr>
+              <a:t> </a:t>
+            </a:r>
+            <a:r>
+              <a:rPr lang="ko-KR" altLang="en-US">
+                <a:solidFill>
+                  <a:schemeClr val="bg2">
+                    <a:lumMod val="50000"/>
+                  </a:schemeClr>
+                </a:solidFill>
+                <a:ea typeface="맑은 고딕"/>
+              </a:rPr>
+              <a:t>정확한지</a:t>
+            </a:r>
+            <a:r>
+              <a:rPr lang="ko-KR" altLang="en-US">
+                <a:ea typeface="맑은 고딕"/>
+              </a:rPr>
+              <a:t> </a:t>
+            </a:r>
+            <a:endParaRPr lang="ko-KR">
+              <a:ea typeface="맑은 고딕"/>
+            </a:endParaRPr>
+          </a:p>
+          <a:p>
+            <a:pPr marL="742950" lvl="1" indent="-285750">
+              <a:lnSpc>
+                <a:spcPct val="120000"/>
+              </a:lnSpc>
+              <a:buFont typeface="Arial"/>
+              <a:buChar char="•"/>
+            </a:pPr>
+            <a:r>
+              <a:rPr lang="ko-KR" altLang="en-US" sz="1600">
+                <a:ea typeface="맑은 고딕"/>
+              </a:rPr>
+              <a:t>모든 지표에서 </a:t>
+            </a:r>
+            <a:r>
+              <a:rPr lang="ko-KR" altLang="en-US" sz="1600" err="1">
+                <a:ea typeface="맑은 고딕"/>
+              </a:rPr>
+              <a:t>highest</a:t>
+            </a:r>
+            <a:r>
+              <a:rPr lang="ko-KR" altLang="en-US" sz="1600">
+                <a:ea typeface="맑은 고딕"/>
+              </a:rPr>
+              <a:t> ACC and MCC</a:t>
+            </a:r>
+            <a:endParaRPr lang="ko-KR" sz="1600">
+              <a:ea typeface="맑은 고딕"/>
+            </a:endParaRPr>
+          </a:p>
+          <a:p>
+            <a:pPr marL="342900" indent="-342900">
+              <a:lnSpc>
+                <a:spcPct val="120000"/>
+              </a:lnSpc>
+              <a:buAutoNum type="arabicPeriod"/>
+            </a:pPr>
+            <a:r>
+              <a:rPr lang="ko-KR" altLang="en-US" b="1" err="1">
+                <a:ea typeface="맑은 고딕"/>
+              </a:rPr>
+              <a:t>Profit</a:t>
+            </a:r>
+            <a:r>
+              <a:rPr lang="ko-KR" altLang="en-US" b="1">
+                <a:ea typeface="맑은 고딕"/>
+              </a:rPr>
+              <a:t> </a:t>
+            </a:r>
+            <a:r>
+              <a:rPr lang="ko-KR" altLang="en-US">
+                <a:solidFill>
+                  <a:schemeClr val="bg2">
+                    <a:lumMod val="50000"/>
+                  </a:schemeClr>
+                </a:solidFill>
+                <a:ea typeface="맑은 고딕"/>
+              </a:rPr>
+              <a:t>실제 성과</a:t>
+            </a:r>
+            <a:r>
+              <a:rPr lang="ko-KR" altLang="en-US">
+                <a:ea typeface="맑은 고딕"/>
+              </a:rPr>
+              <a:t> </a:t>
+            </a:r>
+          </a:p>
+          <a:p>
+            <a:pPr marL="742950" lvl="1" indent="-285750">
+              <a:lnSpc>
+                <a:spcPct val="120000"/>
+              </a:lnSpc>
+              <a:buFont typeface="Arial"/>
+              <a:buChar char="•"/>
+            </a:pPr>
+            <a:r>
+              <a:rPr lang="ko-KR" altLang="en-US" sz="1600">
+                <a:ea typeface="맑은 고딕"/>
+              </a:rPr>
+              <a:t>실제로 0.8% ~ 13.3%의 수익을 얻음</a:t>
+            </a:r>
+            <a:endParaRPr lang="ko-KR" sz="1600">
+              <a:ea typeface="맑은 고딕"/>
+            </a:endParaRPr>
+          </a:p>
+          <a:p>
+            <a:pPr marL="342900" indent="-342900">
+              <a:lnSpc>
+                <a:spcPct val="120000"/>
+              </a:lnSpc>
+              <a:buAutoNum type="arabicPeriod"/>
+            </a:pPr>
+            <a:r>
+              <a:rPr lang="ko-KR" altLang="en-US" b="1" err="1">
+                <a:ea typeface="맑은 고딕"/>
+              </a:rPr>
+              <a:t>Correlations</a:t>
+            </a:r>
+            <a:r>
+              <a:rPr lang="ko-KR" altLang="en-US" b="1">
+                <a:ea typeface="맑은 고딕"/>
+              </a:rPr>
+              <a:t> </a:t>
+            </a:r>
+            <a:r>
+              <a:rPr lang="ko-KR">
+                <a:solidFill>
+                  <a:schemeClr val="bg2">
+                    <a:lumMod val="50000"/>
+                  </a:schemeClr>
+                </a:solidFill>
+                <a:latin typeface="Malgun Gothic"/>
+                <a:ea typeface="Malgun Gothic"/>
+              </a:rPr>
+              <a:t>종목간 </a:t>
+            </a:r>
+            <a:r>
+              <a:rPr lang="ko-KR" altLang="en-US">
+                <a:solidFill>
+                  <a:schemeClr val="bg2">
+                    <a:lumMod val="50000"/>
+                  </a:schemeClr>
+                </a:solidFill>
+                <a:latin typeface="Malgun Gothic"/>
+                <a:ea typeface="Malgun Gothic"/>
+              </a:rPr>
+              <a:t>관계 </a:t>
+            </a:r>
+            <a:r>
+              <a:rPr lang="ko-KR" altLang="en-US">
+                <a:solidFill>
+                  <a:schemeClr val="bg2">
+                    <a:lumMod val="50000"/>
+                  </a:schemeClr>
+                </a:solidFill>
+                <a:ea typeface="맑은 고딕"/>
+              </a:rPr>
+              <a:t>잘 찾는지</a:t>
+            </a:r>
+            <a:r>
+              <a:rPr lang="ko-KR" altLang="en-US">
+                <a:ea typeface="맑은 고딕"/>
+              </a:rPr>
+              <a:t> </a:t>
+            </a:r>
+          </a:p>
+          <a:p>
+            <a:pPr marL="742950" lvl="1" indent="-285750">
+              <a:lnSpc>
+                <a:spcPct val="120000"/>
+              </a:lnSpc>
+              <a:buFont typeface="Arial"/>
+              <a:buChar char="•"/>
+            </a:pPr>
+            <a:r>
+              <a:rPr lang="ko-KR" altLang="en-US" sz="1600">
+                <a:ea typeface="맑은 고딕"/>
+              </a:rPr>
+              <a:t>어떤 종목이 영향을 주는지, 중요한 날짜 구별</a:t>
+            </a:r>
+          </a:p>
+          <a:p>
+            <a:pPr marL="342900" indent="-342900">
+              <a:lnSpc>
+                <a:spcPct val="120000"/>
+              </a:lnSpc>
+              <a:buAutoNum type="arabicPeriod"/>
+            </a:pPr>
+            <a:r>
+              <a:rPr lang="ko-KR" altLang="en-US" b="1" err="1">
+                <a:ea typeface="맑은 고딕"/>
+              </a:rPr>
+              <a:t>Ablation</a:t>
+            </a:r>
+            <a:r>
+              <a:rPr lang="ko-KR" altLang="en-US" b="1">
+                <a:ea typeface="맑은 고딕"/>
+              </a:rPr>
+              <a:t> </a:t>
+            </a:r>
+            <a:r>
+              <a:rPr lang="ko-KR" altLang="en-US" b="1" err="1">
+                <a:ea typeface="맑은 고딕"/>
+              </a:rPr>
+              <a:t>study</a:t>
+            </a:r>
+            <a:r>
+              <a:rPr lang="ko-KR" altLang="en-US" b="1">
+                <a:ea typeface="맑은 고딕"/>
+              </a:rPr>
+              <a:t> </a:t>
+            </a:r>
+            <a:r>
+              <a:rPr lang="ko-KR" altLang="en-US">
+                <a:solidFill>
+                  <a:schemeClr val="bg2">
+                    <a:lumMod val="50000"/>
+                  </a:schemeClr>
+                </a:solidFill>
+                <a:ea typeface="맑은 고딕"/>
+              </a:rPr>
+              <a:t>각 구성요소가 도움이 되는지</a:t>
+            </a:r>
+          </a:p>
+          <a:p>
+            <a:pPr marL="742950" lvl="1" indent="-285750">
+              <a:lnSpc>
+                <a:spcPct val="120000"/>
+              </a:lnSpc>
+              <a:buFont typeface="Arial"/>
+              <a:buChar char="•"/>
+            </a:pPr>
+            <a:r>
+              <a:rPr lang="ko-KR" altLang="en-US" sz="1600">
+                <a:ea typeface="맑은 고딕"/>
+              </a:rPr>
+              <a:t>각 요소들을 뺀 것보다 모든 요소를 더했을 때</a:t>
+            </a:r>
+            <a:br>
+              <a:rPr lang="ko-KR" altLang="en-US" sz="1600">
+                <a:ea typeface="맑은 고딕"/>
+              </a:rPr>
+            </a:br>
+            <a:r>
+              <a:rPr lang="ko-KR" altLang="en-US" sz="1600">
+                <a:ea typeface="맑은 고딕"/>
+              </a:rPr>
+              <a:t>정확도가 가장 높다 </a:t>
+            </a:r>
+          </a:p>
+        </p:txBody>
+      </p:sp>
+      <p:sp>
+        <p:nvSpPr>
+          <p:cNvPr id="12" name="내용 개체 틀 2">
+            <a:extLst>
+              <a:ext uri="{FF2B5EF4-FFF2-40B4-BE49-F238E27FC236}">
+                <a16:creationId xmlns:a16="http://schemas.microsoft.com/office/drawing/2014/main" id="{4C8C21E7-BA43-450A-959A-15CE5D93F0D0}"/>
+              </a:ext>
+            </a:extLst>
+          </p:cNvPr>
+          <p:cNvSpPr txBox="1">
+            <a:spLocks/>
+          </p:cNvSpPr>
+          <p:nvPr/>
+        </p:nvSpPr>
+        <p:spPr>
+          <a:xfrm>
+            <a:off x="434553" y="3785652"/>
+            <a:ext cx="2612937" cy="344699"/>
+          </a:xfrm>
+          <a:prstGeom prst="rect">
+            <a:avLst/>
+          </a:prstGeom>
+        </p:spPr>
+        <p:txBody>
+          <a:bodyPr vert="horz" lIns="91440" tIns="45720" rIns="91440" bIns="45720" rtlCol="0" anchor="t">
+            <a:normAutofit lnSpcReduction="10000"/>
+          </a:bodyPr>
+          <a:lstStyle>
+            <a:lvl1pPr marL="228600" indent="-228600" algn="l" defTabSz="914400" rtl="0" eaLnBrk="1" latinLnBrk="1" hangingPunct="1">
+              <a:lnSpc>
+                <a:spcPct val="90000"/>
+              </a:lnSpc>
+              <a:spcBef>
+                <a:spcPts val="1000"/>
+              </a:spcBef>
+              <a:buFont typeface="Arial" panose="020B0604020202020204" pitchFamily="34" charset="0"/>
+              <a:buChar char="•"/>
+              <a:defRPr sz="2800" kern="1200">
+                <a:solidFill>
+                  <a:schemeClr val="tx1"/>
+                </a:solidFill>
+                <a:latin typeface="+mn-lt"/>
+                <a:ea typeface="+mn-ea"/>
+                <a:cs typeface="+mn-cs"/>
+              </a:defRPr>
+            </a:lvl1pPr>
+            <a:lvl2pPr marL="685800" indent="-228600" algn="l" defTabSz="914400" rtl="0" eaLnBrk="1" latinLnBrk="1" hangingPunct="1">
+              <a:lnSpc>
+                <a:spcPct val="90000"/>
+              </a:lnSpc>
+              <a:spcBef>
+                <a:spcPts val="500"/>
+              </a:spcBef>
+              <a:buFont typeface="Arial" panose="020B0604020202020204" pitchFamily="34" charset="0"/>
+              <a:buChar char="•"/>
+              <a:defRPr sz="2400" kern="1200">
+                <a:solidFill>
+                  <a:schemeClr val="tx1"/>
+                </a:solidFill>
+                <a:latin typeface="+mn-lt"/>
+                <a:ea typeface="+mn-ea"/>
+                <a:cs typeface="+mn-cs"/>
+              </a:defRPr>
+            </a:lvl2pPr>
+            <a:lvl3pPr marL="1143000" indent="-228600" algn="l" defTabSz="914400" rtl="0" eaLnBrk="1" latinLnBrk="1" hangingPunct="1">
+              <a:lnSpc>
+                <a:spcPct val="90000"/>
+              </a:lnSpc>
+              <a:spcBef>
+                <a:spcPts val="500"/>
+              </a:spcBef>
+              <a:buFont typeface="Arial" panose="020B0604020202020204" pitchFamily="34" charset="0"/>
+              <a:buChar char="•"/>
+              <a:defRPr sz="2000" kern="1200">
+                <a:solidFill>
+                  <a:schemeClr val="tx1"/>
+                </a:solidFill>
+                <a:latin typeface="+mn-lt"/>
+                <a:ea typeface="+mn-ea"/>
+                <a:cs typeface="+mn-cs"/>
+              </a:defRPr>
+            </a:lvl3pPr>
+            <a:lvl4pPr marL="1600200" indent="-228600" algn="l" defTabSz="914400" rtl="0" eaLnBrk="1" latinLnBrk="1" hangingPunct="1">
+              <a:lnSpc>
+                <a:spcPct val="90000"/>
+              </a:lnSpc>
+              <a:spcBef>
+                <a:spcPts val="500"/>
+              </a:spcBef>
+              <a:buFont typeface="Arial" panose="020B0604020202020204" pitchFamily="34" charset="0"/>
+              <a:buChar char="•"/>
+              <a:defRPr sz="1800" kern="1200">
+                <a:solidFill>
+                  <a:schemeClr val="tx1"/>
+                </a:solidFill>
+                <a:latin typeface="+mn-lt"/>
+                <a:ea typeface="+mn-ea"/>
+                <a:cs typeface="+mn-cs"/>
+              </a:defRPr>
+            </a:lvl4pPr>
+            <a:lvl5pPr marL="2057400" indent="-228600" algn="l" defTabSz="914400" rtl="0" eaLnBrk="1" latinLnBrk="1" hangingPunct="1">
+              <a:lnSpc>
+                <a:spcPct val="90000"/>
+              </a:lnSpc>
+              <a:spcBef>
+                <a:spcPts val="500"/>
+              </a:spcBef>
+              <a:buFont typeface="Arial" panose="020B0604020202020204" pitchFamily="34" charset="0"/>
+              <a:buChar char="•"/>
+              <a:defRPr sz="1800" kern="1200">
+                <a:solidFill>
+                  <a:schemeClr val="tx1"/>
+                </a:solidFill>
+                <a:latin typeface="+mn-lt"/>
+                <a:ea typeface="+mn-ea"/>
+                <a:cs typeface="+mn-cs"/>
+              </a:defRPr>
+            </a:lvl5pPr>
+            <a:lvl6pPr marL="2514600" indent="-228600" algn="l" defTabSz="914400" rtl="0" eaLnBrk="1" latinLnBrk="1" hangingPunct="1">
+              <a:lnSpc>
+                <a:spcPct val="90000"/>
+              </a:lnSpc>
+              <a:spcBef>
+                <a:spcPts val="500"/>
+              </a:spcBef>
+              <a:buFont typeface="Arial" panose="020B0604020202020204" pitchFamily="34" charset="0"/>
+              <a:buChar char="•"/>
+              <a:defRPr sz="1800" kern="1200">
+                <a:solidFill>
+                  <a:schemeClr val="tx1"/>
+                </a:solidFill>
+                <a:latin typeface="+mn-lt"/>
+                <a:ea typeface="+mn-ea"/>
+                <a:cs typeface="+mn-cs"/>
+              </a:defRPr>
+            </a:lvl6pPr>
+            <a:lvl7pPr marL="2971800" indent="-228600" algn="l" defTabSz="914400" rtl="0" eaLnBrk="1" latinLnBrk="1" hangingPunct="1">
+              <a:lnSpc>
+                <a:spcPct val="90000"/>
+              </a:lnSpc>
+              <a:spcBef>
+                <a:spcPts val="500"/>
+              </a:spcBef>
+              <a:buFont typeface="Arial" panose="020B0604020202020204" pitchFamily="34" charset="0"/>
+              <a:buChar char="•"/>
+              <a:defRPr sz="1800" kern="1200">
+                <a:solidFill>
+                  <a:schemeClr val="tx1"/>
+                </a:solidFill>
+                <a:latin typeface="+mn-lt"/>
+                <a:ea typeface="+mn-ea"/>
+                <a:cs typeface="+mn-cs"/>
+              </a:defRPr>
+            </a:lvl7pPr>
+            <a:lvl8pPr marL="3429000" indent="-228600" algn="l" defTabSz="914400" rtl="0" eaLnBrk="1" latinLnBrk="1" hangingPunct="1">
+              <a:lnSpc>
+                <a:spcPct val="90000"/>
+              </a:lnSpc>
+              <a:spcBef>
+                <a:spcPts val="500"/>
+              </a:spcBef>
+              <a:buFont typeface="Arial" panose="020B0604020202020204" pitchFamily="34" charset="0"/>
+              <a:buChar char="•"/>
+              <a:defRPr sz="1800" kern="1200">
+                <a:solidFill>
+                  <a:schemeClr val="tx1"/>
+                </a:solidFill>
+                <a:latin typeface="+mn-lt"/>
+                <a:ea typeface="+mn-ea"/>
+                <a:cs typeface="+mn-cs"/>
+              </a:defRPr>
+            </a:lvl8pPr>
+            <a:lvl9pPr marL="3886200" indent="-228600" algn="l" defTabSz="914400" rtl="0" eaLnBrk="1" latinLnBrk="1" hangingPunct="1">
+              <a:lnSpc>
+                <a:spcPct val="90000"/>
+              </a:lnSpc>
+              <a:spcBef>
+                <a:spcPts val="500"/>
+              </a:spcBef>
+              <a:buFont typeface="Arial" panose="020B0604020202020204" pitchFamily="34" charset="0"/>
+              <a:buChar char="•"/>
+              <a:defRPr sz="1800" kern="1200">
+                <a:solidFill>
+                  <a:schemeClr val="tx1"/>
+                </a:solidFill>
+                <a:latin typeface="+mn-lt"/>
+                <a:ea typeface="+mn-ea"/>
+                <a:cs typeface="+mn-cs"/>
+              </a:defRPr>
+            </a:lvl9pPr>
+          </a:lstStyle>
+          <a:p>
+            <a:pPr>
+              <a:buFont typeface="Wingdings" panose="020B0604020202020204" pitchFamily="34" charset="0"/>
+              <a:buChar char="q"/>
+            </a:pPr>
+            <a:r>
+              <a:rPr lang="en-US" altLang="ko-KR" sz="2000" b="1">
+                <a:latin typeface="Malgun Gothic"/>
+                <a:ea typeface="Malgun Gothic"/>
+              </a:rPr>
+              <a:t> DTML</a:t>
+            </a:r>
+            <a:r>
+              <a:rPr lang="ko-KR" altLang="en-US" sz="2000" b="1">
+                <a:latin typeface="Malgun Gothic"/>
+                <a:ea typeface="Malgun Gothic"/>
+              </a:rPr>
+              <a:t> 실험</a:t>
+            </a:r>
+            <a:endParaRPr lang="en-US" sz="2000">
+              <a:ea typeface="+mn-lt"/>
+              <a:cs typeface="+mn-lt"/>
+            </a:endParaRPr>
+          </a:p>
+        </p:txBody>
+      </p:sp>
+      <p:sp>
+        <p:nvSpPr>
+          <p:cNvPr id="13" name="화살표: 오른쪽 12">
+            <a:extLst>
+              <a:ext uri="{FF2B5EF4-FFF2-40B4-BE49-F238E27FC236}">
+                <a16:creationId xmlns:a16="http://schemas.microsoft.com/office/drawing/2014/main" id="{3E2055CC-B7BE-4117-A574-D7CDC966B567}"/>
+              </a:ext>
+            </a:extLst>
+          </p:cNvPr>
+          <p:cNvSpPr/>
+          <p:nvPr/>
+        </p:nvSpPr>
+        <p:spPr>
+          <a:xfrm>
+            <a:off x="4528516" y="4882866"/>
+            <a:ext cx="859693" cy="488461"/>
+          </a:xfrm>
+          <a:prstGeom prst="rightArrow">
+            <a:avLst/>
+          </a:prstGeom>
+          <a:solidFill>
+            <a:schemeClr val="accent6">
+              <a:lumMod val="20000"/>
+              <a:lumOff val="80000"/>
+            </a:schemeClr>
+          </a:solidFill>
+          <a:ln>
+            <a:solidFill>
+              <a:schemeClr val="accent3">
+                <a:lumMod val="75000"/>
+              </a:schemeClr>
+            </a:solidFill>
+          </a:ln>
+        </p:spPr>
+        <p:style>
+          <a:lnRef idx="2">
+            <a:schemeClr val="accent1">
+              <a:shade val="50000"/>
+            </a:schemeClr>
+          </a:lnRef>
+          <a:fillRef idx="1">
+            <a:schemeClr val="accent1"/>
+          </a:fillRef>
+          <a:effectRef idx="0">
+            <a:schemeClr val="accent1"/>
+          </a:effectRef>
+          <a:fontRef idx="minor">
+            <a:schemeClr val="lt1"/>
+          </a:fontRef>
+        </p:style>
+        <p:txBody>
+          <a:bodyPr rtlCol="0" anchor="ctr"/>
+          <a:lstStyle/>
+          <a:p>
+            <a:pPr algn="ctr"/>
+            <a:endParaRPr lang="ko-KR" altLang="en-US"/>
+          </a:p>
+        </p:txBody>
+      </p:sp>
+      <p:sp>
+        <p:nvSpPr>
+          <p:cNvPr id="14" name="TextBox 13">
+            <a:extLst>
+              <a:ext uri="{FF2B5EF4-FFF2-40B4-BE49-F238E27FC236}">
+                <a16:creationId xmlns:a16="http://schemas.microsoft.com/office/drawing/2014/main" id="{7E5816BF-8ED2-425C-B4B6-8146B9CAF083}"/>
+              </a:ext>
+            </a:extLst>
+          </p:cNvPr>
+          <p:cNvSpPr txBox="1"/>
+          <p:nvPr/>
+        </p:nvSpPr>
+        <p:spPr>
+          <a:xfrm>
+            <a:off x="4599843" y="4726843"/>
+            <a:ext cx="613506" cy="307777"/>
+          </a:xfrm>
+          <a:prstGeom prst="rect">
+            <a:avLst/>
+          </a:prstGeom>
+          <a:noFill/>
+        </p:spPr>
+        <p:txBody>
+          <a:bodyPr rot="0" spcFirstLastPara="0" vertOverflow="overflow" horzOverflow="overflow" vert="horz" wrap="square" lIns="91440" tIns="45720" rIns="91440" bIns="45720" numCol="1" spcCol="0" rtlCol="0" fromWordArt="0" anchor="t" anchorCtr="0" forceAA="0" compatLnSpc="1">
+            <a:prstTxWarp prst="textNoShape">
+              <a:avLst/>
+            </a:prstTxWarp>
+            <a:spAutoFit/>
+          </a:bodyPr>
+          <a:lstStyle/>
+          <a:p>
+            <a:pPr algn="l"/>
+            <a:r>
+              <a:rPr lang="ko-KR" altLang="en-US" sz="1400">
+                <a:ea typeface="맑은 고딕"/>
+              </a:rPr>
+              <a:t>결과</a:t>
+            </a:r>
+          </a:p>
+        </p:txBody>
+      </p:sp>
+      <p:pic>
+        <p:nvPicPr>
+          <p:cNvPr id="16" name="그림 16">
+            <a:extLst>
+              <a:ext uri="{FF2B5EF4-FFF2-40B4-BE49-F238E27FC236}">
+                <a16:creationId xmlns:a16="http://schemas.microsoft.com/office/drawing/2014/main" id="{44B740AE-A039-4723-9C4C-5DB7A03424A8}"/>
+              </a:ext>
+            </a:extLst>
+          </p:cNvPr>
+          <p:cNvPicPr>
+            <a:picLocks noChangeAspect="1"/>
+          </p:cNvPicPr>
+          <p:nvPr/>
+        </p:nvPicPr>
+        <p:blipFill>
+          <a:blip r:embed="rId2"/>
+          <a:stretch>
+            <a:fillRect/>
+          </a:stretch>
+        </p:blipFill>
+        <p:spPr>
+          <a:xfrm>
+            <a:off x="8304362" y="201495"/>
+            <a:ext cx="3648973" cy="1451689"/>
+          </a:xfrm>
+          <a:prstGeom prst="rect">
+            <a:avLst/>
+          </a:prstGeom>
+          <a:ln>
+            <a:solidFill>
+              <a:schemeClr val="bg2">
+                <a:lumMod val="50000"/>
+              </a:schemeClr>
+            </a:solidFill>
+          </a:ln>
+        </p:spPr>
+      </p:pic>
+    </p:spTree>
+    <p:extLst>
+      <p:ext uri="{BB962C8B-B14F-4D97-AF65-F5344CB8AC3E}">
+        <p14:creationId xmlns:p14="http://schemas.microsoft.com/office/powerpoint/2010/main" val="2862650852"/>
+      </p:ext>
+    </p:extLst>
+  </p:cSld>
+  <p:clrMapOvr>
+    <a:masterClrMapping/>
+  </p:clrMapOvr>
+</p:sld>
+</file>
+
+<file path=ppt/slides/slide7.xml><?xml version="1.0" encoding="utf-8"?>
+<p:sld xmlns:a="http://schemas.openxmlformats.org/drawingml/2006/main" xmlns:r="http://schemas.openxmlformats.org/officeDocument/2006/relationships" xmlns:p="http://schemas.openxmlformats.org/presentationml/2006/main">
+  <p:cSld>
+    <p:spTree>
+      <p:nvGrpSpPr>
+        <p:cNvPr id="1" name=""/>
+        <p:cNvGrpSpPr/>
+        <p:nvPr/>
+      </p:nvGrpSpPr>
+      <p:grpSpPr>
+        <a:xfrm>
+          <a:off x="0" y="0"/>
+          <a:ext cx="0" cy="0"/>
+          <a:chOff x="0" y="0"/>
+          <a:chExt cx="0" cy="0"/>
+        </a:xfrm>
+      </p:grpSpPr>
+      <p:sp>
+        <p:nvSpPr>
+          <p:cNvPr id="2" name="제목 1">
+            <a:extLst>
+              <a:ext uri="{FF2B5EF4-FFF2-40B4-BE49-F238E27FC236}">
+                <a16:creationId xmlns:a16="http://schemas.microsoft.com/office/drawing/2014/main" id="{E145F6C6-1DB4-4CB6-BAC3-26838AF58E9A}"/>
+              </a:ext>
+            </a:extLst>
+          </p:cNvPr>
+          <p:cNvSpPr>
+            <a:spLocks noGrp="1"/>
+          </p:cNvSpPr>
+          <p:nvPr>
+            <p:ph type="title"/>
+          </p:nvPr>
+        </p:nvSpPr>
+        <p:spPr>
+          <a:xfrm>
+            <a:off x="501315" y="287354"/>
+            <a:ext cx="10728158" cy="744147"/>
+          </a:xfrm>
+        </p:spPr>
+        <p:txBody>
+          <a:bodyPr>
+            <a:normAutofit/>
+          </a:bodyPr>
+          <a:lstStyle/>
+          <a:p>
+            <a:r>
+              <a:rPr lang="en-US" altLang="ko-KR" sz="3600" b="1">
+                <a:ea typeface="맑은 고딕"/>
+              </a:rPr>
+              <a:t>Geometry in the Deep Learning Era</a:t>
+            </a:r>
+          </a:p>
+        </p:txBody>
+      </p:sp>
+      <p:sp>
+        <p:nvSpPr>
+          <p:cNvPr id="9" name="TextBox 8">
+            <a:extLst>
+              <a:ext uri="{FF2B5EF4-FFF2-40B4-BE49-F238E27FC236}">
+                <a16:creationId xmlns:a16="http://schemas.microsoft.com/office/drawing/2014/main" id="{84ABFCD9-1D23-4882-9A99-C1863F6D6FEC}"/>
+              </a:ext>
+            </a:extLst>
+          </p:cNvPr>
+          <p:cNvSpPr txBox="1"/>
+          <p:nvPr/>
+        </p:nvSpPr>
+        <p:spPr>
+          <a:xfrm>
+            <a:off x="4794041" y="1511380"/>
+            <a:ext cx="7122025" cy="3198698"/>
+          </a:xfrm>
+          <a:prstGeom prst="roundRect">
+            <a:avLst>
+              <a:gd name="adj" fmla="val 9265"/>
+            </a:avLst>
+          </a:prstGeom>
+          <a:solidFill>
+            <a:srgbClr val="FFF7E1"/>
+          </a:solidFill>
+        </p:spPr>
+        <p:txBody>
+          <a:bodyPr wrap="square" lIns="91440" tIns="45720" rIns="91440" bIns="45720" anchor="t">
+            <a:spAutoFit/>
+          </a:bodyPr>
+          <a:lstStyle/>
+          <a:p>
+            <a:pPr>
+              <a:lnSpc>
+                <a:spcPct val="120000"/>
+              </a:lnSpc>
+            </a:pPr>
+            <a:r>
+              <a:rPr lang="ko-KR" altLang="en-US" b="1">
+                <a:ea typeface="맑은 고딕"/>
+              </a:rPr>
+              <a:t>1.  3D </a:t>
+            </a:r>
+            <a:r>
+              <a:rPr lang="ko-KR" altLang="en-US" b="1" err="1">
+                <a:ea typeface="맑은 고딕"/>
+              </a:rPr>
+              <a:t>shape</a:t>
+            </a:r>
+            <a:r>
+              <a:rPr lang="ko-KR" altLang="en-US" b="1">
+                <a:ea typeface="맑은 고딕"/>
+              </a:rPr>
+              <a:t> </a:t>
+            </a:r>
+            <a:r>
+              <a:rPr lang="ko-KR" altLang="en-US" b="1" err="1">
+                <a:ea typeface="맑은 고딕"/>
+              </a:rPr>
+              <a:t>completion</a:t>
+            </a:r>
+            <a:r>
+              <a:rPr lang="ko-KR" altLang="en-US" b="1">
+                <a:ea typeface="맑은 고딕"/>
+              </a:rPr>
+              <a:t> (ICLR 2021)</a:t>
+            </a:r>
+            <a:endParaRPr lang="ko-KR" b="1">
+              <a:ea typeface="맑은 고딕"/>
+            </a:endParaRPr>
+          </a:p>
+          <a:p>
+            <a:pPr lvl="1">
+              <a:lnSpc>
+                <a:spcPct val="120000"/>
+              </a:lnSpc>
+            </a:pPr>
+            <a:r>
+              <a:rPr lang="ko-KR" altLang="en-US">
+                <a:ea typeface="맑은 고딕"/>
+              </a:rPr>
+              <a:t>=&gt;</a:t>
+            </a:r>
+            <a:r>
+              <a:rPr lang="ko-KR" altLang="en-US">
+                <a:latin typeface="맑은 고딕"/>
+                <a:ea typeface="맑은 고딕"/>
+              </a:rPr>
+              <a:t> </a:t>
+            </a:r>
+            <a:r>
+              <a:rPr lang="ko-KR">
+                <a:latin typeface="Malgun Gothic"/>
+                <a:ea typeface="Malgun Gothic"/>
+              </a:rPr>
+              <a:t>다양하고 디테일이 살아있는 3d </a:t>
+            </a:r>
+            <a:r>
+              <a:rPr lang="ko-KR" err="1">
+                <a:latin typeface="Malgun Gothic"/>
+                <a:ea typeface="Malgun Gothic"/>
+              </a:rPr>
+              <a:t>shape</a:t>
+            </a:r>
+            <a:r>
+              <a:rPr lang="ko-KR">
+                <a:latin typeface="Malgun Gothic"/>
+                <a:ea typeface="Malgun Gothic"/>
+              </a:rPr>
+              <a:t> 만들기 위해서</a:t>
+            </a:r>
+            <a:endParaRPr lang="ko-KR" altLang="en-US">
+              <a:ea typeface="맑은 고딕"/>
+            </a:endParaRPr>
+          </a:p>
+          <a:p>
+            <a:pPr marL="742950" lvl="1" indent="-285750">
+              <a:lnSpc>
+                <a:spcPct val="120000"/>
+              </a:lnSpc>
+              <a:buFont typeface="Arial"/>
+              <a:buChar char="•"/>
+            </a:pPr>
+            <a:r>
+              <a:rPr lang="ko-KR" altLang="en-US">
+                <a:ea typeface="맑은 고딕"/>
+              </a:rPr>
+              <a:t>3d </a:t>
+            </a:r>
+            <a:r>
+              <a:rPr lang="ko-KR" altLang="en-US" err="1">
+                <a:ea typeface="맑은 고딕"/>
+              </a:rPr>
+              <a:t>Generation</a:t>
+            </a:r>
+            <a:r>
+              <a:rPr lang="ko-KR" altLang="en-US">
+                <a:ea typeface="맑은 고딕"/>
+              </a:rPr>
+              <a:t> </a:t>
+            </a:r>
+            <a:r>
+              <a:rPr lang="ko-KR" altLang="en-US" err="1">
+                <a:ea typeface="맑은 고딕"/>
+              </a:rPr>
+              <a:t>Models</a:t>
+            </a:r>
+            <a:r>
+              <a:rPr lang="ko-KR" altLang="en-US">
+                <a:ea typeface="맑은 고딕"/>
+              </a:rPr>
+              <a:t> - 해상도 문제</a:t>
+            </a:r>
+          </a:p>
+          <a:p>
+            <a:pPr marL="1200150" lvl="2" indent="-285750">
+              <a:lnSpc>
+                <a:spcPct val="120000"/>
+              </a:lnSpc>
+              <a:buFont typeface="Arial"/>
+              <a:buChar char="•"/>
+            </a:pPr>
+            <a:r>
+              <a:rPr lang="ko-KR" altLang="en-US" err="1">
+                <a:ea typeface="맑은 고딕"/>
+              </a:rPr>
+              <a:t>Sparsity</a:t>
+            </a:r>
+            <a:r>
+              <a:rPr lang="ko-KR" altLang="en-US">
+                <a:ea typeface="맑은 고딕"/>
+              </a:rPr>
+              <a:t> : </a:t>
+            </a:r>
+            <a:r>
+              <a:rPr lang="ko-KR" altLang="en-US" err="1">
+                <a:ea typeface="맑은 고딕"/>
+              </a:rPr>
+              <a:t>high</a:t>
+            </a:r>
+            <a:r>
+              <a:rPr lang="ko-KR" altLang="en-US">
+                <a:ea typeface="맑은 고딕"/>
+              </a:rPr>
+              <a:t> 해상도 -&gt; </a:t>
+            </a:r>
+            <a:r>
+              <a:rPr lang="ko-KR" altLang="en-US" err="1">
+                <a:ea typeface="맑은 고딕"/>
+              </a:rPr>
+              <a:t>low</a:t>
+            </a:r>
+            <a:r>
+              <a:rPr lang="ko-KR" altLang="en-US">
+                <a:ea typeface="맑은 고딕"/>
+              </a:rPr>
+              <a:t> 점유율</a:t>
+            </a:r>
+            <a:endParaRPr lang="ko-KR"/>
+          </a:p>
+          <a:p>
+            <a:pPr marL="1200150" lvl="2" indent="-285750">
+              <a:lnSpc>
+                <a:spcPct val="120000"/>
+              </a:lnSpc>
+              <a:buFont typeface="Arial"/>
+              <a:buChar char="•"/>
+            </a:pPr>
+            <a:r>
+              <a:rPr lang="ko-KR" altLang="en-US" err="1">
+                <a:ea typeface="맑은 고딕"/>
+              </a:rPr>
+              <a:t>Connectivity</a:t>
+            </a:r>
+            <a:r>
+              <a:rPr lang="ko-KR" altLang="en-US">
+                <a:ea typeface="맑은 고딕"/>
+              </a:rPr>
+              <a:t> : 점점 </a:t>
+            </a:r>
+            <a:r>
+              <a:rPr lang="ko-KR" altLang="en-US" err="1">
+                <a:ea typeface="맑은 고딕"/>
+              </a:rPr>
+              <a:t>grow하는</a:t>
+            </a:r>
+            <a:r>
+              <a:rPr lang="ko-KR" altLang="en-US">
+                <a:ea typeface="맑은 고딕"/>
+              </a:rPr>
+              <a:t> 형태</a:t>
+            </a:r>
+          </a:p>
+          <a:p>
+            <a:pPr marL="742950" lvl="1" indent="-285750">
+              <a:lnSpc>
+                <a:spcPct val="120000"/>
+              </a:lnSpc>
+              <a:buFont typeface="Arial"/>
+              <a:buChar char="•"/>
+            </a:pPr>
+            <a:r>
+              <a:rPr lang="ko-KR" altLang="en-US" err="1">
+                <a:ea typeface="맑은 고딕"/>
+              </a:rPr>
+              <a:t>Generative</a:t>
+            </a:r>
+            <a:r>
+              <a:rPr lang="ko-KR" altLang="en-US">
+                <a:ea typeface="맑은 고딕"/>
+              </a:rPr>
+              <a:t> </a:t>
+            </a:r>
+            <a:r>
+              <a:rPr lang="ko-KR" altLang="en-US" err="1">
+                <a:ea typeface="맑은 고딕"/>
+              </a:rPr>
+              <a:t>Cellular</a:t>
+            </a:r>
+            <a:r>
+              <a:rPr lang="ko-KR" altLang="en-US">
+                <a:ea typeface="맑은 고딕"/>
+              </a:rPr>
+              <a:t> </a:t>
+            </a:r>
+            <a:r>
+              <a:rPr lang="ko-KR" altLang="en-US" err="1">
+                <a:ea typeface="맑은 고딕"/>
+              </a:rPr>
+              <a:t>Automata</a:t>
+            </a:r>
+            <a:r>
+              <a:rPr lang="ko-KR" altLang="en-US">
+                <a:ea typeface="맑은 고딕"/>
+              </a:rPr>
+              <a:t> (GCA) 사용 </a:t>
+            </a:r>
+            <a:br>
+              <a:rPr lang="ko-KR" altLang="en-US">
+                <a:ea typeface="맑은 고딕"/>
+              </a:rPr>
+            </a:br>
+            <a:r>
+              <a:rPr lang="ko-KR" altLang="en-US">
+                <a:ea typeface="맑은 고딕"/>
+              </a:rPr>
+              <a:t>- 점진적으로 자라나게 하기 위해 </a:t>
+            </a:r>
+            <a:br>
+              <a:rPr lang="ko-KR" altLang="en-US">
+                <a:ea typeface="맑은 고딕"/>
+              </a:rPr>
+            </a:br>
+            <a:r>
+              <a:rPr lang="ko-KR" altLang="en-US">
+                <a:ea typeface="맑은 고딕"/>
+              </a:rPr>
+              <a:t>- </a:t>
+            </a:r>
+            <a:r>
+              <a:rPr lang="ko-KR" altLang="en-US" err="1">
+                <a:ea typeface="맑은 고딕"/>
+              </a:rPr>
+              <a:t>initial</a:t>
+            </a:r>
+            <a:r>
+              <a:rPr lang="ko-KR" altLang="en-US">
+                <a:ea typeface="맑은 고딕"/>
+              </a:rPr>
+              <a:t> </a:t>
+            </a:r>
+            <a:r>
+              <a:rPr lang="ko-KR" altLang="en-US" err="1">
+                <a:ea typeface="맑은 고딕"/>
+              </a:rPr>
+              <a:t>shape</a:t>
+            </a:r>
+            <a:r>
+              <a:rPr lang="ko-KR" altLang="en-US">
+                <a:ea typeface="맑은 고딕"/>
+              </a:rPr>
+              <a:t> =&gt; 그 주위로만 자라남 </a:t>
+            </a:r>
+            <a:br>
+              <a:rPr lang="ko-KR" altLang="en-US">
+                <a:ea typeface="맑은 고딕"/>
+              </a:rPr>
+            </a:br>
+            <a:r>
+              <a:rPr lang="ko-KR" altLang="en-US">
+                <a:ea typeface="맑은 고딕"/>
+              </a:rPr>
+              <a:t>  =&gt; 여러 번 자라나다 보면 최종적인 </a:t>
+            </a:r>
+            <a:r>
+              <a:rPr lang="ko-KR" altLang="en-US" err="1">
+                <a:ea typeface="맑은 고딕"/>
+              </a:rPr>
+              <a:t>shape에</a:t>
+            </a:r>
+            <a:r>
+              <a:rPr lang="ko-KR" altLang="en-US">
+                <a:ea typeface="맑은 고딕"/>
+              </a:rPr>
+              <a:t> </a:t>
+            </a:r>
+            <a:r>
+              <a:rPr lang="ko-KR" altLang="en-US" err="1">
+                <a:ea typeface="맑은 고딕"/>
+              </a:rPr>
+              <a:t>다가감</a:t>
+            </a:r>
+            <a:endParaRPr lang="ko-KR" altLang="en-US">
+              <a:ea typeface="맑은 고딕"/>
+            </a:endParaRPr>
+          </a:p>
+        </p:txBody>
+      </p:sp>
+      <p:sp>
+        <p:nvSpPr>
+          <p:cNvPr id="7" name="내용 개체 틀 2">
+            <a:extLst>
+              <a:ext uri="{FF2B5EF4-FFF2-40B4-BE49-F238E27FC236}">
+                <a16:creationId xmlns:a16="http://schemas.microsoft.com/office/drawing/2014/main" id="{7BC4A1AF-994C-4475-A0E0-85ABE30353C9}"/>
+              </a:ext>
+            </a:extLst>
+          </p:cNvPr>
+          <p:cNvSpPr txBox="1">
+            <a:spLocks/>
+          </p:cNvSpPr>
+          <p:nvPr/>
+        </p:nvSpPr>
+        <p:spPr>
+          <a:xfrm>
+            <a:off x="298537" y="1191700"/>
+            <a:ext cx="3304831" cy="1901364"/>
+          </a:xfrm>
+          <a:prstGeom prst="roundRect">
+            <a:avLst>
+              <a:gd name="adj" fmla="val 6923"/>
+            </a:avLst>
+          </a:prstGeom>
+          <a:solidFill>
+            <a:schemeClr val="bg1">
+              <a:lumMod val="95000"/>
+            </a:schemeClr>
+          </a:solidFill>
+        </p:spPr>
+        <p:txBody>
+          <a:bodyPr vert="horz" lIns="91440" tIns="45720" rIns="91440" bIns="45720" rtlCol="0" anchor="t">
+            <a:noAutofit/>
+          </a:bodyPr>
+          <a:lstStyle>
+            <a:lvl1pPr marL="228600" indent="-228600" algn="l" defTabSz="914400" rtl="0" eaLnBrk="1" latinLnBrk="1" hangingPunct="1">
+              <a:lnSpc>
+                <a:spcPct val="90000"/>
+              </a:lnSpc>
+              <a:spcBef>
+                <a:spcPts val="1000"/>
+              </a:spcBef>
+              <a:buFont typeface="Arial" panose="020B0604020202020204" pitchFamily="34" charset="0"/>
+              <a:buChar char="•"/>
+              <a:defRPr sz="2800" kern="1200">
+                <a:solidFill>
+                  <a:schemeClr val="tx1"/>
+                </a:solidFill>
+                <a:latin typeface="+mn-lt"/>
+                <a:ea typeface="+mn-ea"/>
+                <a:cs typeface="+mn-cs"/>
+              </a:defRPr>
+            </a:lvl1pPr>
+            <a:lvl2pPr marL="685800" indent="-228600" algn="l" defTabSz="914400" rtl="0" eaLnBrk="1" latinLnBrk="1" hangingPunct="1">
+              <a:lnSpc>
+                <a:spcPct val="90000"/>
+              </a:lnSpc>
+              <a:spcBef>
+                <a:spcPts val="500"/>
+              </a:spcBef>
+              <a:buFont typeface="Arial" panose="020B0604020202020204" pitchFamily="34" charset="0"/>
+              <a:buChar char="•"/>
+              <a:defRPr sz="2400" kern="1200">
+                <a:solidFill>
+                  <a:schemeClr val="tx1"/>
+                </a:solidFill>
+                <a:latin typeface="+mn-lt"/>
+                <a:ea typeface="+mn-ea"/>
+                <a:cs typeface="+mn-cs"/>
+              </a:defRPr>
+            </a:lvl2pPr>
+            <a:lvl3pPr marL="1143000" indent="-228600" algn="l" defTabSz="914400" rtl="0" eaLnBrk="1" latinLnBrk="1" hangingPunct="1">
+              <a:lnSpc>
+                <a:spcPct val="90000"/>
+              </a:lnSpc>
+              <a:spcBef>
+                <a:spcPts val="500"/>
+              </a:spcBef>
+              <a:buFont typeface="Arial" panose="020B0604020202020204" pitchFamily="34" charset="0"/>
+              <a:buChar char="•"/>
+              <a:defRPr sz="2000" kern="1200">
+                <a:solidFill>
+                  <a:schemeClr val="tx1"/>
+                </a:solidFill>
+                <a:latin typeface="+mn-lt"/>
+                <a:ea typeface="+mn-ea"/>
+                <a:cs typeface="+mn-cs"/>
+              </a:defRPr>
+            </a:lvl3pPr>
+            <a:lvl4pPr marL="1600200" indent="-228600" algn="l" defTabSz="914400" rtl="0" eaLnBrk="1" latinLnBrk="1" hangingPunct="1">
+              <a:lnSpc>
+                <a:spcPct val="90000"/>
+              </a:lnSpc>
+              <a:spcBef>
+                <a:spcPts val="500"/>
+              </a:spcBef>
+              <a:buFont typeface="Arial" panose="020B0604020202020204" pitchFamily="34" charset="0"/>
+              <a:buChar char="•"/>
+              <a:defRPr sz="1800" kern="1200">
+                <a:solidFill>
+                  <a:schemeClr val="tx1"/>
+                </a:solidFill>
+                <a:latin typeface="+mn-lt"/>
+                <a:ea typeface="+mn-ea"/>
+                <a:cs typeface="+mn-cs"/>
+              </a:defRPr>
+            </a:lvl4pPr>
+            <a:lvl5pPr marL="2057400" indent="-228600" algn="l" defTabSz="914400" rtl="0" eaLnBrk="1" latinLnBrk="1" hangingPunct="1">
+              <a:lnSpc>
+                <a:spcPct val="90000"/>
+              </a:lnSpc>
+              <a:spcBef>
+                <a:spcPts val="500"/>
+              </a:spcBef>
+              <a:buFont typeface="Arial" panose="020B0604020202020204" pitchFamily="34" charset="0"/>
+              <a:buChar char="•"/>
+              <a:defRPr sz="1800" kern="1200">
+                <a:solidFill>
+                  <a:schemeClr val="tx1"/>
+                </a:solidFill>
+                <a:latin typeface="+mn-lt"/>
+                <a:ea typeface="+mn-ea"/>
+                <a:cs typeface="+mn-cs"/>
+              </a:defRPr>
+            </a:lvl5pPr>
+            <a:lvl6pPr marL="2514600" indent="-228600" algn="l" defTabSz="914400" rtl="0" eaLnBrk="1" latinLnBrk="1" hangingPunct="1">
+              <a:lnSpc>
+                <a:spcPct val="90000"/>
+              </a:lnSpc>
+              <a:spcBef>
+                <a:spcPts val="500"/>
+              </a:spcBef>
+              <a:buFont typeface="Arial" panose="020B0604020202020204" pitchFamily="34" charset="0"/>
+              <a:buChar char="•"/>
+              <a:defRPr sz="1800" kern="1200">
+                <a:solidFill>
+                  <a:schemeClr val="tx1"/>
+                </a:solidFill>
+                <a:latin typeface="+mn-lt"/>
+                <a:ea typeface="+mn-ea"/>
+                <a:cs typeface="+mn-cs"/>
+              </a:defRPr>
+            </a:lvl6pPr>
+            <a:lvl7pPr marL="2971800" indent="-228600" algn="l" defTabSz="914400" rtl="0" eaLnBrk="1" latinLnBrk="1" hangingPunct="1">
+              <a:lnSpc>
+                <a:spcPct val="90000"/>
+              </a:lnSpc>
+              <a:spcBef>
+                <a:spcPts val="500"/>
+              </a:spcBef>
+              <a:buFont typeface="Arial" panose="020B0604020202020204" pitchFamily="34" charset="0"/>
+              <a:buChar char="•"/>
+              <a:defRPr sz="1800" kern="1200">
+                <a:solidFill>
+                  <a:schemeClr val="tx1"/>
+                </a:solidFill>
+                <a:latin typeface="+mn-lt"/>
+                <a:ea typeface="+mn-ea"/>
+                <a:cs typeface="+mn-cs"/>
+              </a:defRPr>
+            </a:lvl7pPr>
+            <a:lvl8pPr marL="3429000" indent="-228600" algn="l" defTabSz="914400" rtl="0" eaLnBrk="1" latinLnBrk="1" hangingPunct="1">
+              <a:lnSpc>
+                <a:spcPct val="90000"/>
+              </a:lnSpc>
+              <a:spcBef>
+                <a:spcPts val="500"/>
+              </a:spcBef>
+              <a:buFont typeface="Arial" panose="020B0604020202020204" pitchFamily="34" charset="0"/>
+              <a:buChar char="•"/>
+              <a:defRPr sz="1800" kern="1200">
+                <a:solidFill>
+                  <a:schemeClr val="tx1"/>
+                </a:solidFill>
+                <a:latin typeface="+mn-lt"/>
+                <a:ea typeface="+mn-ea"/>
+                <a:cs typeface="+mn-cs"/>
+              </a:defRPr>
+            </a:lvl8pPr>
+            <a:lvl9pPr marL="3886200" indent="-228600" algn="l" defTabSz="914400" rtl="0" eaLnBrk="1" latinLnBrk="1" hangingPunct="1">
+              <a:lnSpc>
+                <a:spcPct val="90000"/>
+              </a:lnSpc>
+              <a:spcBef>
+                <a:spcPts val="500"/>
+              </a:spcBef>
+              <a:buFont typeface="Arial" panose="020B0604020202020204" pitchFamily="34" charset="0"/>
+              <a:buChar char="•"/>
+              <a:defRPr sz="1800" kern="1200">
+                <a:solidFill>
+                  <a:schemeClr val="tx1"/>
+                </a:solidFill>
+                <a:latin typeface="+mn-lt"/>
+                <a:ea typeface="+mn-ea"/>
+                <a:cs typeface="+mn-cs"/>
+              </a:defRPr>
+            </a:lvl9pPr>
+          </a:lstStyle>
+          <a:p>
+            <a:pPr>
+              <a:lnSpc>
+                <a:spcPts val="2400"/>
+              </a:lnSpc>
+              <a:buFont typeface="Wingdings" panose="020B0604020202020204" pitchFamily="34" charset="0"/>
+              <a:buChar char="v"/>
+            </a:pPr>
+            <a:r>
+              <a:rPr lang="en-US" altLang="ko-KR" sz="1800">
+                <a:ea typeface="+mn-lt"/>
+                <a:cs typeface="+mn-lt"/>
+              </a:rPr>
+              <a:t> Computer vision in action</a:t>
+            </a:r>
+            <a:endParaRPr lang="ko-KR"/>
+          </a:p>
+          <a:p>
+            <a:pPr>
+              <a:lnSpc>
+                <a:spcPts val="2400"/>
+              </a:lnSpc>
+              <a:buFont typeface="Wingdings" panose="05000000000000000000" pitchFamily="2" charset="2"/>
+              <a:buChar char="§"/>
+            </a:pPr>
+            <a:r>
+              <a:rPr lang="ko-KR" altLang="en-US" sz="1800" err="1">
+                <a:ea typeface="맑은 고딕"/>
+              </a:rPr>
+              <a:t>Object</a:t>
+            </a:r>
+            <a:r>
+              <a:rPr lang="ko-KR" altLang="en-US" sz="1800">
+                <a:ea typeface="맑은 고딕"/>
+              </a:rPr>
+              <a:t> </a:t>
+            </a:r>
+            <a:r>
+              <a:rPr lang="ko-KR" altLang="en-US" sz="1800" err="1">
+                <a:ea typeface="맑은 고딕"/>
+              </a:rPr>
+              <a:t>detection</a:t>
+            </a:r>
+            <a:endParaRPr lang="ko-KR">
+              <a:ea typeface="맑은 고딕" panose="020B0503020000020004" pitchFamily="34" charset="-127"/>
+            </a:endParaRPr>
+          </a:p>
+          <a:p>
+            <a:pPr>
+              <a:lnSpc>
+                <a:spcPts val="2400"/>
+              </a:lnSpc>
+              <a:buFont typeface="Wingdings" panose="05000000000000000000" pitchFamily="2" charset="2"/>
+              <a:buChar char="§"/>
+            </a:pPr>
+            <a:r>
+              <a:rPr lang="ko-KR" altLang="en-US" sz="1800" err="1">
+                <a:ea typeface="맑은 고딕"/>
+              </a:rPr>
+              <a:t>Segmentation</a:t>
+            </a:r>
+            <a:endParaRPr lang="ko-KR" altLang="en-US" sz="1800">
+              <a:ea typeface="맑은 고딕"/>
+            </a:endParaRPr>
+          </a:p>
+          <a:p>
+            <a:pPr>
+              <a:lnSpc>
+                <a:spcPts val="2400"/>
+              </a:lnSpc>
+              <a:buFont typeface="Wingdings" panose="05000000000000000000" pitchFamily="2" charset="2"/>
+              <a:buChar char="§"/>
+            </a:pPr>
+            <a:r>
+              <a:rPr lang="ko-KR" altLang="en-US" sz="1800" err="1">
+                <a:ea typeface="맑은 고딕"/>
+              </a:rPr>
+              <a:t>Pose</a:t>
+            </a:r>
+            <a:r>
+              <a:rPr lang="ko-KR" altLang="en-US" sz="1800">
+                <a:ea typeface="맑은 고딕"/>
+              </a:rPr>
+              <a:t> </a:t>
+            </a:r>
+            <a:r>
+              <a:rPr lang="ko-KR" altLang="en-US" sz="1800" err="1">
+                <a:ea typeface="맑은 고딕"/>
+              </a:rPr>
+              <a:t>detection</a:t>
+            </a:r>
+            <a:endParaRPr lang="ko-KR" altLang="en-US" sz="1800">
+              <a:ea typeface="맑은 고딕"/>
+            </a:endParaRPr>
+          </a:p>
+        </p:txBody>
+      </p:sp>
+      <p:sp>
+        <p:nvSpPr>
+          <p:cNvPr id="3" name="내용 개체 틀 2">
+            <a:extLst>
+              <a:ext uri="{FF2B5EF4-FFF2-40B4-BE49-F238E27FC236}">
+                <a16:creationId xmlns:a16="http://schemas.microsoft.com/office/drawing/2014/main" id="{50386AB0-DF0D-4A1B-A498-06F55F036CE4}"/>
+              </a:ext>
+            </a:extLst>
+          </p:cNvPr>
+          <p:cNvSpPr>
+            <a:spLocks noGrp="1"/>
+          </p:cNvSpPr>
+          <p:nvPr>
+            <p:ph idx="1"/>
+          </p:nvPr>
+        </p:nvSpPr>
+        <p:spPr>
+          <a:xfrm>
+            <a:off x="285654" y="3169858"/>
+            <a:ext cx="3231164" cy="402208"/>
+          </a:xfrm>
+        </p:spPr>
+        <p:txBody>
+          <a:bodyPr vert="horz" lIns="91440" tIns="45720" rIns="91440" bIns="45720" rtlCol="0" anchor="t">
+            <a:noAutofit/>
+          </a:bodyPr>
+          <a:lstStyle/>
+          <a:p>
+            <a:pPr>
+              <a:buFont typeface="Wingdings" panose="020B0604020202020204" pitchFamily="34" charset="0"/>
+              <a:buChar char="q"/>
+            </a:pPr>
+            <a:r>
+              <a:rPr lang="ko-KR" altLang="en-US" sz="2000">
+                <a:latin typeface="Malgun Gothic"/>
+                <a:ea typeface="Malgun Gothic"/>
+              </a:rPr>
+              <a:t> </a:t>
+            </a:r>
+            <a:r>
+              <a:rPr lang="ko-KR" sz="2000">
+                <a:latin typeface="Malgun Gothic"/>
+                <a:ea typeface="Malgun Gothic"/>
+              </a:rPr>
+              <a:t>3D </a:t>
+            </a:r>
+            <a:r>
+              <a:rPr lang="ko-KR" sz="2000" err="1">
+                <a:latin typeface="Malgun Gothic"/>
+                <a:ea typeface="Malgun Gothic"/>
+              </a:rPr>
+              <a:t>vs</a:t>
+            </a:r>
+            <a:r>
+              <a:rPr lang="ko-KR" sz="2000">
+                <a:latin typeface="Malgun Gothic"/>
+                <a:ea typeface="Malgun Gothic"/>
+              </a:rPr>
+              <a:t> 2D</a:t>
+            </a:r>
+            <a:r>
+              <a:rPr lang="ko-KR" altLang="en-US" sz="2000">
+                <a:latin typeface="Malgun Gothic"/>
+                <a:ea typeface="Malgun Gothic"/>
+              </a:rPr>
+              <a:t> </a:t>
+            </a:r>
+            <a:endParaRPr lang="ko-KR" sz="2000">
+              <a:ea typeface="+mn-lt"/>
+              <a:cs typeface="+mn-lt"/>
+            </a:endParaRPr>
+          </a:p>
+          <a:p>
+            <a:pPr>
+              <a:buFont typeface="Wingdings"/>
+              <a:buChar char="q"/>
+            </a:pPr>
+            <a:endParaRPr lang="ko-KR" altLang="en-US" sz="2000">
+              <a:ea typeface="맑은 고딕"/>
+            </a:endParaRPr>
+          </a:p>
+        </p:txBody>
+      </p:sp>
+      <p:sp>
+        <p:nvSpPr>
+          <p:cNvPr id="11" name="내용 개체 틀 2">
+            <a:extLst>
+              <a:ext uri="{FF2B5EF4-FFF2-40B4-BE49-F238E27FC236}">
+                <a16:creationId xmlns:a16="http://schemas.microsoft.com/office/drawing/2014/main" id="{B399ABEB-A251-4952-9CB5-C908D743E8AE}"/>
+              </a:ext>
+            </a:extLst>
+          </p:cNvPr>
+          <p:cNvSpPr txBox="1">
+            <a:spLocks/>
+          </p:cNvSpPr>
+          <p:nvPr/>
+        </p:nvSpPr>
+        <p:spPr>
+          <a:xfrm>
+            <a:off x="226650" y="3578341"/>
+            <a:ext cx="4440643" cy="2994042"/>
+          </a:xfrm>
+          <a:prstGeom prst="roundRect">
+            <a:avLst>
+              <a:gd name="adj" fmla="val 6923"/>
+            </a:avLst>
+          </a:prstGeom>
+          <a:solidFill>
+            <a:schemeClr val="bg1">
+              <a:lumMod val="95000"/>
+            </a:schemeClr>
+          </a:solidFill>
+        </p:spPr>
+        <p:txBody>
+          <a:bodyPr vert="horz" lIns="91440" tIns="45720" rIns="91440" bIns="45720" rtlCol="0" anchor="t">
+            <a:noAutofit/>
+          </a:bodyPr>
+          <a:lstStyle>
+            <a:lvl1pPr marL="228600" indent="-228600" algn="l" defTabSz="914400" rtl="0" eaLnBrk="1" latinLnBrk="1" hangingPunct="1">
+              <a:lnSpc>
+                <a:spcPct val="90000"/>
+              </a:lnSpc>
+              <a:spcBef>
+                <a:spcPts val="1000"/>
+              </a:spcBef>
+              <a:buFont typeface="Arial" panose="020B0604020202020204" pitchFamily="34" charset="0"/>
+              <a:buChar char="•"/>
+              <a:defRPr sz="2800" kern="1200">
+                <a:solidFill>
+                  <a:schemeClr val="tx1"/>
+                </a:solidFill>
+                <a:latin typeface="+mn-lt"/>
+                <a:ea typeface="+mn-ea"/>
+                <a:cs typeface="+mn-cs"/>
+              </a:defRPr>
+            </a:lvl1pPr>
+            <a:lvl2pPr marL="685800" indent="-228600" algn="l" defTabSz="914400" rtl="0" eaLnBrk="1" latinLnBrk="1" hangingPunct="1">
+              <a:lnSpc>
+                <a:spcPct val="90000"/>
+              </a:lnSpc>
+              <a:spcBef>
+                <a:spcPts val="500"/>
+              </a:spcBef>
+              <a:buFont typeface="Arial" panose="020B0604020202020204" pitchFamily="34" charset="0"/>
+              <a:buChar char="•"/>
+              <a:defRPr sz="2400" kern="1200">
+                <a:solidFill>
+                  <a:schemeClr val="tx1"/>
+                </a:solidFill>
+                <a:latin typeface="+mn-lt"/>
+                <a:ea typeface="+mn-ea"/>
+                <a:cs typeface="+mn-cs"/>
+              </a:defRPr>
+            </a:lvl2pPr>
+            <a:lvl3pPr marL="1143000" indent="-228600" algn="l" defTabSz="914400" rtl="0" eaLnBrk="1" latinLnBrk="1" hangingPunct="1">
+              <a:lnSpc>
+                <a:spcPct val="90000"/>
+              </a:lnSpc>
+              <a:spcBef>
+                <a:spcPts val="500"/>
+              </a:spcBef>
+              <a:buFont typeface="Arial" panose="020B0604020202020204" pitchFamily="34" charset="0"/>
+              <a:buChar char="•"/>
+              <a:defRPr sz="2000" kern="1200">
+                <a:solidFill>
+                  <a:schemeClr val="tx1"/>
+                </a:solidFill>
+                <a:latin typeface="+mn-lt"/>
+                <a:ea typeface="+mn-ea"/>
+                <a:cs typeface="+mn-cs"/>
+              </a:defRPr>
+            </a:lvl3pPr>
+            <a:lvl4pPr marL="1600200" indent="-228600" algn="l" defTabSz="914400" rtl="0" eaLnBrk="1" latinLnBrk="1" hangingPunct="1">
+              <a:lnSpc>
+                <a:spcPct val="90000"/>
+              </a:lnSpc>
+              <a:spcBef>
+                <a:spcPts val="500"/>
+              </a:spcBef>
+              <a:buFont typeface="Arial" panose="020B0604020202020204" pitchFamily="34" charset="0"/>
+              <a:buChar char="•"/>
+              <a:defRPr sz="1800" kern="1200">
+                <a:solidFill>
+                  <a:schemeClr val="tx1"/>
+                </a:solidFill>
+                <a:latin typeface="+mn-lt"/>
+                <a:ea typeface="+mn-ea"/>
+                <a:cs typeface="+mn-cs"/>
+              </a:defRPr>
+            </a:lvl4pPr>
+            <a:lvl5pPr marL="2057400" indent="-228600" algn="l" defTabSz="914400" rtl="0" eaLnBrk="1" latinLnBrk="1" hangingPunct="1">
+              <a:lnSpc>
+                <a:spcPct val="90000"/>
+              </a:lnSpc>
+              <a:spcBef>
+                <a:spcPts val="500"/>
+              </a:spcBef>
+              <a:buFont typeface="Arial" panose="020B0604020202020204" pitchFamily="34" charset="0"/>
+              <a:buChar char="•"/>
+              <a:defRPr sz="1800" kern="1200">
+                <a:solidFill>
+                  <a:schemeClr val="tx1"/>
+                </a:solidFill>
+                <a:latin typeface="+mn-lt"/>
+                <a:ea typeface="+mn-ea"/>
+                <a:cs typeface="+mn-cs"/>
+              </a:defRPr>
+            </a:lvl5pPr>
+            <a:lvl6pPr marL="2514600" indent="-228600" algn="l" defTabSz="914400" rtl="0" eaLnBrk="1" latinLnBrk="1" hangingPunct="1">
+              <a:lnSpc>
+                <a:spcPct val="90000"/>
+              </a:lnSpc>
+              <a:spcBef>
+                <a:spcPts val="500"/>
+              </a:spcBef>
+              <a:buFont typeface="Arial" panose="020B0604020202020204" pitchFamily="34" charset="0"/>
+              <a:buChar char="•"/>
+              <a:defRPr sz="1800" kern="1200">
+                <a:solidFill>
+                  <a:schemeClr val="tx1"/>
+                </a:solidFill>
+                <a:latin typeface="+mn-lt"/>
+                <a:ea typeface="+mn-ea"/>
+                <a:cs typeface="+mn-cs"/>
+              </a:defRPr>
+            </a:lvl6pPr>
+            <a:lvl7pPr marL="2971800" indent="-228600" algn="l" defTabSz="914400" rtl="0" eaLnBrk="1" latinLnBrk="1" hangingPunct="1">
+              <a:lnSpc>
+                <a:spcPct val="90000"/>
+              </a:lnSpc>
+              <a:spcBef>
+                <a:spcPts val="500"/>
+              </a:spcBef>
+              <a:buFont typeface="Arial" panose="020B0604020202020204" pitchFamily="34" charset="0"/>
+              <a:buChar char="•"/>
+              <a:defRPr sz="1800" kern="1200">
+                <a:solidFill>
+                  <a:schemeClr val="tx1"/>
+                </a:solidFill>
+                <a:latin typeface="+mn-lt"/>
+                <a:ea typeface="+mn-ea"/>
+                <a:cs typeface="+mn-cs"/>
+              </a:defRPr>
+            </a:lvl7pPr>
+            <a:lvl8pPr marL="3429000" indent="-228600" algn="l" defTabSz="914400" rtl="0" eaLnBrk="1" latinLnBrk="1" hangingPunct="1">
+              <a:lnSpc>
+                <a:spcPct val="90000"/>
+              </a:lnSpc>
+              <a:spcBef>
+                <a:spcPts val="500"/>
+              </a:spcBef>
+              <a:buFont typeface="Arial" panose="020B0604020202020204" pitchFamily="34" charset="0"/>
+              <a:buChar char="•"/>
+              <a:defRPr sz="1800" kern="1200">
+                <a:solidFill>
+                  <a:schemeClr val="tx1"/>
+                </a:solidFill>
+                <a:latin typeface="+mn-lt"/>
+                <a:ea typeface="+mn-ea"/>
+                <a:cs typeface="+mn-cs"/>
+              </a:defRPr>
+            </a:lvl8pPr>
+            <a:lvl9pPr marL="3886200" indent="-228600" algn="l" defTabSz="914400" rtl="0" eaLnBrk="1" latinLnBrk="1" hangingPunct="1">
+              <a:lnSpc>
+                <a:spcPct val="90000"/>
+              </a:lnSpc>
+              <a:spcBef>
+                <a:spcPts val="500"/>
+              </a:spcBef>
+              <a:buFont typeface="Arial" panose="020B0604020202020204" pitchFamily="34" charset="0"/>
+              <a:buChar char="•"/>
+              <a:defRPr sz="1800" kern="1200">
+                <a:solidFill>
+                  <a:schemeClr val="tx1"/>
+                </a:solidFill>
+                <a:latin typeface="+mn-lt"/>
+                <a:ea typeface="+mn-ea"/>
+                <a:cs typeface="+mn-cs"/>
+              </a:defRPr>
+            </a:lvl9pPr>
+          </a:lstStyle>
+          <a:p>
+            <a:pPr>
+              <a:lnSpc>
+                <a:spcPts val="2400"/>
+              </a:lnSpc>
+              <a:buFont typeface="Wingdings" panose="05000000000000000000" pitchFamily="2" charset="2"/>
+              <a:buChar char="§"/>
+            </a:pPr>
+            <a:r>
+              <a:rPr lang="ko-KR" altLang="en-US" sz="1600">
+                <a:ea typeface="맑은 고딕"/>
+              </a:rPr>
+              <a:t>3D - 실제 </a:t>
+            </a:r>
+            <a:r>
+              <a:rPr lang="ko-KR" altLang="en-US" sz="1600" err="1">
+                <a:ea typeface="맑은 고딕"/>
+              </a:rPr>
+              <a:t>metric</a:t>
+            </a:r>
+            <a:r>
+              <a:rPr lang="ko-KR" altLang="en-US" sz="1600">
+                <a:ea typeface="맑은 고딕"/>
+              </a:rPr>
+              <a:t> 반영 (몇 </a:t>
+            </a:r>
+            <a:r>
+              <a:rPr lang="ko-KR" altLang="en-US" sz="1600" err="1">
+                <a:ea typeface="맑은 고딕"/>
+              </a:rPr>
+              <a:t>cm에</a:t>
+            </a:r>
+            <a:r>
+              <a:rPr lang="ko-KR" altLang="en-US" sz="1600">
+                <a:ea typeface="맑은 고딕"/>
+              </a:rPr>
+              <a:t> 있는지)</a:t>
+            </a:r>
+            <a:br>
+              <a:rPr lang="ko-KR" altLang="en-US" sz="1600">
+                <a:ea typeface="맑은 고딕"/>
+              </a:rPr>
+            </a:br>
+            <a:r>
+              <a:rPr lang="ko-KR" altLang="en-US" sz="1600">
+                <a:ea typeface="맑은 고딕"/>
+              </a:rPr>
+              <a:t>     - 빈공간이 존재</a:t>
+            </a:r>
+            <a:br>
+              <a:rPr lang="ko-KR" altLang="en-US" sz="1600">
+                <a:ea typeface="맑은 고딕"/>
+              </a:rPr>
+            </a:br>
+            <a:r>
+              <a:rPr lang="ko-KR" altLang="en-US" sz="1600">
+                <a:ea typeface="맑은 고딕"/>
+              </a:rPr>
+              <a:t>     - 이미지보다 비싸고 메모리 많이 필요</a:t>
+            </a:r>
+            <a:endParaRPr lang="ko-KR" sz="1600">
+              <a:ea typeface="맑은 고딕"/>
+            </a:endParaRPr>
+          </a:p>
+          <a:p>
+            <a:pPr>
+              <a:lnSpc>
+                <a:spcPts val="2400"/>
+              </a:lnSpc>
+              <a:buFont typeface="Wingdings" panose="05000000000000000000" pitchFamily="2" charset="2"/>
+              <a:buChar char="§"/>
+            </a:pPr>
+            <a:r>
+              <a:rPr lang="ko-KR" altLang="en-US" sz="1600">
+                <a:ea typeface="맑은 고딕"/>
+              </a:rPr>
+              <a:t>2D - 수집하기 쉬움</a:t>
+            </a:r>
+            <a:br>
+              <a:rPr lang="ko-KR" altLang="en-US" sz="1600">
+                <a:ea typeface="맑은 고딕"/>
+              </a:rPr>
+            </a:br>
+            <a:r>
+              <a:rPr lang="ko-KR" altLang="en-US" sz="1600">
+                <a:ea typeface="맑은 고딕"/>
+              </a:rPr>
+              <a:t>     - </a:t>
+            </a:r>
+            <a:r>
+              <a:rPr lang="ko-KR" altLang="en-US" sz="1600" err="1">
+                <a:ea typeface="맑은 고딕"/>
+              </a:rPr>
+              <a:t>metric</a:t>
+            </a:r>
+            <a:r>
+              <a:rPr lang="ko-KR" altLang="en-US" sz="1600">
+                <a:ea typeface="맑은 고딕"/>
+              </a:rPr>
+              <a:t> 정보가 없음</a:t>
+            </a:r>
+            <a:br>
+              <a:rPr lang="ko-KR" altLang="en-US" sz="1600">
+                <a:ea typeface="맑은 고딕"/>
+              </a:rPr>
+            </a:br>
+            <a:r>
+              <a:rPr lang="ko-KR" altLang="en-US" sz="1600">
+                <a:ea typeface="맑은 고딕"/>
+              </a:rPr>
+              <a:t>     - </a:t>
+            </a:r>
+            <a:r>
+              <a:rPr lang="ko-KR" altLang="en-US" sz="1600" err="1">
+                <a:ea typeface="맑은 고딕"/>
+              </a:rPr>
+              <a:t>Semantic과</a:t>
+            </a:r>
+            <a:r>
+              <a:rPr lang="ko-KR" altLang="en-US" sz="1600">
+                <a:ea typeface="맑은 고딕"/>
+              </a:rPr>
+              <a:t> </a:t>
+            </a:r>
+            <a:r>
+              <a:rPr lang="ko-KR" altLang="en-US" sz="1600" err="1">
+                <a:ea typeface="맑은 고딕"/>
+              </a:rPr>
+              <a:t>딥러닝에</a:t>
+            </a:r>
+            <a:r>
+              <a:rPr lang="ko-KR" altLang="en-US" sz="1600">
+                <a:ea typeface="맑은 고딕"/>
+              </a:rPr>
+              <a:t> 좋음</a:t>
+            </a:r>
+          </a:p>
+          <a:p>
+            <a:pPr>
+              <a:lnSpc>
+                <a:spcPts val="2400"/>
+              </a:lnSpc>
+              <a:buFont typeface="Wingdings" panose="05000000000000000000" pitchFamily="2" charset="2"/>
+              <a:buChar char="§"/>
+            </a:pPr>
+            <a:r>
+              <a:rPr lang="ko-KR" altLang="en-US" sz="1600">
+                <a:ea typeface="맑은 고딕"/>
+              </a:rPr>
+              <a:t>3D와 2D를 잘 결합해서 각 장점을 살려서 어떻게 사용할지</a:t>
+            </a:r>
+          </a:p>
+          <a:p>
+            <a:pPr lvl="1">
+              <a:lnSpc>
+                <a:spcPts val="2400"/>
+              </a:lnSpc>
+              <a:buFont typeface="Wingdings" panose="05000000000000000000" pitchFamily="2" charset="2"/>
+              <a:buChar char="§"/>
+            </a:pPr>
+            <a:endParaRPr lang="ko-KR" altLang="en-US" sz="1600">
+              <a:ea typeface="맑은 고딕"/>
+            </a:endParaRPr>
+          </a:p>
+        </p:txBody>
+      </p:sp>
+      <p:sp>
+        <p:nvSpPr>
+          <p:cNvPr id="5" name="내용 개체 틀 2">
+            <a:extLst>
+              <a:ext uri="{FF2B5EF4-FFF2-40B4-BE49-F238E27FC236}">
+                <a16:creationId xmlns:a16="http://schemas.microsoft.com/office/drawing/2014/main" id="{824D8FDD-D675-4546-A00A-816AF6DF2572}"/>
+              </a:ext>
+            </a:extLst>
+          </p:cNvPr>
+          <p:cNvSpPr txBox="1">
+            <a:spLocks/>
+          </p:cNvSpPr>
+          <p:nvPr/>
+        </p:nvSpPr>
+        <p:spPr>
+          <a:xfrm>
+            <a:off x="4794393" y="1136899"/>
+            <a:ext cx="5243993" cy="373456"/>
+          </a:xfrm>
+          <a:prstGeom prst="rect">
+            <a:avLst/>
+          </a:prstGeom>
+        </p:spPr>
+        <p:txBody>
+          <a:bodyPr vert="horz" lIns="91440" tIns="45720" rIns="91440" bIns="45720" rtlCol="0" anchor="t">
+            <a:noAutofit/>
+          </a:bodyPr>
+          <a:lstStyle>
+            <a:lvl1pPr marL="228600" indent="-228600" algn="l" defTabSz="914400" rtl="0" eaLnBrk="1" latinLnBrk="1" hangingPunct="1">
+              <a:lnSpc>
+                <a:spcPct val="90000"/>
+              </a:lnSpc>
+              <a:spcBef>
+                <a:spcPts val="1000"/>
+              </a:spcBef>
+              <a:buFont typeface="Arial" panose="020B0604020202020204" pitchFamily="34" charset="0"/>
+              <a:buChar char="•"/>
+              <a:defRPr sz="2800" kern="1200">
+                <a:solidFill>
+                  <a:schemeClr val="tx1"/>
+                </a:solidFill>
+                <a:latin typeface="+mn-lt"/>
+                <a:ea typeface="+mn-ea"/>
+                <a:cs typeface="+mn-cs"/>
+              </a:defRPr>
+            </a:lvl1pPr>
+            <a:lvl2pPr marL="685800" indent="-228600" algn="l" defTabSz="914400" rtl="0" eaLnBrk="1" latinLnBrk="1" hangingPunct="1">
+              <a:lnSpc>
+                <a:spcPct val="90000"/>
+              </a:lnSpc>
+              <a:spcBef>
+                <a:spcPts val="500"/>
+              </a:spcBef>
+              <a:buFont typeface="Arial" panose="020B0604020202020204" pitchFamily="34" charset="0"/>
+              <a:buChar char="•"/>
+              <a:defRPr sz="2400" kern="1200">
+                <a:solidFill>
+                  <a:schemeClr val="tx1"/>
+                </a:solidFill>
+                <a:latin typeface="+mn-lt"/>
+                <a:ea typeface="+mn-ea"/>
+                <a:cs typeface="+mn-cs"/>
+              </a:defRPr>
+            </a:lvl2pPr>
+            <a:lvl3pPr marL="1143000" indent="-228600" algn="l" defTabSz="914400" rtl="0" eaLnBrk="1" latinLnBrk="1" hangingPunct="1">
+              <a:lnSpc>
+                <a:spcPct val="90000"/>
+              </a:lnSpc>
+              <a:spcBef>
+                <a:spcPts val="500"/>
+              </a:spcBef>
+              <a:buFont typeface="Arial" panose="020B0604020202020204" pitchFamily="34" charset="0"/>
+              <a:buChar char="•"/>
+              <a:defRPr sz="2000" kern="1200">
+                <a:solidFill>
+                  <a:schemeClr val="tx1"/>
+                </a:solidFill>
+                <a:latin typeface="+mn-lt"/>
+                <a:ea typeface="+mn-ea"/>
+                <a:cs typeface="+mn-cs"/>
+              </a:defRPr>
+            </a:lvl3pPr>
+            <a:lvl4pPr marL="1600200" indent="-228600" algn="l" defTabSz="914400" rtl="0" eaLnBrk="1" latinLnBrk="1" hangingPunct="1">
+              <a:lnSpc>
+                <a:spcPct val="90000"/>
+              </a:lnSpc>
+              <a:spcBef>
+                <a:spcPts val="500"/>
+              </a:spcBef>
+              <a:buFont typeface="Arial" panose="020B0604020202020204" pitchFamily="34" charset="0"/>
+              <a:buChar char="•"/>
+              <a:defRPr sz="1800" kern="1200">
+                <a:solidFill>
+                  <a:schemeClr val="tx1"/>
+                </a:solidFill>
+                <a:latin typeface="+mn-lt"/>
+                <a:ea typeface="+mn-ea"/>
+                <a:cs typeface="+mn-cs"/>
+              </a:defRPr>
+            </a:lvl4pPr>
+            <a:lvl5pPr marL="2057400" indent="-228600" algn="l" defTabSz="914400" rtl="0" eaLnBrk="1" latinLnBrk="1" hangingPunct="1">
+              <a:lnSpc>
+                <a:spcPct val="90000"/>
+              </a:lnSpc>
+              <a:spcBef>
+                <a:spcPts val="500"/>
+              </a:spcBef>
+              <a:buFont typeface="Arial" panose="020B0604020202020204" pitchFamily="34" charset="0"/>
+              <a:buChar char="•"/>
+              <a:defRPr sz="1800" kern="1200">
+                <a:solidFill>
+                  <a:schemeClr val="tx1"/>
+                </a:solidFill>
+                <a:latin typeface="+mn-lt"/>
+                <a:ea typeface="+mn-ea"/>
+                <a:cs typeface="+mn-cs"/>
+              </a:defRPr>
+            </a:lvl5pPr>
+            <a:lvl6pPr marL="2514600" indent="-228600" algn="l" defTabSz="914400" rtl="0" eaLnBrk="1" latinLnBrk="1" hangingPunct="1">
+              <a:lnSpc>
+                <a:spcPct val="90000"/>
+              </a:lnSpc>
+              <a:spcBef>
+                <a:spcPts val="500"/>
+              </a:spcBef>
+              <a:buFont typeface="Arial" panose="020B0604020202020204" pitchFamily="34" charset="0"/>
+              <a:buChar char="•"/>
+              <a:defRPr sz="1800" kern="1200">
+                <a:solidFill>
+                  <a:schemeClr val="tx1"/>
+                </a:solidFill>
+                <a:latin typeface="+mn-lt"/>
+                <a:ea typeface="+mn-ea"/>
+                <a:cs typeface="+mn-cs"/>
+              </a:defRPr>
+            </a:lvl6pPr>
+            <a:lvl7pPr marL="2971800" indent="-228600" algn="l" defTabSz="914400" rtl="0" eaLnBrk="1" latinLnBrk="1" hangingPunct="1">
+              <a:lnSpc>
+                <a:spcPct val="90000"/>
+              </a:lnSpc>
+              <a:spcBef>
+                <a:spcPts val="500"/>
+              </a:spcBef>
+              <a:buFont typeface="Arial" panose="020B0604020202020204" pitchFamily="34" charset="0"/>
+              <a:buChar char="•"/>
+              <a:defRPr sz="1800" kern="1200">
+                <a:solidFill>
+                  <a:schemeClr val="tx1"/>
+                </a:solidFill>
+                <a:latin typeface="+mn-lt"/>
+                <a:ea typeface="+mn-ea"/>
+                <a:cs typeface="+mn-cs"/>
+              </a:defRPr>
+            </a:lvl7pPr>
+            <a:lvl8pPr marL="3429000" indent="-228600" algn="l" defTabSz="914400" rtl="0" eaLnBrk="1" latinLnBrk="1" hangingPunct="1">
+              <a:lnSpc>
+                <a:spcPct val="90000"/>
+              </a:lnSpc>
+              <a:spcBef>
+                <a:spcPts val="500"/>
+              </a:spcBef>
+              <a:buFont typeface="Arial" panose="020B0604020202020204" pitchFamily="34" charset="0"/>
+              <a:buChar char="•"/>
+              <a:defRPr sz="1800" kern="1200">
+                <a:solidFill>
+                  <a:schemeClr val="tx1"/>
+                </a:solidFill>
+                <a:latin typeface="+mn-lt"/>
+                <a:ea typeface="+mn-ea"/>
+                <a:cs typeface="+mn-cs"/>
+              </a:defRPr>
+            </a:lvl8pPr>
+            <a:lvl9pPr marL="3886200" indent="-228600" algn="l" defTabSz="914400" rtl="0" eaLnBrk="1" latinLnBrk="1" hangingPunct="1">
+              <a:lnSpc>
+                <a:spcPct val="90000"/>
+              </a:lnSpc>
+              <a:spcBef>
+                <a:spcPts val="500"/>
+              </a:spcBef>
+              <a:buFont typeface="Arial" panose="020B0604020202020204" pitchFamily="34" charset="0"/>
+              <a:buChar char="•"/>
+              <a:defRPr sz="1800" kern="1200">
+                <a:solidFill>
+                  <a:schemeClr val="tx1"/>
+                </a:solidFill>
+                <a:latin typeface="+mn-lt"/>
+                <a:ea typeface="+mn-ea"/>
+                <a:cs typeface="+mn-cs"/>
+              </a:defRPr>
+            </a:lvl9pPr>
+          </a:lstStyle>
+          <a:p>
+            <a:pPr>
+              <a:buFont typeface="Wingdings" panose="020B0604020202020204" pitchFamily="34" charset="0"/>
+              <a:buChar char="q"/>
+            </a:pPr>
+            <a:r>
+              <a:rPr lang="ko-KR" altLang="en-US" sz="2000">
+                <a:latin typeface="Malgun Gothic"/>
+                <a:ea typeface="Malgun Gothic"/>
+              </a:rPr>
+              <a:t> </a:t>
+            </a:r>
+            <a:r>
+              <a:rPr lang="ko-KR" sz="2000">
+                <a:latin typeface="Malgun Gothic"/>
+                <a:ea typeface="Malgun Gothic"/>
+              </a:rPr>
+              <a:t>3D</a:t>
+            </a:r>
+            <a:r>
+              <a:rPr lang="ko-KR" altLang="en-US" sz="2000">
+                <a:latin typeface="Malgun Gothic"/>
+                <a:ea typeface="Malgun Gothic"/>
+              </a:rPr>
+              <a:t> </a:t>
+            </a:r>
+            <a:r>
+              <a:rPr lang="en-US" altLang="ko-KR" sz="2000">
+                <a:latin typeface="Malgun Gothic"/>
+                <a:ea typeface="Malgun Gothic"/>
+              </a:rPr>
+              <a:t>/</a:t>
+            </a:r>
+            <a:r>
+              <a:rPr lang="ko-KR" altLang="en-US" sz="2000">
+                <a:latin typeface="Malgun Gothic"/>
+                <a:ea typeface="Malgun Gothic"/>
+              </a:rPr>
+              <a:t> </a:t>
+            </a:r>
+            <a:r>
+              <a:rPr lang="ko-KR" sz="2000">
+                <a:latin typeface="Malgun Gothic"/>
+                <a:ea typeface="Malgun Gothic"/>
+              </a:rPr>
+              <a:t>2D </a:t>
+            </a:r>
+            <a:r>
+              <a:rPr lang="en-US" altLang="ko-KR" sz="2000">
+                <a:latin typeface="Malgun Gothic"/>
+                <a:ea typeface="Malgun Gothic"/>
+              </a:rPr>
+              <a:t>measurement</a:t>
+            </a:r>
+            <a:r>
+              <a:rPr lang="ko-KR" sz="2000">
+                <a:latin typeface="Malgun Gothic"/>
+                <a:ea typeface="Malgun Gothic"/>
+              </a:rPr>
+              <a:t> </a:t>
+            </a:r>
+            <a:r>
+              <a:rPr lang="en-US" altLang="ko-KR" sz="2000">
+                <a:latin typeface="Malgun Gothic"/>
+                <a:ea typeface="Malgun Gothic"/>
+              </a:rPr>
+              <a:t>to</a:t>
+            </a:r>
+            <a:r>
+              <a:rPr lang="ko-KR" sz="2000">
+                <a:latin typeface="Malgun Gothic"/>
+                <a:ea typeface="Malgun Gothic"/>
+              </a:rPr>
+              <a:t> </a:t>
+            </a:r>
+            <a:r>
+              <a:rPr lang="ko-KR" sz="2000" err="1">
+                <a:latin typeface="Malgun Gothic"/>
+                <a:ea typeface="Malgun Gothic"/>
+              </a:rPr>
+              <a:t>perception</a:t>
+            </a:r>
+            <a:endParaRPr lang="ko-KR" altLang="en-US" sz="2000" err="1">
+              <a:latin typeface="Malgun Gothic"/>
+              <a:ea typeface="Malgun Gothic"/>
+              <a:cs typeface="+mn-lt"/>
+            </a:endParaRPr>
+          </a:p>
+        </p:txBody>
+      </p:sp>
+      <p:pic>
+        <p:nvPicPr>
+          <p:cNvPr id="6" name="그림 7" descr="텍스트, 운동경기, 스포츠이(가) 표시된 사진&#10;&#10;자동 생성된 설명">
+            <a:extLst>
+              <a:ext uri="{FF2B5EF4-FFF2-40B4-BE49-F238E27FC236}">
+                <a16:creationId xmlns:a16="http://schemas.microsoft.com/office/drawing/2014/main" id="{1A73FD7F-0F97-4EDA-AD42-5A7D3BDFCE19}"/>
+              </a:ext>
+            </a:extLst>
+          </p:cNvPr>
+          <p:cNvPicPr>
+            <a:picLocks noChangeAspect="1"/>
+          </p:cNvPicPr>
+          <p:nvPr/>
+        </p:nvPicPr>
+        <p:blipFill>
+          <a:blip r:embed="rId3"/>
+          <a:stretch>
+            <a:fillRect/>
+          </a:stretch>
+        </p:blipFill>
+        <p:spPr>
+          <a:xfrm>
+            <a:off x="4796285" y="4976774"/>
+            <a:ext cx="3433313" cy="1102645"/>
+          </a:xfrm>
+          <a:prstGeom prst="rect">
+            <a:avLst/>
+          </a:prstGeom>
+          <a:ln>
+            <a:solidFill>
+              <a:schemeClr val="bg2">
+                <a:lumMod val="75000"/>
+              </a:schemeClr>
+            </a:solidFill>
+          </a:ln>
+        </p:spPr>
+      </p:pic>
+      <p:pic>
+        <p:nvPicPr>
+          <p:cNvPr id="8" name="그림 16">
+            <a:extLst>
+              <a:ext uri="{FF2B5EF4-FFF2-40B4-BE49-F238E27FC236}">
+                <a16:creationId xmlns:a16="http://schemas.microsoft.com/office/drawing/2014/main" id="{8397646D-EA48-4536-8AE1-A92BEE0873D0}"/>
+              </a:ext>
+            </a:extLst>
+          </p:cNvPr>
+          <p:cNvPicPr>
+            <a:picLocks noChangeAspect="1"/>
+          </p:cNvPicPr>
+          <p:nvPr/>
+        </p:nvPicPr>
+        <p:blipFill>
+          <a:blip r:embed="rId4"/>
+          <a:stretch>
+            <a:fillRect/>
+          </a:stretch>
+        </p:blipFill>
+        <p:spPr>
+          <a:xfrm>
+            <a:off x="8347496" y="4842967"/>
+            <a:ext cx="3591462" cy="1557160"/>
+          </a:xfrm>
+          <a:prstGeom prst="rect">
+            <a:avLst/>
+          </a:prstGeom>
+          <a:ln>
+            <a:solidFill>
+              <a:schemeClr val="bg2">
+                <a:lumMod val="75000"/>
+              </a:schemeClr>
+            </a:solidFill>
+          </a:ln>
+        </p:spPr>
+      </p:pic>
+      <p:sp>
+        <p:nvSpPr>
+          <p:cNvPr id="17" name="TextBox 16">
+            <a:extLst>
+              <a:ext uri="{FF2B5EF4-FFF2-40B4-BE49-F238E27FC236}">
+                <a16:creationId xmlns:a16="http://schemas.microsoft.com/office/drawing/2014/main" id="{15E3F804-EF5E-4517-8C20-D004A665EB23}"/>
+              </a:ext>
+            </a:extLst>
+          </p:cNvPr>
+          <p:cNvSpPr txBox="1"/>
+          <p:nvPr/>
+        </p:nvSpPr>
+        <p:spPr>
+          <a:xfrm>
+            <a:off x="8405004" y="6392173"/>
+            <a:ext cx="2743200" cy="369332"/>
+          </a:xfrm>
+          <a:prstGeom prst="rect">
+            <a:avLst/>
+          </a:prstGeom>
+          <a:noFill/>
+        </p:spPr>
+        <p:txBody>
+          <a:bodyPr rot="0" spcFirstLastPara="0" vertOverflow="overflow" horzOverflow="overflow" vert="horz" wrap="square" lIns="91440" tIns="45720" rIns="91440" bIns="45720" numCol="1" spcCol="0" rtlCol="0" fromWordArt="0" anchor="t" anchorCtr="0" forceAA="0" compatLnSpc="1">
+            <a:prstTxWarp prst="textNoShape">
+              <a:avLst/>
+            </a:prstTxWarp>
+            <a:spAutoFit/>
+          </a:bodyPr>
+          <a:lstStyle/>
+          <a:p>
+            <a:r>
+              <a:rPr lang="ko-KR" altLang="en-US">
+                <a:ea typeface="맑은 고딕"/>
+              </a:rPr>
+              <a:t>&gt; GCA </a:t>
+            </a:r>
+          </a:p>
+        </p:txBody>
+      </p:sp>
+      <p:sp>
+        <p:nvSpPr>
+          <p:cNvPr id="18" name="TextBox 17">
+            <a:extLst>
+              <a:ext uri="{FF2B5EF4-FFF2-40B4-BE49-F238E27FC236}">
+                <a16:creationId xmlns:a16="http://schemas.microsoft.com/office/drawing/2014/main" id="{675EF762-4C1C-4292-A139-7F2468DA157D}"/>
+              </a:ext>
+            </a:extLst>
+          </p:cNvPr>
+          <p:cNvSpPr txBox="1"/>
+          <p:nvPr/>
+        </p:nvSpPr>
+        <p:spPr>
+          <a:xfrm>
+            <a:off x="4796286" y="6090248"/>
+            <a:ext cx="3045124" cy="369332"/>
+          </a:xfrm>
+          <a:prstGeom prst="rect">
+            <a:avLst/>
+          </a:prstGeom>
+          <a:noFill/>
+        </p:spPr>
+        <p:txBody>
+          <a:bodyPr rot="0" spcFirstLastPara="0" vertOverflow="overflow" horzOverflow="overflow" vert="horz" wrap="square" lIns="91440" tIns="45720" rIns="91440" bIns="45720" numCol="1" spcCol="0" rtlCol="0" fromWordArt="0" anchor="t" anchorCtr="0" forceAA="0" compatLnSpc="1">
+            <a:prstTxWarp prst="textNoShape">
+              <a:avLst/>
+            </a:prstTxWarp>
+            <a:spAutoFit/>
+          </a:bodyPr>
+          <a:lstStyle/>
+          <a:p>
+            <a:r>
+              <a:rPr lang="ko-KR" altLang="en-US">
+                <a:ea typeface="맑은 고딕"/>
+              </a:rPr>
+              <a:t>&gt; 3D </a:t>
+            </a:r>
+            <a:r>
+              <a:rPr lang="ko-KR" altLang="en-US" err="1">
+                <a:ea typeface="맑은 고딕"/>
+              </a:rPr>
+              <a:t>Generation</a:t>
+            </a:r>
+            <a:r>
+              <a:rPr lang="ko-KR" altLang="en-US">
+                <a:ea typeface="맑은 고딕"/>
+              </a:rPr>
+              <a:t> </a:t>
+            </a:r>
+            <a:r>
+              <a:rPr lang="ko-KR" altLang="en-US" err="1">
+                <a:ea typeface="맑은 고딕"/>
+              </a:rPr>
+              <a:t>Models</a:t>
+            </a:r>
+            <a:r>
+              <a:rPr lang="ko-KR" altLang="en-US">
+                <a:ea typeface="맑은 고딕"/>
+              </a:rPr>
+              <a:t> </a:t>
+            </a:r>
+          </a:p>
+        </p:txBody>
+      </p:sp>
+    </p:spTree>
+    <p:extLst>
+      <p:ext uri="{BB962C8B-B14F-4D97-AF65-F5344CB8AC3E}">
+        <p14:creationId xmlns:p14="http://schemas.microsoft.com/office/powerpoint/2010/main" val="2540077337"/>
+      </p:ext>
+    </p:extLst>
+  </p:cSld>
+  <p:clrMapOvr>
+    <a:masterClrMapping/>
+  </p:clrMapOvr>
+</p:sld>
+</file>
+
+<file path=ppt/slides/slide8.xml><?xml version="1.0" encoding="utf-8"?>
+<p:sld xmlns:a="http://schemas.openxmlformats.org/drawingml/2006/main" xmlns:r="http://schemas.openxmlformats.org/officeDocument/2006/relationships" xmlns:p="http://schemas.openxmlformats.org/presentationml/2006/main">
+  <p:cSld>
+    <p:spTree>
+      <p:nvGrpSpPr>
+        <p:cNvPr id="1" name=""/>
+        <p:cNvGrpSpPr/>
+        <p:nvPr/>
+      </p:nvGrpSpPr>
+      <p:grpSpPr>
+        <a:xfrm>
+          <a:off x="0" y="0"/>
+          <a:ext cx="0" cy="0"/>
+          <a:chOff x="0" y="0"/>
+          <a:chExt cx="0" cy="0"/>
+        </a:xfrm>
+      </p:grpSpPr>
+      <p:sp>
+        <p:nvSpPr>
+          <p:cNvPr id="2" name="제목 1">
+            <a:extLst>
+              <a:ext uri="{FF2B5EF4-FFF2-40B4-BE49-F238E27FC236}">
+                <a16:creationId xmlns:a16="http://schemas.microsoft.com/office/drawing/2014/main" id="{E145F6C6-1DB4-4CB6-BAC3-26838AF58E9A}"/>
+              </a:ext>
+            </a:extLst>
+          </p:cNvPr>
+          <p:cNvSpPr>
+            <a:spLocks noGrp="1"/>
+          </p:cNvSpPr>
+          <p:nvPr>
+            <p:ph type="title"/>
+          </p:nvPr>
+        </p:nvSpPr>
+        <p:spPr>
+          <a:xfrm>
+            <a:off x="501315" y="287354"/>
+            <a:ext cx="10728158" cy="744147"/>
+          </a:xfrm>
+        </p:spPr>
+        <p:txBody>
+          <a:bodyPr>
+            <a:normAutofit/>
+          </a:bodyPr>
+          <a:lstStyle/>
+          <a:p>
+            <a:r>
+              <a:rPr lang="en-US" altLang="ko-KR" sz="3600" b="1">
+                <a:ea typeface="맑은 고딕"/>
+              </a:rPr>
+              <a:t>Geometry in the Deep Learning Era</a:t>
+            </a:r>
+          </a:p>
+        </p:txBody>
+      </p:sp>
+      <p:sp>
+        <p:nvSpPr>
+          <p:cNvPr id="9" name="TextBox 8">
+            <a:extLst>
+              <a:ext uri="{FF2B5EF4-FFF2-40B4-BE49-F238E27FC236}">
+                <a16:creationId xmlns:a16="http://schemas.microsoft.com/office/drawing/2014/main" id="{84ABFCD9-1D23-4882-9A99-C1863F6D6FEC}"/>
+              </a:ext>
+            </a:extLst>
+          </p:cNvPr>
+          <p:cNvSpPr txBox="1"/>
+          <p:nvPr/>
+        </p:nvSpPr>
+        <p:spPr>
+          <a:xfrm>
+            <a:off x="279551" y="1036927"/>
+            <a:ext cx="5569268" cy="5289530"/>
+          </a:xfrm>
+          <a:prstGeom prst="roundRect">
+            <a:avLst>
+              <a:gd name="adj" fmla="val 9265"/>
+            </a:avLst>
+          </a:prstGeom>
+          <a:solidFill>
+            <a:srgbClr val="FFF7E1"/>
+          </a:solidFill>
+        </p:spPr>
+        <p:txBody>
+          <a:bodyPr wrap="square" lIns="91440" tIns="45720" rIns="91440" bIns="45720" anchor="t">
+            <a:spAutoFit/>
+          </a:bodyPr>
+          <a:lstStyle/>
+          <a:p>
+            <a:pPr>
+              <a:lnSpc>
+                <a:spcPct val="120000"/>
+              </a:lnSpc>
+            </a:pPr>
+            <a:r>
+              <a:rPr lang="ko-KR" altLang="en-US" b="1">
+                <a:ea typeface="맑은 고딕"/>
+              </a:rPr>
+              <a:t>2.  2D-3D </a:t>
+            </a:r>
+            <a:r>
+              <a:rPr lang="ko-KR" altLang="en-US" b="1" err="1">
+                <a:ea typeface="맑은 고딕"/>
+              </a:rPr>
+              <a:t>localization</a:t>
+            </a:r>
+            <a:r>
+              <a:rPr lang="ko-KR" altLang="en-US" b="1">
+                <a:ea typeface="맑은 고딕"/>
+              </a:rPr>
+              <a:t> (ICCV 2021)</a:t>
+            </a:r>
+            <a:endParaRPr lang="ko-KR"/>
+          </a:p>
+          <a:p>
+            <a:pPr lvl="1">
+              <a:lnSpc>
+                <a:spcPct val="120000"/>
+              </a:lnSpc>
+            </a:pPr>
+            <a:r>
+              <a:rPr lang="ko-KR" altLang="en-US">
+                <a:solidFill>
+                  <a:schemeClr val="bg2">
+                    <a:lumMod val="50000"/>
+                  </a:schemeClr>
+                </a:solidFill>
+                <a:ea typeface="맑은 고딕"/>
+              </a:rPr>
+              <a:t>: </a:t>
+            </a:r>
+            <a:r>
+              <a:rPr lang="en-US">
+                <a:solidFill>
+                  <a:schemeClr val="bg2">
+                    <a:lumMod val="50000"/>
+                  </a:schemeClr>
+                </a:solidFill>
+                <a:ea typeface="+mn-lt"/>
+                <a:cs typeface="+mn-lt"/>
+              </a:rPr>
+              <a:t>3d + 2d data </a:t>
+            </a:r>
+            <a:r>
+              <a:rPr lang="ko-KR" altLang="en-US">
+                <a:solidFill>
+                  <a:schemeClr val="bg2">
+                    <a:lumMod val="50000"/>
+                  </a:schemeClr>
+                </a:solidFill>
+                <a:ea typeface="+mn-lt"/>
+                <a:cs typeface="+mn-lt"/>
+              </a:rPr>
+              <a:t>어떻게</a:t>
+            </a:r>
+            <a:r>
+              <a:rPr lang="en-US">
+                <a:solidFill>
+                  <a:schemeClr val="bg2">
+                    <a:lumMod val="50000"/>
+                  </a:schemeClr>
+                </a:solidFill>
+                <a:ea typeface="+mn-lt"/>
+                <a:cs typeface="+mn-lt"/>
+              </a:rPr>
+              <a:t> </a:t>
+            </a:r>
+            <a:r>
+              <a:rPr lang="ko-KR" altLang="en-US">
+                <a:solidFill>
+                  <a:schemeClr val="bg2">
+                    <a:lumMod val="50000"/>
+                  </a:schemeClr>
+                </a:solidFill>
+                <a:ea typeface="+mn-lt"/>
+                <a:cs typeface="+mn-lt"/>
+              </a:rPr>
+              <a:t>잘</a:t>
+            </a:r>
+            <a:r>
+              <a:rPr lang="en-US">
+                <a:solidFill>
+                  <a:schemeClr val="bg2">
+                    <a:lumMod val="50000"/>
+                  </a:schemeClr>
+                </a:solidFill>
+                <a:ea typeface="+mn-lt"/>
+                <a:cs typeface="+mn-lt"/>
+              </a:rPr>
+              <a:t> </a:t>
+            </a:r>
+            <a:r>
+              <a:rPr lang="ko-KR" altLang="en-US" err="1">
+                <a:solidFill>
+                  <a:schemeClr val="bg2">
+                    <a:lumMod val="50000"/>
+                  </a:schemeClr>
+                </a:solidFill>
+                <a:ea typeface="+mn-lt"/>
+                <a:cs typeface="+mn-lt"/>
+              </a:rPr>
+              <a:t>조합할것인가</a:t>
+            </a:r>
+            <a:endParaRPr lang="en-US" err="1">
+              <a:solidFill>
+                <a:schemeClr val="bg2">
+                  <a:lumMod val="50000"/>
+                </a:schemeClr>
+              </a:solidFill>
+              <a:ea typeface="+mn-lt"/>
+              <a:cs typeface="+mn-lt"/>
+            </a:endParaRPr>
+          </a:p>
+          <a:p>
+            <a:pPr marL="800100" lvl="1" indent="-342900">
+              <a:lnSpc>
+                <a:spcPct val="120000"/>
+              </a:lnSpc>
+              <a:buFont typeface="Arial"/>
+              <a:buChar char="•"/>
+            </a:pPr>
+            <a:r>
+              <a:rPr lang="ko-KR" altLang="en-US">
+                <a:ea typeface="맑은 고딕"/>
+              </a:rPr>
+              <a:t>3d </a:t>
+            </a:r>
+            <a:r>
+              <a:rPr lang="ko-KR" altLang="en-US" err="1">
+                <a:ea typeface="맑은 고딕"/>
+              </a:rPr>
+              <a:t>data에</a:t>
+            </a:r>
+            <a:r>
+              <a:rPr lang="ko-KR" altLang="en-US">
+                <a:ea typeface="맑은 고딕"/>
+              </a:rPr>
+              <a:t> 2d 이미지를 매칭하는 </a:t>
+            </a:r>
+            <a:r>
+              <a:rPr lang="ko-KR" altLang="en-US" err="1">
+                <a:ea typeface="맑은 고딕"/>
+              </a:rPr>
+              <a:t>formulation</a:t>
+            </a:r>
+            <a:endParaRPr lang="ko-KR" altLang="en-US">
+              <a:ea typeface="맑은 고딕"/>
+            </a:endParaRPr>
+          </a:p>
+          <a:p>
+            <a:pPr marL="800100" lvl="1" indent="-342900">
+              <a:lnSpc>
+                <a:spcPct val="120000"/>
+              </a:lnSpc>
+              <a:buFont typeface="Arial"/>
+              <a:buChar char="•"/>
+            </a:pPr>
+            <a:r>
+              <a:rPr lang="ko-KR" altLang="en-US" err="1">
+                <a:ea typeface="맑은 고딕"/>
+              </a:rPr>
+              <a:t>Panorama</a:t>
+            </a:r>
+            <a:r>
+              <a:rPr lang="ko-KR" altLang="en-US">
+                <a:ea typeface="맑은 고딕"/>
+              </a:rPr>
+              <a:t> 이미지 사용</a:t>
+            </a:r>
+          </a:p>
+          <a:p>
+            <a:pPr lvl="2">
+              <a:lnSpc>
+                <a:spcPct val="120000"/>
+              </a:lnSpc>
+            </a:pPr>
+            <a:r>
+              <a:rPr lang="ko-KR" altLang="en-US">
+                <a:ea typeface="맑은 고딕"/>
+              </a:rPr>
+              <a:t>- Global </a:t>
+            </a:r>
+            <a:r>
+              <a:rPr lang="ko-KR" altLang="en-US" err="1">
+                <a:ea typeface="맑은 고딕"/>
+              </a:rPr>
+              <a:t>context</a:t>
+            </a:r>
+            <a:r>
+              <a:rPr lang="ko-KR" altLang="en-US">
+                <a:ea typeface="맑은 고딕"/>
+              </a:rPr>
+              <a:t> 캡쳐 </a:t>
+            </a:r>
+            <a:br>
+              <a:rPr lang="ko-KR" altLang="en-US">
+                <a:ea typeface="맑은 고딕"/>
+              </a:rPr>
+            </a:br>
+            <a:r>
+              <a:rPr lang="ko-KR" altLang="en-US">
+                <a:ea typeface="맑은 고딕"/>
+              </a:rPr>
+              <a:t>   = 반복적 물체와 작은 변화에 </a:t>
+            </a:r>
+            <a:r>
+              <a:rPr lang="ko-KR" altLang="en-US" err="1">
+                <a:ea typeface="맑은 고딕"/>
+              </a:rPr>
+              <a:t>robust</a:t>
+            </a:r>
+            <a:r>
+              <a:rPr lang="ko-KR" altLang="en-US">
+                <a:ea typeface="맑은 고딕"/>
+              </a:rPr>
+              <a:t> </a:t>
+            </a:r>
+            <a:endParaRPr lang="ko-KR"/>
+          </a:p>
+          <a:p>
+            <a:pPr marL="800100" lvl="1" indent="-342900">
+              <a:lnSpc>
+                <a:spcPct val="120000"/>
+              </a:lnSpc>
+              <a:buFont typeface="Arial"/>
+              <a:buChar char="•"/>
+            </a:pPr>
+            <a:r>
+              <a:rPr lang="ko-KR" altLang="en-US" err="1">
+                <a:ea typeface="맑은 고딕"/>
+              </a:rPr>
+              <a:t>Starting</a:t>
+            </a:r>
+            <a:r>
+              <a:rPr lang="ko-KR" altLang="en-US">
+                <a:ea typeface="맑은 고딕"/>
+              </a:rPr>
+              <a:t> </a:t>
+            </a:r>
+            <a:r>
+              <a:rPr lang="ko-KR" altLang="en-US" err="1">
+                <a:ea typeface="맑은 고딕"/>
+              </a:rPr>
+              <a:t>point</a:t>
+            </a:r>
+            <a:r>
+              <a:rPr lang="ko-KR" altLang="en-US">
+                <a:ea typeface="맑은 고딕"/>
+              </a:rPr>
+              <a:t> </a:t>
+            </a:r>
+            <a:r>
+              <a:rPr lang="ko-KR" altLang="en-US" err="1">
+                <a:ea typeface="맑은 고딕"/>
+              </a:rPr>
+              <a:t>부터</a:t>
+            </a:r>
+            <a:r>
+              <a:rPr lang="ko-KR" altLang="en-US">
+                <a:ea typeface="맑은 고딕"/>
+              </a:rPr>
+              <a:t> 색깔을 비교하며</a:t>
+            </a:r>
+            <a:br>
+              <a:rPr lang="ko-KR" altLang="en-US">
+                <a:ea typeface="맑은 고딕"/>
+              </a:rPr>
+            </a:br>
+            <a:r>
+              <a:rPr lang="ko-KR" altLang="en-US">
+                <a:ea typeface="맑은 고딕"/>
+              </a:rPr>
+              <a:t> </a:t>
+            </a:r>
+            <a:r>
+              <a:rPr lang="ko-KR" altLang="en-US" err="1">
+                <a:ea typeface="맑은 고딕"/>
+              </a:rPr>
+              <a:t>loss를</a:t>
+            </a:r>
+            <a:r>
+              <a:rPr lang="ko-KR" altLang="en-US">
+                <a:ea typeface="맑은 고딕"/>
+              </a:rPr>
+              <a:t> 계산 =&gt; </a:t>
+            </a:r>
+            <a:r>
+              <a:rPr lang="ko-KR" altLang="en-US" err="1">
+                <a:ea typeface="맑은 고딕"/>
+              </a:rPr>
+              <a:t>smallest</a:t>
+            </a:r>
+            <a:r>
+              <a:rPr lang="ko-KR" altLang="en-US">
+                <a:ea typeface="맑은 고딕"/>
+              </a:rPr>
+              <a:t> </a:t>
+            </a:r>
+            <a:r>
+              <a:rPr lang="ko-KR" altLang="en-US" err="1">
+                <a:ea typeface="맑은 고딕"/>
+              </a:rPr>
+              <a:t>lost</a:t>
+            </a:r>
+            <a:r>
+              <a:rPr lang="ko-KR" altLang="en-US">
+                <a:ea typeface="맑은 고딕"/>
+              </a:rPr>
+              <a:t> 고름</a:t>
+            </a:r>
+          </a:p>
+          <a:p>
+            <a:pPr>
+              <a:lnSpc>
+                <a:spcPct val="120000"/>
+              </a:lnSpc>
+            </a:pPr>
+            <a:endParaRPr lang="ko-KR" altLang="en-US">
+              <a:ea typeface="맑은 고딕"/>
+            </a:endParaRPr>
+          </a:p>
+          <a:p>
+            <a:pPr>
+              <a:lnSpc>
+                <a:spcPct val="120000"/>
+              </a:lnSpc>
+            </a:pPr>
+            <a:r>
+              <a:rPr lang="ko-KR" altLang="en-US">
+                <a:ea typeface="맑은 고딕"/>
+              </a:rPr>
+              <a:t>=&gt; 2D </a:t>
+            </a:r>
+            <a:r>
+              <a:rPr lang="ko-KR" altLang="en-US" err="1">
+                <a:ea typeface="맑은 고딕"/>
+              </a:rPr>
+              <a:t>localization</a:t>
+            </a:r>
+            <a:r>
+              <a:rPr lang="ko-KR" altLang="en-US">
+                <a:ea typeface="맑은 고딕"/>
+              </a:rPr>
+              <a:t> </a:t>
+            </a:r>
+            <a:r>
+              <a:rPr lang="ko-KR" altLang="en-US" err="1">
+                <a:ea typeface="맑은 고딕"/>
+              </a:rPr>
+              <a:t>on</a:t>
+            </a:r>
+            <a:r>
+              <a:rPr lang="ko-KR" altLang="en-US">
+                <a:ea typeface="맑은 고딕"/>
+              </a:rPr>
+              <a:t> 3D </a:t>
+            </a:r>
+            <a:r>
+              <a:rPr lang="ko-KR" altLang="en-US" err="1">
+                <a:ea typeface="맑은 고딕"/>
+              </a:rPr>
+              <a:t>map</a:t>
+            </a:r>
+            <a:r>
+              <a:rPr lang="ko-KR" altLang="en-US">
+                <a:ea typeface="맑은 고딕"/>
+              </a:rPr>
+              <a:t> - 실용적인 </a:t>
+            </a:r>
+            <a:r>
+              <a:rPr lang="ko-KR" altLang="en-US" err="1">
+                <a:ea typeface="맑은 고딕"/>
+              </a:rPr>
+              <a:t>usage</a:t>
+            </a:r>
+            <a:endParaRPr lang="ko-KR" altLang="en-US">
+              <a:ea typeface="맑은 고딕"/>
+            </a:endParaRPr>
+          </a:p>
+          <a:p>
+            <a:pPr>
+              <a:lnSpc>
+                <a:spcPct val="120000"/>
+              </a:lnSpc>
+            </a:pPr>
+            <a:r>
+              <a:rPr lang="ko-KR" altLang="en-US">
+                <a:ea typeface="맑은 고딕"/>
+              </a:rPr>
+              <a:t>=&gt; 파노라마 이미지 사용이 </a:t>
+            </a:r>
+            <a:br>
+              <a:rPr lang="ko-KR" altLang="en-US">
+                <a:ea typeface="맑은 고딕"/>
+              </a:rPr>
+            </a:br>
+            <a:r>
+              <a:rPr lang="ko-KR" altLang="en-US">
+                <a:ea typeface="맑은 고딕"/>
+              </a:rPr>
+              <a:t>     </a:t>
+            </a:r>
+            <a:r>
+              <a:rPr lang="ko-KR" altLang="en-US" err="1">
+                <a:ea typeface="맑은 고딕"/>
+              </a:rPr>
+              <a:t>visual</a:t>
+            </a:r>
+            <a:r>
+              <a:rPr lang="ko-KR" altLang="en-US">
+                <a:ea typeface="맑은 고딕"/>
+              </a:rPr>
+              <a:t> </a:t>
+            </a:r>
+            <a:r>
+              <a:rPr lang="ko-KR" altLang="en-US" err="1">
+                <a:ea typeface="맑은 고딕"/>
+              </a:rPr>
+              <a:t>localization의</a:t>
+            </a:r>
+            <a:r>
+              <a:rPr lang="ko-KR" altLang="en-US">
+                <a:ea typeface="맑은 고딕"/>
+              </a:rPr>
+              <a:t> 한계점을 극복함</a:t>
+            </a:r>
+          </a:p>
+          <a:p>
+            <a:pPr>
+              <a:lnSpc>
+                <a:spcPct val="120000"/>
+              </a:lnSpc>
+            </a:pPr>
+            <a:r>
+              <a:rPr lang="ko-KR" altLang="en-US">
+                <a:ea typeface="맑은 고딕"/>
+              </a:rPr>
+              <a:t>=&gt; 빠르고 정확함</a:t>
+            </a:r>
+            <a:endParaRPr lang="ko-KR"/>
+          </a:p>
+          <a:p>
+            <a:pPr>
+              <a:lnSpc>
+                <a:spcPct val="120000"/>
+              </a:lnSpc>
+            </a:pPr>
+            <a:r>
+              <a:rPr lang="ko-KR" altLang="en-US">
+                <a:ea typeface="맑은 고딕"/>
+              </a:rPr>
+              <a:t>=&gt; </a:t>
+            </a:r>
+            <a:r>
+              <a:rPr lang="ko-KR" altLang="en-US" err="1">
+                <a:ea typeface="맑은 고딕"/>
+              </a:rPr>
+              <a:t>딥뉴럴</a:t>
+            </a:r>
+            <a:r>
+              <a:rPr lang="ko-KR" altLang="en-US">
+                <a:ea typeface="맑은 고딕"/>
+              </a:rPr>
+              <a:t> </a:t>
+            </a:r>
+            <a:r>
+              <a:rPr lang="ko-KR" altLang="en-US" err="1">
+                <a:ea typeface="맑은 고딕"/>
+              </a:rPr>
+              <a:t>network를</a:t>
+            </a:r>
+            <a:r>
+              <a:rPr lang="ko-KR" altLang="en-US">
+                <a:ea typeface="맑은 고딕"/>
+              </a:rPr>
+              <a:t> 사용하지 않음</a:t>
+            </a:r>
+          </a:p>
+        </p:txBody>
+      </p:sp>
+      <p:sp>
+        <p:nvSpPr>
+          <p:cNvPr id="13" name="TextBox 12">
+            <a:extLst>
+              <a:ext uri="{FF2B5EF4-FFF2-40B4-BE49-F238E27FC236}">
+                <a16:creationId xmlns:a16="http://schemas.microsoft.com/office/drawing/2014/main" id="{B961FD0D-3FB2-4DA6-8A86-A1F65CE772C4}"/>
+              </a:ext>
+            </a:extLst>
+          </p:cNvPr>
+          <p:cNvSpPr txBox="1"/>
+          <p:nvPr/>
+        </p:nvSpPr>
+        <p:spPr>
+          <a:xfrm>
+            <a:off x="6030492" y="1036926"/>
+            <a:ext cx="5799307" cy="3198698"/>
+          </a:xfrm>
+          <a:prstGeom prst="roundRect">
+            <a:avLst>
+              <a:gd name="adj" fmla="val 9265"/>
+            </a:avLst>
+          </a:prstGeom>
+          <a:solidFill>
+            <a:srgbClr val="FFF7E1"/>
+          </a:solidFill>
+        </p:spPr>
+        <p:txBody>
+          <a:bodyPr wrap="square" lIns="91440" tIns="45720" rIns="91440" bIns="45720" anchor="t">
+            <a:spAutoFit/>
+          </a:bodyPr>
+          <a:lstStyle/>
+          <a:p>
+            <a:pPr>
+              <a:lnSpc>
+                <a:spcPct val="120000"/>
+              </a:lnSpc>
+            </a:pPr>
+            <a:r>
+              <a:rPr lang="ko-KR" altLang="en-US" b="1">
+                <a:ea typeface="맑은 고딕"/>
+              </a:rPr>
+              <a:t>3.  </a:t>
+            </a:r>
+            <a:r>
+              <a:rPr lang="ko-KR" altLang="en-US" b="1" err="1">
+                <a:ea typeface="맑은 고딕"/>
+              </a:rPr>
+              <a:t>Dynamic</a:t>
+            </a:r>
+            <a:r>
+              <a:rPr lang="ko-KR" altLang="en-US" b="1">
+                <a:ea typeface="맑은 고딕"/>
+              </a:rPr>
+              <a:t> </a:t>
+            </a:r>
+            <a:r>
+              <a:rPr lang="ko-KR" altLang="en-US" b="1" err="1">
+                <a:ea typeface="맑은 고딕"/>
+              </a:rPr>
+              <a:t>entity</a:t>
+            </a:r>
+            <a:r>
+              <a:rPr lang="ko-KR" altLang="en-US" b="1">
+                <a:ea typeface="맑은 고딕"/>
+              </a:rPr>
+              <a:t> </a:t>
+            </a:r>
+            <a:r>
+              <a:rPr lang="ko-KR" altLang="en-US" b="1" err="1">
+                <a:ea typeface="맑은 고딕"/>
+              </a:rPr>
+              <a:t>extraction</a:t>
+            </a:r>
+            <a:r>
+              <a:rPr lang="ko-KR" altLang="en-US" b="1">
+                <a:ea typeface="맑은 고딕"/>
+              </a:rPr>
+              <a:t> (CVPR 2021)</a:t>
+            </a:r>
+            <a:endParaRPr lang="ko-KR"/>
+          </a:p>
+          <a:p>
+            <a:pPr marL="457200">
+              <a:lnSpc>
+                <a:spcPct val="120000"/>
+              </a:lnSpc>
+            </a:pPr>
+            <a:r>
+              <a:rPr lang="en-US" altLang="ko-KR">
+                <a:solidFill>
+                  <a:schemeClr val="bg2">
+                    <a:lumMod val="50000"/>
+                  </a:schemeClr>
+                </a:solidFill>
+                <a:ea typeface="+mn-lt"/>
+                <a:cs typeface="+mn-lt"/>
+              </a:rPr>
+              <a:t>: 3d </a:t>
+            </a:r>
+            <a:r>
+              <a:rPr lang="ko-KR" altLang="en-US">
+                <a:solidFill>
+                  <a:schemeClr val="bg2">
+                    <a:lumMod val="50000"/>
+                  </a:schemeClr>
+                </a:solidFill>
+                <a:latin typeface="Malgun Gothic"/>
+                <a:ea typeface="Malgun Gothic"/>
+                <a:cs typeface="+mn-lt"/>
+              </a:rPr>
+              <a:t>이미지</a:t>
+            </a:r>
+            <a:r>
+              <a:rPr lang="en-US" altLang="ko-KR">
+                <a:solidFill>
+                  <a:schemeClr val="bg2">
+                    <a:lumMod val="50000"/>
+                  </a:schemeClr>
+                </a:solidFill>
+                <a:ea typeface="+mn-lt"/>
+                <a:cs typeface="+mn-lt"/>
+              </a:rPr>
+              <a:t> </a:t>
+            </a:r>
+            <a:r>
+              <a:rPr lang="ko-KR" altLang="en-US">
+                <a:solidFill>
+                  <a:schemeClr val="bg2">
+                    <a:lumMod val="50000"/>
+                  </a:schemeClr>
+                </a:solidFill>
+                <a:latin typeface="Malgun Gothic"/>
+                <a:ea typeface="Malgun Gothic"/>
+                <a:cs typeface="+mn-lt"/>
+              </a:rPr>
+              <a:t>없이</a:t>
+            </a:r>
+            <a:r>
+              <a:rPr lang="en-US" altLang="ko-KR">
+                <a:solidFill>
+                  <a:schemeClr val="bg2">
+                    <a:lumMod val="50000"/>
+                  </a:schemeClr>
+                </a:solidFill>
+                <a:ea typeface="+mn-lt"/>
+                <a:cs typeface="+mn-lt"/>
+              </a:rPr>
+              <a:t> </a:t>
+            </a:r>
+            <a:r>
+              <a:rPr lang="ko-KR" altLang="en-US">
+                <a:solidFill>
+                  <a:schemeClr val="bg2">
+                    <a:lumMod val="50000"/>
+                  </a:schemeClr>
+                </a:solidFill>
+                <a:latin typeface="Malgun Gothic"/>
+                <a:ea typeface="Malgun Gothic"/>
+                <a:cs typeface="+mn-lt"/>
+              </a:rPr>
+              <a:t>이미지만</a:t>
+            </a:r>
+            <a:r>
+              <a:rPr lang="en-US" altLang="ko-KR">
+                <a:solidFill>
+                  <a:schemeClr val="bg2">
+                    <a:lumMod val="50000"/>
+                  </a:schemeClr>
+                </a:solidFill>
+                <a:ea typeface="+mn-lt"/>
+                <a:cs typeface="+mn-lt"/>
+              </a:rPr>
+              <a:t> </a:t>
+            </a:r>
+            <a:r>
+              <a:rPr lang="ko-KR" altLang="en-US">
+                <a:solidFill>
+                  <a:schemeClr val="bg2">
+                    <a:lumMod val="50000"/>
+                  </a:schemeClr>
+                </a:solidFill>
+                <a:latin typeface="Malgun Gothic"/>
+                <a:ea typeface="Malgun Gothic"/>
+                <a:cs typeface="+mn-lt"/>
+              </a:rPr>
+              <a:t>가지고</a:t>
+            </a:r>
+            <a:r>
+              <a:rPr lang="en-US" altLang="ko-KR">
+                <a:solidFill>
+                  <a:schemeClr val="bg2">
+                    <a:lumMod val="50000"/>
+                  </a:schemeClr>
+                </a:solidFill>
+                <a:ea typeface="+mn-lt"/>
+                <a:cs typeface="+mn-lt"/>
+              </a:rPr>
+              <a:t> </a:t>
+            </a:r>
+            <a:r>
+              <a:rPr lang="ko-KR" altLang="en-US">
+                <a:solidFill>
+                  <a:schemeClr val="bg2">
+                    <a:lumMod val="50000"/>
+                  </a:schemeClr>
+                </a:solidFill>
+                <a:latin typeface="Malgun Gothic"/>
+                <a:ea typeface="Malgun Gothic"/>
+                <a:cs typeface="+mn-lt"/>
+              </a:rPr>
+              <a:t>물리적인</a:t>
+            </a:r>
+            <a:r>
+              <a:rPr lang="en-US" altLang="ko-KR">
+                <a:solidFill>
+                  <a:schemeClr val="bg2">
+                    <a:lumMod val="50000"/>
+                  </a:schemeClr>
+                </a:solidFill>
+                <a:ea typeface="+mn-lt"/>
+                <a:cs typeface="+mn-lt"/>
+              </a:rPr>
+              <a:t> </a:t>
+            </a:r>
+            <a:r>
+              <a:rPr lang="ko-KR" altLang="en-US">
+                <a:solidFill>
+                  <a:schemeClr val="bg2">
+                    <a:lumMod val="50000"/>
+                  </a:schemeClr>
+                </a:solidFill>
+                <a:latin typeface="Malgun Gothic"/>
+                <a:ea typeface="Malgun Gothic"/>
+                <a:cs typeface="+mn-lt"/>
+              </a:rPr>
+              <a:t>법칙을</a:t>
+            </a:r>
+            <a:r>
+              <a:rPr lang="en-US" altLang="ko-KR">
+                <a:solidFill>
+                  <a:schemeClr val="bg2">
+                    <a:lumMod val="50000"/>
+                  </a:schemeClr>
+                </a:solidFill>
+                <a:ea typeface="+mn-lt"/>
+                <a:cs typeface="+mn-lt"/>
+              </a:rPr>
+              <a:t> </a:t>
+            </a:r>
+            <a:r>
+              <a:rPr lang="ko-KR" altLang="en-US">
+                <a:solidFill>
+                  <a:schemeClr val="bg2">
+                    <a:lumMod val="50000"/>
+                  </a:schemeClr>
+                </a:solidFill>
+                <a:latin typeface="Malgun Gothic"/>
+                <a:ea typeface="Malgun Gothic"/>
+                <a:cs typeface="+mn-lt"/>
+              </a:rPr>
+              <a:t>표현할</a:t>
+            </a:r>
+            <a:r>
+              <a:rPr lang="en-US" altLang="ko-KR">
+                <a:solidFill>
+                  <a:schemeClr val="bg2">
+                    <a:lumMod val="50000"/>
+                  </a:schemeClr>
+                </a:solidFill>
+                <a:ea typeface="+mn-lt"/>
+                <a:cs typeface="+mn-lt"/>
+              </a:rPr>
+              <a:t> </a:t>
+            </a:r>
+            <a:r>
+              <a:rPr lang="ko-KR" altLang="en-US">
+                <a:solidFill>
+                  <a:schemeClr val="bg2">
+                    <a:lumMod val="50000"/>
+                  </a:schemeClr>
+                </a:solidFill>
+                <a:latin typeface="Malgun Gothic"/>
+                <a:ea typeface="Malgun Gothic"/>
+                <a:cs typeface="+mn-lt"/>
+              </a:rPr>
+              <a:t>수</a:t>
+            </a:r>
+            <a:r>
+              <a:rPr lang="en-US" altLang="ko-KR">
+                <a:solidFill>
+                  <a:schemeClr val="bg2">
+                    <a:lumMod val="50000"/>
+                  </a:schemeClr>
+                </a:solidFill>
+                <a:ea typeface="+mn-lt"/>
+                <a:cs typeface="+mn-lt"/>
+              </a:rPr>
+              <a:t> </a:t>
+            </a:r>
+            <a:r>
+              <a:rPr lang="ko-KR" altLang="en-US">
+                <a:solidFill>
+                  <a:schemeClr val="bg2">
+                    <a:lumMod val="50000"/>
+                  </a:schemeClr>
+                </a:solidFill>
+                <a:latin typeface="Malgun Gothic"/>
+                <a:ea typeface="Malgun Gothic"/>
+                <a:cs typeface="+mn-lt"/>
+              </a:rPr>
+              <a:t>없을까</a:t>
+            </a:r>
+            <a:endParaRPr lang="en-US" altLang="ko-KR">
+              <a:solidFill>
+                <a:schemeClr val="bg2">
+                  <a:lumMod val="50000"/>
+                </a:schemeClr>
+              </a:solidFill>
+              <a:ea typeface="+mn-lt"/>
+              <a:cs typeface="+mn-lt"/>
+            </a:endParaRPr>
+          </a:p>
+          <a:p>
+            <a:pPr marL="800100" indent="-342900">
+              <a:lnSpc>
+                <a:spcPct val="120000"/>
+              </a:lnSpc>
+              <a:buFont typeface="Arial,Sans-Serif"/>
+              <a:buChar char="•"/>
+            </a:pPr>
+            <a:r>
+              <a:rPr lang="en-US" altLang="ko-KR" err="1">
+                <a:latin typeface="Malgun Gothic"/>
+                <a:ea typeface="Malgun Gothic"/>
+                <a:cs typeface="+mn-lt"/>
+              </a:rPr>
+              <a:t>Agent</a:t>
+            </a:r>
+            <a:r>
+              <a:rPr lang="ko-KR" altLang="en-US">
+                <a:latin typeface="Malgun Gothic"/>
+                <a:ea typeface="Malgun Gothic"/>
+                <a:cs typeface="+mn-lt"/>
+              </a:rPr>
+              <a:t> </a:t>
+            </a:r>
+            <a:r>
+              <a:rPr lang="en-US" altLang="ko-KR">
+                <a:latin typeface="Malgun Gothic"/>
+                <a:ea typeface="Malgun Gothic"/>
+                <a:cs typeface="+mn-lt"/>
+              </a:rPr>
+              <a:t>(</a:t>
+            </a:r>
+            <a:r>
+              <a:rPr lang="en-US" altLang="ko-KR" err="1">
+                <a:latin typeface="Malgun Gothic"/>
+                <a:ea typeface="Malgun Gothic"/>
+                <a:cs typeface="+mn-lt"/>
+              </a:rPr>
+              <a:t>active</a:t>
+            </a:r>
+            <a:r>
+              <a:rPr lang="en-US" altLang="ko-KR">
+                <a:latin typeface="Malgun Gothic"/>
+                <a:ea typeface="Malgun Gothic"/>
+                <a:cs typeface="+mn-lt"/>
+              </a:rPr>
+              <a:t>)</a:t>
+            </a:r>
+            <a:endParaRPr lang="en-US" altLang="ko-KR">
+              <a:ea typeface="+mn-lt"/>
+              <a:cs typeface="+mn-lt"/>
+            </a:endParaRPr>
+          </a:p>
+          <a:p>
+            <a:pPr marL="800100" indent="-342900">
+              <a:lnSpc>
+                <a:spcPct val="120000"/>
+              </a:lnSpc>
+              <a:buFont typeface="Arial,Sans-Serif"/>
+              <a:buChar char="•"/>
+            </a:pPr>
+            <a:r>
+              <a:rPr lang="en-US" altLang="ko-KR" err="1">
+                <a:latin typeface="Malgun Gothic"/>
+                <a:ea typeface="Malgun Gothic"/>
+                <a:cs typeface="+mn-lt"/>
+              </a:rPr>
+              <a:t>Objects</a:t>
+            </a:r>
+            <a:r>
+              <a:rPr lang="ko-KR" altLang="en-US">
+                <a:latin typeface="Malgun Gothic"/>
+                <a:ea typeface="Malgun Gothic"/>
+                <a:cs typeface="+mn-lt"/>
+              </a:rPr>
+              <a:t> </a:t>
+            </a:r>
+            <a:r>
+              <a:rPr lang="en-US" altLang="ko-KR">
+                <a:latin typeface="Malgun Gothic"/>
+                <a:ea typeface="Malgun Gothic"/>
+                <a:cs typeface="+mn-lt"/>
+              </a:rPr>
+              <a:t>(</a:t>
+            </a:r>
+            <a:r>
+              <a:rPr lang="en-US" altLang="ko-KR" err="1">
+                <a:latin typeface="Malgun Gothic"/>
+                <a:ea typeface="Malgun Gothic"/>
+                <a:cs typeface="+mn-lt"/>
+              </a:rPr>
+              <a:t>passive</a:t>
+            </a:r>
+            <a:r>
+              <a:rPr lang="en-US" altLang="ko-KR">
+                <a:latin typeface="Malgun Gothic"/>
+                <a:ea typeface="Malgun Gothic"/>
+                <a:cs typeface="+mn-lt"/>
+              </a:rPr>
+              <a:t>)</a:t>
+            </a:r>
+            <a:endParaRPr lang="en-US" altLang="ko-KR">
+              <a:ea typeface="+mn-lt"/>
+              <a:cs typeface="+mn-lt"/>
+            </a:endParaRPr>
+          </a:p>
+          <a:p>
+            <a:pPr marL="800100" indent="-342900">
+              <a:lnSpc>
+                <a:spcPct val="120000"/>
+              </a:lnSpc>
+              <a:buFont typeface="Arial,Sans-Serif"/>
+              <a:buChar char="•"/>
+            </a:pPr>
+            <a:r>
+              <a:rPr lang="en-US" altLang="ko-KR" err="1">
+                <a:latin typeface="Malgun Gothic"/>
+                <a:ea typeface="Malgun Gothic"/>
+                <a:cs typeface="+mn-lt"/>
+              </a:rPr>
+              <a:t>Background</a:t>
+            </a:r>
+            <a:r>
+              <a:rPr lang="ko-KR" altLang="en-US">
+                <a:latin typeface="Malgun Gothic"/>
+                <a:ea typeface="Malgun Gothic"/>
+                <a:cs typeface="+mn-lt"/>
+              </a:rPr>
+              <a:t> </a:t>
+            </a:r>
+            <a:r>
+              <a:rPr lang="en-US" altLang="ko-KR">
+                <a:latin typeface="Malgun Gothic"/>
+                <a:ea typeface="Malgun Gothic"/>
+                <a:cs typeface="+mn-lt"/>
+              </a:rPr>
+              <a:t>(</a:t>
+            </a:r>
+            <a:r>
+              <a:rPr lang="en-US" altLang="ko-KR" err="1">
+                <a:latin typeface="Malgun Gothic"/>
+                <a:ea typeface="Malgun Gothic"/>
+                <a:cs typeface="+mn-lt"/>
+              </a:rPr>
+              <a:t>static</a:t>
+            </a:r>
+            <a:r>
+              <a:rPr lang="en-US" altLang="ko-KR">
+                <a:latin typeface="Malgun Gothic"/>
+                <a:ea typeface="Malgun Gothic"/>
+                <a:cs typeface="+mn-lt"/>
+              </a:rPr>
+              <a:t>)</a:t>
+            </a:r>
+            <a:endParaRPr lang="en-US" altLang="ko-KR">
+              <a:ea typeface="+mn-lt"/>
+              <a:cs typeface="+mn-lt"/>
+            </a:endParaRPr>
+          </a:p>
+          <a:p>
+            <a:pPr>
+              <a:lnSpc>
+                <a:spcPct val="120000"/>
+              </a:lnSpc>
+            </a:pPr>
+            <a:endParaRPr lang="ko-KR" altLang="en-US" b="1">
+              <a:latin typeface="맑은 고딕"/>
+              <a:ea typeface="맑은 고딕"/>
+              <a:cs typeface="+mn-lt"/>
+            </a:endParaRPr>
+          </a:p>
+          <a:p>
+            <a:pPr>
+              <a:lnSpc>
+                <a:spcPct val="120000"/>
+              </a:lnSpc>
+            </a:pPr>
+            <a:r>
+              <a:rPr lang="ko-KR">
+                <a:latin typeface="Malgun Gothic"/>
+                <a:ea typeface="Malgun Gothic"/>
+                <a:cs typeface="+mn-lt"/>
+              </a:rPr>
+              <a:t>=&gt;</a:t>
+            </a:r>
+            <a:r>
+              <a:rPr lang="ko-KR" altLang="en-US">
+                <a:latin typeface="Malgun Gothic"/>
+                <a:ea typeface="Malgun Gothic"/>
+                <a:cs typeface="+mn-lt"/>
+              </a:rPr>
+              <a:t> </a:t>
+            </a:r>
+            <a:r>
+              <a:rPr lang="ko-KR" altLang="en-US" err="1">
+                <a:latin typeface="Malgun Gothic"/>
+                <a:ea typeface="Malgun Gothic"/>
+                <a:cs typeface="+mn-lt"/>
+              </a:rPr>
+              <a:t>agent를</a:t>
+            </a:r>
+            <a:r>
+              <a:rPr lang="ko-KR" altLang="en-US">
+                <a:latin typeface="Malgun Gothic"/>
+                <a:ea typeface="Malgun Gothic"/>
+                <a:cs typeface="+mn-lt"/>
+              </a:rPr>
+              <a:t> 따로 쪼개서 비디오만으로도 </a:t>
+            </a:r>
+            <a:r>
+              <a:rPr lang="ko-KR" altLang="en-US" err="1">
+                <a:latin typeface="Malgun Gothic"/>
+                <a:ea typeface="Malgun Gothic"/>
+                <a:cs typeface="+mn-lt"/>
+              </a:rPr>
+              <a:t>physical</a:t>
+            </a:r>
+            <a:r>
+              <a:rPr lang="ko-KR" altLang="en-US">
+                <a:latin typeface="Malgun Gothic"/>
+                <a:ea typeface="Malgun Gothic"/>
+                <a:cs typeface="+mn-lt"/>
+              </a:rPr>
+              <a:t> </a:t>
+            </a:r>
+            <a:r>
+              <a:rPr lang="ko-KR" altLang="en-US" err="1">
+                <a:latin typeface="Malgun Gothic"/>
+                <a:ea typeface="Malgun Gothic"/>
+                <a:cs typeface="+mn-lt"/>
+              </a:rPr>
+              <a:t>interaction을</a:t>
+            </a:r>
+            <a:r>
+              <a:rPr lang="ko-KR" altLang="en-US">
+                <a:latin typeface="Malgun Gothic"/>
+                <a:ea typeface="Malgun Gothic"/>
+                <a:cs typeface="+mn-lt"/>
+              </a:rPr>
+              <a:t> 잘 표현할 수 있었다.</a:t>
+            </a:r>
+            <a:endParaRPr lang="ko-KR"/>
+          </a:p>
+        </p:txBody>
+      </p:sp>
+      <p:pic>
+        <p:nvPicPr>
+          <p:cNvPr id="14" name="그림 14">
+            <a:extLst>
+              <a:ext uri="{FF2B5EF4-FFF2-40B4-BE49-F238E27FC236}">
+                <a16:creationId xmlns:a16="http://schemas.microsoft.com/office/drawing/2014/main" id="{84F61B69-5F1E-49BC-A6B3-D51EDF87EDD3}"/>
+              </a:ext>
+            </a:extLst>
+          </p:cNvPr>
+          <p:cNvPicPr>
+            <a:picLocks noChangeAspect="1"/>
+          </p:cNvPicPr>
+          <p:nvPr/>
+        </p:nvPicPr>
+        <p:blipFill>
+          <a:blip r:embed="rId3"/>
+          <a:stretch>
+            <a:fillRect/>
+          </a:stretch>
+        </p:blipFill>
+        <p:spPr>
+          <a:xfrm>
+            <a:off x="5305522" y="5535348"/>
+            <a:ext cx="3634596" cy="1157944"/>
+          </a:xfrm>
+          <a:prstGeom prst="rect">
+            <a:avLst/>
+          </a:prstGeom>
+          <a:ln>
+            <a:solidFill>
+              <a:schemeClr val="bg2">
+                <a:lumMod val="75000"/>
+              </a:schemeClr>
+            </a:solidFill>
+          </a:ln>
+        </p:spPr>
+      </p:pic>
+      <p:pic>
+        <p:nvPicPr>
+          <p:cNvPr id="15" name="그림 15">
+            <a:extLst>
+              <a:ext uri="{FF2B5EF4-FFF2-40B4-BE49-F238E27FC236}">
+                <a16:creationId xmlns:a16="http://schemas.microsoft.com/office/drawing/2014/main" id="{83B72ABF-5CED-4190-B825-72722565D01A}"/>
+              </a:ext>
+            </a:extLst>
+          </p:cNvPr>
+          <p:cNvPicPr>
+            <a:picLocks noChangeAspect="1"/>
+          </p:cNvPicPr>
+          <p:nvPr/>
+        </p:nvPicPr>
+        <p:blipFill>
+          <a:blip r:embed="rId4"/>
+          <a:stretch>
+            <a:fillRect/>
+          </a:stretch>
+        </p:blipFill>
+        <p:spPr>
+          <a:xfrm>
+            <a:off x="7260843" y="4314674"/>
+            <a:ext cx="1679277" cy="1150969"/>
+          </a:xfrm>
+          <a:prstGeom prst="rect">
+            <a:avLst/>
+          </a:prstGeom>
+          <a:ln>
+            <a:solidFill>
+              <a:schemeClr val="bg2">
+                <a:lumMod val="75000"/>
+              </a:schemeClr>
+            </a:solidFill>
+          </a:ln>
+        </p:spPr>
+      </p:pic>
+      <p:pic>
+        <p:nvPicPr>
+          <p:cNvPr id="16" name="그림 16">
+            <a:extLst>
+              <a:ext uri="{FF2B5EF4-FFF2-40B4-BE49-F238E27FC236}">
+                <a16:creationId xmlns:a16="http://schemas.microsoft.com/office/drawing/2014/main" id="{BE7561DC-5BDE-44E1-BE92-2D165A481614}"/>
+              </a:ext>
+            </a:extLst>
+          </p:cNvPr>
+          <p:cNvPicPr>
+            <a:picLocks noChangeAspect="1"/>
+          </p:cNvPicPr>
+          <p:nvPr/>
+        </p:nvPicPr>
+        <p:blipFill>
+          <a:blip r:embed="rId5"/>
+          <a:stretch>
+            <a:fillRect/>
+          </a:stretch>
+        </p:blipFill>
+        <p:spPr>
+          <a:xfrm>
+            <a:off x="9093262" y="4319346"/>
+            <a:ext cx="2632587" cy="2376219"/>
+          </a:xfrm>
+          <a:prstGeom prst="rect">
+            <a:avLst/>
+          </a:prstGeom>
+          <a:ln>
+            <a:solidFill>
+              <a:schemeClr val="bg2">
+                <a:lumMod val="75000"/>
+              </a:schemeClr>
+            </a:solidFill>
+          </a:ln>
+        </p:spPr>
+      </p:pic>
+    </p:spTree>
+    <p:extLst>
+      <p:ext uri="{BB962C8B-B14F-4D97-AF65-F5344CB8AC3E}">
+        <p14:creationId xmlns:p14="http://schemas.microsoft.com/office/powerpoint/2010/main" val="3067360380"/>
       </p:ext>
     </p:extLst>
   </p:cSld>
@@ -7154,4 +14343,299 @@
     </a:ext>
   </a:extLst>
 </a:theme>
+</file>
+
+<file path=ppt/theme/theme2.xml><?xml version="1.0" encoding="utf-8"?>
+<a:theme xmlns:a="http://schemas.openxmlformats.org/drawingml/2006/main" name="Office 테마">
+  <a:themeElements>
+    <a:clrScheme name="Office">
+      <a:dk1>
+        <a:sysClr val="windowText" lastClr="000000"/>
+      </a:dk1>
+      <a:lt1>
+        <a:sysClr val="window" lastClr="FFFFFF"/>
+      </a:lt1>
+      <a:dk2>
+        <a:srgbClr val="44546A"/>
+      </a:dk2>
+      <a:lt2>
+        <a:srgbClr val="E7E6E6"/>
+      </a:lt2>
+      <a:accent1>
+        <a:srgbClr val="4472C4"/>
+      </a:accent1>
+      <a:accent2>
+        <a:srgbClr val="ED7D31"/>
+      </a:accent2>
+      <a:accent3>
+        <a:srgbClr val="A5A5A5"/>
+      </a:accent3>
+      <a:accent4>
+        <a:srgbClr val="FFC000"/>
+      </a:accent4>
+      <a:accent5>
+        <a:srgbClr val="5B9BD5"/>
+      </a:accent5>
+      <a:accent6>
+        <a:srgbClr val="70AD47"/>
+      </a:accent6>
+      <a:hlink>
+        <a:srgbClr val="0563C1"/>
+      </a:hlink>
+      <a:folHlink>
+        <a:srgbClr val="954F72"/>
+      </a:folHlink>
+    </a:clrScheme>
+    <a:fontScheme name="Office">
+      <a:majorFont>
+        <a:latin typeface="맑은 고딕" panose="020F0302020204030204"/>
+        <a:ea typeface=""/>
+        <a:cs typeface=""/>
+        <a:font script="Jpan" typeface="游ゴシック Light"/>
+        <a:font script="Hang" typeface="맑은 고딕"/>
+        <a:font script="Hans" typeface="等线 Light"/>
+        <a:font script="Hant" typeface="新細明體"/>
+        <a:font script="Arab" typeface="Times New Roman"/>
+        <a:font script="Hebr" typeface="Times New Roman"/>
+        <a:font script="Thai" typeface="Angsana New"/>
+        <a:font script="Ethi" typeface="Nyala"/>
+        <a:font script="Beng" typeface="Vrinda"/>
+        <a:font script="Gujr" typeface="Shruti"/>
+        <a:font script="Khmr" typeface="MoolBoran"/>
+        <a:font script="Knda" typeface="Tunga"/>
+        <a:font script="Guru" typeface="Raavi"/>
+        <a:font script="Cans" typeface="Euphemia"/>
+        <a:font script="Cher" typeface="Plantagenet Cherokee"/>
+        <a:font script="Yiii" typeface="Microsoft Yi Baiti"/>
+        <a:font script="Tibt" typeface="Microsoft Himalaya"/>
+        <a:font script="Thaa" typeface="MV Boli"/>
+        <a:font script="Deva" typeface="Mangal"/>
+        <a:font script="Telu" typeface="Gautami"/>
+        <a:font script="Taml" typeface="Latha"/>
+        <a:font script="Syrc" typeface="Estrangelo Edessa"/>
+        <a:font script="Orya" typeface="Kalinga"/>
+        <a:font script="Mlym" typeface="Kartika"/>
+        <a:font script="Laoo" typeface="DokChampa"/>
+        <a:font script="Sinh" typeface="Iskoola Pota"/>
+        <a:font script="Mong" typeface="Mongolian Baiti"/>
+        <a:font script="Viet" typeface="Times New Roman"/>
+        <a:font script="Uigh" typeface="Microsoft Uighur"/>
+        <a:font script="Geor" typeface="Sylfaen"/>
+        <a:font script="Armn" typeface="Arial"/>
+        <a:font script="Bugi" typeface="Leelawadee UI"/>
+        <a:font script="Bopo" typeface="Microsoft JhengHei"/>
+        <a:font script="Java" typeface="Javanese Text"/>
+        <a:font script="Lisu" typeface="Segoe UI"/>
+        <a:font script="Mymr" typeface="Myanmar Text"/>
+        <a:font script="Nkoo" typeface="Ebrima"/>
+        <a:font script="Olck" typeface="Nirmala UI"/>
+        <a:font script="Osma" typeface="Ebrima"/>
+        <a:font script="Phag" typeface="Phagspa"/>
+        <a:font script="Syrn" typeface="Estrangelo Edessa"/>
+        <a:font script="Syrj" typeface="Estrangelo Edessa"/>
+        <a:font script="Syre" typeface="Estrangelo Edessa"/>
+        <a:font script="Sora" typeface="Nirmala UI"/>
+        <a:font script="Tale" typeface="Microsoft Tai Le"/>
+        <a:font script="Talu" typeface="Microsoft New Tai Lue"/>
+        <a:font script="Tfng" typeface="Ebrima"/>
+      </a:majorFont>
+      <a:minorFont>
+        <a:latin typeface="맑은 고딕" panose="020F0502020204030204"/>
+        <a:ea typeface=""/>
+        <a:cs typeface=""/>
+        <a:font script="Jpan" typeface="游ゴシック"/>
+        <a:font script="Hang" typeface="맑은 고딕"/>
+        <a:font script="Hans" typeface="等线"/>
+        <a:font script="Hant" typeface="新細明體"/>
+        <a:font script="Arab" typeface="Arial"/>
+        <a:font script="Hebr" typeface="Arial"/>
+        <a:font script="Thai" typeface="Cordia New"/>
+        <a:font script="Ethi" typeface="Nyala"/>
+        <a:font script="Beng" typeface="Vrinda"/>
+        <a:font script="Gujr" typeface="Shruti"/>
+        <a:font script="Khmr" typeface="DaunPenh"/>
+        <a:font script="Knda" typeface="Tunga"/>
+        <a:font script="Guru" typeface="Raavi"/>
+        <a:font script="Cans" typeface="Euphemia"/>
+        <a:font script="Cher" typeface="Plantagenet Cherokee"/>
+        <a:font script="Yiii" typeface="Microsoft Yi Baiti"/>
+        <a:font script="Tibt" typeface="Microsoft Himalaya"/>
+        <a:font script="Thaa" typeface="MV Boli"/>
+        <a:font script="Deva" typeface="Mangal"/>
+        <a:font script="Telu" typeface="Gautami"/>
+        <a:font script="Taml" typeface="Latha"/>
+        <a:font script="Syrc" typeface="Estrangelo Edessa"/>
+        <a:font script="Orya" typeface="Kalinga"/>
+        <a:font script="Mlym" typeface="Kartika"/>
+        <a:font script="Laoo" typeface="DokChampa"/>
+        <a:font script="Sinh" typeface="Iskoola Pota"/>
+        <a:font script="Mong" typeface="Mongolian Baiti"/>
+        <a:font script="Viet" typeface="Arial"/>
+        <a:font script="Uigh" typeface="Microsoft Uighur"/>
+        <a:font script="Geor" typeface="Sylfaen"/>
+        <a:font script="Armn" typeface="Arial"/>
+        <a:font script="Bugi" typeface="Leelawadee UI"/>
+        <a:font script="Bopo" typeface="Microsoft JhengHei"/>
+        <a:font script="Java" typeface="Javanese Text"/>
+        <a:font script="Lisu" typeface="Segoe UI"/>
+        <a:font script="Mymr" typeface="Myanmar Text"/>
+        <a:font script="Nkoo" typeface="Ebrima"/>
+        <a:font script="Olck" typeface="Nirmala UI"/>
+        <a:font script="Osma" typeface="Ebrima"/>
+        <a:font script="Phag" typeface="Phagspa"/>
+        <a:font script="Syrn" typeface="Estrangelo Edessa"/>
+        <a:font script="Syrj" typeface="Estrangelo Edessa"/>
+        <a:font script="Syre" typeface="Estrangelo Edessa"/>
+        <a:font script="Sora" typeface="Nirmala UI"/>
+        <a:font script="Tale" typeface="Microsoft Tai Le"/>
+        <a:font script="Talu" typeface="Microsoft New Tai Lue"/>
+        <a:font script="Tfng" typeface="Ebrima"/>
+      </a:minorFont>
+    </a:fontScheme>
+    <a:fmtScheme name="Office">
+      <a:fillStyleLst>
+        <a:solidFill>
+          <a:schemeClr val="phClr"/>
+        </a:solidFill>
+        <a:gradFill rotWithShape="1">
+          <a:gsLst>
+            <a:gs pos="0">
+              <a:schemeClr val="phClr">
+                <a:lumMod val="110000"/>
+                <a:satMod val="105000"/>
+                <a:tint val="67000"/>
+              </a:schemeClr>
+            </a:gs>
+            <a:gs pos="50000">
+              <a:schemeClr val="phClr">
+                <a:lumMod val="105000"/>
+                <a:satMod val="103000"/>
+                <a:tint val="73000"/>
+              </a:schemeClr>
+            </a:gs>
+            <a:gs pos="100000">
+              <a:schemeClr val="phClr">
+                <a:lumMod val="105000"/>
+                <a:satMod val="109000"/>
+                <a:tint val="81000"/>
+              </a:schemeClr>
+            </a:gs>
+          </a:gsLst>
+          <a:lin ang="5400000" scaled="0"/>
+        </a:gradFill>
+        <a:gradFill rotWithShape="1">
+          <a:gsLst>
+            <a:gs pos="0">
+              <a:schemeClr val="phClr">
+                <a:satMod val="103000"/>
+                <a:lumMod val="102000"/>
+                <a:tint val="94000"/>
+              </a:schemeClr>
+            </a:gs>
+            <a:gs pos="50000">
+              <a:schemeClr val="phClr">
+                <a:satMod val="110000"/>
+                <a:lumMod val="100000"/>
+                <a:shade val="100000"/>
+              </a:schemeClr>
+            </a:gs>
+            <a:gs pos="100000">
+              <a:schemeClr val="phClr">
+                <a:lumMod val="99000"/>
+                <a:satMod val="120000"/>
+                <a:shade val="78000"/>
+              </a:schemeClr>
+            </a:gs>
+          </a:gsLst>
+          <a:lin ang="5400000" scaled="0"/>
+        </a:gradFill>
+      </a:fillStyleLst>
+      <a:lnStyleLst>
+        <a:ln w="6350" cap="flat" cmpd="sng" algn="ctr">
+          <a:solidFill>
+            <a:schemeClr val="phClr"/>
+          </a:solidFill>
+          <a:prstDash val="solid"/>
+          <a:miter lim="800000"/>
+        </a:ln>
+        <a:ln w="12700" cap="flat" cmpd="sng" algn="ctr">
+          <a:solidFill>
+            <a:schemeClr val="phClr"/>
+          </a:solidFill>
+          <a:prstDash val="solid"/>
+          <a:miter lim="800000"/>
+        </a:ln>
+        <a:ln w="19050" cap="flat" cmpd="sng" algn="ctr">
+          <a:solidFill>
+            <a:schemeClr val="phClr"/>
+          </a:solidFill>
+          <a:prstDash val="solid"/>
+          <a:miter lim="800000"/>
+        </a:ln>
+      </a:lnStyleLst>
+      <a:effectStyleLst>
+        <a:effectStyle>
+          <a:effectLst/>
+        </a:effectStyle>
+        <a:effectStyle>
+          <a:effectLst/>
+        </a:effectStyle>
+        <a:effectStyle>
+          <a:effectLst>
+            <a:outerShdw blurRad="57150" dist="19050" dir="5400000" algn="ctr" rotWithShape="0">
+              <a:srgbClr val="000000">
+                <a:alpha val="63000"/>
+              </a:srgbClr>
+            </a:outerShdw>
+          </a:effectLst>
+        </a:effectStyle>
+      </a:effectStyleLst>
+      <a:bgFillStyleLst>
+        <a:solidFill>
+          <a:schemeClr val="phClr"/>
+        </a:solidFill>
+        <a:solidFill>
+          <a:schemeClr val="phClr">
+            <a:tint val="95000"/>
+            <a:satMod val="170000"/>
+          </a:schemeClr>
+        </a:solidFill>
+        <a:gradFill rotWithShape="1">
+          <a:gsLst>
+            <a:gs pos="0">
+              <a:schemeClr val="phClr">
+                <a:tint val="93000"/>
+                <a:satMod val="150000"/>
+                <a:shade val="98000"/>
+                <a:lumMod val="102000"/>
+              </a:schemeClr>
+            </a:gs>
+            <a:gs pos="50000">
+              <a:schemeClr val="phClr">
+                <a:tint val="98000"/>
+                <a:satMod val="130000"/>
+                <a:shade val="90000"/>
+                <a:lumMod val="103000"/>
+              </a:schemeClr>
+            </a:gs>
+            <a:gs pos="100000">
+              <a:schemeClr val="phClr">
+                <a:shade val="63000"/>
+                <a:satMod val="120000"/>
+              </a:schemeClr>
+            </a:gs>
+          </a:gsLst>
+          <a:lin ang="5400000" scaled="0"/>
+        </a:gradFill>
+      </a:bgFillStyleLst>
+    </a:fmtScheme>
+  </a:themeElements>
+  <a:objectDefaults/>
+  <a:extraClrSchemeLst/>
+  <a:extLst>
+    <a:ext uri="{05A4C25C-085E-4340-85A3-A5531E510DB2}">
+      <thm15:themeFamily xmlns:thm15="http://schemas.microsoft.com/office/thememl/2012/main" name="Office Theme" id="{62F939B6-93AF-4DB8-9C6B-D6C7DFDC589F}" vid="{4A3C46E8-61CC-4603-A589-7422A47A8E4A}"/>
+    </a:ext>
+  </a:extLst>
+</a:theme>
 </file>
--- a/미팅 자료/1주차(220316)-세미나영상요약.pptx
+++ b/미팅 자료/1주차(220316)-세미나영상요약.pptx
@@ -125,291 +125,13 @@
 <file path=ppt/revisionInfo.xml><?xml version="1.0" encoding="utf-8"?>
 <p1510:revInfo xmlns:a="http://schemas.openxmlformats.org/drawingml/2006/main" xmlns:r="http://schemas.openxmlformats.org/officeDocument/2006/relationships" xmlns:p1510="http://schemas.microsoft.com/office/powerpoint/2015/10/main">
   <p1510:revLst>
-    <p1510:client id="{0E6A21B4-57FE-4EAC-9D01-36AC7F607920}" v="5829" dt="2022-03-14T03:06:10.534"/>
-    <p1510:client id="{3DAD0114-187A-4A9A-954B-29283055D7D5}" v="86" dt="2022-03-13T14:46:00.341"/>
-    <p1510:client id="{693E72B1-7C15-44F0-81C4-8666D4BC6FB4}" v="19" dt="2022-03-14T00:40:14.820"/>
+    <p1510:client id="{3DAD0114-187A-4A9A-954B-29283055D7D5}" v="218" dt="2022-03-15T14:00:40.459"/>
   </p1510:revLst>
 </p1510:revInfo>
 </file>
 
 <file path=ppt/changesInfos/changesInfo1.xml><?xml version="1.0" encoding="utf-8"?>
 <pc:chgInfo xmlns:a="http://schemas.openxmlformats.org/drawingml/2006/main" xmlns:r="http://schemas.openxmlformats.org/officeDocument/2006/relationships" xmlns:ac="http://schemas.microsoft.com/office/drawing/2013/main/command" xmlns:pc="http://schemas.microsoft.com/office/powerpoint/2013/main/command">
-  <pc:docChgLst>
-    <pc:chgData name="김 소희" userId="bb2aac79503078d9" providerId="LiveId" clId="{3DAD0114-187A-4A9A-954B-29283055D7D5}"/>
-    <pc:docChg chg="undo redo custSel addSld delSld modSld">
-      <pc:chgData name="김 소희" userId="bb2aac79503078d9" providerId="LiveId" clId="{3DAD0114-187A-4A9A-954B-29283055D7D5}" dt="2022-03-13T14:47:03.312" v="2033" actId="14100"/>
-      <pc:docMkLst>
-        <pc:docMk/>
-      </pc:docMkLst>
-      <pc:sldChg chg="modSp del mod">
-        <pc:chgData name="김 소희" userId="bb2aac79503078d9" providerId="LiveId" clId="{3DAD0114-187A-4A9A-954B-29283055D7D5}" dt="2022-03-13T13:01:29.666" v="237" actId="2696"/>
-        <pc:sldMkLst>
-          <pc:docMk/>
-          <pc:sldMk cId="1430962214" sldId="256"/>
-        </pc:sldMkLst>
-        <pc:spChg chg="mod">
-          <ac:chgData name="김 소희" userId="bb2aac79503078d9" providerId="LiveId" clId="{3DAD0114-187A-4A9A-954B-29283055D7D5}" dt="2022-03-13T13:01:26.815" v="236" actId="20577"/>
-          <ac:spMkLst>
-            <pc:docMk/>
-            <pc:sldMk cId="1430962214" sldId="256"/>
-            <ac:spMk id="2" creationId="{A20423C3-36FF-45E9-8251-A76C3854624F}"/>
-          </ac:spMkLst>
-        </pc:spChg>
-      </pc:sldChg>
-      <pc:sldChg chg="addSp delSp modSp mod">
-        <pc:chgData name="김 소희" userId="bb2aac79503078d9" providerId="LiveId" clId="{3DAD0114-187A-4A9A-954B-29283055D7D5}" dt="2022-03-13T14:44:24.634" v="2029" actId="20577"/>
-        <pc:sldMkLst>
-          <pc:docMk/>
-          <pc:sldMk cId="423862740" sldId="257"/>
-        </pc:sldMkLst>
-        <pc:spChg chg="mod">
-          <ac:chgData name="김 소희" userId="bb2aac79503078d9" providerId="LiveId" clId="{3DAD0114-187A-4A9A-954B-29283055D7D5}" dt="2022-03-13T13:01:53.413" v="245" actId="1076"/>
-          <ac:spMkLst>
-            <pc:docMk/>
-            <pc:sldMk cId="423862740" sldId="257"/>
-            <ac:spMk id="2" creationId="{E145F6C6-1DB4-4CB6-BAC3-26838AF58E9A}"/>
-          </ac:spMkLst>
-        </pc:spChg>
-        <pc:spChg chg="del mod">
-          <ac:chgData name="김 소희" userId="bb2aac79503078d9" providerId="LiveId" clId="{3DAD0114-187A-4A9A-954B-29283055D7D5}" dt="2022-03-13T13:13:05.781" v="284" actId="478"/>
-          <ac:spMkLst>
-            <pc:docMk/>
-            <pc:sldMk cId="423862740" sldId="257"/>
-            <ac:spMk id="3" creationId="{50386AB0-DF0D-4A1B-A498-06F55F036CE4}"/>
-          </ac:spMkLst>
-        </pc:spChg>
-        <pc:spChg chg="add del">
-          <ac:chgData name="김 소희" userId="bb2aac79503078d9" providerId="LiveId" clId="{3DAD0114-187A-4A9A-954B-29283055D7D5}" dt="2022-03-13T12:36:20.664" v="66" actId="478"/>
-          <ac:spMkLst>
-            <pc:docMk/>
-            <pc:sldMk cId="423862740" sldId="257"/>
-            <ac:spMk id="4" creationId="{B2B5D3EF-AE6B-4BCF-A651-F5E654E7FABE}"/>
-          </ac:spMkLst>
-        </pc:spChg>
-        <pc:spChg chg="del mod">
-          <ac:chgData name="김 소희" userId="bb2aac79503078d9" providerId="LiveId" clId="{3DAD0114-187A-4A9A-954B-29283055D7D5}" dt="2022-03-13T13:11:47.613" v="256" actId="478"/>
-          <ac:spMkLst>
-            <pc:docMk/>
-            <pc:sldMk cId="423862740" sldId="257"/>
-            <ac:spMk id="8" creationId="{04E72B91-2C90-4124-AC90-21F824F6DA0A}"/>
-          </ac:spMkLst>
-        </pc:spChg>
-        <pc:spChg chg="mod">
-          <ac:chgData name="김 소희" userId="bb2aac79503078d9" providerId="LiveId" clId="{3DAD0114-187A-4A9A-954B-29283055D7D5}" dt="2022-03-13T14:13:05.096" v="1260" actId="20577"/>
-          <ac:spMkLst>
-            <pc:docMk/>
-            <pc:sldMk cId="423862740" sldId="257"/>
-            <ac:spMk id="9" creationId="{5B686AB7-FFC2-42BA-B60F-8B57D1A25BC9}"/>
-          </ac:spMkLst>
-        </pc:spChg>
-        <pc:spChg chg="del mod">
-          <ac:chgData name="김 소희" userId="bb2aac79503078d9" providerId="LiveId" clId="{3DAD0114-187A-4A9A-954B-29283055D7D5}" dt="2022-03-13T14:06:48.902" v="1150" actId="478"/>
-          <ac:spMkLst>
-            <pc:docMk/>
-            <pc:sldMk cId="423862740" sldId="257"/>
-            <ac:spMk id="12" creationId="{B3FF91A2-F875-4F64-BA43-0383470BDB68}"/>
-          </ac:spMkLst>
-        </pc:spChg>
-        <pc:spChg chg="add mod">
-          <ac:chgData name="김 소희" userId="bb2aac79503078d9" providerId="LiveId" clId="{3DAD0114-187A-4A9A-954B-29283055D7D5}" dt="2022-03-13T14:44:24.634" v="2029" actId="20577"/>
-          <ac:spMkLst>
-            <pc:docMk/>
-            <pc:sldMk cId="423862740" sldId="257"/>
-            <ac:spMk id="13" creationId="{27CDA0AC-25EA-4DAC-B0C9-931F4D219399}"/>
-          </ac:spMkLst>
-        </pc:spChg>
-        <pc:spChg chg="add mod">
-          <ac:chgData name="김 소희" userId="bb2aac79503078d9" providerId="LiveId" clId="{3DAD0114-187A-4A9A-954B-29283055D7D5}" dt="2022-03-13T14:36:42.895" v="1944" actId="20577"/>
-          <ac:spMkLst>
-            <pc:docMk/>
-            <pc:sldMk cId="423862740" sldId="257"/>
-            <ac:spMk id="14" creationId="{36C7FC56-D3F5-4806-8F8A-8A952DE249AF}"/>
-          </ac:spMkLst>
-        </pc:spChg>
-        <pc:spChg chg="add del mod">
-          <ac:chgData name="김 소희" userId="bb2aac79503078d9" providerId="LiveId" clId="{3DAD0114-187A-4A9A-954B-29283055D7D5}" dt="2022-03-13T13:13:10.024" v="285" actId="478"/>
-          <ac:spMkLst>
-            <pc:docMk/>
-            <pc:sldMk cId="423862740" sldId="257"/>
-            <ac:spMk id="15" creationId="{89BA4586-852F-492D-B33C-C46DA2BC1833}"/>
-          </ac:spMkLst>
-        </pc:spChg>
-        <pc:picChg chg="del mod">
-          <ac:chgData name="김 소희" userId="bb2aac79503078d9" providerId="LiveId" clId="{3DAD0114-187A-4A9A-954B-29283055D7D5}" dt="2022-03-13T13:06:26.841" v="246" actId="478"/>
-          <ac:picMkLst>
-            <pc:docMk/>
-            <pc:sldMk cId="423862740" sldId="257"/>
-            <ac:picMk id="5" creationId="{D47460F3-12D9-4308-9C49-D915D0F66B04}"/>
-          </ac:picMkLst>
-        </pc:picChg>
-        <pc:picChg chg="add del">
-          <ac:chgData name="김 소희" userId="bb2aac79503078d9" providerId="LiveId" clId="{3DAD0114-187A-4A9A-954B-29283055D7D5}" dt="2022-03-13T12:59:48.321" v="212" actId="22"/>
-          <ac:picMkLst>
-            <pc:docMk/>
-            <pc:sldMk cId="423862740" sldId="257"/>
-            <ac:picMk id="7" creationId="{1A2D3C77-04F5-47F3-A433-BAAA46CC88C8}"/>
-          </ac:picMkLst>
-        </pc:picChg>
-        <pc:picChg chg="add mod">
-          <ac:chgData name="김 소희" userId="bb2aac79503078d9" providerId="LiveId" clId="{3DAD0114-187A-4A9A-954B-29283055D7D5}" dt="2022-03-13T14:11:25.569" v="1178" actId="1076"/>
-          <ac:picMkLst>
-            <pc:docMk/>
-            <pc:sldMk cId="423862740" sldId="257"/>
-            <ac:picMk id="17" creationId="{F4EC92DF-CC5E-42DA-91F0-AE7C788ABC8E}"/>
-          </ac:picMkLst>
-        </pc:picChg>
-      </pc:sldChg>
-      <pc:sldChg chg="addSp modSp mod">
-        <pc:chgData name="김 소희" userId="bb2aac79503078d9" providerId="LiveId" clId="{3DAD0114-187A-4A9A-954B-29283055D7D5}" dt="2022-03-13T13:10:55.140" v="255" actId="1076"/>
-        <pc:sldMkLst>
-          <pc:docMk/>
-          <pc:sldMk cId="1844111494" sldId="261"/>
-        </pc:sldMkLst>
-        <pc:spChg chg="mod">
-          <ac:chgData name="김 소희" userId="bb2aac79503078d9" providerId="LiveId" clId="{3DAD0114-187A-4A9A-954B-29283055D7D5}" dt="2022-03-13T12:59:44.610" v="210" actId="113"/>
-          <ac:spMkLst>
-            <pc:docMk/>
-            <pc:sldMk cId="1844111494" sldId="261"/>
-            <ac:spMk id="3" creationId="{50386AB0-DF0D-4A1B-A498-06F55F036CE4}"/>
-          </ac:spMkLst>
-        </pc:spChg>
-        <pc:spChg chg="mod">
-          <ac:chgData name="김 소희" userId="bb2aac79503078d9" providerId="LiveId" clId="{3DAD0114-187A-4A9A-954B-29283055D7D5}" dt="2022-03-13T12:45:17.217" v="206" actId="1076"/>
-          <ac:spMkLst>
-            <pc:docMk/>
-            <pc:sldMk cId="1844111494" sldId="261"/>
-            <ac:spMk id="8" creationId="{04E72B91-2C90-4124-AC90-21F824F6DA0A}"/>
-          </ac:spMkLst>
-        </pc:spChg>
-        <pc:spChg chg="add mod">
-          <ac:chgData name="김 소희" userId="bb2aac79503078d9" providerId="LiveId" clId="{3DAD0114-187A-4A9A-954B-29283055D7D5}" dt="2022-03-13T13:10:30.660" v="251" actId="14100"/>
-          <ac:spMkLst>
-            <pc:docMk/>
-            <pc:sldMk cId="1844111494" sldId="261"/>
-            <ac:spMk id="9" creationId="{84ABFCD9-1D23-4882-9A99-C1863F6D6FEC}"/>
-          </ac:spMkLst>
-        </pc:spChg>
-        <pc:spChg chg="add mod">
-          <ac:chgData name="김 소희" userId="bb2aac79503078d9" providerId="LiveId" clId="{3DAD0114-187A-4A9A-954B-29283055D7D5}" dt="2022-03-13T13:10:49.327" v="253" actId="1076"/>
-          <ac:spMkLst>
-            <pc:docMk/>
-            <pc:sldMk cId="1844111494" sldId="261"/>
-            <ac:spMk id="12" creationId="{60DC85CD-861F-4018-81C9-4CD159A36866}"/>
-          </ac:spMkLst>
-        </pc:spChg>
-        <pc:spChg chg="add mod">
-          <ac:chgData name="김 소희" userId="bb2aac79503078d9" providerId="LiveId" clId="{3DAD0114-187A-4A9A-954B-29283055D7D5}" dt="2022-03-13T13:10:49.327" v="253" actId="1076"/>
-          <ac:spMkLst>
-            <pc:docMk/>
-            <pc:sldMk cId="1844111494" sldId="261"/>
-            <ac:spMk id="14" creationId="{E95AF7DB-CDD6-4750-87F8-F6011912B22D}"/>
-          </ac:spMkLst>
-        </pc:spChg>
-        <pc:picChg chg="mod">
-          <ac:chgData name="김 소희" userId="bb2aac79503078d9" providerId="LiveId" clId="{3DAD0114-187A-4A9A-954B-29283055D7D5}" dt="2022-03-13T12:45:22.090" v="209" actId="1076"/>
-          <ac:picMkLst>
-            <pc:docMk/>
-            <pc:sldMk cId="1844111494" sldId="261"/>
-            <ac:picMk id="10" creationId="{1BABC834-48ED-4795-987C-D71DADD68AA8}"/>
-          </ac:picMkLst>
-        </pc:picChg>
-        <pc:picChg chg="mod">
-          <ac:chgData name="김 소희" userId="bb2aac79503078d9" providerId="LiveId" clId="{3DAD0114-187A-4A9A-954B-29283055D7D5}" dt="2022-03-13T13:10:49.327" v="253" actId="1076"/>
-          <ac:picMkLst>
-            <pc:docMk/>
-            <pc:sldMk cId="1844111494" sldId="261"/>
-            <ac:picMk id="11" creationId="{45B4170D-1E8E-4B4D-8BFF-9225AACFCAE4}"/>
-          </ac:picMkLst>
-        </pc:picChg>
-        <pc:picChg chg="mod">
-          <ac:chgData name="김 소희" userId="bb2aac79503078d9" providerId="LiveId" clId="{3DAD0114-187A-4A9A-954B-29283055D7D5}" dt="2022-03-13T13:10:55.140" v="255" actId="1076"/>
-          <ac:picMkLst>
-            <pc:docMk/>
-            <pc:sldMk cId="1844111494" sldId="261"/>
-            <ac:picMk id="13" creationId="{2F61108A-2474-4CC3-B64C-CFB10F5BABA5}"/>
-          </ac:picMkLst>
-        </pc:picChg>
-      </pc:sldChg>
-      <pc:sldChg chg="modSp add mod">
-        <pc:chgData name="김 소희" userId="bb2aac79503078d9" providerId="LiveId" clId="{3DAD0114-187A-4A9A-954B-29283055D7D5}" dt="2022-03-13T13:13:38.913" v="289" actId="14100"/>
-        <pc:sldMkLst>
-          <pc:docMk/>
-          <pc:sldMk cId="2320026372" sldId="262"/>
-        </pc:sldMkLst>
-        <pc:spChg chg="mod">
-          <ac:chgData name="김 소희" userId="bb2aac79503078d9" providerId="LiveId" clId="{3DAD0114-187A-4A9A-954B-29283055D7D5}" dt="2022-03-13T13:13:38.913" v="289" actId="14100"/>
-          <ac:spMkLst>
-            <pc:docMk/>
-            <pc:sldMk cId="2320026372" sldId="262"/>
-            <ac:spMk id="8" creationId="{04E72B91-2C90-4124-AC90-21F824F6DA0A}"/>
-          </ac:spMkLst>
-        </pc:spChg>
-      </pc:sldChg>
-      <pc:sldChg chg="addSp delSp modSp add mod">
-        <pc:chgData name="김 소희" userId="bb2aac79503078d9" providerId="LiveId" clId="{3DAD0114-187A-4A9A-954B-29283055D7D5}" dt="2022-03-13T14:47:03.312" v="2033" actId="14100"/>
-        <pc:sldMkLst>
-          <pc:docMk/>
-          <pc:sldMk cId="1661784816" sldId="263"/>
-        </pc:sldMkLst>
-        <pc:spChg chg="add mod">
-          <ac:chgData name="김 소희" userId="bb2aac79503078d9" providerId="LiveId" clId="{3DAD0114-187A-4A9A-954B-29283055D7D5}" dt="2022-03-13T14:43:27.558" v="2024" actId="207"/>
-          <ac:spMkLst>
-            <pc:docMk/>
-            <pc:sldMk cId="1661784816" sldId="263"/>
-            <ac:spMk id="7" creationId="{C152C474-7ABF-4BA9-A037-E5FCF941F0B4}"/>
-          </ac:spMkLst>
-        </pc:spChg>
-        <pc:spChg chg="del">
-          <ac:chgData name="김 소희" userId="bb2aac79503078d9" providerId="LiveId" clId="{3DAD0114-187A-4A9A-954B-29283055D7D5}" dt="2022-03-13T14:06:43.958" v="1148" actId="478"/>
-          <ac:spMkLst>
-            <pc:docMk/>
-            <pc:sldMk cId="1661784816" sldId="263"/>
-            <ac:spMk id="9" creationId="{5B686AB7-FFC2-42BA-B60F-8B57D1A25BC9}"/>
-          </ac:spMkLst>
-        </pc:spChg>
-        <pc:spChg chg="del">
-          <ac:chgData name="김 소희" userId="bb2aac79503078d9" providerId="LiveId" clId="{3DAD0114-187A-4A9A-954B-29283055D7D5}" dt="2022-03-13T14:06:45.612" v="1149" actId="478"/>
-          <ac:spMkLst>
-            <pc:docMk/>
-            <pc:sldMk cId="1661784816" sldId="263"/>
-            <ac:spMk id="12" creationId="{B3FF91A2-F875-4F64-BA43-0383470BDB68}"/>
-          </ac:spMkLst>
-        </pc:spChg>
-        <pc:spChg chg="mod">
-          <ac:chgData name="김 소희" userId="bb2aac79503078d9" providerId="LiveId" clId="{3DAD0114-187A-4A9A-954B-29283055D7D5}" dt="2022-03-13T14:46:00.341" v="2032" actId="20578"/>
-          <ac:spMkLst>
-            <pc:docMk/>
-            <pc:sldMk cId="1661784816" sldId="263"/>
-            <ac:spMk id="13" creationId="{27CDA0AC-25EA-4DAC-B0C9-931F4D219399}"/>
-          </ac:spMkLst>
-        </pc:spChg>
-        <pc:spChg chg="mod">
-          <ac:chgData name="김 소희" userId="bb2aac79503078d9" providerId="LiveId" clId="{3DAD0114-187A-4A9A-954B-29283055D7D5}" dt="2022-03-13T14:41:46.876" v="1984" actId="14100"/>
-          <ac:spMkLst>
-            <pc:docMk/>
-            <pc:sldMk cId="1661784816" sldId="263"/>
-            <ac:spMk id="14" creationId="{36C7FC56-D3F5-4806-8F8A-8A952DE249AF}"/>
-          </ac:spMkLst>
-        </pc:spChg>
-        <pc:picChg chg="add mod">
-          <ac:chgData name="김 소희" userId="bb2aac79503078d9" providerId="LiveId" clId="{3DAD0114-187A-4A9A-954B-29283055D7D5}" dt="2022-03-13T14:47:03.312" v="2033" actId="14100"/>
-          <ac:picMkLst>
-            <pc:docMk/>
-            <pc:sldMk cId="1661784816" sldId="263"/>
-            <ac:picMk id="4" creationId="{1BA1587E-CFE5-4379-A303-7FE62351BF27}"/>
-          </ac:picMkLst>
-        </pc:picChg>
-        <pc:picChg chg="add mod">
-          <ac:chgData name="김 소희" userId="bb2aac79503078d9" providerId="LiveId" clId="{3DAD0114-187A-4A9A-954B-29283055D7D5}" dt="2022-03-13T14:42:47.619" v="1998" actId="1076"/>
-          <ac:picMkLst>
-            <pc:docMk/>
-            <pc:sldMk cId="1661784816" sldId="263"/>
-            <ac:picMk id="6" creationId="{0AA88284-A56E-4300-B466-03D6EBD14078}"/>
-          </ac:picMkLst>
-        </pc:picChg>
-      </pc:sldChg>
-    </pc:docChg>
-  </pc:docChgLst>
   <pc:docChgLst>
     <pc:chgData name="김 소희" userId="bb2aac79503078d9" providerId="Windows Live" clId="Web-{0E6A21B4-57FE-4EAC-9D01-36AC7F607920}"/>
     <pc:docChg chg="addSld modSld">
@@ -878,6 +600,614 @@
     </pc:docChg>
   </pc:docChgLst>
   <pc:docChgLst>
+    <pc:chgData name="김 소희" userId="bb2aac79503078d9" providerId="LiveId" clId="{3DAD0114-187A-4A9A-954B-29283055D7D5}"/>
+    <pc:docChg chg="undo redo custSel addSld delSld modSld">
+      <pc:chgData name="김 소희" userId="bb2aac79503078d9" providerId="LiveId" clId="{3DAD0114-187A-4A9A-954B-29283055D7D5}" dt="2022-03-15T14:02:04.930" v="3564" actId="20577"/>
+      <pc:docMkLst>
+        <pc:docMk/>
+      </pc:docMkLst>
+      <pc:sldChg chg="modSp del mod">
+        <pc:chgData name="김 소희" userId="bb2aac79503078d9" providerId="LiveId" clId="{3DAD0114-187A-4A9A-954B-29283055D7D5}" dt="2022-03-13T13:01:29.666" v="237" actId="2696"/>
+        <pc:sldMkLst>
+          <pc:docMk/>
+          <pc:sldMk cId="1430962214" sldId="256"/>
+        </pc:sldMkLst>
+        <pc:spChg chg="mod">
+          <ac:chgData name="김 소희" userId="bb2aac79503078d9" providerId="LiveId" clId="{3DAD0114-187A-4A9A-954B-29283055D7D5}" dt="2022-03-13T13:01:26.815" v="236" actId="20577"/>
+          <ac:spMkLst>
+            <pc:docMk/>
+            <pc:sldMk cId="1430962214" sldId="256"/>
+            <ac:spMk id="2" creationId="{A20423C3-36FF-45E9-8251-A76C3854624F}"/>
+          </ac:spMkLst>
+        </pc:spChg>
+      </pc:sldChg>
+      <pc:sldChg chg="addSp delSp modSp mod modNotesTx">
+        <pc:chgData name="김 소희" userId="bb2aac79503078d9" providerId="LiveId" clId="{3DAD0114-187A-4A9A-954B-29283055D7D5}" dt="2022-03-15T13:25:20.430" v="2677" actId="207"/>
+        <pc:sldMkLst>
+          <pc:docMk/>
+          <pc:sldMk cId="423862740" sldId="257"/>
+        </pc:sldMkLst>
+        <pc:spChg chg="mod">
+          <ac:chgData name="김 소희" userId="bb2aac79503078d9" providerId="LiveId" clId="{3DAD0114-187A-4A9A-954B-29283055D7D5}" dt="2022-03-15T11:59:03.236" v="2210" actId="1036"/>
+          <ac:spMkLst>
+            <pc:docMk/>
+            <pc:sldMk cId="423862740" sldId="257"/>
+            <ac:spMk id="2" creationId="{E145F6C6-1DB4-4CB6-BAC3-26838AF58E9A}"/>
+          </ac:spMkLst>
+        </pc:spChg>
+        <pc:spChg chg="del mod">
+          <ac:chgData name="김 소희" userId="bb2aac79503078d9" providerId="LiveId" clId="{3DAD0114-187A-4A9A-954B-29283055D7D5}" dt="2022-03-13T13:13:05.781" v="284" actId="478"/>
+          <ac:spMkLst>
+            <pc:docMk/>
+            <pc:sldMk cId="423862740" sldId="257"/>
+            <ac:spMk id="3" creationId="{50386AB0-DF0D-4A1B-A498-06F55F036CE4}"/>
+          </ac:spMkLst>
+        </pc:spChg>
+        <pc:spChg chg="add del">
+          <ac:chgData name="김 소희" userId="bb2aac79503078d9" providerId="LiveId" clId="{3DAD0114-187A-4A9A-954B-29283055D7D5}" dt="2022-03-13T12:36:20.664" v="66" actId="478"/>
+          <ac:spMkLst>
+            <pc:docMk/>
+            <pc:sldMk cId="423862740" sldId="257"/>
+            <ac:spMk id="4" creationId="{B2B5D3EF-AE6B-4BCF-A651-F5E654E7FABE}"/>
+          </ac:spMkLst>
+        </pc:spChg>
+        <pc:spChg chg="del mod">
+          <ac:chgData name="김 소희" userId="bb2aac79503078d9" providerId="LiveId" clId="{3DAD0114-187A-4A9A-954B-29283055D7D5}" dt="2022-03-13T13:11:47.613" v="256" actId="478"/>
+          <ac:spMkLst>
+            <pc:docMk/>
+            <pc:sldMk cId="423862740" sldId="257"/>
+            <ac:spMk id="8" creationId="{04E72B91-2C90-4124-AC90-21F824F6DA0A}"/>
+          </ac:spMkLst>
+        </pc:spChg>
+        <pc:spChg chg="add mod">
+          <ac:chgData name="김 소희" userId="bb2aac79503078d9" providerId="LiveId" clId="{3DAD0114-187A-4A9A-954B-29283055D7D5}" dt="2022-03-15T11:58:56.909" v="2204" actId="1037"/>
+          <ac:spMkLst>
+            <pc:docMk/>
+            <pc:sldMk cId="423862740" sldId="257"/>
+            <ac:spMk id="8" creationId="{18B41561-B436-4140-940B-1DB86753C536}"/>
+          </ac:spMkLst>
+        </pc:spChg>
+        <pc:spChg chg="mod">
+          <ac:chgData name="김 소희" userId="bb2aac79503078d9" providerId="LiveId" clId="{3DAD0114-187A-4A9A-954B-29283055D7D5}" dt="2022-03-13T14:13:05.096" v="1260" actId="20577"/>
+          <ac:spMkLst>
+            <pc:docMk/>
+            <pc:sldMk cId="423862740" sldId="257"/>
+            <ac:spMk id="9" creationId="{5B686AB7-FFC2-42BA-B60F-8B57D1A25BC9}"/>
+          </ac:spMkLst>
+        </pc:spChg>
+        <pc:spChg chg="add mod">
+          <ac:chgData name="김 소희" userId="bb2aac79503078d9" providerId="LiveId" clId="{3DAD0114-187A-4A9A-954B-29283055D7D5}" dt="2022-03-15T13:25:20.430" v="2677" actId="207"/>
+          <ac:spMkLst>
+            <pc:docMk/>
+            <pc:sldMk cId="423862740" sldId="257"/>
+            <ac:spMk id="10" creationId="{3E82B874-EA43-47F5-A61F-21CE5E197DC4}"/>
+          </ac:spMkLst>
+        </pc:spChg>
+        <pc:spChg chg="del mod">
+          <ac:chgData name="김 소희" userId="bb2aac79503078d9" providerId="LiveId" clId="{3DAD0114-187A-4A9A-954B-29283055D7D5}" dt="2022-03-13T14:06:48.902" v="1150" actId="478"/>
+          <ac:spMkLst>
+            <pc:docMk/>
+            <pc:sldMk cId="423862740" sldId="257"/>
+            <ac:spMk id="12" creationId="{B3FF91A2-F875-4F64-BA43-0383470BDB68}"/>
+          </ac:spMkLst>
+        </pc:spChg>
+        <pc:spChg chg="add mod">
+          <ac:chgData name="김 소희" userId="bb2aac79503078d9" providerId="LiveId" clId="{3DAD0114-187A-4A9A-954B-29283055D7D5}" dt="2022-03-15T11:59:07.312" v="2213" actId="1036"/>
+          <ac:spMkLst>
+            <pc:docMk/>
+            <pc:sldMk cId="423862740" sldId="257"/>
+            <ac:spMk id="13" creationId="{27CDA0AC-25EA-4DAC-B0C9-931F4D219399}"/>
+          </ac:spMkLst>
+        </pc:spChg>
+        <pc:spChg chg="add mod">
+          <ac:chgData name="김 소희" userId="bb2aac79503078d9" providerId="LiveId" clId="{3DAD0114-187A-4A9A-954B-29283055D7D5}" dt="2022-03-15T13:22:44.475" v="2670" actId="113"/>
+          <ac:spMkLst>
+            <pc:docMk/>
+            <pc:sldMk cId="423862740" sldId="257"/>
+            <ac:spMk id="14" creationId="{36C7FC56-D3F5-4806-8F8A-8A952DE249AF}"/>
+          </ac:spMkLst>
+        </pc:spChg>
+        <pc:spChg chg="add del mod">
+          <ac:chgData name="김 소희" userId="bb2aac79503078d9" providerId="LiveId" clId="{3DAD0114-187A-4A9A-954B-29283055D7D5}" dt="2022-03-13T13:13:10.024" v="285" actId="478"/>
+          <ac:spMkLst>
+            <pc:docMk/>
+            <pc:sldMk cId="423862740" sldId="257"/>
+            <ac:spMk id="15" creationId="{89BA4586-852F-492D-B33C-C46DA2BC1833}"/>
+          </ac:spMkLst>
+        </pc:spChg>
+        <pc:picChg chg="del mod">
+          <ac:chgData name="김 소희" userId="bb2aac79503078d9" providerId="LiveId" clId="{3DAD0114-187A-4A9A-954B-29283055D7D5}" dt="2022-03-13T13:06:26.841" v="246" actId="478"/>
+          <ac:picMkLst>
+            <pc:docMk/>
+            <pc:sldMk cId="423862740" sldId="257"/>
+            <ac:picMk id="5" creationId="{D47460F3-12D9-4308-9C49-D915D0F66B04}"/>
+          </ac:picMkLst>
+        </pc:picChg>
+        <pc:picChg chg="add del">
+          <ac:chgData name="김 소희" userId="bb2aac79503078d9" providerId="LiveId" clId="{3DAD0114-187A-4A9A-954B-29283055D7D5}" dt="2022-03-13T12:59:48.321" v="212" actId="22"/>
+          <ac:picMkLst>
+            <pc:docMk/>
+            <pc:sldMk cId="423862740" sldId="257"/>
+            <ac:picMk id="7" creationId="{1A2D3C77-04F5-47F3-A433-BAAA46CC88C8}"/>
+          </ac:picMkLst>
+        </pc:picChg>
+        <pc:picChg chg="add mod">
+          <ac:chgData name="김 소희" userId="bb2aac79503078d9" providerId="LiveId" clId="{3DAD0114-187A-4A9A-954B-29283055D7D5}" dt="2022-03-15T11:59:07.312" v="2213" actId="1036"/>
+          <ac:picMkLst>
+            <pc:docMk/>
+            <pc:sldMk cId="423862740" sldId="257"/>
+            <ac:picMk id="17" creationId="{F4EC92DF-CC5E-42DA-91F0-AE7C788ABC8E}"/>
+          </ac:picMkLst>
+        </pc:picChg>
+      </pc:sldChg>
+      <pc:sldChg chg="addSp delSp modSp mod">
+        <pc:chgData name="김 소희" userId="bb2aac79503078d9" providerId="LiveId" clId="{3DAD0114-187A-4A9A-954B-29283055D7D5}" dt="2022-03-15T14:02:04.930" v="3564" actId="20577"/>
+        <pc:sldMkLst>
+          <pc:docMk/>
+          <pc:sldMk cId="1844111494" sldId="261"/>
+        </pc:sldMkLst>
+        <pc:spChg chg="del">
+          <ac:chgData name="김 소희" userId="bb2aac79503078d9" providerId="LiveId" clId="{3DAD0114-187A-4A9A-954B-29283055D7D5}" dt="2022-03-15T13:15:45.733" v="2405" actId="478"/>
+          <ac:spMkLst>
+            <pc:docMk/>
+            <pc:sldMk cId="1844111494" sldId="261"/>
+            <ac:spMk id="2" creationId="{E145F6C6-1DB4-4CB6-BAC3-26838AF58E9A}"/>
+          </ac:spMkLst>
+        </pc:spChg>
+        <pc:spChg chg="mod">
+          <ac:chgData name="김 소희" userId="bb2aac79503078d9" providerId="LiveId" clId="{3DAD0114-187A-4A9A-954B-29283055D7D5}" dt="2022-03-13T12:59:44.610" v="210" actId="113"/>
+          <ac:spMkLst>
+            <pc:docMk/>
+            <pc:sldMk cId="1844111494" sldId="261"/>
+            <ac:spMk id="3" creationId="{50386AB0-DF0D-4A1B-A498-06F55F036CE4}"/>
+          </ac:spMkLst>
+        </pc:spChg>
+        <pc:spChg chg="add del mod">
+          <ac:chgData name="김 소희" userId="bb2aac79503078d9" providerId="LiveId" clId="{3DAD0114-187A-4A9A-954B-29283055D7D5}" dt="2022-03-15T13:15:49.118" v="2407" actId="478"/>
+          <ac:spMkLst>
+            <pc:docMk/>
+            <pc:sldMk cId="1844111494" sldId="261"/>
+            <ac:spMk id="5" creationId="{D1EC2B69-42C0-43E8-AAE0-7CFC9A5A530A}"/>
+          </ac:spMkLst>
+        </pc:spChg>
+        <pc:spChg chg="mod">
+          <ac:chgData name="김 소희" userId="bb2aac79503078d9" providerId="LiveId" clId="{3DAD0114-187A-4A9A-954B-29283055D7D5}" dt="2022-03-13T12:45:17.217" v="206" actId="1076"/>
+          <ac:spMkLst>
+            <pc:docMk/>
+            <pc:sldMk cId="1844111494" sldId="261"/>
+            <ac:spMk id="8" creationId="{04E72B91-2C90-4124-AC90-21F824F6DA0A}"/>
+          </ac:spMkLst>
+        </pc:spChg>
+        <pc:spChg chg="add mod">
+          <ac:chgData name="김 소희" userId="bb2aac79503078d9" providerId="LiveId" clId="{3DAD0114-187A-4A9A-954B-29283055D7D5}" dt="2022-03-15T14:02:04.930" v="3564" actId="20577"/>
+          <ac:spMkLst>
+            <pc:docMk/>
+            <pc:sldMk cId="1844111494" sldId="261"/>
+            <ac:spMk id="9" creationId="{84ABFCD9-1D23-4882-9A99-C1863F6D6FEC}"/>
+          </ac:spMkLst>
+        </pc:spChg>
+        <pc:spChg chg="add mod">
+          <ac:chgData name="김 소희" userId="bb2aac79503078d9" providerId="LiveId" clId="{3DAD0114-187A-4A9A-954B-29283055D7D5}" dt="2022-03-13T13:10:49.327" v="253" actId="1076"/>
+          <ac:spMkLst>
+            <pc:docMk/>
+            <pc:sldMk cId="1844111494" sldId="261"/>
+            <ac:spMk id="12" creationId="{60DC85CD-861F-4018-81C9-4CD159A36866}"/>
+          </ac:spMkLst>
+        </pc:spChg>
+        <pc:spChg chg="add mod">
+          <ac:chgData name="김 소희" userId="bb2aac79503078d9" providerId="LiveId" clId="{3DAD0114-187A-4A9A-954B-29283055D7D5}" dt="2022-03-13T13:10:49.327" v="253" actId="1076"/>
+          <ac:spMkLst>
+            <pc:docMk/>
+            <pc:sldMk cId="1844111494" sldId="261"/>
+            <ac:spMk id="14" creationId="{E95AF7DB-CDD6-4750-87F8-F6011912B22D}"/>
+          </ac:spMkLst>
+        </pc:spChg>
+        <pc:spChg chg="add mod">
+          <ac:chgData name="김 소희" userId="bb2aac79503078d9" providerId="LiveId" clId="{3DAD0114-187A-4A9A-954B-29283055D7D5}" dt="2022-03-15T13:15:56.874" v="2409" actId="1036"/>
+          <ac:spMkLst>
+            <pc:docMk/>
+            <pc:sldMk cId="1844111494" sldId="261"/>
+            <ac:spMk id="15" creationId="{460AD0F7-E86D-4F70-82B2-1CF2A7C23004}"/>
+          </ac:spMkLst>
+        </pc:spChg>
+        <pc:spChg chg="add mod">
+          <ac:chgData name="김 소희" userId="bb2aac79503078d9" providerId="LiveId" clId="{3DAD0114-187A-4A9A-954B-29283055D7D5}" dt="2022-03-15T13:15:46.128" v="2406"/>
+          <ac:spMkLst>
+            <pc:docMk/>
+            <pc:sldMk cId="1844111494" sldId="261"/>
+            <ac:spMk id="16" creationId="{B276E688-623A-4D87-8CA3-4814EEBF16BE}"/>
+          </ac:spMkLst>
+        </pc:spChg>
+        <pc:spChg chg="add mod">
+          <ac:chgData name="김 소희" userId="bb2aac79503078d9" providerId="LiveId" clId="{3DAD0114-187A-4A9A-954B-29283055D7D5}" dt="2022-03-15T13:25:32.468" v="2679"/>
+          <ac:spMkLst>
+            <pc:docMk/>
+            <pc:sldMk cId="1844111494" sldId="261"/>
+            <ac:spMk id="17" creationId="{0F897755-FD9E-4E6E-97A7-97CAA6D6EFB8}"/>
+          </ac:spMkLst>
+        </pc:spChg>
+        <pc:picChg chg="mod">
+          <ac:chgData name="김 소희" userId="bb2aac79503078d9" providerId="LiveId" clId="{3DAD0114-187A-4A9A-954B-29283055D7D5}" dt="2022-03-13T12:45:22.090" v="209" actId="1076"/>
+          <ac:picMkLst>
+            <pc:docMk/>
+            <pc:sldMk cId="1844111494" sldId="261"/>
+            <ac:picMk id="10" creationId="{1BABC834-48ED-4795-987C-D71DADD68AA8}"/>
+          </ac:picMkLst>
+        </pc:picChg>
+        <pc:picChg chg="mod">
+          <ac:chgData name="김 소희" userId="bb2aac79503078d9" providerId="LiveId" clId="{3DAD0114-187A-4A9A-954B-29283055D7D5}" dt="2022-03-13T13:10:49.327" v="253" actId="1076"/>
+          <ac:picMkLst>
+            <pc:docMk/>
+            <pc:sldMk cId="1844111494" sldId="261"/>
+            <ac:picMk id="11" creationId="{45B4170D-1E8E-4B4D-8BFF-9225AACFCAE4}"/>
+          </ac:picMkLst>
+        </pc:picChg>
+        <pc:picChg chg="mod">
+          <ac:chgData name="김 소희" userId="bb2aac79503078d9" providerId="LiveId" clId="{3DAD0114-187A-4A9A-954B-29283055D7D5}" dt="2022-03-13T13:10:55.140" v="255" actId="1076"/>
+          <ac:picMkLst>
+            <pc:docMk/>
+            <pc:sldMk cId="1844111494" sldId="261"/>
+            <ac:picMk id="13" creationId="{2F61108A-2474-4CC3-B64C-CFB10F5BABA5}"/>
+          </ac:picMkLst>
+        </pc:picChg>
+      </pc:sldChg>
+      <pc:sldChg chg="addSp modSp add mod modNotesTx">
+        <pc:chgData name="김 소희" userId="bb2aac79503078d9" providerId="LiveId" clId="{3DAD0114-187A-4A9A-954B-29283055D7D5}" dt="2022-03-15T14:00:43.741" v="3563" actId="20577"/>
+        <pc:sldMkLst>
+          <pc:docMk/>
+          <pc:sldMk cId="2320026372" sldId="262"/>
+        </pc:sldMkLst>
+        <pc:spChg chg="mod">
+          <ac:chgData name="김 소희" userId="bb2aac79503078d9" providerId="LiveId" clId="{3DAD0114-187A-4A9A-954B-29283055D7D5}" dt="2022-03-15T13:16:02.072" v="2411" actId="1036"/>
+          <ac:spMkLst>
+            <pc:docMk/>
+            <pc:sldMk cId="2320026372" sldId="262"/>
+            <ac:spMk id="2" creationId="{E145F6C6-1DB4-4CB6-BAC3-26838AF58E9A}"/>
+          </ac:spMkLst>
+        </pc:spChg>
+        <pc:spChg chg="mod">
+          <ac:chgData name="김 소희" userId="bb2aac79503078d9" providerId="LiveId" clId="{3DAD0114-187A-4A9A-954B-29283055D7D5}" dt="2022-03-15T11:56:53.713" v="2162" actId="1035"/>
+          <ac:spMkLst>
+            <pc:docMk/>
+            <pc:sldMk cId="2320026372" sldId="262"/>
+            <ac:spMk id="3" creationId="{50386AB0-DF0D-4A1B-A498-06F55F036CE4}"/>
+          </ac:spMkLst>
+        </pc:spChg>
+        <pc:spChg chg="add mod">
+          <ac:chgData name="김 소희" userId="bb2aac79503078d9" providerId="LiveId" clId="{3DAD0114-187A-4A9A-954B-29283055D7D5}" dt="2022-03-15T11:58:15.789" v="2191" actId="1038"/>
+          <ac:spMkLst>
+            <pc:docMk/>
+            <pc:sldMk cId="2320026372" sldId="262"/>
+            <ac:spMk id="4" creationId="{9792721E-31D1-4D9D-B504-CD61A8F6CEC8}"/>
+          </ac:spMkLst>
+        </pc:spChg>
+        <pc:spChg chg="mod">
+          <ac:chgData name="김 소희" userId="bb2aac79503078d9" providerId="LiveId" clId="{3DAD0114-187A-4A9A-954B-29283055D7D5}" dt="2022-03-15T13:52:33.290" v="3341"/>
+          <ac:spMkLst>
+            <pc:docMk/>
+            <pc:sldMk cId="2320026372" sldId="262"/>
+            <ac:spMk id="8" creationId="{04E72B91-2C90-4124-AC90-21F824F6DA0A}"/>
+          </ac:spMkLst>
+        </pc:spChg>
+        <pc:spChg chg="mod">
+          <ac:chgData name="김 소희" userId="bb2aac79503078d9" providerId="LiveId" clId="{3DAD0114-187A-4A9A-954B-29283055D7D5}" dt="2022-03-15T11:56:57.147" v="2165" actId="1035"/>
+          <ac:spMkLst>
+            <pc:docMk/>
+            <pc:sldMk cId="2320026372" sldId="262"/>
+            <ac:spMk id="9" creationId="{5B686AB7-FFC2-42BA-B60F-8B57D1A25BC9}"/>
+          </ac:spMkLst>
+        </pc:spChg>
+        <pc:spChg chg="add mod">
+          <ac:chgData name="김 소희" userId="bb2aac79503078d9" providerId="LiveId" clId="{3DAD0114-187A-4A9A-954B-29283055D7D5}" dt="2022-03-15T13:24:58.752" v="2674" actId="207"/>
+          <ac:spMkLst>
+            <pc:docMk/>
+            <pc:sldMk cId="2320026372" sldId="262"/>
+            <ac:spMk id="10" creationId="{39D9F1D8-07F3-477A-BFEE-2B93060D79ED}"/>
+          </ac:spMkLst>
+        </pc:spChg>
+        <pc:spChg chg="mod">
+          <ac:chgData name="김 소희" userId="bb2aac79503078d9" providerId="LiveId" clId="{3DAD0114-187A-4A9A-954B-29283055D7D5}" dt="2022-03-15T14:00:43.741" v="3563" actId="20577"/>
+          <ac:spMkLst>
+            <pc:docMk/>
+            <pc:sldMk cId="2320026372" sldId="262"/>
+            <ac:spMk id="12" creationId="{B3FF91A2-F875-4F64-BA43-0383470BDB68}"/>
+          </ac:spMkLst>
+        </pc:spChg>
+        <pc:picChg chg="mod">
+          <ac:chgData name="김 소희" userId="bb2aac79503078d9" providerId="LiveId" clId="{3DAD0114-187A-4A9A-954B-29283055D7D5}" dt="2022-03-15T11:57:05.108" v="2171" actId="1036"/>
+          <ac:picMkLst>
+            <pc:docMk/>
+            <pc:sldMk cId="2320026372" sldId="262"/>
+            <ac:picMk id="5" creationId="{D47460F3-12D9-4308-9C49-D915D0F66B04}"/>
+          </ac:picMkLst>
+        </pc:picChg>
+      </pc:sldChg>
+      <pc:sldChg chg="addSp delSp modSp add mod">
+        <pc:chgData name="김 소희" userId="bb2aac79503078d9" providerId="LiveId" clId="{3DAD0114-187A-4A9A-954B-29283055D7D5}" dt="2022-03-15T13:25:26.993" v="2678"/>
+        <pc:sldMkLst>
+          <pc:docMk/>
+          <pc:sldMk cId="1661784816" sldId="263"/>
+        </pc:sldMkLst>
+        <pc:spChg chg="del">
+          <ac:chgData name="김 소희" userId="bb2aac79503078d9" providerId="LiveId" clId="{3DAD0114-187A-4A9A-954B-29283055D7D5}" dt="2022-03-15T13:15:19.707" v="2399" actId="478"/>
+          <ac:spMkLst>
+            <pc:docMk/>
+            <pc:sldMk cId="1661784816" sldId="263"/>
+            <ac:spMk id="2" creationId="{E145F6C6-1DB4-4CB6-BAC3-26838AF58E9A}"/>
+          </ac:spMkLst>
+        </pc:spChg>
+        <pc:spChg chg="add del mod">
+          <ac:chgData name="김 소희" userId="bb2aac79503078d9" providerId="LiveId" clId="{3DAD0114-187A-4A9A-954B-29283055D7D5}" dt="2022-03-15T13:15:22.557" v="2400" actId="478"/>
+          <ac:spMkLst>
+            <pc:docMk/>
+            <pc:sldMk cId="1661784816" sldId="263"/>
+            <ac:spMk id="5" creationId="{C39731DD-BE9C-462E-BE31-039DD2C31359}"/>
+          </ac:spMkLst>
+        </pc:spChg>
+        <pc:spChg chg="add mod">
+          <ac:chgData name="김 소희" userId="bb2aac79503078d9" providerId="LiveId" clId="{3DAD0114-187A-4A9A-954B-29283055D7D5}" dt="2022-03-13T14:43:27.558" v="2024" actId="207"/>
+          <ac:spMkLst>
+            <pc:docMk/>
+            <pc:sldMk cId="1661784816" sldId="263"/>
+            <ac:spMk id="7" creationId="{C152C474-7ABF-4BA9-A037-E5FCF941F0B4}"/>
+          </ac:spMkLst>
+        </pc:spChg>
+        <pc:spChg chg="del">
+          <ac:chgData name="김 소희" userId="bb2aac79503078d9" providerId="LiveId" clId="{3DAD0114-187A-4A9A-954B-29283055D7D5}" dt="2022-03-13T14:06:43.958" v="1148" actId="478"/>
+          <ac:spMkLst>
+            <pc:docMk/>
+            <pc:sldMk cId="1661784816" sldId="263"/>
+            <ac:spMk id="9" creationId="{5B686AB7-FFC2-42BA-B60F-8B57D1A25BC9}"/>
+          </ac:spMkLst>
+        </pc:spChg>
+        <pc:spChg chg="add mod">
+          <ac:chgData name="김 소희" userId="bb2aac79503078d9" providerId="LiveId" clId="{3DAD0114-187A-4A9A-954B-29283055D7D5}" dt="2022-03-15T13:15:23.189" v="2401"/>
+          <ac:spMkLst>
+            <pc:docMk/>
+            <pc:sldMk cId="1661784816" sldId="263"/>
+            <ac:spMk id="10" creationId="{0F6050E0-AA1C-45C6-817F-E040347876A7}"/>
+          </ac:spMkLst>
+        </pc:spChg>
+        <pc:spChg chg="add mod">
+          <ac:chgData name="김 소희" userId="bb2aac79503078d9" providerId="LiveId" clId="{3DAD0114-187A-4A9A-954B-29283055D7D5}" dt="2022-03-15T13:15:23.189" v="2401"/>
+          <ac:spMkLst>
+            <pc:docMk/>
+            <pc:sldMk cId="1661784816" sldId="263"/>
+            <ac:spMk id="11" creationId="{39EA358D-840A-4AA8-B773-465AA391458D}"/>
+          </ac:spMkLst>
+        </pc:spChg>
+        <pc:spChg chg="del">
+          <ac:chgData name="김 소희" userId="bb2aac79503078d9" providerId="LiveId" clId="{3DAD0114-187A-4A9A-954B-29283055D7D5}" dt="2022-03-13T14:06:45.612" v="1149" actId="478"/>
+          <ac:spMkLst>
+            <pc:docMk/>
+            <pc:sldMk cId="1661784816" sldId="263"/>
+            <ac:spMk id="12" creationId="{B3FF91A2-F875-4F64-BA43-0383470BDB68}"/>
+          </ac:spMkLst>
+        </pc:spChg>
+        <pc:spChg chg="add mod">
+          <ac:chgData name="김 소희" userId="bb2aac79503078d9" providerId="LiveId" clId="{3DAD0114-187A-4A9A-954B-29283055D7D5}" dt="2022-03-15T13:25:26.993" v="2678"/>
+          <ac:spMkLst>
+            <pc:docMk/>
+            <pc:sldMk cId="1661784816" sldId="263"/>
+            <ac:spMk id="12" creationId="{D77E65A8-C68D-4200-8228-38FE9C314631}"/>
+          </ac:spMkLst>
+        </pc:spChg>
+        <pc:spChg chg="mod">
+          <ac:chgData name="김 소희" userId="bb2aac79503078d9" providerId="LiveId" clId="{3DAD0114-187A-4A9A-954B-29283055D7D5}" dt="2022-03-15T13:15:27.782" v="2404" actId="1035"/>
+          <ac:spMkLst>
+            <pc:docMk/>
+            <pc:sldMk cId="1661784816" sldId="263"/>
+            <ac:spMk id="13" creationId="{27CDA0AC-25EA-4DAC-B0C9-931F4D219399}"/>
+          </ac:spMkLst>
+        </pc:spChg>
+        <pc:spChg chg="mod">
+          <ac:chgData name="김 소희" userId="bb2aac79503078d9" providerId="LiveId" clId="{3DAD0114-187A-4A9A-954B-29283055D7D5}" dt="2022-03-15T13:15:27.782" v="2404" actId="1035"/>
+          <ac:spMkLst>
+            <pc:docMk/>
+            <pc:sldMk cId="1661784816" sldId="263"/>
+            <ac:spMk id="14" creationId="{36C7FC56-D3F5-4806-8F8A-8A952DE249AF}"/>
+          </ac:spMkLst>
+        </pc:spChg>
+        <pc:picChg chg="add mod">
+          <ac:chgData name="김 소희" userId="bb2aac79503078d9" providerId="LiveId" clId="{3DAD0114-187A-4A9A-954B-29283055D7D5}" dt="2022-03-13T14:47:03.312" v="2033" actId="14100"/>
+          <ac:picMkLst>
+            <pc:docMk/>
+            <pc:sldMk cId="1661784816" sldId="263"/>
+            <ac:picMk id="4" creationId="{1BA1587E-CFE5-4379-A303-7FE62351BF27}"/>
+          </ac:picMkLst>
+        </pc:picChg>
+        <pc:picChg chg="add mod">
+          <ac:chgData name="김 소희" userId="bb2aac79503078d9" providerId="LiveId" clId="{3DAD0114-187A-4A9A-954B-29283055D7D5}" dt="2022-03-13T14:42:47.619" v="1998" actId="1076"/>
+          <ac:picMkLst>
+            <pc:docMk/>
+            <pc:sldMk cId="1661784816" sldId="263"/>
+            <ac:picMk id="6" creationId="{0AA88284-A56E-4300-B466-03D6EBD14078}"/>
+          </ac:picMkLst>
+        </pc:picChg>
+      </pc:sldChg>
+      <pc:sldChg chg="addSp modSp mod modNotesTx">
+        <pc:chgData name="김 소희" userId="bb2aac79503078d9" providerId="LiveId" clId="{3DAD0114-187A-4A9A-954B-29283055D7D5}" dt="2022-03-15T13:25:52.252" v="2687" actId="1036"/>
+        <pc:sldMkLst>
+          <pc:docMk/>
+          <pc:sldMk cId="1028700088" sldId="264"/>
+        </pc:sldMkLst>
+        <pc:spChg chg="mod">
+          <ac:chgData name="김 소희" userId="bb2aac79503078d9" providerId="LiveId" clId="{3DAD0114-187A-4A9A-954B-29283055D7D5}" dt="2022-03-15T12:00:45.767" v="2299" actId="1076"/>
+          <ac:spMkLst>
+            <pc:docMk/>
+            <pc:sldMk cId="1028700088" sldId="264"/>
+            <ac:spMk id="2" creationId="{E145F6C6-1DB4-4CB6-BAC3-26838AF58E9A}"/>
+          </ac:spMkLst>
+        </pc:spChg>
+        <pc:spChg chg="mod">
+          <ac:chgData name="김 소희" userId="bb2aac79503078d9" providerId="LiveId" clId="{3DAD0114-187A-4A9A-954B-29283055D7D5}" dt="2022-03-15T12:02:58.521" v="2377" actId="14100"/>
+          <ac:spMkLst>
+            <pc:docMk/>
+            <pc:sldMk cId="1028700088" sldId="264"/>
+            <ac:spMk id="9" creationId="{84ABFCD9-1D23-4882-9A99-C1863F6D6FEC}"/>
+          </ac:spMkLst>
+        </pc:spChg>
+        <pc:spChg chg="add mod">
+          <ac:chgData name="김 소희" userId="bb2aac79503078d9" providerId="LiveId" clId="{3DAD0114-187A-4A9A-954B-29283055D7D5}" dt="2022-03-15T13:16:05.126" v="2412" actId="1076"/>
+          <ac:spMkLst>
+            <pc:docMk/>
+            <pc:sldMk cId="1028700088" sldId="264"/>
+            <ac:spMk id="10" creationId="{33E3B42F-0FDC-45B0-A906-C8A337DE37CB}"/>
+          </ac:spMkLst>
+        </pc:spChg>
+        <pc:spChg chg="add mod">
+          <ac:chgData name="김 소희" userId="bb2aac79503078d9" providerId="LiveId" clId="{3DAD0114-187A-4A9A-954B-29283055D7D5}" dt="2022-03-15T13:25:52.252" v="2687" actId="1036"/>
+          <ac:spMkLst>
+            <pc:docMk/>
+            <pc:sldMk cId="1028700088" sldId="264"/>
+            <ac:spMk id="12" creationId="{6FBFFD09-D4B4-4117-8EFC-431092F6F82B}"/>
+          </ac:spMkLst>
+        </pc:spChg>
+      </pc:sldChg>
+      <pc:sldChg chg="addSp modSp mod">
+        <pc:chgData name="김 소희" userId="bb2aac79503078d9" providerId="LiveId" clId="{3DAD0114-187A-4A9A-954B-29283055D7D5}" dt="2022-03-15T13:29:04.792" v="2743" actId="20577"/>
+        <pc:sldMkLst>
+          <pc:docMk/>
+          <pc:sldMk cId="2862650852" sldId="265"/>
+        </pc:sldMkLst>
+        <pc:spChg chg="mod">
+          <ac:chgData name="김 소희" userId="bb2aac79503078d9" providerId="LiveId" clId="{3DAD0114-187A-4A9A-954B-29283055D7D5}" dt="2022-03-15T13:27:27.198" v="2695" actId="1036"/>
+          <ac:spMkLst>
+            <pc:docMk/>
+            <pc:sldMk cId="2862650852" sldId="265"/>
+            <ac:spMk id="2" creationId="{E145F6C6-1DB4-4CB6-BAC3-26838AF58E9A}"/>
+          </ac:spMkLst>
+        </pc:spChg>
+        <pc:spChg chg="mod">
+          <ac:chgData name="김 소희" userId="bb2aac79503078d9" providerId="LiveId" clId="{3DAD0114-187A-4A9A-954B-29283055D7D5}" dt="2022-03-15T13:28:07.983" v="2726"/>
+          <ac:spMkLst>
+            <pc:docMk/>
+            <pc:sldMk cId="2862650852" sldId="265"/>
+            <ac:spMk id="7" creationId="{7BC4A1AF-994C-4475-A0E0-85ABE30353C9}"/>
+          </ac:spMkLst>
+        </pc:spChg>
+        <pc:spChg chg="mod">
+          <ac:chgData name="김 소희" userId="bb2aac79503078d9" providerId="LiveId" clId="{3DAD0114-187A-4A9A-954B-29283055D7D5}" dt="2022-03-15T13:29:04.792" v="2743" actId="20577"/>
+          <ac:spMkLst>
+            <pc:docMk/>
+            <pc:sldMk cId="2862650852" sldId="265"/>
+            <ac:spMk id="9" creationId="{84ABFCD9-1D23-4882-9A99-C1863F6D6FEC}"/>
+          </ac:spMkLst>
+        </pc:spChg>
+        <pc:spChg chg="mod">
+          <ac:chgData name="김 소희" userId="bb2aac79503078d9" providerId="LiveId" clId="{3DAD0114-187A-4A9A-954B-29283055D7D5}" dt="2022-03-15T13:17:02.296" v="2436" actId="1036"/>
+          <ac:spMkLst>
+            <pc:docMk/>
+            <pc:sldMk cId="2862650852" sldId="265"/>
+            <ac:spMk id="10" creationId="{5F6E6521-34D8-44F5-9852-657817D28B02}"/>
+          </ac:spMkLst>
+        </pc:spChg>
+        <pc:spChg chg="add mod">
+          <ac:chgData name="김 소희" userId="bb2aac79503078d9" providerId="LiveId" clId="{3DAD0114-187A-4A9A-954B-29283055D7D5}" dt="2022-03-15T13:16:09.919" v="2413"/>
+          <ac:spMkLst>
+            <pc:docMk/>
+            <pc:sldMk cId="2862650852" sldId="265"/>
+            <ac:spMk id="11" creationId="{8E4BA276-FEF5-434A-91DA-8AE6958C8D59}"/>
+          </ac:spMkLst>
+        </pc:spChg>
+        <pc:spChg chg="add mod">
+          <ac:chgData name="김 소희" userId="bb2aac79503078d9" providerId="LiveId" clId="{3DAD0114-187A-4A9A-954B-29283055D7D5}" dt="2022-03-15T13:25:54.098" v="2688"/>
+          <ac:spMkLst>
+            <pc:docMk/>
+            <pc:sldMk cId="2862650852" sldId="265"/>
+            <ac:spMk id="15" creationId="{04F7C8C4-D5FF-46D0-88B4-F2910443BA1B}"/>
+          </ac:spMkLst>
+        </pc:spChg>
+        <pc:picChg chg="mod">
+          <ac:chgData name="김 소희" userId="bb2aac79503078d9" providerId="LiveId" clId="{3DAD0114-187A-4A9A-954B-29283055D7D5}" dt="2022-03-15T13:28:17.739" v="2728" actId="14100"/>
+          <ac:picMkLst>
+            <pc:docMk/>
+            <pc:sldMk cId="2862650852" sldId="265"/>
+            <ac:picMk id="16" creationId="{44B740AE-A039-4723-9C4C-5DB7A03424A8}"/>
+          </ac:picMkLst>
+        </pc:picChg>
+      </pc:sldChg>
+      <pc:sldChg chg="addSp modSp mod modNotesTx">
+        <pc:chgData name="김 소희" userId="bb2aac79503078d9" providerId="LiveId" clId="{3DAD0114-187A-4A9A-954B-29283055D7D5}" dt="2022-03-15T13:45:01.707" v="3126" actId="20577"/>
+        <pc:sldMkLst>
+          <pc:docMk/>
+          <pc:sldMk cId="2540077337" sldId="266"/>
+        </pc:sldMkLst>
+        <pc:spChg chg="mod">
+          <ac:chgData name="김 소희" userId="bb2aac79503078d9" providerId="LiveId" clId="{3DAD0114-187A-4A9A-954B-29283055D7D5}" dt="2022-03-15T13:32:21.849" v="2825" actId="1076"/>
+          <ac:spMkLst>
+            <pc:docMk/>
+            <pc:sldMk cId="2540077337" sldId="266"/>
+            <ac:spMk id="7" creationId="{7BC4A1AF-994C-4475-A0E0-85ABE30353C9}"/>
+          </ac:spMkLst>
+        </pc:spChg>
+        <pc:spChg chg="mod">
+          <ac:chgData name="김 소희" userId="bb2aac79503078d9" providerId="LiveId" clId="{3DAD0114-187A-4A9A-954B-29283055D7D5}" dt="2022-03-15T13:45:01.707" v="3126" actId="20577"/>
+          <ac:spMkLst>
+            <pc:docMk/>
+            <pc:sldMk cId="2540077337" sldId="266"/>
+            <ac:spMk id="9" creationId="{84ABFCD9-1D23-4882-9A99-C1863F6D6FEC}"/>
+          </ac:spMkLst>
+        </pc:spChg>
+        <pc:spChg chg="add mod">
+          <ac:chgData name="김 소희" userId="bb2aac79503078d9" providerId="LiveId" clId="{3DAD0114-187A-4A9A-954B-29283055D7D5}" dt="2022-03-15T12:02:14.035" v="2365" actId="1035"/>
+          <ac:spMkLst>
+            <pc:docMk/>
+            <pc:sldMk cId="2540077337" sldId="266"/>
+            <ac:spMk id="13" creationId="{0E27BBAA-2675-41CA-837C-072CEF37CD9A}"/>
+          </ac:spMkLst>
+        </pc:spChg>
+        <pc:spChg chg="add mod">
+          <ac:chgData name="김 소희" userId="bb2aac79503078d9" providerId="LiveId" clId="{3DAD0114-187A-4A9A-954B-29283055D7D5}" dt="2022-03-15T13:26:08.359" v="2691" actId="207"/>
+          <ac:spMkLst>
+            <pc:docMk/>
+            <pc:sldMk cId="2540077337" sldId="266"/>
+            <ac:spMk id="15" creationId="{53C8196F-793C-4C32-805B-28DE84F43D97}"/>
+          </ac:spMkLst>
+        </pc:spChg>
+      </pc:sldChg>
+      <pc:sldChg chg="addSp modSp mod modNotesTx">
+        <pc:chgData name="김 소희" userId="bb2aac79503078d9" providerId="LiveId" clId="{3DAD0114-187A-4A9A-954B-29283055D7D5}" dt="2022-03-15T13:50:02.690" v="3254" actId="5793"/>
+        <pc:sldMkLst>
+          <pc:docMk/>
+          <pc:sldMk cId="3067360380" sldId="267"/>
+        </pc:sldMkLst>
+        <pc:spChg chg="add mod">
+          <ac:chgData name="김 소희" userId="bb2aac79503078d9" providerId="LiveId" clId="{3DAD0114-187A-4A9A-954B-29283055D7D5}" dt="2022-03-15T13:17:24.408" v="2437"/>
+          <ac:spMkLst>
+            <pc:docMk/>
+            <pc:sldMk cId="3067360380" sldId="267"/>
+            <ac:spMk id="8" creationId="{8149A30E-1D17-440A-A4C7-A998744FC28F}"/>
+          </ac:spMkLst>
+        </pc:spChg>
+        <pc:spChg chg="mod">
+          <ac:chgData name="김 소희" userId="bb2aac79503078d9" providerId="LiveId" clId="{3DAD0114-187A-4A9A-954B-29283055D7D5}" dt="2022-03-15T13:45:36.851" v="3127" actId="20577"/>
+          <ac:spMkLst>
+            <pc:docMk/>
+            <pc:sldMk cId="3067360380" sldId="267"/>
+            <ac:spMk id="9" creationId="{84ABFCD9-1D23-4882-9A99-C1863F6D6FEC}"/>
+          </ac:spMkLst>
+        </pc:spChg>
+        <pc:spChg chg="add mod">
+          <ac:chgData name="김 소희" userId="bb2aac79503078d9" providerId="LiveId" clId="{3DAD0114-187A-4A9A-954B-29283055D7D5}" dt="2022-03-15T13:26:12.265" v="2692"/>
+          <ac:spMkLst>
+            <pc:docMk/>
+            <pc:sldMk cId="3067360380" sldId="267"/>
+            <ac:spMk id="10" creationId="{45A0A482-38F3-4C19-AA0F-AE6A51E74EF0}"/>
+          </ac:spMkLst>
+        </pc:spChg>
+        <pc:spChg chg="mod">
+          <ac:chgData name="김 소희" userId="bb2aac79503078d9" providerId="LiveId" clId="{3DAD0114-187A-4A9A-954B-29283055D7D5}" dt="2022-03-15T13:50:02.690" v="3254" actId="5793"/>
+          <ac:spMkLst>
+            <pc:docMk/>
+            <pc:sldMk cId="3067360380" sldId="267"/>
+            <ac:spMk id="13" creationId="{B961FD0D-3FB2-4DA6-8A86-A1F65CE772C4}"/>
+          </ac:spMkLst>
+        </pc:spChg>
+      </pc:sldChg>
+    </pc:docChg>
+  </pc:docChgLst>
+  <pc:docChgLst>
     <pc:chgData name="김 소희" userId="bb2aac79503078d9" providerId="Windows Live" clId="Web-{693E72B1-7C15-44F0-81C4-8666D4BC6FB4}"/>
     <pc:docChg chg="addSld modSld">
       <pc:chgData name="김 소희" userId="bb2aac79503078d9" providerId="Windows Live" clId="Web-{693E72B1-7C15-44F0-81C4-8666D4BC6FB4}" dt="2022-03-14T00:40:14.820" v="10"/>
@@ -1055,7 +1385,7 @@
           </a:lstStyle>
           <a:p>
             <a:fld id="{C40E2386-B155-490E-B4F1-B9D81C4A81A4}" type="datetimeFigureOut">
-              <a:t>3/13/2022</a:t>
+              <a:t>2022-03-15</a:t>
             </a:fld>
             <a:endParaRPr lang="ko-KR" altLang="en-US"/>
           </a:p>
@@ -1366,262 +1696,72 @@
           <a:lstStyle/>
           <a:p>
             <a:r>
-              <a:rPr lang="en-US" altLang="ko-KR">
-                <a:ea typeface="맑은 고딕"/>
-              </a:rPr>
-              <a:t>1.</a:t>
-            </a:r>
-            <a:r>
-              <a:rPr lang="ko-KR" altLang="en-US">
-                <a:ea typeface="맑은 고딕"/>
-              </a:rPr>
-              <a:t> </a:t>
-            </a:r>
-            <a:r>
-              <a:rPr lang="en-US" altLang="ko-KR">
-                <a:ea typeface="맑은 고딕"/>
-              </a:rPr>
-              <a:t>3d</a:t>
-            </a:r>
-            <a:r>
-              <a:rPr lang="ko-KR" altLang="en-US">
-                <a:ea typeface="맑은 고딕"/>
-              </a:rPr>
-              <a:t>에서 어떻게 딥러닝을 써서 </a:t>
-            </a:r>
-            <a:r>
-              <a:rPr lang="en-US" altLang="ko-KR">
-                <a:ea typeface="맑은 고딕"/>
-              </a:rPr>
-              <a:t>training</a:t>
-            </a:r>
-            <a:r>
-              <a:rPr lang="ko-KR" altLang="en-US">
-                <a:ea typeface="맑은 고딕"/>
-              </a:rPr>
-              <a:t>을 해서 </a:t>
-            </a:r>
-            <a:r>
-              <a:rPr lang="en-US" altLang="ko-KR">
-                <a:ea typeface="맑은 고딕"/>
-              </a:rPr>
-              <a:t>shape</a:t>
-            </a:r>
-            <a:r>
-              <a:rPr lang="ko-KR" altLang="en-US">
-                <a:ea typeface="맑은 고딕"/>
-              </a:rPr>
-              <a:t> </a:t>
-            </a:r>
-            <a:r>
-              <a:rPr lang="en-US" altLang="ko-KR">
-                <a:ea typeface="맑은 고딕"/>
-              </a:rPr>
-              <a:t>genration</a:t>
-            </a:r>
-            <a:r>
-              <a:rPr lang="ko-KR" altLang="en-US">
-                <a:ea typeface="맑은 고딕"/>
-              </a:rPr>
-              <a:t>을 할까</a:t>
-            </a:r>
-          </a:p>
-          <a:p>
-            <a:endParaRPr lang="en-US">
-              <a:latin typeface="Calibri"/>
-              <a:cs typeface="Calibri"/>
-            </a:endParaRPr>
-          </a:p>
-          <a:p>
-            <a:r>
-              <a:rPr lang="en-US">
-                <a:latin typeface="Calibri"/>
-                <a:cs typeface="Calibri"/>
-              </a:rPr>
-              <a:t>64*64*64 </a:t>
-            </a:r>
-            <a:r>
-              <a:rPr lang="ko-KR" altLang="en-US">
-                <a:latin typeface="Calibri"/>
-                <a:ea typeface="맑은 고딕"/>
-                <a:cs typeface="Calibri"/>
-              </a:rPr>
-              <a:t>해상도를</a:t>
-            </a:r>
-            <a:r>
-              <a:rPr lang="en-US">
-                <a:latin typeface="Calibri"/>
-                <a:cs typeface="Calibri"/>
-              </a:rPr>
-              <a:t> </a:t>
-            </a:r>
-            <a:r>
-              <a:rPr lang="ko-KR" altLang="en-US">
-                <a:latin typeface="Calibri"/>
-                <a:ea typeface="맑은 고딕"/>
-                <a:cs typeface="Calibri"/>
-              </a:rPr>
-              <a:t>넘어가기가</a:t>
-            </a:r>
-            <a:r>
-              <a:rPr lang="en-US">
-                <a:latin typeface="Calibri"/>
-                <a:cs typeface="Calibri"/>
-              </a:rPr>
-              <a:t> </a:t>
-            </a:r>
-            <a:r>
-              <a:rPr lang="ko-KR" altLang="en-US" err="1">
-                <a:latin typeface="Calibri"/>
-                <a:ea typeface="맑은 고딕"/>
-                <a:cs typeface="Calibri"/>
-              </a:rPr>
-              <a:t>힘듬</a:t>
-            </a:r>
-            <a:r>
-              <a:rPr lang="ko-KR" altLang="en-US">
-                <a:latin typeface="Calibri"/>
-                <a:ea typeface="맑은 고딕"/>
-                <a:cs typeface="Calibri"/>
-              </a:rPr>
-              <a:t> ( GPU 메모리 한계 때문에)</a:t>
-            </a:r>
-            <a:endParaRPr lang="ko-KR"/>
-          </a:p>
-          <a:p>
-            <a:r>
-              <a:rPr lang="ko-KR" altLang="en-US">
-                <a:latin typeface="Calibri"/>
-                <a:ea typeface="맑은 고딕"/>
-                <a:cs typeface="Calibri"/>
-              </a:rPr>
-              <a:t>효율적으로 </a:t>
-            </a:r>
-            <a:r>
-              <a:rPr lang="ko-KR" altLang="en-US" err="1">
-                <a:latin typeface="Calibri"/>
-                <a:ea typeface="맑은 고딕"/>
-                <a:cs typeface="Calibri"/>
-              </a:rPr>
-              <a:t>딥러닝을</a:t>
-            </a:r>
-            <a:r>
-              <a:rPr lang="ko-KR" altLang="en-US">
-                <a:latin typeface="Calibri"/>
-                <a:ea typeface="맑은 고딕"/>
-                <a:cs typeface="Calibri"/>
-              </a:rPr>
-              <a:t> 돌리기 위해 -   </a:t>
-            </a:r>
-            <a:r>
-              <a:rPr lang="ko-KR" altLang="en-US" err="1">
-                <a:latin typeface="Calibri"/>
-                <a:ea typeface="맑은 고딕"/>
-                <a:cs typeface="Calibri"/>
-              </a:rPr>
-              <a:t>sparsity</a:t>
-            </a:r>
-            <a:r>
-              <a:rPr lang="ko-KR" altLang="en-US">
-                <a:latin typeface="Calibri"/>
-                <a:ea typeface="맑은 고딕"/>
-                <a:cs typeface="Calibri"/>
-              </a:rPr>
-              <a:t> 사용 = 많은 부분이 </a:t>
-            </a:r>
-            <a:r>
-              <a:rPr lang="ko-KR" altLang="en-US" err="1">
-                <a:latin typeface="Calibri"/>
-                <a:ea typeface="맑은 고딕"/>
-                <a:cs typeface="Calibri"/>
-              </a:rPr>
-              <a:t>빈공간</a:t>
-            </a:r>
-            <a:r>
-              <a:rPr lang="ko-KR" altLang="en-US">
-                <a:latin typeface="Calibri"/>
-                <a:ea typeface="맑은 고딕"/>
-                <a:cs typeface="Calibri"/>
-              </a:rPr>
+              <a:rPr lang="en-US" altLang="ko-KR" dirty="0"/>
+              <a:t>[</a:t>
+            </a:r>
+            <a:r>
+              <a:rPr lang="ko-KR" altLang="en-US" dirty="0"/>
+              <a:t>서울대 </a:t>
+            </a:r>
+            <a:r>
+              <a:rPr lang="en-US" altLang="ko-KR" dirty="0"/>
+              <a:t>AI </a:t>
+            </a:r>
+            <a:r>
+              <a:rPr lang="ko-KR" altLang="en-US" dirty="0"/>
+              <a:t>학교</a:t>
+            </a:r>
+            <a:r>
+              <a:rPr lang="en-US" altLang="ko-KR" dirty="0"/>
+              <a:t>] https://www.youtube.com/playlist?list=PLSY68sWRmr-PuRq2B8JwIa-PgQL26Hva7</a:t>
+            </a:r>
+          </a:p>
+          <a:p>
+            <a:endParaRPr lang="en-US" altLang="ko-KR" dirty="0"/>
+          </a:p>
+          <a:p>
+            <a:r>
+              <a:rPr lang="ko-KR" altLang="en-US" dirty="0"/>
+              <a:t>실시간 영상 분석을 위한 최신 기술</a:t>
+            </a:r>
+            <a:r>
+              <a:rPr lang="en-US" altLang="ko-KR" dirty="0"/>
               <a:t>. </a:t>
             </a:r>
-            <a:br>
-              <a:rPr lang="ko-KR" altLang="en-US">
-                <a:latin typeface="Calibri"/>
-                <a:ea typeface="맑은 고딕"/>
-                <a:cs typeface="Calibri"/>
-              </a:rPr>
-            </a:br>
-            <a:r>
-              <a:rPr lang="ko-KR" altLang="en-US">
-                <a:latin typeface="Calibri"/>
-                <a:ea typeface="맑은 고딕"/>
-                <a:cs typeface="Calibri"/>
-              </a:rPr>
-              <a:t> </a:t>
-            </a:r>
-            <a:r>
-              <a:rPr lang="ko-KR" altLang="en-US" err="1">
-                <a:latin typeface="Calibri"/>
-                <a:ea typeface="맑은 고딕"/>
-                <a:cs typeface="Calibri"/>
-              </a:rPr>
-              <a:t>Resolution</a:t>
-            </a:r>
-            <a:r>
-              <a:rPr lang="ko-KR" altLang="en-US">
-                <a:latin typeface="Calibri"/>
-                <a:ea typeface="맑은 고딕"/>
-                <a:cs typeface="Calibri"/>
-              </a:rPr>
-              <a:t> 올라가도 </a:t>
-            </a:r>
-            <a:r>
-              <a:rPr lang="ko-KR" altLang="en-US" err="1">
-                <a:latin typeface="Calibri"/>
-                <a:ea typeface="맑은 고딕"/>
-                <a:cs typeface="Calibri"/>
-              </a:rPr>
-              <a:t>sparsity</a:t>
-            </a:r>
-            <a:r>
-              <a:rPr lang="ko-KR" altLang="en-US">
-                <a:latin typeface="Calibri"/>
-                <a:ea typeface="맑은 고딕"/>
-                <a:cs typeface="Calibri"/>
-              </a:rPr>
-              <a:t> 잘 활용하면 효율적으로 딥 </a:t>
-            </a:r>
-            <a:r>
-              <a:rPr lang="ko-KR" altLang="en-US" err="1">
-                <a:latin typeface="Calibri"/>
-                <a:ea typeface="맑은 고딕"/>
-                <a:cs typeface="Calibri"/>
-              </a:rPr>
-              <a:t>뉴럴</a:t>
-            </a:r>
-            <a:r>
-              <a:rPr lang="ko-KR" altLang="en-US">
-                <a:latin typeface="Calibri"/>
-                <a:ea typeface="맑은 고딕"/>
-                <a:cs typeface="Calibri"/>
-              </a:rPr>
-              <a:t> 네트워크를 돌릴 수 있다.</a:t>
-            </a:r>
-          </a:p>
-          <a:p>
-            <a:endParaRPr lang="ko-KR" altLang="en-US">
-              <a:latin typeface="Calibri"/>
-              <a:ea typeface="맑은 고딕"/>
-              <a:cs typeface="Calibri"/>
-            </a:endParaRPr>
-          </a:p>
-          <a:p>
-            <a:endParaRPr lang="ko-KR" altLang="en-US">
-              <a:latin typeface="Calibri"/>
-              <a:ea typeface="맑은 고딕"/>
-              <a:cs typeface="Calibri"/>
-            </a:endParaRPr>
+            <a:r>
+              <a:rPr lang="ko-KR" altLang="en-US" b="0" i="0" dirty="0">
+                <a:solidFill>
+                  <a:srgbClr val="030303"/>
+                </a:solidFill>
+                <a:effectLst/>
+                <a:latin typeface="Roboto" panose="02000000000000000000" pitchFamily="2" charset="0"/>
+              </a:rPr>
+              <a:t>서울대 컴퓨터공학부 이영기 교수</a:t>
+            </a:r>
+            <a:endParaRPr lang="en-US" altLang="ko-KR" dirty="0"/>
+          </a:p>
+          <a:p>
+            <a:r>
+              <a:rPr lang="en-US" altLang="ko-KR" dirty="0"/>
+              <a:t>https://www.youtube.com/watch?v=Qzcro8DXknM&amp;list=PLSY68sWRmr-PuRq2B8JwIa-PgQL26Hva7&amp;index=20</a:t>
+            </a:r>
+          </a:p>
+          <a:p>
+            <a:r>
+              <a:rPr lang="ko-KR" altLang="en-US" dirty="0"/>
+              <a:t>실시간 영상 분석 시스템 구축하는 연구를 크게 두가지로 나눌 수 있다</a:t>
+            </a:r>
+            <a:r>
+              <a:rPr lang="en-US" altLang="ko-KR" dirty="0"/>
+              <a:t>. </a:t>
+            </a:r>
+          </a:p>
+          <a:p>
+            <a:r>
+              <a:rPr lang="en-US" altLang="ko-KR" dirty="0"/>
+              <a:t>On-device vs Collaborative Inference</a:t>
+            </a:r>
+            <a:endParaRPr lang="ko-KR" altLang="en-US" dirty="0"/>
           </a:p>
         </p:txBody>
       </p:sp>
@@ -1641,7 +1781,8 @@
           <a:lstStyle/>
           <a:p>
             <a:fld id="{20B22BA1-4AA9-41CC-9C6D-DFFEEC18A739}" type="slidenum">
-              <a:t>7</a:t>
+              <a:rPr lang="en-US" altLang="ko-KR" smtClean="0"/>
+              <a:t>1</a:t>
             </a:fld>
             <a:endParaRPr lang="ko-KR" altLang="en-US"/>
           </a:p>
@@ -1650,7 +1791,7 @@
     </p:spTree>
     <p:extLst>
       <p:ext uri="{BB962C8B-B14F-4D97-AF65-F5344CB8AC3E}">
-        <p14:creationId xmlns:p14="http://schemas.microsoft.com/office/powerpoint/2010/main" val="3880798694"/>
+        <p14:creationId xmlns:p14="http://schemas.microsoft.com/office/powerpoint/2010/main" val="1352834307"/>
       </p:ext>
     </p:extLst>
   </p:cSld>
@@ -1704,89 +1845,1229 @@
           <a:bodyPr/>
           <a:lstStyle/>
           <a:p>
-            <a:r>
-              <a:rPr lang="en-US" altLang="ko-KR">
+            <a:pPr marL="0" marR="0" lvl="0" indent="0" algn="l" defTabSz="914400" rtl="0" eaLnBrk="1" fontAlgn="auto" latinLnBrk="1" hangingPunct="1">
+              <a:lnSpc>
+                <a:spcPct val="100000"/>
+              </a:lnSpc>
+              <a:spcBef>
+                <a:spcPts val="0"/>
+              </a:spcBef>
+              <a:spcAft>
+                <a:spcPts val="0"/>
+              </a:spcAft>
+              <a:buClrTx/>
+              <a:buSzTx/>
+              <a:buFontTx/>
+              <a:buNone/>
+              <a:tabLst/>
+              <a:defRPr/>
+            </a:pPr>
+            <a:r>
+              <a:rPr lang="ko-KR" altLang="en-US" dirty="0"/>
+              <a:t>자연어처리 </a:t>
+            </a:r>
+            <a:r>
+              <a:rPr lang="en-US" altLang="ko-KR" dirty="0"/>
+              <a:t>AI</a:t>
+            </a:r>
+            <a:r>
+              <a:rPr lang="ko-KR" altLang="en-US" dirty="0"/>
+              <a:t>는 올바른 추론을 하는가</a:t>
+            </a:r>
+            <a:r>
+              <a:rPr lang="en-US" altLang="ko-KR" dirty="0"/>
+              <a:t>? </a:t>
+            </a:r>
+            <a:r>
+              <a:rPr lang="ko-KR" altLang="en-US" dirty="0"/>
+              <a:t>서울대 </a:t>
+            </a:r>
+            <a:r>
+              <a:rPr lang="ko-KR" altLang="en-US" b="0" i="0" dirty="0">
+                <a:solidFill>
+                  <a:srgbClr val="030303"/>
+                </a:solidFill>
+                <a:effectLst/>
+                <a:latin typeface="Roboto" panose="02000000000000000000" pitchFamily="2" charset="0"/>
+              </a:rPr>
+              <a:t>컴퓨터공학부 언어 및 데이터지능 연구실 이경재 연구원 </a:t>
+            </a:r>
+            <a:endParaRPr lang="en-US" altLang="ko-KR" dirty="0"/>
+          </a:p>
+          <a:p>
+            <a:r>
+              <a:rPr lang="en-US" altLang="ko-KR" dirty="0"/>
+              <a:t>https://www.youtube.com/watch?v=8bz49MTfb34&amp;list=PLSY68sWRmr-PuRq2B8JwIa-PgQL26Hva7&amp;index=18</a:t>
+            </a:r>
+          </a:p>
+          <a:p>
+            <a:endParaRPr lang="en-US" altLang="ko-KR" dirty="0"/>
+          </a:p>
+          <a:p>
+            <a:r>
+              <a:rPr lang="en-US" altLang="ko-KR" dirty="0"/>
+              <a:t>Mitigating </a:t>
+            </a:r>
+            <a:r>
+              <a:rPr lang="ko-KR" altLang="en-US" dirty="0"/>
+              <a:t>완화</a:t>
+            </a:r>
+            <a:endParaRPr lang="en-US" altLang="ko-KR" dirty="0"/>
+          </a:p>
+          <a:p>
+            <a:endParaRPr lang="en-US" altLang="ko-KR" dirty="0"/>
+          </a:p>
+          <a:p>
+            <a:r>
+              <a:rPr lang="ko-KR" altLang="en-US" dirty="0"/>
+              <a:t>두 문장은 전제와 가설 </a:t>
+            </a:r>
+            <a:r>
+              <a:rPr lang="en-US" altLang="ko-KR" dirty="0"/>
+              <a:t>Hypothesis</a:t>
+            </a:r>
+            <a:r>
+              <a:rPr lang="ko-KR" altLang="en-US" dirty="0"/>
+              <a:t>로 나눠지는데 전제를 참이라고 가정할 때</a:t>
+            </a:r>
+            <a:endParaRPr lang="en-US" altLang="ko-KR" dirty="0"/>
+          </a:p>
+          <a:p>
+            <a:r>
+              <a:rPr lang="ko-KR" altLang="en-US" dirty="0"/>
+              <a:t>가정의 내용이 참</a:t>
+            </a:r>
+            <a:r>
+              <a:rPr lang="en-US" altLang="ko-KR" dirty="0"/>
+              <a:t>(</a:t>
+            </a:r>
+            <a:r>
+              <a:rPr lang="ko-KR" altLang="en-US" dirty="0"/>
+              <a:t>함의</a:t>
+            </a:r>
+            <a:r>
+              <a:rPr lang="en-US" altLang="ko-KR" dirty="0"/>
+              <a:t>), </a:t>
+            </a:r>
+            <a:r>
+              <a:rPr lang="ko-KR" altLang="en-US" dirty="0"/>
+              <a:t>거짓</a:t>
+            </a:r>
+            <a:r>
+              <a:rPr lang="en-US" altLang="ko-KR" dirty="0"/>
+              <a:t>(</a:t>
+            </a:r>
+            <a:r>
+              <a:rPr lang="ko-KR" altLang="en-US" dirty="0"/>
+              <a:t>모순</a:t>
+            </a:r>
+            <a:r>
+              <a:rPr lang="en-US" altLang="ko-KR" dirty="0"/>
+              <a:t>), </a:t>
+            </a:r>
+            <a:r>
+              <a:rPr lang="ko-KR" altLang="en-US" dirty="0"/>
+              <a:t>할 수 없는지</a:t>
+            </a:r>
+            <a:r>
+              <a:rPr lang="en-US" altLang="ko-KR" dirty="0"/>
+              <a:t>(</a:t>
+            </a:r>
+            <a:r>
+              <a:rPr lang="ko-KR" altLang="en-US" dirty="0"/>
+              <a:t>중립</a:t>
+            </a:r>
+            <a:r>
+              <a:rPr lang="en-US" altLang="ko-KR" dirty="0"/>
+              <a:t>)</a:t>
+            </a:r>
+          </a:p>
+          <a:p>
+            <a:endParaRPr lang="en-US" altLang="ko-KR" dirty="0"/>
+          </a:p>
+          <a:p>
+            <a:endParaRPr lang="en-US" altLang="ko-KR" dirty="0"/>
+          </a:p>
+          <a:p>
+            <a:endParaRPr lang="ko-KR" altLang="en-US" dirty="0"/>
+          </a:p>
+        </p:txBody>
+      </p:sp>
+      <p:sp>
+        <p:nvSpPr>
+          <p:cNvPr id="4" name="슬라이드 번호 개체 틀 3"/>
+          <p:cNvSpPr>
+            <a:spLocks noGrp="1"/>
+          </p:cNvSpPr>
+          <p:nvPr>
+            <p:ph type="sldNum" sz="quarter" idx="5"/>
+          </p:nvPr>
+        </p:nvSpPr>
+        <p:spPr/>
+        <p:txBody>
+          <a:bodyPr/>
+          <a:lstStyle/>
+          <a:p>
+            <a:fld id="{20B22BA1-4AA9-41CC-9C6D-DFFEEC18A739}" type="slidenum">
+              <a:rPr lang="en-US" altLang="ko-KR" smtClean="0"/>
+              <a:t>3</a:t>
+            </a:fld>
+            <a:endParaRPr lang="ko-KR" altLang="en-US"/>
+          </a:p>
+        </p:txBody>
+      </p:sp>
+    </p:spTree>
+    <p:extLst>
+      <p:ext uri="{BB962C8B-B14F-4D97-AF65-F5344CB8AC3E}">
+        <p14:creationId xmlns:p14="http://schemas.microsoft.com/office/powerpoint/2010/main" val="1094399481"/>
+      </p:ext>
+    </p:extLst>
+  </p:cSld>
+  <p:clrMapOvr>
+    <a:masterClrMapping/>
+  </p:clrMapOvr>
+</p:notes>
+</file>
+
+<file path=ppt/notesSlides/notesSlide3.xml><?xml version="1.0" encoding="utf-8"?>
+<p:notes xmlns:a="http://schemas.openxmlformats.org/drawingml/2006/main" xmlns:r="http://schemas.openxmlformats.org/officeDocument/2006/relationships" xmlns:p="http://schemas.openxmlformats.org/presentationml/2006/main">
+  <p:cSld>
+    <p:spTree>
+      <p:nvGrpSpPr>
+        <p:cNvPr id="1" name=""/>
+        <p:cNvGrpSpPr/>
+        <p:nvPr/>
+      </p:nvGrpSpPr>
+      <p:grpSpPr>
+        <a:xfrm>
+          <a:off x="0" y="0"/>
+          <a:ext cx="0" cy="0"/>
+          <a:chOff x="0" y="0"/>
+          <a:chExt cx="0" cy="0"/>
+        </a:xfrm>
+      </p:grpSpPr>
+      <p:sp>
+        <p:nvSpPr>
+          <p:cNvPr id="2" name="슬라이드 이미지 개체 틀 1"/>
+          <p:cNvSpPr>
+            <a:spLocks noGrp="1" noRot="1" noChangeAspect="1"/>
+          </p:cNvSpPr>
+          <p:nvPr>
+            <p:ph type="sldImg"/>
+          </p:nvPr>
+        </p:nvSpPr>
+        <p:spPr/>
+      </p:sp>
+      <p:sp>
+        <p:nvSpPr>
+          <p:cNvPr id="3" name="슬라이드 노트 개체 틀 2"/>
+          <p:cNvSpPr>
+            <a:spLocks noGrp="1"/>
+          </p:cNvSpPr>
+          <p:nvPr>
+            <p:ph type="body" idx="1"/>
+          </p:nvPr>
+        </p:nvSpPr>
+        <p:spPr/>
+        <p:txBody>
+          <a:bodyPr/>
+          <a:lstStyle/>
+          <a:p>
+            <a:endParaRPr lang="ko-KR" altLang="en-US" dirty="0"/>
+          </a:p>
+        </p:txBody>
+      </p:sp>
+      <p:sp>
+        <p:nvSpPr>
+          <p:cNvPr id="4" name="슬라이드 번호 개체 틀 3"/>
+          <p:cNvSpPr>
+            <a:spLocks noGrp="1"/>
+          </p:cNvSpPr>
+          <p:nvPr>
+            <p:ph type="sldNum" sz="quarter" idx="5"/>
+          </p:nvPr>
+        </p:nvSpPr>
+        <p:spPr/>
+        <p:txBody>
+          <a:bodyPr/>
+          <a:lstStyle/>
+          <a:p>
+            <a:fld id="{20B22BA1-4AA9-41CC-9C6D-DFFEEC18A739}" type="slidenum">
+              <a:rPr lang="en-US" altLang="ko-KR" smtClean="0"/>
+              <a:t>4</a:t>
+            </a:fld>
+            <a:endParaRPr lang="ko-KR" altLang="en-US"/>
+          </a:p>
+        </p:txBody>
+      </p:sp>
+    </p:spTree>
+    <p:extLst>
+      <p:ext uri="{BB962C8B-B14F-4D97-AF65-F5344CB8AC3E}">
+        <p14:creationId xmlns:p14="http://schemas.microsoft.com/office/powerpoint/2010/main" val="825823505"/>
+      </p:ext>
+    </p:extLst>
+  </p:cSld>
+  <p:clrMapOvr>
+    <a:masterClrMapping/>
+  </p:clrMapOvr>
+</p:notes>
+</file>
+
+<file path=ppt/notesSlides/notesSlide4.xml><?xml version="1.0" encoding="utf-8"?>
+<p:notes xmlns:a="http://schemas.openxmlformats.org/drawingml/2006/main" xmlns:r="http://schemas.openxmlformats.org/officeDocument/2006/relationships" xmlns:p="http://schemas.openxmlformats.org/presentationml/2006/main">
+  <p:cSld>
+    <p:spTree>
+      <p:nvGrpSpPr>
+        <p:cNvPr id="1" name=""/>
+        <p:cNvGrpSpPr/>
+        <p:nvPr/>
+      </p:nvGrpSpPr>
+      <p:grpSpPr>
+        <a:xfrm>
+          <a:off x="0" y="0"/>
+          <a:ext cx="0" cy="0"/>
+          <a:chOff x="0" y="0"/>
+          <a:chExt cx="0" cy="0"/>
+        </a:xfrm>
+      </p:grpSpPr>
+      <p:sp>
+        <p:nvSpPr>
+          <p:cNvPr id="2" name="슬라이드 이미지 개체 틀 1"/>
+          <p:cNvSpPr>
+            <a:spLocks noGrp="1" noRot="1" noChangeAspect="1"/>
+          </p:cNvSpPr>
+          <p:nvPr>
+            <p:ph type="sldImg"/>
+          </p:nvPr>
+        </p:nvSpPr>
+        <p:spPr/>
+      </p:sp>
+      <p:sp>
+        <p:nvSpPr>
+          <p:cNvPr id="3" name="슬라이드 노트 개체 틀 2"/>
+          <p:cNvSpPr>
+            <a:spLocks noGrp="1"/>
+          </p:cNvSpPr>
+          <p:nvPr>
+            <p:ph type="body" idx="1"/>
+          </p:nvPr>
+        </p:nvSpPr>
+        <p:spPr/>
+        <p:txBody>
+          <a:bodyPr/>
+          <a:lstStyle/>
+          <a:p>
+            <a:r>
+              <a:rPr lang="en-US" altLang="ko-KR" dirty="0"/>
+              <a:t>AI</a:t>
+            </a:r>
+            <a:r>
+              <a:rPr lang="ko-KR" altLang="en-US" dirty="0"/>
+              <a:t>를 통한 주가 예측</a:t>
+            </a:r>
+            <a:r>
+              <a:rPr lang="en-US" altLang="ko-KR" dirty="0"/>
+              <a:t>. </a:t>
+            </a:r>
+            <a:r>
+              <a:rPr lang="ko-KR" altLang="en-US" b="0" i="0" dirty="0">
+                <a:solidFill>
+                  <a:srgbClr val="030303"/>
+                </a:solidFill>
+                <a:effectLst/>
+                <a:latin typeface="Roboto" panose="02000000000000000000" pitchFamily="2" charset="0"/>
+              </a:rPr>
+              <a:t>서울대 컴퓨터공학부 </a:t>
+            </a:r>
+            <a:r>
+              <a:rPr lang="ko-KR" altLang="en-US" b="0" i="0" dirty="0" err="1">
+                <a:solidFill>
+                  <a:srgbClr val="030303"/>
+                </a:solidFill>
+                <a:effectLst/>
+                <a:latin typeface="Roboto" panose="02000000000000000000" pitchFamily="2" charset="0"/>
+              </a:rPr>
+              <a:t>데이터마이닝</a:t>
+            </a:r>
+            <a:r>
+              <a:rPr lang="ko-KR" altLang="en-US" b="0" i="0" dirty="0">
+                <a:solidFill>
+                  <a:srgbClr val="030303"/>
+                </a:solidFill>
+                <a:effectLst/>
+                <a:latin typeface="Roboto" panose="02000000000000000000" pitchFamily="2" charset="0"/>
+              </a:rPr>
+              <a:t> 랩 강유 교수</a:t>
+            </a:r>
+            <a:endParaRPr lang="en-US" altLang="ko-KR" dirty="0"/>
+          </a:p>
+          <a:p>
+            <a:r>
+              <a:rPr lang="en-US" altLang="ko-KR" dirty="0"/>
+              <a:t>https://www.youtube.com/watch?v=mqWduvQVZv8&amp;list=PLSY68sWRmr-PuRq2B8JwIa-PgQL26Hva7&amp;index=23</a:t>
+            </a:r>
+            <a:endParaRPr lang="ko-KR" altLang="en-US" dirty="0"/>
+          </a:p>
+        </p:txBody>
+      </p:sp>
+      <p:sp>
+        <p:nvSpPr>
+          <p:cNvPr id="4" name="슬라이드 번호 개체 틀 3"/>
+          <p:cNvSpPr>
+            <a:spLocks noGrp="1"/>
+          </p:cNvSpPr>
+          <p:nvPr>
+            <p:ph type="sldNum" sz="quarter" idx="5"/>
+          </p:nvPr>
+        </p:nvSpPr>
+        <p:spPr/>
+        <p:txBody>
+          <a:bodyPr/>
+          <a:lstStyle/>
+          <a:p>
+            <a:fld id="{20B22BA1-4AA9-41CC-9C6D-DFFEEC18A739}" type="slidenum">
+              <a:rPr lang="en-US" altLang="ko-KR" smtClean="0"/>
+              <a:t>5</a:t>
+            </a:fld>
+            <a:endParaRPr lang="ko-KR" altLang="en-US"/>
+          </a:p>
+        </p:txBody>
+      </p:sp>
+    </p:spTree>
+    <p:extLst>
+      <p:ext uri="{BB962C8B-B14F-4D97-AF65-F5344CB8AC3E}">
+        <p14:creationId xmlns:p14="http://schemas.microsoft.com/office/powerpoint/2010/main" val="1554464674"/>
+      </p:ext>
+    </p:extLst>
+  </p:cSld>
+  <p:clrMapOvr>
+    <a:masterClrMapping/>
+  </p:clrMapOvr>
+</p:notes>
+</file>
+
+<file path=ppt/notesSlides/notesSlide5.xml><?xml version="1.0" encoding="utf-8"?>
+<p:notes xmlns:a="http://schemas.openxmlformats.org/drawingml/2006/main" xmlns:r="http://schemas.openxmlformats.org/officeDocument/2006/relationships" xmlns:p="http://schemas.openxmlformats.org/presentationml/2006/main">
+  <p:cSld>
+    <p:spTree>
+      <p:nvGrpSpPr>
+        <p:cNvPr id="1" name=""/>
+        <p:cNvGrpSpPr/>
+        <p:nvPr/>
+      </p:nvGrpSpPr>
+      <p:grpSpPr>
+        <a:xfrm>
+          <a:off x="0" y="0"/>
+          <a:ext cx="0" cy="0"/>
+          <a:chOff x="0" y="0"/>
+          <a:chExt cx="0" cy="0"/>
+        </a:xfrm>
+      </p:grpSpPr>
+      <p:sp>
+        <p:nvSpPr>
+          <p:cNvPr id="2" name="슬라이드 이미지 개체 틀 1"/>
+          <p:cNvSpPr>
+            <a:spLocks noGrp="1" noRot="1" noChangeAspect="1"/>
+          </p:cNvSpPr>
+          <p:nvPr>
+            <p:ph type="sldImg"/>
+          </p:nvPr>
+        </p:nvSpPr>
+        <p:spPr/>
+      </p:sp>
+      <p:sp>
+        <p:nvSpPr>
+          <p:cNvPr id="3" name="슬라이드 노트 개체 틀 2"/>
+          <p:cNvSpPr>
+            <a:spLocks noGrp="1"/>
+          </p:cNvSpPr>
+          <p:nvPr>
+            <p:ph type="body" idx="1"/>
+          </p:nvPr>
+        </p:nvSpPr>
+        <p:spPr/>
+        <p:txBody>
+          <a:bodyPr/>
+          <a:lstStyle/>
+          <a:p>
+            <a:endParaRPr lang="ko-KR" altLang="en-US" dirty="0"/>
+          </a:p>
+        </p:txBody>
+      </p:sp>
+      <p:sp>
+        <p:nvSpPr>
+          <p:cNvPr id="4" name="슬라이드 번호 개체 틀 3"/>
+          <p:cNvSpPr>
+            <a:spLocks noGrp="1"/>
+          </p:cNvSpPr>
+          <p:nvPr>
+            <p:ph type="sldNum" sz="quarter" idx="5"/>
+          </p:nvPr>
+        </p:nvSpPr>
+        <p:spPr/>
+        <p:txBody>
+          <a:bodyPr/>
+          <a:lstStyle/>
+          <a:p>
+            <a:fld id="{20B22BA1-4AA9-41CC-9C6D-DFFEEC18A739}" type="slidenum">
+              <a:rPr lang="en-US" altLang="ko-KR" smtClean="0"/>
+              <a:t>6</a:t>
+            </a:fld>
+            <a:endParaRPr lang="ko-KR" altLang="en-US"/>
+          </a:p>
+        </p:txBody>
+      </p:sp>
+    </p:spTree>
+    <p:extLst>
+      <p:ext uri="{BB962C8B-B14F-4D97-AF65-F5344CB8AC3E}">
+        <p14:creationId xmlns:p14="http://schemas.microsoft.com/office/powerpoint/2010/main" val="3815488620"/>
+      </p:ext>
+    </p:extLst>
+  </p:cSld>
+  <p:clrMapOvr>
+    <a:masterClrMapping/>
+  </p:clrMapOvr>
+</p:notes>
+</file>
+
+<file path=ppt/notesSlides/notesSlide6.xml><?xml version="1.0" encoding="utf-8"?>
+<p:notes xmlns:a="http://schemas.openxmlformats.org/drawingml/2006/main" xmlns:r="http://schemas.openxmlformats.org/officeDocument/2006/relationships" xmlns:p="http://schemas.openxmlformats.org/presentationml/2006/main">
+  <p:cSld>
+    <p:spTree>
+      <p:nvGrpSpPr>
+        <p:cNvPr id="1" name=""/>
+        <p:cNvGrpSpPr/>
+        <p:nvPr/>
+      </p:nvGrpSpPr>
+      <p:grpSpPr>
+        <a:xfrm>
+          <a:off x="0" y="0"/>
+          <a:ext cx="0" cy="0"/>
+          <a:chOff x="0" y="0"/>
+          <a:chExt cx="0" cy="0"/>
+        </a:xfrm>
+      </p:grpSpPr>
+      <p:sp>
+        <p:nvSpPr>
+          <p:cNvPr id="2" name="슬라이드 이미지 개체 틀 1"/>
+          <p:cNvSpPr>
+            <a:spLocks noGrp="1" noRot="1" noChangeAspect="1"/>
+          </p:cNvSpPr>
+          <p:nvPr>
+            <p:ph type="sldImg"/>
+          </p:nvPr>
+        </p:nvSpPr>
+        <p:spPr/>
+      </p:sp>
+      <p:sp>
+        <p:nvSpPr>
+          <p:cNvPr id="3" name="슬라이드 노트 개체 틀 2"/>
+          <p:cNvSpPr>
+            <a:spLocks noGrp="1"/>
+          </p:cNvSpPr>
+          <p:nvPr>
+            <p:ph type="body" idx="1"/>
+          </p:nvPr>
+        </p:nvSpPr>
+        <p:spPr/>
+        <p:txBody>
+          <a:bodyPr/>
+          <a:lstStyle/>
+          <a:p>
+            <a:r>
+              <a:rPr lang="en-US" altLang="ko-KR" dirty="0">
+                <a:ea typeface="맑은 고딕"/>
+              </a:rPr>
+              <a:t>AI</a:t>
+            </a:r>
+            <a:r>
+              <a:rPr lang="ko-KR" altLang="en-US" dirty="0">
+                <a:ea typeface="맑은 고딕"/>
+              </a:rPr>
+              <a:t>가 </a:t>
+            </a:r>
+            <a:r>
+              <a:rPr lang="en-US" altLang="ko-KR" dirty="0">
+                <a:ea typeface="맑은 고딕"/>
+              </a:rPr>
+              <a:t>3</a:t>
+            </a:r>
+            <a:r>
+              <a:rPr lang="ko-KR" altLang="en-US" dirty="0">
+                <a:ea typeface="맑은 고딕"/>
+              </a:rPr>
+              <a:t>차원 데이터를 처리하는 방법은</a:t>
+            </a:r>
+            <a:r>
+              <a:rPr lang="en-US" altLang="ko-KR" dirty="0">
+                <a:ea typeface="맑은 고딕"/>
+              </a:rPr>
+              <a:t>?</a:t>
+            </a:r>
+            <a:r>
+              <a:rPr lang="ko-KR" altLang="en-US" b="0" i="0" dirty="0">
+                <a:solidFill>
+                  <a:srgbClr val="030303"/>
+                </a:solidFill>
+                <a:effectLst/>
+                <a:latin typeface="Roboto" panose="02000000000000000000" pitchFamily="2" charset="0"/>
+              </a:rPr>
+              <a:t> 서울대 전기정보공학부 김영민 교수</a:t>
+            </a:r>
+            <a:endParaRPr lang="en-US" altLang="ko-KR" b="0" i="0" dirty="0">
+              <a:solidFill>
+                <a:srgbClr val="030303"/>
+              </a:solidFill>
+              <a:effectLst/>
+              <a:latin typeface="Roboto" panose="02000000000000000000" pitchFamily="2" charset="0"/>
+            </a:endParaRPr>
+          </a:p>
+          <a:p>
+            <a:r>
+              <a:rPr lang="en-US" altLang="ko-KR" dirty="0">
+                <a:ea typeface="맑은 고딕"/>
+              </a:rPr>
+              <a:t>https://www.youtube.com/watch?v=uRmRr7DFDZc&amp;list=PLSY68sWRmr-PuRq2B8JwIa-PgQL26Hva7&amp;index=22</a:t>
+            </a:r>
+          </a:p>
+          <a:p>
+            <a:endParaRPr lang="en-US" altLang="ko-KR" dirty="0">
+              <a:ea typeface="맑은 고딕"/>
+            </a:endParaRPr>
+          </a:p>
+          <a:p>
+            <a:r>
+              <a:rPr lang="ko-KR" altLang="en-US" dirty="0">
+                <a:ea typeface="맑은 고딕"/>
+              </a:rPr>
+              <a:t>컴퓨터 비전의 대표적인 문제 </a:t>
+            </a:r>
+            <a:r>
+              <a:rPr lang="en-US" altLang="ko-KR" dirty="0">
+                <a:ea typeface="맑은 고딕"/>
+              </a:rPr>
+              <a:t>3</a:t>
+            </a:r>
+            <a:r>
+              <a:rPr lang="ko-KR" altLang="en-US" dirty="0">
+                <a:ea typeface="맑은 고딕"/>
+              </a:rPr>
+              <a:t>가지 </a:t>
+            </a:r>
+            <a:r>
+              <a:rPr lang="en-US" altLang="ko-KR" dirty="0">
+                <a:ea typeface="맑은 고딕"/>
+              </a:rPr>
+              <a:t>: </a:t>
+            </a:r>
+          </a:p>
+          <a:p>
+            <a:pPr marL="171450" indent="-171450">
+              <a:buFontTx/>
+              <a:buChar char="-"/>
+            </a:pPr>
+            <a:r>
+              <a:rPr lang="ko-KR" altLang="en-US" dirty="0">
+                <a:ea typeface="맑은 고딕"/>
+              </a:rPr>
+              <a:t>이미지상의 어떤 부분이 우리가 찾고자 하는 물체인지</a:t>
+            </a:r>
+            <a:endParaRPr lang="en-US" altLang="ko-KR" dirty="0">
+              <a:ea typeface="맑은 고딕"/>
+            </a:endParaRPr>
+          </a:p>
+          <a:p>
+            <a:pPr marL="171450" indent="-171450">
+              <a:buFontTx/>
+              <a:buChar char="-"/>
+            </a:pPr>
+            <a:r>
+              <a:rPr lang="ko-KR" altLang="en-US" dirty="0">
+                <a:ea typeface="맑은 고딕"/>
+              </a:rPr>
+              <a:t>어떤 픽셀이 자동차인지</a:t>
+            </a:r>
+            <a:endParaRPr lang="en-US" altLang="ko-KR" dirty="0">
+              <a:ea typeface="맑은 고딕"/>
+            </a:endParaRPr>
+          </a:p>
+          <a:p>
+            <a:pPr marL="171450" indent="-171450">
+              <a:buFontTx/>
+              <a:buChar char="-"/>
+            </a:pPr>
+            <a:r>
+              <a:rPr lang="ko-KR" altLang="en-US" dirty="0">
+                <a:ea typeface="맑은 고딕"/>
+              </a:rPr>
+              <a:t>어디에 사람의 </a:t>
+            </a:r>
+            <a:r>
+              <a:rPr lang="en-US" altLang="ko-KR" dirty="0">
+                <a:ea typeface="맑은 고딕"/>
+              </a:rPr>
+              <a:t>body joint</a:t>
+            </a:r>
+            <a:r>
+              <a:rPr lang="ko-KR" altLang="en-US" dirty="0">
+                <a:ea typeface="맑은 고딕"/>
+              </a:rPr>
+              <a:t>가 있는지</a:t>
+            </a:r>
+            <a:endParaRPr lang="en-US" altLang="ko-KR" dirty="0">
+              <a:ea typeface="맑은 고딕"/>
+            </a:endParaRPr>
+          </a:p>
+          <a:p>
+            <a:r>
+              <a:rPr lang="en-US" altLang="ko-KR" dirty="0" err="1">
+                <a:ea typeface="맑은 고딕"/>
+              </a:rPr>
+              <a:t>Segmentaion</a:t>
+            </a:r>
+            <a:r>
+              <a:rPr lang="ko-KR" altLang="en-US" dirty="0">
+                <a:ea typeface="맑은 고딕"/>
+              </a:rPr>
+              <a:t> </a:t>
+            </a:r>
+            <a:r>
+              <a:rPr lang="en-US" altLang="ko-KR" dirty="0">
+                <a:ea typeface="맑은 고딕"/>
+              </a:rPr>
+              <a:t>:</a:t>
+            </a:r>
+            <a:r>
+              <a:rPr lang="ko-KR" altLang="en-US" dirty="0">
+                <a:ea typeface="맑은 고딕"/>
+              </a:rPr>
+              <a:t> </a:t>
+            </a:r>
+            <a:r>
+              <a:rPr lang="ko-KR" altLang="en-US" b="0" i="0" dirty="0">
+                <a:solidFill>
+                  <a:srgbClr val="212529"/>
+                </a:solidFill>
+                <a:effectLst/>
+                <a:latin typeface="-apple-system"/>
+              </a:rPr>
+              <a:t>이미지에서 픽셀단위로 관심 객체를 추출하는 방법</a:t>
+            </a:r>
+            <a:r>
+              <a:rPr lang="en-US" altLang="ko-KR" b="0" i="0" dirty="0">
+                <a:solidFill>
+                  <a:srgbClr val="212529"/>
+                </a:solidFill>
+                <a:effectLst/>
+                <a:latin typeface="-apple-system"/>
+              </a:rPr>
+              <a:t>.</a:t>
+            </a:r>
+          </a:p>
+          <a:p>
+            <a:endParaRPr lang="en-US" altLang="ko-KR" dirty="0">
+              <a:ea typeface="맑은 고딕"/>
+            </a:endParaRPr>
+          </a:p>
+          <a:p>
+            <a:endParaRPr lang="en-US" altLang="ko-KR" dirty="0">
+              <a:ea typeface="맑은 고딕"/>
+            </a:endParaRPr>
+          </a:p>
+          <a:p>
+            <a:r>
+              <a:rPr lang="en-US" altLang="ko-KR" dirty="0">
+                <a:ea typeface="맑은 고딕"/>
+              </a:rPr>
+              <a:t>* </a:t>
+            </a:r>
+            <a:r>
+              <a:rPr lang="ko-KR" altLang="en-US" dirty="0">
+                <a:ea typeface="맑은 고딕"/>
+              </a:rPr>
+              <a:t>연구 세가지</a:t>
+            </a:r>
+            <a:endParaRPr lang="en-US" altLang="ko-KR" dirty="0">
+              <a:ea typeface="맑은 고딕"/>
+            </a:endParaRPr>
+          </a:p>
+          <a:p>
+            <a:endParaRPr lang="en-US" altLang="ko-KR" dirty="0">
+              <a:ea typeface="맑은 고딕"/>
+            </a:endParaRPr>
+          </a:p>
+          <a:p>
+            <a:r>
+              <a:rPr lang="en-US" altLang="ko-KR" dirty="0">
+                <a:ea typeface="맑은 고딕"/>
+              </a:rPr>
+              <a:t>1.</a:t>
+            </a:r>
+            <a:r>
+              <a:rPr lang="ko-KR" altLang="en-US" dirty="0">
+                <a:ea typeface="맑은 고딕"/>
+              </a:rPr>
+              <a:t> </a:t>
+            </a:r>
+            <a:r>
+              <a:rPr lang="en-US" altLang="ko-KR" dirty="0">
+                <a:ea typeface="맑은 고딕"/>
+              </a:rPr>
+              <a:t>3d</a:t>
+            </a:r>
+            <a:r>
+              <a:rPr lang="ko-KR" altLang="en-US" dirty="0">
+                <a:ea typeface="맑은 고딕"/>
+              </a:rPr>
+              <a:t>에서 어떻게 </a:t>
+            </a:r>
+            <a:r>
+              <a:rPr lang="ko-KR" altLang="en-US" dirty="0" err="1">
+                <a:ea typeface="맑은 고딕"/>
+              </a:rPr>
+              <a:t>딥러닝을</a:t>
+            </a:r>
+            <a:r>
+              <a:rPr lang="ko-KR" altLang="en-US" dirty="0">
+                <a:ea typeface="맑은 고딕"/>
+              </a:rPr>
+              <a:t> 써서 </a:t>
+            </a:r>
+            <a:r>
+              <a:rPr lang="en-US" altLang="ko-KR" dirty="0">
+                <a:ea typeface="맑은 고딕"/>
+              </a:rPr>
+              <a:t>training</a:t>
+            </a:r>
+            <a:r>
+              <a:rPr lang="ko-KR" altLang="en-US" dirty="0">
+                <a:ea typeface="맑은 고딕"/>
+              </a:rPr>
+              <a:t>을 해서 </a:t>
+            </a:r>
+            <a:r>
+              <a:rPr lang="en-US" altLang="ko-KR" dirty="0">
+                <a:ea typeface="맑은 고딕"/>
+              </a:rPr>
+              <a:t>shape</a:t>
+            </a:r>
+            <a:r>
+              <a:rPr lang="ko-KR" altLang="en-US" dirty="0">
+                <a:ea typeface="맑은 고딕"/>
+              </a:rPr>
+              <a:t> </a:t>
+            </a:r>
+            <a:r>
+              <a:rPr lang="en-US" altLang="ko-KR" dirty="0" err="1">
+                <a:ea typeface="맑은 고딕"/>
+              </a:rPr>
+              <a:t>genration</a:t>
+            </a:r>
+            <a:r>
+              <a:rPr lang="ko-KR" altLang="en-US" dirty="0">
+                <a:ea typeface="맑은 고딕"/>
+              </a:rPr>
+              <a:t>을 할까 </a:t>
+            </a:r>
+            <a:r>
+              <a:rPr lang="en-US" altLang="ko-KR" dirty="0">
+                <a:ea typeface="맑은 고딕"/>
+              </a:rPr>
+              <a:t>(3d</a:t>
+            </a:r>
+            <a:r>
+              <a:rPr lang="ko-KR" altLang="en-US" dirty="0">
+                <a:ea typeface="맑은 고딕"/>
+              </a:rPr>
+              <a:t>만을 활용</a:t>
+            </a:r>
+            <a:r>
+              <a:rPr lang="en-US" altLang="ko-KR" dirty="0">
+                <a:ea typeface="맑은 고딕"/>
+              </a:rPr>
+              <a:t>)</a:t>
+            </a:r>
+            <a:endParaRPr lang="ko-KR" altLang="en-US" dirty="0">
+              <a:ea typeface="맑은 고딕"/>
+            </a:endParaRPr>
+          </a:p>
+          <a:p>
+            <a:endParaRPr lang="en-US" dirty="0">
+              <a:latin typeface="Calibri"/>
+              <a:cs typeface="Calibri"/>
+            </a:endParaRPr>
+          </a:p>
+          <a:p>
+            <a:r>
+              <a:rPr lang="en-US" dirty="0">
                 <a:latin typeface="Calibri"/>
-                <a:ea typeface="맑은 고딕"/>
                 <a:cs typeface="Calibri"/>
               </a:rPr>
-              <a:t>2. 3d + 2d </a:t>
-            </a:r>
-            <a:r>
-              <a:rPr lang="en-US" altLang="ko-KR" err="1">
+              <a:t>64*64*64 </a:t>
+            </a:r>
+            <a:r>
+              <a:rPr lang="ko-KR" altLang="en-US" dirty="0">
                 <a:latin typeface="Calibri"/>
                 <a:ea typeface="맑은 고딕"/>
                 <a:cs typeface="Calibri"/>
               </a:rPr>
-              <a:t>데이터</a:t>
-            </a:r>
-            <a:r>
-              <a:rPr lang="en-US" altLang="ko-KR">
+              <a:t>해상도를</a:t>
+            </a:r>
+            <a:r>
+              <a:rPr lang="en-US" dirty="0">
                 <a:latin typeface="Calibri"/>
-                <a:ea typeface="맑은 고딕"/>
                 <a:cs typeface="Calibri"/>
               </a:rPr>
               <a:t> </a:t>
             </a:r>
             <a:r>
-              <a:rPr lang="en-US" altLang="ko-KR" err="1">
+              <a:rPr lang="ko-KR" altLang="en-US" dirty="0">
                 <a:latin typeface="Calibri"/>
                 <a:ea typeface="맑은 고딕"/>
                 <a:cs typeface="Calibri"/>
               </a:rPr>
-              <a:t>어떻게</a:t>
-            </a:r>
-            <a:r>
-              <a:rPr lang="en-US" altLang="ko-KR">
+              <a:t>넘어가기가</a:t>
+            </a:r>
+            <a:r>
+              <a:rPr lang="en-US" dirty="0">
                 <a:latin typeface="Calibri"/>
-                <a:ea typeface="맑은 고딕"/>
                 <a:cs typeface="Calibri"/>
               </a:rPr>
-              <a:t> 잘 </a:t>
-            </a:r>
-            <a:r>
-              <a:rPr lang="en-US" altLang="ko-KR" err="1">
+              <a:t> </a:t>
+            </a:r>
+            <a:r>
+              <a:rPr lang="ko-KR" altLang="en-US" dirty="0" err="1">
                 <a:latin typeface="Calibri"/>
                 <a:ea typeface="맑은 고딕"/>
                 <a:cs typeface="Calibri"/>
               </a:rPr>
-              <a:t>조합할것인가</a:t>
-            </a:r>
-            <a:r>
-              <a:rPr lang="en-US" altLang="ko-KR">
+              <a:t>힘듬</a:t>
+            </a:r>
+            <a:r>
+              <a:rPr lang="ko-KR" altLang="en-US" dirty="0">
                 <a:latin typeface="Calibri"/>
                 <a:ea typeface="맑은 고딕"/>
                 <a:cs typeface="Calibri"/>
               </a:rPr>
-              <a:t>.</a:t>
-            </a:r>
-          </a:p>
-          <a:p>
-            <a:endParaRPr lang="en-US" altLang="ko-KR">
+              <a:t> ( GPU 메모리 한계 때문에)</a:t>
+            </a:r>
+            <a:endParaRPr lang="ko-KR" dirty="0"/>
+          </a:p>
+          <a:p>
+            <a:r>
+              <a:rPr lang="ko-KR" altLang="en-US" dirty="0">
+                <a:latin typeface="Calibri"/>
+                <a:ea typeface="맑은 고딕"/>
+                <a:cs typeface="Calibri"/>
+              </a:rPr>
+              <a:t>효율적으로 </a:t>
+            </a:r>
+            <a:r>
+              <a:rPr lang="ko-KR" altLang="en-US" dirty="0" err="1">
+                <a:latin typeface="Calibri"/>
+                <a:ea typeface="맑은 고딕"/>
+                <a:cs typeface="Calibri"/>
+              </a:rPr>
+              <a:t>딥러닝을</a:t>
+            </a:r>
+            <a:r>
+              <a:rPr lang="ko-KR" altLang="en-US" dirty="0">
+                <a:latin typeface="Calibri"/>
+                <a:ea typeface="맑은 고딕"/>
+                <a:cs typeface="Calibri"/>
+              </a:rPr>
+              <a:t> 돌리기 위해 -   </a:t>
+            </a:r>
+            <a:r>
+              <a:rPr lang="ko-KR" altLang="en-US" dirty="0" err="1">
+                <a:latin typeface="Calibri"/>
+                <a:ea typeface="맑은 고딕"/>
+                <a:cs typeface="Calibri"/>
+              </a:rPr>
+              <a:t>sparsity</a:t>
+            </a:r>
+            <a:r>
+              <a:rPr lang="ko-KR" altLang="en-US" dirty="0">
+                <a:latin typeface="Calibri"/>
+                <a:ea typeface="맑은 고딕"/>
+                <a:cs typeface="Calibri"/>
+              </a:rPr>
+              <a:t> 사용 = 많은 부분이 </a:t>
+            </a:r>
+            <a:r>
+              <a:rPr lang="ko-KR" altLang="en-US" dirty="0" err="1">
+                <a:latin typeface="Calibri"/>
+                <a:ea typeface="맑은 고딕"/>
+                <a:cs typeface="Calibri"/>
+              </a:rPr>
+              <a:t>빈공간</a:t>
+            </a:r>
+            <a:r>
+              <a:rPr lang="ko-KR" altLang="en-US" dirty="0">
+                <a:latin typeface="Calibri"/>
+                <a:ea typeface="맑은 고딕"/>
+                <a:cs typeface="Calibri"/>
+              </a:rPr>
+              <a:t>. </a:t>
+            </a:r>
+            <a:br>
+              <a:rPr lang="ko-KR" altLang="en-US" dirty="0">
+                <a:latin typeface="Calibri"/>
+                <a:ea typeface="맑은 고딕"/>
+                <a:cs typeface="Calibri"/>
+              </a:rPr>
+            </a:br>
+            <a:r>
+              <a:rPr lang="ko-KR" altLang="en-US" dirty="0">
+                <a:latin typeface="Calibri"/>
+                <a:ea typeface="맑은 고딕"/>
+                <a:cs typeface="Calibri"/>
+              </a:rPr>
+              <a:t> </a:t>
+            </a:r>
+            <a:r>
+              <a:rPr lang="ko-KR" altLang="en-US" dirty="0" err="1">
+                <a:latin typeface="Calibri"/>
+                <a:ea typeface="맑은 고딕"/>
+                <a:cs typeface="Calibri"/>
+              </a:rPr>
+              <a:t>Resolution</a:t>
+            </a:r>
+            <a:r>
+              <a:rPr lang="ko-KR" altLang="en-US" dirty="0">
+                <a:latin typeface="Calibri"/>
+                <a:ea typeface="맑은 고딕"/>
+                <a:cs typeface="Calibri"/>
+              </a:rPr>
+              <a:t> 올라가도 </a:t>
+            </a:r>
+            <a:r>
+              <a:rPr lang="ko-KR" altLang="en-US" dirty="0" err="1">
+                <a:latin typeface="Calibri"/>
+                <a:ea typeface="맑은 고딕"/>
+                <a:cs typeface="Calibri"/>
+              </a:rPr>
+              <a:t>sparsity</a:t>
+            </a:r>
+            <a:r>
+              <a:rPr lang="ko-KR" altLang="en-US" dirty="0">
+                <a:latin typeface="Calibri"/>
+                <a:ea typeface="맑은 고딕"/>
+                <a:cs typeface="Calibri"/>
+              </a:rPr>
+              <a:t> 잘 활용하면 효율적으로 딥 </a:t>
+            </a:r>
+            <a:r>
+              <a:rPr lang="ko-KR" altLang="en-US" dirty="0" err="1">
+                <a:latin typeface="Calibri"/>
+                <a:ea typeface="맑은 고딕"/>
+                <a:cs typeface="Calibri"/>
+              </a:rPr>
+              <a:t>뉴럴</a:t>
+            </a:r>
+            <a:r>
+              <a:rPr lang="ko-KR" altLang="en-US" dirty="0">
+                <a:latin typeface="Calibri"/>
+                <a:ea typeface="맑은 고딕"/>
+                <a:cs typeface="Calibri"/>
+              </a:rPr>
+              <a:t> 네트워크를 돌릴 수 있다.</a:t>
+            </a:r>
+          </a:p>
+          <a:p>
+            <a:endParaRPr lang="ko-KR" altLang="en-US" dirty="0">
               <a:latin typeface="Calibri"/>
               <a:ea typeface="맑은 고딕"/>
               <a:cs typeface="Calibri"/>
             </a:endParaRPr>
           </a:p>
           <a:p>
-            <a:r>
-              <a:rPr lang="en-US" altLang="ko-KR">
+            <a:endParaRPr lang="ko-KR" altLang="en-US" dirty="0">
+              <a:latin typeface="Calibri"/>
+              <a:ea typeface="맑은 고딕"/>
+              <a:cs typeface="Calibri"/>
+            </a:endParaRPr>
+          </a:p>
+        </p:txBody>
+      </p:sp>
+      <p:sp>
+        <p:nvSpPr>
+          <p:cNvPr id="4" name="슬라이드 번호 개체 틀 3"/>
+          <p:cNvSpPr>
+            <a:spLocks noGrp="1"/>
+          </p:cNvSpPr>
+          <p:nvPr>
+            <p:ph type="sldNum" sz="quarter" idx="5"/>
+          </p:nvPr>
+        </p:nvSpPr>
+        <p:spPr/>
+        <p:txBody>
+          <a:bodyPr/>
+          <a:lstStyle/>
+          <a:p>
+            <a:fld id="{20B22BA1-4AA9-41CC-9C6D-DFFEEC18A739}" type="slidenum">
+              <a:t>7</a:t>
+            </a:fld>
+            <a:endParaRPr lang="ko-KR" altLang="en-US"/>
+          </a:p>
+        </p:txBody>
+      </p:sp>
+    </p:spTree>
+    <p:extLst>
+      <p:ext uri="{BB962C8B-B14F-4D97-AF65-F5344CB8AC3E}">
+        <p14:creationId xmlns:p14="http://schemas.microsoft.com/office/powerpoint/2010/main" val="3880798694"/>
+      </p:ext>
+    </p:extLst>
+  </p:cSld>
+  <p:clrMapOvr>
+    <a:masterClrMapping/>
+  </p:clrMapOvr>
+</p:notes>
+</file>
+
+<file path=ppt/notesSlides/notesSlide7.xml><?xml version="1.0" encoding="utf-8"?>
+<p:notes xmlns:a="http://schemas.openxmlformats.org/drawingml/2006/main" xmlns:r="http://schemas.openxmlformats.org/officeDocument/2006/relationships" xmlns:p="http://schemas.openxmlformats.org/presentationml/2006/main">
+  <p:cSld>
+    <p:spTree>
+      <p:nvGrpSpPr>
+        <p:cNvPr id="1" name=""/>
+        <p:cNvGrpSpPr/>
+        <p:nvPr/>
+      </p:nvGrpSpPr>
+      <p:grpSpPr>
+        <a:xfrm>
+          <a:off x="0" y="0"/>
+          <a:ext cx="0" cy="0"/>
+          <a:chOff x="0" y="0"/>
+          <a:chExt cx="0" cy="0"/>
+        </a:xfrm>
+      </p:grpSpPr>
+      <p:sp>
+        <p:nvSpPr>
+          <p:cNvPr id="2" name="슬라이드 이미지 개체 틀 1"/>
+          <p:cNvSpPr>
+            <a:spLocks noGrp="1" noRot="1" noChangeAspect="1"/>
+          </p:cNvSpPr>
+          <p:nvPr>
+            <p:ph type="sldImg"/>
+          </p:nvPr>
+        </p:nvSpPr>
+        <p:spPr/>
+      </p:sp>
+      <p:sp>
+        <p:nvSpPr>
+          <p:cNvPr id="3" name="슬라이드 노트 개체 틀 2"/>
+          <p:cNvSpPr>
+            <a:spLocks noGrp="1"/>
+          </p:cNvSpPr>
+          <p:nvPr>
+            <p:ph type="body" idx="1"/>
+          </p:nvPr>
+        </p:nvSpPr>
+        <p:spPr/>
+        <p:txBody>
+          <a:bodyPr/>
+          <a:lstStyle/>
+          <a:p>
+            <a:r>
+              <a:rPr lang="en-US" altLang="ko-KR" dirty="0">
                 <a:latin typeface="Calibri"/>
                 <a:ea typeface="맑은 고딕"/>
                 <a:cs typeface="Calibri"/>
               </a:rPr>
+              <a:t>2. 3d + 2d </a:t>
+            </a:r>
+            <a:r>
+              <a:rPr lang="en-US" altLang="ko-KR" dirty="0" err="1">
+                <a:latin typeface="Calibri"/>
+                <a:ea typeface="맑은 고딕"/>
+                <a:cs typeface="Calibri"/>
+              </a:rPr>
+              <a:t>데이터</a:t>
+            </a:r>
+            <a:r>
+              <a:rPr lang="en-US" altLang="ko-KR" dirty="0">
+                <a:latin typeface="Calibri"/>
+                <a:ea typeface="맑은 고딕"/>
+                <a:cs typeface="Calibri"/>
+              </a:rPr>
+              <a:t> </a:t>
+            </a:r>
+            <a:r>
+              <a:rPr lang="ko-KR" altLang="en-US" dirty="0">
+                <a:latin typeface="Calibri"/>
+                <a:ea typeface="맑은 고딕"/>
+                <a:cs typeface="Calibri"/>
+              </a:rPr>
+              <a:t>각 장단점 고려해서</a:t>
+            </a:r>
+            <a:r>
+              <a:rPr lang="en-US" altLang="ko-KR" dirty="0">
+                <a:latin typeface="Calibri"/>
+                <a:ea typeface="맑은 고딕"/>
+                <a:cs typeface="Calibri"/>
+              </a:rPr>
+              <a:t> </a:t>
+            </a:r>
+            <a:r>
+              <a:rPr lang="en-US" altLang="ko-KR" dirty="0" err="1">
+                <a:latin typeface="Calibri"/>
+                <a:ea typeface="맑은 고딕"/>
+                <a:cs typeface="Calibri"/>
+              </a:rPr>
+              <a:t>어떻게</a:t>
+            </a:r>
+            <a:r>
+              <a:rPr lang="en-US" altLang="ko-KR" dirty="0">
+                <a:latin typeface="Calibri"/>
+                <a:ea typeface="맑은 고딕"/>
+                <a:cs typeface="Calibri"/>
+              </a:rPr>
+              <a:t> 잘 </a:t>
+            </a:r>
+            <a:r>
+              <a:rPr lang="en-US" altLang="ko-KR" dirty="0" err="1">
+                <a:latin typeface="Calibri"/>
+                <a:ea typeface="맑은 고딕"/>
+                <a:cs typeface="Calibri"/>
+              </a:rPr>
+              <a:t>조합할것인가</a:t>
+            </a:r>
+            <a:r>
+              <a:rPr lang="en-US" altLang="ko-KR" dirty="0">
+                <a:latin typeface="Calibri"/>
+                <a:ea typeface="맑은 고딕"/>
+                <a:cs typeface="Calibri"/>
+              </a:rPr>
+              <a:t>.</a:t>
+            </a:r>
+          </a:p>
+          <a:p>
+            <a:endParaRPr lang="en-US" altLang="ko-KR" dirty="0">
+              <a:latin typeface="Calibri"/>
+              <a:ea typeface="맑은 고딕"/>
+              <a:cs typeface="Calibri"/>
+            </a:endParaRPr>
+          </a:p>
+          <a:p>
+            <a:r>
+              <a:rPr lang="en-US" altLang="ko-KR" dirty="0">
+                <a:latin typeface="Calibri"/>
+                <a:ea typeface="맑은 고딕"/>
+                <a:cs typeface="Calibri"/>
+              </a:rPr>
               <a:t>3. 3d </a:t>
             </a:r>
             <a:r>
-              <a:rPr lang="en-US" altLang="ko-KR" err="1">
+              <a:rPr lang="ko-KR" altLang="en-US" dirty="0">
                 <a:latin typeface="Calibri"/>
                 <a:ea typeface="맑은 고딕"/>
                 <a:cs typeface="Calibri"/>
               </a:rPr>
-              <a:t>이미지</a:t>
-            </a:r>
-            <a:r>
-              <a:rPr lang="en-US" altLang="ko-KR">
+              <a:t>정보</a:t>
+            </a:r>
+            <a:r>
+              <a:rPr lang="en-US" altLang="ko-KR" dirty="0">
                 <a:latin typeface="Calibri"/>
                 <a:ea typeface="맑은 고딕"/>
                 <a:cs typeface="Calibri"/>
@@ -1794,7 +3075,7 @@
               <a:t> </a:t>
             </a:r>
             <a:r>
-              <a:rPr lang="en-US" altLang="ko-KR" err="1">
+              <a:rPr lang="en-US" altLang="ko-KR" dirty="0" err="1">
                 <a:latin typeface="Calibri"/>
                 <a:ea typeface="맑은 고딕"/>
                 <a:cs typeface="Calibri"/>
@@ -1802,7 +3083,7 @@
               <a:t>없이</a:t>
             </a:r>
             <a:r>
-              <a:rPr lang="en-US" altLang="ko-KR">
+              <a:rPr lang="en-US" altLang="ko-KR" dirty="0">
                 <a:latin typeface="Calibri"/>
                 <a:ea typeface="맑은 고딕"/>
                 <a:cs typeface="Calibri"/>
@@ -1810,7 +3091,7 @@
               <a:t> </a:t>
             </a:r>
             <a:r>
-              <a:rPr lang="en-US" altLang="ko-KR" err="1">
+              <a:rPr lang="en-US" altLang="ko-KR" dirty="0" err="1">
                 <a:latin typeface="Calibri"/>
                 <a:ea typeface="맑은 고딕"/>
                 <a:cs typeface="Calibri"/>
@@ -1818,7 +3099,7 @@
               <a:t>이미지만</a:t>
             </a:r>
             <a:r>
-              <a:rPr lang="en-US" altLang="ko-KR">
+              <a:rPr lang="en-US" altLang="ko-KR" dirty="0">
                 <a:latin typeface="Calibri"/>
                 <a:ea typeface="맑은 고딕"/>
                 <a:cs typeface="Calibri"/>
@@ -1826,7 +3107,7 @@
               <a:t> </a:t>
             </a:r>
             <a:r>
-              <a:rPr lang="en-US" altLang="ko-KR" err="1">
+              <a:rPr lang="en-US" altLang="ko-KR" dirty="0" err="1">
                 <a:latin typeface="Calibri"/>
                 <a:ea typeface="맑은 고딕"/>
                 <a:cs typeface="Calibri"/>
@@ -1834,7 +3115,7 @@
               <a:t>가지고</a:t>
             </a:r>
             <a:r>
-              <a:rPr lang="en-US" altLang="ko-KR">
+              <a:rPr lang="en-US" altLang="ko-KR" dirty="0">
                 <a:latin typeface="Calibri"/>
                 <a:ea typeface="맑은 고딕"/>
                 <a:cs typeface="Calibri"/>
@@ -1842,7 +3123,7 @@
               <a:t> </a:t>
             </a:r>
             <a:r>
-              <a:rPr lang="en-US" altLang="ko-KR" err="1">
+              <a:rPr lang="en-US" altLang="ko-KR" dirty="0" err="1">
                 <a:latin typeface="Calibri"/>
                 <a:ea typeface="맑은 고딕"/>
                 <a:cs typeface="Calibri"/>
@@ -1850,7 +3131,7 @@
               <a:t>물리적인</a:t>
             </a:r>
             <a:r>
-              <a:rPr lang="en-US" altLang="ko-KR">
+              <a:rPr lang="en-US" altLang="ko-KR" dirty="0">
                 <a:latin typeface="Calibri"/>
                 <a:ea typeface="맑은 고딕"/>
                 <a:cs typeface="Calibri"/>
@@ -1858,7 +3139,7 @@
               <a:t> </a:t>
             </a:r>
             <a:r>
-              <a:rPr lang="en-US" altLang="ko-KR" err="1">
+              <a:rPr lang="en-US" altLang="ko-KR" dirty="0" err="1">
                 <a:latin typeface="Calibri"/>
                 <a:ea typeface="맑은 고딕"/>
                 <a:cs typeface="Calibri"/>
@@ -1866,7 +3147,7 @@
               <a:t>법칙을</a:t>
             </a:r>
             <a:r>
-              <a:rPr lang="en-US" altLang="ko-KR">
+              <a:rPr lang="en-US" altLang="ko-KR" dirty="0">
                 <a:latin typeface="Calibri"/>
                 <a:ea typeface="맑은 고딕"/>
                 <a:cs typeface="Calibri"/>
@@ -1874,7 +3155,7 @@
               <a:t> </a:t>
             </a:r>
             <a:r>
-              <a:rPr lang="en-US" altLang="ko-KR" err="1">
+              <a:rPr lang="en-US" altLang="ko-KR" dirty="0" err="1">
                 <a:latin typeface="Calibri"/>
                 <a:ea typeface="맑은 고딕"/>
                 <a:cs typeface="Calibri"/>
@@ -1882,7 +3163,7 @@
               <a:t>표현할</a:t>
             </a:r>
             <a:r>
-              <a:rPr lang="en-US" altLang="ko-KR">
+              <a:rPr lang="en-US" altLang="ko-KR" dirty="0">
                 <a:latin typeface="Calibri"/>
                 <a:ea typeface="맑은 고딕"/>
                 <a:cs typeface="Calibri"/>
@@ -1890,7 +3171,7 @@
               <a:t> 수 </a:t>
             </a:r>
             <a:r>
-              <a:rPr lang="en-US" altLang="ko-KR" err="1">
+              <a:rPr lang="en-US" altLang="ko-KR" dirty="0" err="1">
                 <a:latin typeface="Calibri"/>
                 <a:ea typeface="맑은 고딕"/>
                 <a:cs typeface="Calibri"/>
@@ -1898,12 +3179,62 @@
               <a:t>없을까</a:t>
             </a:r>
             <a:r>
-              <a:rPr lang="en-US" altLang="ko-KR">
+              <a:rPr lang="en-US" altLang="ko-KR" dirty="0">
                 <a:latin typeface="Calibri"/>
                 <a:ea typeface="맑은 고딕"/>
                 <a:cs typeface="Calibri"/>
               </a:rPr>
               <a:t>. </a:t>
+            </a:r>
+          </a:p>
+          <a:p>
+            <a:r>
+              <a:rPr lang="ko-KR" altLang="en-US" dirty="0">
+                <a:latin typeface="Calibri"/>
+                <a:ea typeface="맑은 고딕"/>
+                <a:cs typeface="Calibri"/>
+              </a:rPr>
+              <a:t>다른 연구와 </a:t>
+            </a:r>
+            <a:r>
+              <a:rPr lang="ko-KR" altLang="en-US" dirty="0" err="1">
+                <a:latin typeface="Calibri"/>
+                <a:ea typeface="맑은 고딕"/>
+                <a:cs typeface="Calibri"/>
+              </a:rPr>
+              <a:t>다른점</a:t>
+            </a:r>
+            <a:r>
+              <a:rPr lang="ko-KR" altLang="en-US" dirty="0">
+                <a:latin typeface="Calibri"/>
+                <a:ea typeface="맑은 고딕"/>
+                <a:cs typeface="Calibri"/>
+              </a:rPr>
+              <a:t> </a:t>
+            </a:r>
+            <a:r>
+              <a:rPr lang="en-US" altLang="ko-KR" dirty="0">
+                <a:latin typeface="Calibri"/>
+                <a:ea typeface="맑은 고딕"/>
+                <a:cs typeface="Calibri"/>
+              </a:rPr>
+              <a:t>– agent</a:t>
+            </a:r>
+            <a:r>
+              <a:rPr lang="ko-KR" altLang="en-US" dirty="0">
+                <a:latin typeface="Calibri"/>
+                <a:ea typeface="맑은 고딕"/>
+                <a:cs typeface="Calibri"/>
+              </a:rPr>
+              <a:t>를 따로 분리를 했다</a:t>
+            </a:r>
+            <a:r>
+              <a:rPr lang="en-US" altLang="ko-KR" dirty="0">
+                <a:latin typeface="Calibri"/>
+                <a:ea typeface="맑은 고딕"/>
+                <a:cs typeface="Calibri"/>
+              </a:rPr>
+              <a:t>.</a:t>
             </a:r>
           </a:p>
         </p:txBody>
@@ -2090,7 +3421,7 @@
           <a:p>
             <a:fld id="{8A9E655F-1767-47E6-8D79-E1FF2B497DB2}" type="datetimeFigureOut">
               <a:rPr lang="ko-KR" altLang="en-US" smtClean="0"/>
-              <a:t>2022-03-13</a:t>
+              <a:t>2022-03-15</a:t>
             </a:fld>
             <a:endParaRPr lang="ko-KR" altLang="en-US"/>
           </a:p>
@@ -2288,7 +3619,7 @@
           <a:p>
             <a:fld id="{8A9E655F-1767-47E6-8D79-E1FF2B497DB2}" type="datetimeFigureOut">
               <a:rPr lang="ko-KR" altLang="en-US" smtClean="0"/>
-              <a:t>2022-03-13</a:t>
+              <a:t>2022-03-15</a:t>
             </a:fld>
             <a:endParaRPr lang="ko-KR" altLang="en-US"/>
           </a:p>
@@ -2496,7 +3827,7 @@
           <a:p>
             <a:fld id="{8A9E655F-1767-47E6-8D79-E1FF2B497DB2}" type="datetimeFigureOut">
               <a:rPr lang="ko-KR" altLang="en-US" smtClean="0"/>
-              <a:t>2022-03-13</a:t>
+              <a:t>2022-03-15</a:t>
             </a:fld>
             <a:endParaRPr lang="ko-KR" altLang="en-US"/>
           </a:p>
@@ -2694,7 +4025,7 @@
           <a:p>
             <a:fld id="{8A9E655F-1767-47E6-8D79-E1FF2B497DB2}" type="datetimeFigureOut">
               <a:rPr lang="ko-KR" altLang="en-US" smtClean="0"/>
-              <a:t>2022-03-13</a:t>
+              <a:t>2022-03-15</a:t>
             </a:fld>
             <a:endParaRPr lang="ko-KR" altLang="en-US"/>
           </a:p>
@@ -2969,7 +4300,7 @@
           <a:p>
             <a:fld id="{8A9E655F-1767-47E6-8D79-E1FF2B497DB2}" type="datetimeFigureOut">
               <a:rPr lang="ko-KR" altLang="en-US" smtClean="0"/>
-              <a:t>2022-03-13</a:t>
+              <a:t>2022-03-15</a:t>
             </a:fld>
             <a:endParaRPr lang="ko-KR" altLang="en-US"/>
           </a:p>
@@ -3234,7 +4565,7 @@
           <a:p>
             <a:fld id="{8A9E655F-1767-47E6-8D79-E1FF2B497DB2}" type="datetimeFigureOut">
               <a:rPr lang="ko-KR" altLang="en-US" smtClean="0"/>
-              <a:t>2022-03-13</a:t>
+              <a:t>2022-03-15</a:t>
             </a:fld>
             <a:endParaRPr lang="ko-KR" altLang="en-US"/>
           </a:p>
@@ -3646,7 +4977,7 @@
           <a:p>
             <a:fld id="{8A9E655F-1767-47E6-8D79-E1FF2B497DB2}" type="datetimeFigureOut">
               <a:rPr lang="ko-KR" altLang="en-US" smtClean="0"/>
-              <a:t>2022-03-13</a:t>
+              <a:t>2022-03-15</a:t>
             </a:fld>
             <a:endParaRPr lang="ko-KR" altLang="en-US"/>
           </a:p>
@@ -3787,7 +5118,7 @@
           <a:p>
             <a:fld id="{8A9E655F-1767-47E6-8D79-E1FF2B497DB2}" type="datetimeFigureOut">
               <a:rPr lang="ko-KR" altLang="en-US" smtClean="0"/>
-              <a:t>2022-03-13</a:t>
+              <a:t>2022-03-15</a:t>
             </a:fld>
             <a:endParaRPr lang="ko-KR" altLang="en-US"/>
           </a:p>
@@ -3900,7 +5231,7 @@
           <a:p>
             <a:fld id="{8A9E655F-1767-47E6-8D79-E1FF2B497DB2}" type="datetimeFigureOut">
               <a:rPr lang="ko-KR" altLang="en-US" smtClean="0"/>
-              <a:t>2022-03-13</a:t>
+              <a:t>2022-03-15</a:t>
             </a:fld>
             <a:endParaRPr lang="ko-KR" altLang="en-US"/>
           </a:p>
@@ -4211,7 +5542,7 @@
           <a:p>
             <a:fld id="{8A9E655F-1767-47E6-8D79-E1FF2B497DB2}" type="datetimeFigureOut">
               <a:rPr lang="ko-KR" altLang="en-US" smtClean="0"/>
-              <a:t>2022-03-13</a:t>
+              <a:t>2022-03-15</a:t>
             </a:fld>
             <a:endParaRPr lang="ko-KR" altLang="en-US"/>
           </a:p>
@@ -4499,7 +5830,7 @@
           <a:p>
             <a:fld id="{8A9E655F-1767-47E6-8D79-E1FF2B497DB2}" type="datetimeFigureOut">
               <a:rPr lang="ko-KR" altLang="en-US" smtClean="0"/>
-              <a:t>2022-03-13</a:t>
+              <a:t>2022-03-15</a:t>
             </a:fld>
             <a:endParaRPr lang="ko-KR" altLang="en-US"/>
           </a:p>
@@ -4740,7 +6071,7 @@
           <a:p>
             <a:fld id="{8A9E655F-1767-47E6-8D79-E1FF2B497DB2}" type="datetimeFigureOut">
               <a:rPr lang="ko-KR" altLang="en-US" smtClean="0"/>
-              <a:t>2022-03-13</a:t>
+              <a:t>2022-03-15</a:t>
             </a:fld>
             <a:endParaRPr lang="ko-KR" altLang="en-US"/>
           </a:p>
@@ -5175,7 +6506,7 @@
         </p:nvSpPr>
         <p:spPr>
           <a:xfrm>
-            <a:off x="292647" y="253756"/>
+            <a:off x="292647" y="350008"/>
             <a:ext cx="11606706" cy="744147"/>
           </a:xfrm>
         </p:spPr>
@@ -5186,7 +6517,7 @@
           <a:lstStyle/>
           <a:p>
             <a:r>
-              <a:rPr lang="en-US" altLang="ko-KR" sz="3600" b="1"/>
+              <a:rPr lang="en-US" altLang="ko-KR" sz="3600" b="1" dirty="0"/>
               <a:t>Edge-Cloud Collaborative Systems for Live Video Analytics</a:t>
             </a:r>
           </a:p>
@@ -5410,7 +6741,7 @@
               <a:buNone/>
             </a:pPr>
             <a:r>
-              <a:rPr lang="en-US" altLang="ko-KR" sz="1800"/>
+              <a:rPr lang="en-US" altLang="ko-KR" sz="1800" dirty="0"/>
               <a:t>But, processing latency benefit is quickly compromised by data transmission latency</a:t>
             </a:r>
           </a:p>
@@ -5420,19 +6751,19 @@
               <a:buChar char="Þ"/>
             </a:pPr>
             <a:r>
-              <a:rPr lang="ko-KR" altLang="en-US" sz="1800"/>
+              <a:rPr lang="ko-KR" altLang="en-US" sz="1800" dirty="0"/>
               <a:t> 핵심 문제 </a:t>
             </a:r>
             <a:r>
-              <a:rPr lang="en-US" altLang="ko-KR" sz="1800"/>
+              <a:rPr lang="en-US" altLang="ko-KR" sz="1800" dirty="0"/>
               <a:t>: </a:t>
             </a:r>
             <a:r>
-              <a:rPr lang="ko-KR" altLang="en-US" sz="1800" b="1"/>
+              <a:rPr lang="ko-KR" altLang="en-US" sz="1800" b="1" dirty="0"/>
               <a:t>어떻게 하면 네트워크로 데이터를 효과적으로 보낼 것인가</a:t>
             </a:r>
             <a:r>
-              <a:rPr lang="en-US" altLang="ko-KR" sz="1800" b="1"/>
+              <a:rPr lang="en-US" altLang="ko-KR" sz="1800" b="1" dirty="0"/>
               <a:t>?</a:t>
             </a:r>
           </a:p>
@@ -5442,15 +6773,15 @@
               <a:buChar char="§"/>
             </a:pPr>
             <a:r>
-              <a:rPr lang="en-US" altLang="ko-KR" sz="1800"/>
+              <a:rPr lang="en-US" altLang="ko-KR" sz="1800" dirty="0"/>
               <a:t>1. Split inference</a:t>
             </a:r>
             <a:r>
-              <a:rPr lang="ko-KR" altLang="en-US" sz="1800"/>
+              <a:rPr lang="ko-KR" altLang="en-US" sz="1800" dirty="0"/>
               <a:t> </a:t>
             </a:r>
             <a:r>
-              <a:rPr lang="en-US" altLang="ko-KR" sz="1800"/>
+              <a:rPr lang="en-US" altLang="ko-KR" sz="1800" dirty="0"/>
               <a:t>approach</a:t>
             </a:r>
           </a:p>
@@ -5460,7 +6791,7 @@
               <a:buChar char="§"/>
             </a:pPr>
             <a:r>
-              <a:rPr lang="en-US" altLang="ko-KR" sz="1800"/>
+              <a:rPr lang="en-US" altLang="ko-KR" sz="1800" dirty="0"/>
               <a:t>2. DNN-aware compression approach</a:t>
             </a:r>
           </a:p>
@@ -5468,7 +6799,7 @@
             <a:pPr marL="0" indent="0">
               <a:buNone/>
             </a:pPr>
-            <a:endParaRPr lang="ko-KR" altLang="en-US" sz="1800"/>
+            <a:endParaRPr lang="ko-KR" altLang="en-US" sz="1800" dirty="0"/>
           </a:p>
         </p:txBody>
       </p:sp>
@@ -5486,7 +6817,7 @@
         </p:nvSpPr>
         <p:spPr>
           <a:xfrm>
-            <a:off x="292647" y="997903"/>
+            <a:off x="292647" y="1046029"/>
             <a:ext cx="5035133" cy="2621675"/>
           </a:xfrm>
           <a:prstGeom prst="roundRect">
@@ -5514,41 +6845,41 @@
               <a:buChar char="u"/>
             </a:pPr>
             <a:r>
-              <a:rPr lang="en-US" altLang="ko-KR" sz="2000"/>
+              <a:rPr lang="en-US" altLang="ko-KR" sz="2000" dirty="0"/>
               <a:t>O</a:t>
             </a:r>
             <a:r>
-              <a:rPr lang="ko-KR" altLang="en-US" sz="2000" err="1"/>
+              <a:rPr lang="ko-KR" altLang="en-US" sz="2000" dirty="0" err="1"/>
               <a:t>n-device</a:t>
             </a:r>
             <a:r>
-              <a:rPr lang="ko-KR" altLang="en-US" sz="2000"/>
+              <a:rPr lang="ko-KR" altLang="en-US" sz="2000" dirty="0"/>
               <a:t> </a:t>
             </a:r>
             <a:r>
-              <a:rPr lang="en-US" altLang="ko-KR" sz="2000"/>
+              <a:rPr lang="en-US" altLang="ko-KR" sz="2000" dirty="0"/>
               <a:t>approach</a:t>
             </a:r>
             <a:br>
-              <a:rPr lang="en-US" altLang="ko-KR" sz="1600"/>
+              <a:rPr lang="en-US" altLang="ko-KR" sz="1600" dirty="0"/>
             </a:br>
             <a:r>
-              <a:rPr lang="en-US" altLang="ko-KR" sz="1600"/>
+              <a:rPr lang="en-US" altLang="ko-KR" sz="1600" dirty="0"/>
               <a:t>: </a:t>
             </a:r>
             <a:r>
-              <a:rPr lang="ko-KR" altLang="en-US" sz="1600"/>
+              <a:rPr lang="ko-KR" altLang="en-US" sz="1600" dirty="0"/>
               <a:t>비디오가 </a:t>
             </a:r>
             <a:r>
-              <a:rPr lang="ko-KR" altLang="en-US" sz="1600" err="1"/>
+              <a:rPr lang="ko-KR" altLang="en-US" sz="1600" dirty="0" err="1"/>
               <a:t>캡쳐되는</a:t>
             </a:r>
             <a:r>
-              <a:rPr lang="ko-KR" altLang="en-US" sz="1600"/>
+              <a:rPr lang="ko-KR" altLang="en-US" sz="1600" dirty="0"/>
               <a:t> 기기 자체에서 처리</a:t>
             </a:r>
-            <a:endParaRPr lang="en-US" altLang="ko-KR" sz="1600"/>
+            <a:endParaRPr lang="en-US" altLang="ko-KR" sz="1600" dirty="0"/>
           </a:p>
           <a:p>
             <a:pPr marL="800100" lvl="1" indent="-342900">
@@ -5559,60 +6890,60 @@
               <a:buChar char="ü"/>
             </a:pPr>
             <a:r>
-              <a:rPr lang="ko-KR" altLang="en-US" sz="1600">
+              <a:rPr lang="ko-KR" altLang="en-US" sz="1600" dirty="0">
                 <a:ea typeface="맑은 고딕"/>
               </a:rPr>
               <a:t>장점 </a:t>
             </a:r>
             <a:r>
-              <a:rPr lang="en-US" altLang="ko-KR" sz="1600">
+              <a:rPr lang="en-US" altLang="ko-KR" sz="1600" dirty="0">
                 <a:ea typeface="맑은 고딕"/>
               </a:rPr>
               <a:t>- </a:t>
             </a:r>
             <a:r>
-              <a:rPr lang="ko-KR" altLang="en-US" sz="1600">
+              <a:rPr lang="ko-KR" altLang="en-US" sz="1600" dirty="0">
                 <a:ea typeface="맑은 고딕"/>
               </a:rPr>
               <a:t>자체에서 처리하기 때문에 효과적</a:t>
             </a:r>
             <a:r>
-              <a:rPr lang="en-US" altLang="ko-KR" sz="1600">
+              <a:rPr lang="en-US" altLang="ko-KR" sz="1600" dirty="0">
                 <a:ea typeface="맑은 고딕"/>
               </a:rPr>
               <a:t>, </a:t>
             </a:r>
             <a:br>
-              <a:rPr lang="en-US" altLang="ko-KR" sz="1600"/>
+              <a:rPr lang="en-US" altLang="ko-KR" sz="1600" dirty="0"/>
             </a:br>
             <a:r>
-              <a:rPr lang="en-US" altLang="ko-KR" sz="1600">
+              <a:rPr lang="en-US" altLang="ko-KR" sz="1600" dirty="0">
                 <a:ea typeface="맑은 고딕"/>
               </a:rPr>
               <a:t>       - </a:t>
             </a:r>
             <a:r>
-              <a:rPr lang="ko-KR" altLang="en-US" sz="1600">
+              <a:rPr lang="ko-KR" altLang="en-US" sz="1600" dirty="0">
                 <a:ea typeface="맑은 고딕"/>
               </a:rPr>
               <a:t>네트워크 영향을 덜 받음</a:t>
             </a:r>
             <a:br>
-              <a:rPr lang="en-US" altLang="ko-KR" sz="1600"/>
+              <a:rPr lang="en-US" altLang="ko-KR" sz="1600" dirty="0"/>
             </a:br>
             <a:r>
-              <a:rPr lang="en-US" altLang="ko-KR" sz="1600">
+              <a:rPr lang="en-US" altLang="ko-KR" sz="1600" dirty="0">
                 <a:ea typeface="맑은 고딕"/>
               </a:rPr>
               <a:t>       - </a:t>
             </a:r>
             <a:r>
-              <a:rPr lang="ko-KR" altLang="en-US" sz="1600">
+              <a:rPr lang="ko-KR" altLang="en-US" sz="1600" dirty="0">
                 <a:ea typeface="맑은 고딕"/>
               </a:rPr>
               <a:t>프라이버시 우려가 적음</a:t>
             </a:r>
-            <a:endParaRPr lang="en-US" altLang="ko-KR" sz="1600">
+            <a:endParaRPr lang="en-US" altLang="ko-KR" sz="1600" dirty="0">
               <a:ea typeface="맑은 고딕"/>
             </a:endParaRPr>
           </a:p>
@@ -5625,53 +6956,53 @@
               <a:buChar char="ü"/>
             </a:pPr>
             <a:r>
-              <a:rPr lang="ko-KR" altLang="en-US" sz="1600"/>
+              <a:rPr lang="ko-KR" altLang="en-US" sz="1600" dirty="0"/>
               <a:t>한계점 </a:t>
             </a:r>
             <a:r>
-              <a:rPr lang="en-US" altLang="ko-KR" sz="1600"/>
+              <a:rPr lang="en-US" altLang="ko-KR" sz="1600" dirty="0"/>
               <a:t>- </a:t>
             </a:r>
             <a:r>
-              <a:rPr lang="ko-KR" altLang="en-US" sz="1600"/>
+              <a:rPr lang="ko-KR" altLang="en-US" sz="1600" dirty="0"/>
               <a:t>단일모델의 </a:t>
             </a:r>
             <a:r>
-              <a:rPr lang="en-US" altLang="ko-KR" sz="1600"/>
+              <a:rPr lang="en-US" altLang="ko-KR" sz="1600" dirty="0"/>
               <a:t>execution </a:t>
             </a:r>
             <a:r>
-              <a:rPr lang="ko-KR" altLang="en-US" sz="1600"/>
+              <a:rPr lang="ko-KR" altLang="en-US" sz="1600" dirty="0"/>
               <a:t>만 가능</a:t>
             </a:r>
             <a:br>
-              <a:rPr lang="en-US" altLang="ko-KR" sz="1600"/>
+              <a:rPr lang="en-US" altLang="ko-KR" sz="1600" dirty="0"/>
             </a:br>
             <a:r>
-              <a:rPr lang="en-US" altLang="ko-KR" sz="1600"/>
+              <a:rPr lang="en-US" altLang="ko-KR" sz="1600" dirty="0"/>
               <a:t>	- </a:t>
             </a:r>
             <a:r>
-              <a:rPr lang="ko-KR" altLang="en-US" sz="1600"/>
+              <a:rPr lang="ko-KR" altLang="en-US" sz="1600" dirty="0"/>
               <a:t>복잡한 </a:t>
             </a:r>
             <a:r>
-              <a:rPr lang="en-US" altLang="ko-KR" sz="1600"/>
+              <a:rPr lang="en-US" altLang="ko-KR" sz="1600" dirty="0"/>
               <a:t>task</a:t>
             </a:r>
             <a:r>
-              <a:rPr lang="ko-KR" altLang="en-US" sz="1600"/>
+              <a:rPr lang="ko-KR" altLang="en-US" sz="1600" dirty="0"/>
               <a:t>는 무리가 됨</a:t>
             </a:r>
             <a:br>
-              <a:rPr lang="en-US" altLang="ko-KR" sz="1600"/>
+              <a:rPr lang="en-US" altLang="ko-KR" sz="1600" dirty="0"/>
             </a:br>
             <a:r>
-              <a:rPr lang="en-US" altLang="ko-KR" sz="1600"/>
+              <a:rPr lang="en-US" altLang="ko-KR" sz="1600" dirty="0"/>
               <a:t>	- resolution</a:t>
             </a:r>
             <a:r>
-              <a:rPr lang="ko-KR" altLang="en-US" sz="1600"/>
+              <a:rPr lang="ko-KR" altLang="en-US" sz="1600" dirty="0"/>
               <a:t>이 낮은 것만 빨리 됨</a:t>
             </a:r>
           </a:p>
@@ -5691,7 +7022,7 @@
         </p:nvSpPr>
         <p:spPr>
           <a:xfrm>
-            <a:off x="5477069" y="1022088"/>
+            <a:off x="5477069" y="1070214"/>
             <a:ext cx="6422284" cy="2597490"/>
           </a:xfrm>
           <a:prstGeom prst="roundRect">
@@ -5732,78 +7063,84 @@
           </a:lstStyle>
           <a:p>
             <a:r>
-              <a:rPr lang="en-US" altLang="ko-KR"/>
+              <a:rPr lang="en-US" altLang="ko-KR" dirty="0"/>
               <a:t>Edge-cloud collaborative : </a:t>
             </a:r>
             <a:r>
-              <a:rPr lang="ko-KR" altLang="en-US" sz="1600"/>
+              <a:rPr lang="ko-KR" altLang="en-US" sz="1600" dirty="0"/>
               <a:t>데이터를 클라우드에 넘겨서</a:t>
             </a:r>
             <a:r>
-              <a:rPr lang="en-US" altLang="ko-KR" sz="1600"/>
+              <a:rPr lang="en-US" altLang="ko-KR" sz="1600" dirty="0"/>
               <a:t>, </a:t>
             </a:r>
             <a:r>
-              <a:rPr lang="ko-KR" altLang="en-US" sz="1600"/>
+              <a:rPr lang="ko-KR" altLang="en-US" sz="1600" dirty="0"/>
               <a:t>클라우드가 처리한 후 기기로 다시 넘기는 형식</a:t>
             </a:r>
-            <a:endParaRPr lang="en-US" altLang="ko-KR" sz="1600"/>
+            <a:endParaRPr lang="en-US" altLang="ko-KR" sz="1600" dirty="0"/>
           </a:p>
           <a:p>
             <a:pPr lvl="1"/>
             <a:r>
-              <a:rPr lang="en-US" altLang="ko-KR"/>
+              <a:rPr lang="en-US" altLang="ko-KR" dirty="0"/>
               <a:t>On device</a:t>
             </a:r>
             <a:r>
-              <a:rPr lang="ko-KR" altLang="en-US"/>
+              <a:rPr lang="ko-KR" altLang="en-US" dirty="0"/>
               <a:t>가 가지는 한계점들을 극복해 줄 가능성이 있음</a:t>
             </a:r>
-            <a:endParaRPr lang="en-US" altLang="ko-KR"/>
+            <a:endParaRPr lang="en-US" altLang="ko-KR" dirty="0"/>
           </a:p>
           <a:p>
             <a:pPr lvl="1"/>
             <a:r>
-              <a:rPr lang="en-US" altLang="ko-KR"/>
+              <a:rPr lang="en-US" altLang="ko-KR" dirty="0"/>
               <a:t>Powerful computing resources - 20</a:t>
             </a:r>
             <a:r>
-              <a:rPr lang="ko-KR" altLang="en-US"/>
+              <a:rPr lang="ko-KR" altLang="en-US" dirty="0"/>
               <a:t>배 정도</a:t>
             </a:r>
-            <a:endParaRPr lang="en-US" altLang="ko-KR"/>
+            <a:endParaRPr lang="en-US" altLang="ko-KR" dirty="0"/>
           </a:p>
           <a:p>
             <a:pPr lvl="1"/>
             <a:r>
-              <a:rPr lang="ko-KR" altLang="en-US"/>
+              <a:rPr lang="ko-KR" altLang="en-US" dirty="0"/>
               <a:t>네트워크 문제 </a:t>
             </a:r>
             <a:r>
-              <a:rPr lang="en-US" altLang="ko-KR"/>
+              <a:rPr lang="en-US" altLang="ko-KR" dirty="0"/>
               <a:t>– </a:t>
             </a:r>
             <a:r>
-              <a:rPr lang="ko-KR" altLang="en-US"/>
+              <a:rPr lang="ko-KR" altLang="en-US" dirty="0"/>
               <a:t>현재 많이 고민되고 있음</a:t>
             </a:r>
-            <a:endParaRPr lang="en-US" altLang="ko-KR"/>
+            <a:endParaRPr lang="en-US" altLang="ko-KR" dirty="0"/>
           </a:p>
           <a:p>
             <a:pPr lvl="1"/>
             <a:r>
-              <a:rPr lang="ko-KR" altLang="en-US"/>
+              <a:rPr lang="ko-KR" altLang="en-US" dirty="0"/>
               <a:t>프라이버시 문제 </a:t>
             </a:r>
             <a:r>
-              <a:rPr lang="en-US" altLang="ko-KR"/>
+              <a:rPr lang="en-US" altLang="ko-KR" dirty="0"/>
               <a:t>– </a:t>
             </a:r>
             <a:r>
-              <a:rPr lang="ko-KR" altLang="en-US"/>
+              <a:rPr lang="ko-KR" altLang="en-US" dirty="0"/>
               <a:t>해결하기 위한 다양한 노력</a:t>
             </a:r>
-            <a:endParaRPr lang="en-US" altLang="ko-KR"/>
+            <a:endParaRPr lang="en-US" altLang="ko-KR" dirty="0"/>
+          </a:p>
+          <a:p>
+            <a:pPr marL="457200" lvl="1" indent="0">
+              <a:buNone/>
+            </a:pPr>
+            <a:endParaRPr lang="en-US" altLang="ko-KR" dirty="0"/>
           </a:p>
           <a:p>
             <a:pPr lvl="1">
@@ -5811,27 +7148,21 @@
               <a:buChar char="Þ"/>
             </a:pPr>
             <a:r>
-              <a:rPr lang="ko-KR" altLang="en-US"/>
+              <a:rPr lang="ko-KR" altLang="en-US" b="1" dirty="0"/>
               <a:t>주목 해봐야 할 만한 </a:t>
             </a:r>
             <a:r>
-              <a:rPr lang="en-US" altLang="ko-KR"/>
+              <a:rPr lang="en-US" altLang="ko-KR" b="1" dirty="0"/>
               <a:t>approach </a:t>
             </a:r>
             <a:r>
-              <a:rPr lang="ko-KR" altLang="en-US"/>
+              <a:rPr lang="ko-KR" altLang="en-US" b="1" dirty="0"/>
               <a:t>이다</a:t>
             </a:r>
             <a:r>
-              <a:rPr lang="en-US" altLang="ko-KR"/>
+              <a:rPr lang="en-US" altLang="ko-KR" b="1" dirty="0"/>
               <a:t>.</a:t>
             </a:r>
-          </a:p>
-          <a:p>
-            <a:pPr marL="457200" lvl="1" indent="0">
-              <a:buNone/>
-            </a:pPr>
-            <a:endParaRPr lang="en-US" altLang="ko-KR"/>
           </a:p>
         </p:txBody>
       </p:sp>
@@ -5850,14 +7181,14 @@
           <p:nvPr/>
         </p:nvPicPr>
         <p:blipFill>
-          <a:blip r:embed="rId2"/>
+          <a:blip r:embed="rId3"/>
           <a:stretch>
             <a:fillRect/>
           </a:stretch>
         </p:blipFill>
         <p:spPr>
           <a:xfrm>
-            <a:off x="2810213" y="3690093"/>
+            <a:off x="2810213" y="3738219"/>
             <a:ext cx="5940210" cy="1347264"/>
           </a:xfrm>
           <a:prstGeom prst="rect">
@@ -5865,6 +7196,93 @@
           </a:prstGeom>
         </p:spPr>
       </p:pic>
+      <p:sp>
+        <p:nvSpPr>
+          <p:cNvPr id="8" name="TextBox 7">
+            <a:extLst>
+              <a:ext uri="{FF2B5EF4-FFF2-40B4-BE49-F238E27FC236}">
+                <a16:creationId xmlns:a16="http://schemas.microsoft.com/office/drawing/2014/main" id="{18B41561-B436-4140-940B-1DB86753C536}"/>
+              </a:ext>
+            </a:extLst>
+          </p:cNvPr>
+          <p:cNvSpPr txBox="1"/>
+          <p:nvPr/>
+        </p:nvSpPr>
+        <p:spPr>
+          <a:xfrm>
+            <a:off x="8514348" y="69090"/>
+            <a:ext cx="3613484" cy="369332"/>
+          </a:xfrm>
+          <a:prstGeom prst="rect">
+            <a:avLst/>
+          </a:prstGeom>
+          <a:solidFill>
+            <a:srgbClr val="DEEBF7">
+              <a:alpha val="50196"/>
+            </a:srgbClr>
+          </a:solidFill>
+        </p:spPr>
+        <p:txBody>
+          <a:bodyPr wrap="square">
+            <a:spAutoFit/>
+          </a:bodyPr>
+          <a:lstStyle/>
+          <a:p>
+            <a:r>
+              <a:rPr lang="ko-KR" altLang="en-US" b="0" i="0" dirty="0">
+                <a:solidFill>
+                  <a:srgbClr val="030303"/>
+                </a:solidFill>
+                <a:effectLst/>
+                <a:latin typeface="Roboto" panose="02000000000000000000" pitchFamily="2" charset="0"/>
+              </a:rPr>
+              <a:t>서울대 컴퓨터공학부 이영기 교수</a:t>
+            </a:r>
+            <a:endParaRPr lang="ko-KR" altLang="en-US" dirty="0"/>
+          </a:p>
+        </p:txBody>
+      </p:sp>
+      <p:sp>
+        <p:nvSpPr>
+          <p:cNvPr id="10" name="TextBox 9">
+            <a:extLst>
+              <a:ext uri="{FF2B5EF4-FFF2-40B4-BE49-F238E27FC236}">
+                <a16:creationId xmlns:a16="http://schemas.microsoft.com/office/drawing/2014/main" id="{3E82B874-EA43-47F5-A61F-21CE5E197DC4}"/>
+              </a:ext>
+            </a:extLst>
+          </p:cNvPr>
+          <p:cNvSpPr txBox="1"/>
+          <p:nvPr/>
+        </p:nvSpPr>
+        <p:spPr>
+          <a:xfrm>
+            <a:off x="292647" y="154148"/>
+            <a:ext cx="6096000" cy="369332"/>
+          </a:xfrm>
+          <a:prstGeom prst="rect">
+            <a:avLst/>
+          </a:prstGeom>
+          <a:noFill/>
+        </p:spPr>
+        <p:txBody>
+          <a:bodyPr wrap="square">
+            <a:spAutoFit/>
+          </a:bodyPr>
+          <a:lstStyle/>
+          <a:p>
+            <a:r>
+              <a:rPr lang="ko-KR" altLang="en-US" dirty="0">
+                <a:solidFill>
+                  <a:schemeClr val="bg2">
+                    <a:lumMod val="75000"/>
+                  </a:schemeClr>
+                </a:solidFill>
+              </a:rPr>
+              <a:t>실시간 영상 분석을 위한 최신 기술</a:t>
+            </a:r>
+          </a:p>
+        </p:txBody>
+      </p:sp>
     </p:spTree>
     <p:extLst>
       <p:ext uri="{BB962C8B-B14F-4D97-AF65-F5344CB8AC3E}">
@@ -5897,41 +7315,6 @@
       </p:grpSpPr>
       <p:sp>
         <p:nvSpPr>
-          <p:cNvPr id="2" name="제목 1">
-            <a:extLst>
-              <a:ext uri="{FF2B5EF4-FFF2-40B4-BE49-F238E27FC236}">
-                <a16:creationId xmlns:a16="http://schemas.microsoft.com/office/drawing/2014/main" id="{E145F6C6-1DB4-4CB6-BAC3-26838AF58E9A}"/>
-              </a:ext>
-            </a:extLst>
-          </p:cNvPr>
-          <p:cNvSpPr>
-            <a:spLocks noGrp="1"/>
-          </p:cNvSpPr>
-          <p:nvPr>
-            <p:ph type="title"/>
-          </p:nvPr>
-        </p:nvSpPr>
-        <p:spPr>
-          <a:xfrm>
-            <a:off x="292647" y="253756"/>
-            <a:ext cx="11606706" cy="744147"/>
-          </a:xfrm>
-        </p:spPr>
-        <p:txBody>
-          <a:bodyPr>
-            <a:normAutofit fontScale="90000"/>
-          </a:bodyPr>
-          <a:lstStyle/>
-          <a:p>
-            <a:r>
-              <a:rPr lang="en-US" altLang="ko-KR" sz="3600" b="1"/>
-              <a:t>Edge-Cloud Collaborative Systems for Live Video Analytics</a:t>
-            </a:r>
-          </a:p>
-        </p:txBody>
-      </p:sp>
-      <p:sp>
-        <p:nvSpPr>
           <p:cNvPr id="13" name="TextBox 12">
             <a:extLst>
               <a:ext uri="{FF2B5EF4-FFF2-40B4-BE49-F238E27FC236}">
@@ -5944,7 +7327,7 @@
         </p:nvSpPr>
         <p:spPr>
           <a:xfrm>
-            <a:off x="292647" y="997903"/>
+            <a:off x="292647" y="1071342"/>
             <a:ext cx="5708103" cy="4986099"/>
           </a:xfrm>
           <a:prstGeom prst="roundRect">
@@ -5972,30 +7355,30 @@
               <a:buChar char="u"/>
             </a:pPr>
             <a:r>
-              <a:rPr lang="en-US" altLang="ko-KR" sz="2000"/>
+              <a:rPr lang="en-US" altLang="ko-KR" sz="2000" dirty="0"/>
               <a:t>Split inference</a:t>
             </a:r>
             <a:r>
-              <a:rPr lang="ko-KR" altLang="en-US" sz="2000"/>
+              <a:rPr lang="ko-KR" altLang="en-US" sz="2000" dirty="0"/>
               <a:t> </a:t>
             </a:r>
             <a:r>
-              <a:rPr lang="en-US" altLang="ko-KR" sz="2000"/>
+              <a:rPr lang="en-US" altLang="ko-KR" sz="2000" dirty="0"/>
               <a:t>approach</a:t>
             </a:r>
             <a:br>
-              <a:rPr lang="en-US" altLang="ko-KR" sz="1600"/>
+              <a:rPr lang="en-US" altLang="ko-KR" sz="1600" dirty="0"/>
             </a:br>
             <a:r>
-              <a:rPr lang="en-US" altLang="ko-KR" sz="1600"/>
+              <a:rPr lang="en-US" altLang="ko-KR" sz="1600" dirty="0"/>
               <a:t>: </a:t>
             </a:r>
             <a:r>
-              <a:rPr lang="ko-KR" altLang="en-US" sz="1600"/>
+              <a:rPr lang="ko-KR" altLang="en-US" sz="1600" dirty="0"/>
               <a:t>처리 구조화를 잘 하자</a:t>
             </a:r>
             <a:r>
-              <a:rPr lang="en-US" altLang="ko-KR" sz="1600"/>
+              <a:rPr lang="en-US" altLang="ko-KR" sz="1600" dirty="0"/>
               <a:t>. </a:t>
             </a:r>
           </a:p>
@@ -6008,19 +7391,19 @@
               <a:buChar char="v"/>
             </a:pPr>
             <a:r>
-              <a:rPr lang="en-US" altLang="ko-KR" u="sng">
+              <a:rPr lang="en-US" altLang="ko-KR" u="sng" dirty="0">
                 <a:ea typeface="맑은 고딕"/>
               </a:rPr>
               <a:t>Layer-aware Split Inference</a:t>
             </a:r>
             <a:r>
-              <a:rPr lang="en-US" altLang="ko-KR">
+              <a:rPr lang="en-US" altLang="ko-KR" dirty="0">
                 <a:ea typeface="맑은 고딕"/>
               </a:rPr>
               <a:t> </a:t>
             </a:r>
             <a:r>
-              <a:rPr lang="en-US" altLang="ko-KR">
+              <a:rPr lang="en-US" altLang="ko-KR" dirty="0">
                 <a:solidFill>
                   <a:schemeClr val="bg2">
                     <a:lumMod val="75000"/>
@@ -6040,11 +7423,11 @@
               <a:buChar char="ü"/>
             </a:pPr>
             <a:r>
-              <a:rPr lang="en-US" altLang="ko-KR" sz="1600"/>
+              <a:rPr lang="en-US" altLang="ko-KR" sz="1600" dirty="0"/>
               <a:t>Edge-only inference </a:t>
             </a:r>
             <a:r>
-              <a:rPr lang="en-US" altLang="ko-KR" sz="1600">
+              <a:rPr lang="en-US" altLang="ko-KR" sz="1600" dirty="0">
                 <a:solidFill>
                   <a:schemeClr val="bg2">
                     <a:lumMod val="50000"/>
@@ -6054,7 +7437,7 @@
               <a:t>: </a:t>
             </a:r>
             <a:r>
-              <a:rPr lang="ko-KR" altLang="en-US" sz="1600">
+              <a:rPr lang="ko-KR" altLang="en-US" sz="1600" dirty="0">
                 <a:solidFill>
                   <a:schemeClr val="bg2">
                     <a:lumMod val="50000"/>
@@ -6064,7 +7447,7 @@
               <a:t>기기 자원 제약</a:t>
             </a:r>
             <a:br>
-              <a:rPr lang="en-US" altLang="ko-KR" sz="1600">
+              <a:rPr lang="en-US" altLang="ko-KR" sz="1600" dirty="0">
                 <a:solidFill>
                   <a:schemeClr val="bg2">
                     <a:lumMod val="50000"/>
@@ -6073,7 +7456,7 @@
               </a:rPr>
             </a:br>
             <a:r>
-              <a:rPr lang="en-US" altLang="ko-KR" sz="1600"/>
+              <a:rPr lang="en-US" altLang="ko-KR" sz="1600" dirty="0"/>
               <a:t>= large latency, energy consumption</a:t>
             </a:r>
           </a:p>
@@ -6086,11 +7469,11 @@
               <a:buChar char="ü"/>
             </a:pPr>
             <a:r>
-              <a:rPr lang="en-US" altLang="ko-KR" sz="1600"/>
+              <a:rPr lang="en-US" altLang="ko-KR" sz="1600" dirty="0"/>
               <a:t>Cloud-only inference </a:t>
             </a:r>
             <a:r>
-              <a:rPr lang="en-US" altLang="ko-KR" sz="1600">
+              <a:rPr lang="en-US" altLang="ko-KR" sz="1600" dirty="0">
                 <a:solidFill>
                   <a:schemeClr val="bg2">
                     <a:lumMod val="50000"/>
@@ -6100,7 +7483,7 @@
               <a:t>: </a:t>
             </a:r>
             <a:r>
-              <a:rPr lang="ko-KR" altLang="en-US" sz="1600">
+              <a:rPr lang="ko-KR" altLang="en-US" sz="1600" dirty="0">
                 <a:solidFill>
                   <a:schemeClr val="bg2">
                     <a:lumMod val="50000"/>
@@ -6110,22 +7493,22 @@
               <a:t>네트워크 제약</a:t>
             </a:r>
             <a:br>
-              <a:rPr lang="en-US" altLang="ko-KR" sz="1600"/>
+              <a:rPr lang="en-US" altLang="ko-KR" sz="1600" dirty="0"/>
             </a:br>
             <a:r>
-              <a:rPr lang="en-US" altLang="ko-KR" sz="1600"/>
+              <a:rPr lang="en-US" altLang="ko-KR" sz="1600" dirty="0"/>
               <a:t>= network condition</a:t>
             </a:r>
             <a:r>
-              <a:rPr lang="ko-KR" altLang="en-US" sz="1600"/>
+              <a:rPr lang="ko-KR" altLang="en-US" sz="1600" dirty="0"/>
               <a:t>에 </a:t>
             </a:r>
             <a:r>
-              <a:rPr lang="en-US" altLang="ko-KR" sz="1600"/>
+              <a:rPr lang="en-US" altLang="ko-KR" sz="1600" dirty="0"/>
               <a:t>vulnerable </a:t>
             </a:r>
             <a:r>
-              <a:rPr lang="ko-KR" altLang="en-US" sz="1600"/>
+              <a:rPr lang="ko-KR" altLang="en-US" sz="1600" dirty="0"/>
               <a:t>함</a:t>
             </a:r>
           </a:p>
@@ -6138,11 +7521,11 @@
               <a:buChar char="ü"/>
             </a:pPr>
             <a:r>
-              <a:rPr lang="en-US" altLang="ko-KR" sz="1600" b="1"/>
+              <a:rPr lang="en-US" altLang="ko-KR" sz="1600" b="1" dirty="0"/>
               <a:t>Split inference </a:t>
             </a:r>
             <a:r>
-              <a:rPr lang="en-US" altLang="ko-KR" sz="1600">
+              <a:rPr lang="en-US" altLang="ko-KR" sz="1600" dirty="0">
                 <a:solidFill>
                   <a:schemeClr val="bg2">
                     <a:lumMod val="50000"/>
@@ -6152,7 +7535,7 @@
               <a:t>: </a:t>
             </a:r>
             <a:r>
-              <a:rPr lang="ko-KR" altLang="en-US" sz="1600">
+              <a:rPr lang="ko-KR" altLang="en-US" sz="1600" dirty="0">
                 <a:solidFill>
                   <a:schemeClr val="bg2">
                     <a:lumMod val="50000"/>
@@ -6162,24 +7545,24 @@
               <a:t>둘을 잘 나눠서 같이함 </a:t>
             </a:r>
             <a:br>
-              <a:rPr lang="en-US" altLang="ko-KR" sz="1600"/>
+              <a:rPr lang="en-US" altLang="ko-KR" sz="1600" dirty="0"/>
             </a:br>
             <a:r>
-              <a:rPr lang="en-US" altLang="ko-KR" sz="1600"/>
+              <a:rPr lang="en-US" altLang="ko-KR" sz="1600" dirty="0"/>
               <a:t>= fast, energy-efficient, robust</a:t>
             </a:r>
             <a:br>
-              <a:rPr lang="en-US" altLang="ko-KR" sz="1600"/>
+              <a:rPr lang="en-US" altLang="ko-KR" sz="1600" dirty="0"/>
             </a:br>
             <a:r>
-              <a:rPr lang="en-US" altLang="ko-KR" sz="1600"/>
+              <a:rPr lang="en-US" altLang="ko-KR" sz="1600" dirty="0"/>
               <a:t>   </a:t>
             </a:r>
             <a:r>
-              <a:rPr lang="ko-KR" altLang="en-US" sz="1600"/>
+              <a:rPr lang="ko-KR" altLang="en-US" sz="1600" dirty="0"/>
               <a:t>빠르면서 효과적임</a:t>
             </a:r>
-            <a:endParaRPr lang="en-US" altLang="ko-KR" sz="1600"/>
+            <a:endParaRPr lang="en-US" altLang="ko-KR" sz="1600" dirty="0"/>
           </a:p>
           <a:p>
             <a:pPr marL="800100" lvl="1" indent="-342900">
@@ -6190,19 +7573,19 @@
               <a:buChar char="v"/>
             </a:pPr>
             <a:r>
-              <a:rPr lang="en-US" altLang="ko-KR" u="sng">
+              <a:rPr lang="en-US" altLang="ko-KR" u="sng" dirty="0">
                 <a:ea typeface="맑은 고딕"/>
               </a:rPr>
               <a:t>Content-aware Split Inference</a:t>
             </a:r>
             <a:r>
-              <a:rPr lang="en-US" altLang="ko-KR">
+              <a:rPr lang="en-US" altLang="ko-KR" dirty="0">
                 <a:ea typeface="맑은 고딕"/>
               </a:rPr>
               <a:t> </a:t>
             </a:r>
             <a:r>
-              <a:rPr lang="en-US" altLang="ko-KR">
+              <a:rPr lang="en-US" altLang="ko-KR" dirty="0">
                 <a:solidFill>
                   <a:schemeClr val="bg2">
                     <a:lumMod val="75000"/>
@@ -6222,10 +7605,10 @@
               <a:buChar char="ü"/>
             </a:pPr>
             <a:r>
-              <a:rPr lang="ko-KR" altLang="en-US" sz="1600"/>
+              <a:rPr lang="ko-KR" altLang="en-US" sz="1600" dirty="0"/>
               <a:t>이미지의 내용별로 나눔</a:t>
             </a:r>
-            <a:endParaRPr lang="en-US" altLang="ko-KR" sz="1600"/>
+            <a:endParaRPr lang="en-US" altLang="ko-KR" sz="1600" dirty="0"/>
           </a:p>
           <a:p>
             <a:pPr marL="1257300" lvl="2" indent="-342900">
@@ -6236,26 +7619,26 @@
               <a:buChar char="ü"/>
             </a:pPr>
             <a:r>
-              <a:rPr lang="en-US" altLang="ko-KR" sz="1600"/>
+              <a:rPr lang="en-US" altLang="ko-KR" sz="1600" dirty="0"/>
               <a:t>Face detection, Lightweight</a:t>
             </a:r>
             <a:br>
-              <a:rPr lang="en-US" altLang="ko-KR" sz="1600"/>
+              <a:rPr lang="en-US" altLang="ko-KR" sz="1600" dirty="0"/>
             </a:br>
             <a:r>
-              <a:rPr lang="ko-KR" altLang="en-US" sz="1600"/>
+              <a:rPr lang="ko-KR" altLang="en-US" sz="1600" dirty="0"/>
               <a:t>큰</a:t>
             </a:r>
             <a:r>
-              <a:rPr lang="en-US" altLang="ko-KR" sz="1600"/>
+              <a:rPr lang="en-US" altLang="ko-KR" sz="1600" dirty="0"/>
               <a:t>, </a:t>
             </a:r>
             <a:r>
-              <a:rPr lang="ko-KR" altLang="en-US" sz="1600"/>
+              <a:rPr lang="ko-KR" altLang="en-US" sz="1600" dirty="0"/>
               <a:t>쉬운 영역 </a:t>
             </a:r>
             <a:r>
-              <a:rPr lang="en-US" altLang="ko-KR" sz="1600"/>
+              <a:rPr lang="en-US" altLang="ko-KR" sz="1600" dirty="0"/>
               <a:t>-&gt; On-device</a:t>
             </a:r>
           </a:p>
@@ -6268,34 +7651,34 @@
               <a:buChar char="ü"/>
             </a:pPr>
             <a:r>
-              <a:rPr lang="en-US" altLang="ko-KR" sz="1600"/>
+              <a:rPr lang="en-US" altLang="ko-KR" sz="1600" dirty="0"/>
               <a:t>Heavy, Identity clarification</a:t>
             </a:r>
             <a:br>
-              <a:rPr lang="en-US" altLang="ko-KR" sz="1600"/>
+              <a:rPr lang="en-US" altLang="ko-KR" sz="1600" dirty="0"/>
             </a:br>
             <a:r>
-              <a:rPr lang="ko-KR" altLang="en-US" sz="1600"/>
+              <a:rPr lang="ko-KR" altLang="en-US" sz="1600" dirty="0"/>
               <a:t>작은</a:t>
             </a:r>
             <a:r>
-              <a:rPr lang="en-US" altLang="ko-KR" sz="1600"/>
+              <a:rPr lang="en-US" altLang="ko-KR" sz="1600" dirty="0"/>
               <a:t>, </a:t>
             </a:r>
             <a:r>
-              <a:rPr lang="ko-KR" altLang="en-US" sz="1600"/>
+              <a:rPr lang="ko-KR" altLang="en-US" sz="1600" dirty="0"/>
               <a:t>세밀한</a:t>
             </a:r>
             <a:r>
-              <a:rPr lang="en-US" altLang="ko-KR" sz="1600"/>
+              <a:rPr lang="en-US" altLang="ko-KR" sz="1600" dirty="0"/>
               <a:t> </a:t>
             </a:r>
             <a:r>
-              <a:rPr lang="ko-KR" altLang="en-US" sz="1600"/>
+              <a:rPr lang="ko-KR" altLang="en-US" sz="1600" dirty="0"/>
               <a:t>영역 </a:t>
             </a:r>
             <a:r>
-              <a:rPr lang="en-US" altLang="ko-KR" sz="1600"/>
+              <a:rPr lang="en-US" altLang="ko-KR" sz="1600" dirty="0"/>
               <a:t>-&gt; Cloud</a:t>
             </a:r>
           </a:p>
@@ -6315,7 +7698,7 @@
         </p:nvSpPr>
         <p:spPr>
           <a:xfrm>
-            <a:off x="6215063" y="957263"/>
+            <a:off x="6215063" y="1030702"/>
             <a:ext cx="5684289" cy="3901796"/>
           </a:xfrm>
           <a:prstGeom prst="roundRect">
@@ -6356,45 +7739,45 @@
           </a:lstStyle>
           <a:p>
             <a:r>
-              <a:rPr lang="en-US" altLang="ko-KR" sz="2000"/>
+              <a:rPr lang="en-US" altLang="ko-KR" sz="2000" dirty="0"/>
               <a:t>DNN-aware compression approach</a:t>
             </a:r>
             <a:br>
-              <a:rPr lang="en-US" altLang="ko-KR" sz="2000"/>
+              <a:rPr lang="en-US" altLang="ko-KR" sz="2000" dirty="0"/>
             </a:br>
             <a:r>
-              <a:rPr lang="en-US" altLang="ko-KR" sz="2000"/>
+              <a:rPr lang="en-US" altLang="ko-KR" sz="2000" dirty="0"/>
               <a:t> </a:t>
             </a:r>
             <a:r>
-              <a:rPr lang="en-US" altLang="ko-KR" sz="1600"/>
+              <a:rPr lang="en-US" altLang="ko-KR" sz="1600" dirty="0"/>
               <a:t>:</a:t>
             </a:r>
             <a:r>
-              <a:rPr lang="ko-KR" altLang="en-US" sz="1600"/>
+              <a:rPr lang="ko-KR" altLang="en-US" sz="1600" dirty="0"/>
               <a:t> 데이터를 압축해서 보내자 </a:t>
             </a:r>
-            <a:endParaRPr lang="en-US" altLang="ko-KR" sz="1600"/>
+            <a:endParaRPr lang="en-US" altLang="ko-KR" sz="1600" dirty="0"/>
           </a:p>
           <a:p>
             <a:pPr lvl="1"/>
             <a:r>
-              <a:rPr lang="en-US" altLang="ko-KR"/>
+              <a:rPr lang="en-US" altLang="ko-KR" dirty="0"/>
               <a:t>hard objects -&gt; high-quality</a:t>
             </a:r>
           </a:p>
           <a:p>
             <a:pPr lvl="1"/>
             <a:r>
-              <a:rPr lang="en-US" altLang="ko-KR"/>
+              <a:rPr lang="en-US" altLang="ko-KR" dirty="0"/>
               <a:t>easy objects -&gt; </a:t>
             </a:r>
             <a:r>
-              <a:rPr lang="ko-KR" altLang="en-US"/>
+              <a:rPr lang="ko-KR" altLang="en-US" dirty="0"/>
               <a:t>더 압축해서 </a:t>
             </a:r>
             <a:r>
-              <a:rPr lang="en-US" altLang="ko-KR"/>
+              <a:rPr lang="en-US" altLang="ko-KR" dirty="0"/>
               <a:t>low-quality</a:t>
             </a:r>
           </a:p>
@@ -6403,7 +7786,7 @@
               <a:buNone/>
             </a:pPr>
             <a:r>
-              <a:rPr lang="en-US" altLang="ko-KR">
+              <a:rPr lang="en-US" altLang="ko-KR" dirty="0">
                 <a:solidFill>
                   <a:schemeClr val="bg2">
                     <a:lumMod val="50000"/>
@@ -6413,7 +7796,7 @@
               <a:t>=&gt; </a:t>
             </a:r>
             <a:r>
-              <a:rPr lang="ko-KR" altLang="en-US">
+              <a:rPr lang="ko-KR" altLang="en-US" dirty="0">
                 <a:solidFill>
                   <a:schemeClr val="bg2">
                     <a:lumMod val="50000"/>
@@ -6423,7 +7806,7 @@
               <a:t>어떻게 어렵고 쉬운지 아는지</a:t>
             </a:r>
             <a:r>
-              <a:rPr lang="en-US" altLang="ko-KR">
+              <a:rPr lang="en-US" altLang="ko-KR" dirty="0">
                 <a:solidFill>
                   <a:schemeClr val="bg2">
                     <a:lumMod val="50000"/>
@@ -6439,7 +7822,7 @@
               <a:buChar char="v"/>
             </a:pPr>
             <a:r>
-              <a:rPr lang="en-US" altLang="ko-KR"/>
+              <a:rPr lang="en-US" altLang="ko-KR" dirty="0"/>
               <a:t>Predictive vs. Reactive Adaptations </a:t>
             </a:r>
           </a:p>
@@ -6452,22 +7835,22 @@
               <a:buChar char="-"/>
             </a:pPr>
             <a:r>
-              <a:rPr lang="en-US" altLang="ko-KR" sz="1600"/>
+              <a:rPr lang="en-US" altLang="ko-KR" sz="1600" dirty="0"/>
               <a:t>Predictive - </a:t>
             </a:r>
             <a:r>
-              <a:rPr lang="ko-KR" altLang="en-US" sz="1600"/>
+              <a:rPr lang="ko-KR" altLang="en-US" sz="1600" dirty="0"/>
               <a:t>과거의 </a:t>
             </a:r>
             <a:r>
-              <a:rPr lang="en-US" altLang="ko-KR" sz="1600"/>
+              <a:rPr lang="en-US" altLang="ko-KR" sz="1600" dirty="0"/>
               <a:t>frame</a:t>
             </a:r>
             <a:r>
-              <a:rPr lang="ko-KR" altLang="en-US" sz="1600"/>
+              <a:rPr lang="ko-KR" altLang="en-US" sz="1600" dirty="0"/>
               <a:t>을 참고하여 </a:t>
             </a:r>
-            <a:endParaRPr lang="en-US" altLang="ko-KR" sz="1600"/>
+            <a:endParaRPr lang="en-US" altLang="ko-KR" sz="1600" dirty="0"/>
           </a:p>
           <a:p>
             <a:pPr marL="1200150" lvl="2" indent="-285750">
@@ -6478,7 +7861,7 @@
               <a:buChar char="-"/>
             </a:pPr>
             <a:r>
-              <a:rPr lang="en-US" altLang="ko-KR" sz="1600"/>
+              <a:rPr lang="en-US" altLang="ko-KR" sz="1600" dirty="0"/>
               <a:t>Reactive Adaptation</a:t>
             </a:r>
           </a:p>
@@ -6489,14 +7872,14 @@
               </a:lnSpc>
             </a:pPr>
             <a:r>
-              <a:rPr lang="en-US" altLang="ko-KR" sz="1600"/>
+              <a:rPr lang="en-US" altLang="ko-KR" sz="1600" dirty="0"/>
               <a:t>1) low-quality</a:t>
             </a:r>
             <a:r>
-              <a:rPr lang="ko-KR" altLang="en-US" sz="1600"/>
+              <a:rPr lang="ko-KR" altLang="en-US" sz="1600" dirty="0"/>
               <a:t>로 한번 보냄</a:t>
             </a:r>
-            <a:endParaRPr lang="en-US" altLang="ko-KR" sz="1600"/>
+            <a:endParaRPr lang="en-US" altLang="ko-KR" sz="1600" dirty="0"/>
           </a:p>
           <a:p>
             <a:pPr lvl="3">
@@ -6505,23 +7888,23 @@
               </a:lnSpc>
             </a:pPr>
             <a:r>
-              <a:rPr lang="en-US" altLang="ko-KR" sz="1600"/>
+              <a:rPr lang="en-US" altLang="ko-KR" sz="1600" dirty="0"/>
               <a:t>2) Feedback (confidence </a:t>
             </a:r>
             <a:r>
-              <a:rPr lang="ko-KR" altLang="en-US" sz="1600"/>
+              <a:rPr lang="ko-KR" altLang="en-US" sz="1600" dirty="0"/>
               <a:t>활용</a:t>
             </a:r>
             <a:r>
-              <a:rPr lang="en-US" altLang="ko-KR" sz="1600"/>
+              <a:rPr lang="en-US" altLang="ko-KR" sz="1600" dirty="0"/>
               <a:t>, </a:t>
             </a:r>
             <a:r>
-              <a:rPr lang="ko-KR" altLang="en-US" sz="1600"/>
+              <a:rPr lang="ko-KR" altLang="en-US" sz="1600" dirty="0"/>
               <a:t>탐지 안되는 영역 다시하라고 함</a:t>
             </a:r>
             <a:r>
-              <a:rPr lang="en-US" altLang="ko-KR" sz="1600"/>
+              <a:rPr lang="en-US" altLang="ko-KR" sz="1600" dirty="0"/>
               <a:t>)</a:t>
             </a:r>
           </a:p>
@@ -6532,14 +7915,14 @@
               </a:lnSpc>
             </a:pPr>
             <a:r>
-              <a:rPr lang="en-US" altLang="ko-KR" sz="1600"/>
+              <a:rPr lang="en-US" altLang="ko-KR" sz="1600" dirty="0"/>
               <a:t>3) high-quality</a:t>
             </a:r>
             <a:r>
-              <a:rPr lang="ko-KR" altLang="en-US" sz="1600"/>
+              <a:rPr lang="ko-KR" altLang="en-US" sz="1600" dirty="0"/>
               <a:t>로 다시 보냄</a:t>
             </a:r>
-            <a:endParaRPr lang="en-US" altLang="ko-KR" sz="1600"/>
+            <a:endParaRPr lang="en-US" altLang="ko-KR" sz="1600" dirty="0"/>
           </a:p>
         </p:txBody>
       </p:sp>
@@ -6665,6 +8048,128 @@
           </a:p>
         </p:txBody>
       </p:sp>
+      <p:sp>
+        <p:nvSpPr>
+          <p:cNvPr id="10" name="제목 1">
+            <a:extLst>
+              <a:ext uri="{FF2B5EF4-FFF2-40B4-BE49-F238E27FC236}">
+                <a16:creationId xmlns:a16="http://schemas.microsoft.com/office/drawing/2014/main" id="{0F6050E0-AA1C-45C6-817F-E040347876A7}"/>
+              </a:ext>
+            </a:extLst>
+          </p:cNvPr>
+          <p:cNvSpPr>
+            <a:spLocks noGrp="1"/>
+          </p:cNvSpPr>
+          <p:nvPr>
+            <p:ph type="title"/>
+          </p:nvPr>
+        </p:nvSpPr>
+        <p:spPr>
+          <a:xfrm>
+            <a:off x="292647" y="350008"/>
+            <a:ext cx="11606706" cy="744147"/>
+          </a:xfrm>
+        </p:spPr>
+        <p:txBody>
+          <a:bodyPr>
+            <a:normAutofit fontScale="90000"/>
+          </a:bodyPr>
+          <a:lstStyle/>
+          <a:p>
+            <a:r>
+              <a:rPr lang="en-US" altLang="ko-KR" sz="3600" b="1" dirty="0"/>
+              <a:t>Edge-Cloud Collaborative Systems for Live Video Analytics</a:t>
+            </a:r>
+          </a:p>
+        </p:txBody>
+      </p:sp>
+      <p:sp>
+        <p:nvSpPr>
+          <p:cNvPr id="11" name="TextBox 10">
+            <a:extLst>
+              <a:ext uri="{FF2B5EF4-FFF2-40B4-BE49-F238E27FC236}">
+                <a16:creationId xmlns:a16="http://schemas.microsoft.com/office/drawing/2014/main" id="{39EA358D-840A-4AA8-B773-465AA391458D}"/>
+              </a:ext>
+            </a:extLst>
+          </p:cNvPr>
+          <p:cNvSpPr txBox="1"/>
+          <p:nvPr/>
+        </p:nvSpPr>
+        <p:spPr>
+          <a:xfrm>
+            <a:off x="8514348" y="69090"/>
+            <a:ext cx="3613484" cy="369332"/>
+          </a:xfrm>
+          <a:prstGeom prst="rect">
+            <a:avLst/>
+          </a:prstGeom>
+          <a:solidFill>
+            <a:srgbClr val="DEEBF7">
+              <a:alpha val="50196"/>
+            </a:srgbClr>
+          </a:solidFill>
+        </p:spPr>
+        <p:txBody>
+          <a:bodyPr wrap="square">
+            <a:spAutoFit/>
+          </a:bodyPr>
+          <a:lstStyle/>
+          <a:p>
+            <a:r>
+              <a:rPr lang="ko-KR" altLang="en-US" b="0" i="0" dirty="0">
+                <a:solidFill>
+                  <a:srgbClr val="030303"/>
+                </a:solidFill>
+                <a:effectLst/>
+                <a:latin typeface="Roboto" panose="02000000000000000000" pitchFamily="2" charset="0"/>
+              </a:rPr>
+              <a:t>서울대 컴퓨터공학부 이영기 교수</a:t>
+            </a:r>
+            <a:endParaRPr lang="ko-KR" altLang="en-US" dirty="0"/>
+          </a:p>
+        </p:txBody>
+      </p:sp>
+      <p:sp>
+        <p:nvSpPr>
+          <p:cNvPr id="12" name="TextBox 11">
+            <a:extLst>
+              <a:ext uri="{FF2B5EF4-FFF2-40B4-BE49-F238E27FC236}">
+                <a16:creationId xmlns:a16="http://schemas.microsoft.com/office/drawing/2014/main" id="{D77E65A8-C68D-4200-8228-38FE9C314631}"/>
+              </a:ext>
+            </a:extLst>
+          </p:cNvPr>
+          <p:cNvSpPr txBox="1"/>
+          <p:nvPr/>
+        </p:nvSpPr>
+        <p:spPr>
+          <a:xfrm>
+            <a:off x="292647" y="154148"/>
+            <a:ext cx="6096000" cy="369332"/>
+          </a:xfrm>
+          <a:prstGeom prst="rect">
+            <a:avLst/>
+          </a:prstGeom>
+          <a:noFill/>
+        </p:spPr>
+        <p:txBody>
+          <a:bodyPr wrap="square">
+            <a:spAutoFit/>
+          </a:bodyPr>
+          <a:lstStyle/>
+          <a:p>
+            <a:r>
+              <a:rPr lang="ko-KR" altLang="en-US" dirty="0">
+                <a:solidFill>
+                  <a:schemeClr val="bg2">
+                    <a:lumMod val="75000"/>
+                  </a:schemeClr>
+                </a:solidFill>
+              </a:rPr>
+              <a:t>실시간 영상 분석을 위한 최신 기술</a:t>
+            </a:r>
+          </a:p>
+        </p:txBody>
+      </p:sp>
     </p:spTree>
     <p:extLst>
       <p:ext uri="{BB962C8B-B14F-4D97-AF65-F5344CB8AC3E}">
@@ -6713,7 +8218,7 @@
         </p:nvSpPr>
         <p:spPr>
           <a:xfrm>
-            <a:off x="501315" y="287354"/>
+            <a:off x="281230" y="341204"/>
             <a:ext cx="10728158" cy="744147"/>
           </a:xfrm>
         </p:spPr>
@@ -6724,10 +8229,10 @@
           <a:lstStyle/>
           <a:p>
             <a:r>
-              <a:rPr lang="en-US" altLang="ko-KR" sz="3600" b="1"/>
+              <a:rPr lang="en-US" altLang="ko-KR" sz="3600" b="1" dirty="0"/>
               <a:t>Mitigating Shortcut Learning of NLP models</a:t>
             </a:r>
-            <a:endParaRPr lang="ko-KR" altLang="en-US" sz="3600" b="1"/>
+            <a:endParaRPr lang="ko-KR" altLang="en-US" sz="3600" b="1" dirty="0"/>
           </a:p>
         </p:txBody>
       </p:sp>
@@ -6749,7 +8254,7 @@
         </p:nvSpPr>
         <p:spPr>
           <a:xfrm>
-            <a:off x="501315" y="1077333"/>
+            <a:off x="437147" y="1109417"/>
             <a:ext cx="6462713" cy="396552"/>
           </a:xfrm>
         </p:spPr>
@@ -6763,14 +8268,14 @@
               <a:buNone/>
             </a:pPr>
             <a:r>
-              <a:rPr lang="en-US" altLang="ko-KR" sz="2400" b="1"/>
+              <a:rPr lang="en-US" altLang="ko-KR" sz="2400" b="1" dirty="0"/>
               <a:t>1 - </a:t>
             </a:r>
             <a:r>
-              <a:rPr lang="en-US" altLang="ko-KR" sz="2400"/>
+              <a:rPr lang="en-US" altLang="ko-KR" sz="2400" dirty="0"/>
               <a:t>What is the shortcut learning problem?</a:t>
             </a:r>
-            <a:endParaRPr lang="ko-KR" altLang="en-US" sz="2400"/>
+            <a:endParaRPr lang="ko-KR" altLang="en-US" sz="2400" dirty="0"/>
           </a:p>
         </p:txBody>
       </p:sp>
@@ -6789,14 +8294,14 @@
           <p:nvPr/>
         </p:nvPicPr>
         <p:blipFill>
-          <a:blip r:embed="rId2"/>
+          <a:blip r:embed="rId3"/>
           <a:stretch>
             <a:fillRect/>
           </a:stretch>
         </p:blipFill>
         <p:spPr>
           <a:xfrm>
-            <a:off x="417339" y="1656705"/>
+            <a:off x="417339" y="1576495"/>
             <a:ext cx="5110877" cy="1869620"/>
           </a:xfrm>
           <a:prstGeom prst="rect">
@@ -6827,7 +8332,7 @@
         </p:nvSpPr>
         <p:spPr>
           <a:xfrm>
-            <a:off x="5645309" y="1656705"/>
+            <a:off x="5645309" y="1576495"/>
             <a:ext cx="6129352" cy="1856492"/>
           </a:xfrm>
           <a:prstGeom prst="roundRect">
@@ -6942,55 +8447,55 @@
               <a:buNone/>
             </a:pPr>
             <a:r>
-              <a:rPr lang="en-US" altLang="ko-KR"/>
+              <a:rPr lang="en-US" altLang="ko-KR" dirty="0"/>
               <a:t>Deep neural model</a:t>
             </a:r>
             <a:r>
-              <a:rPr lang="ko-KR" altLang="en-US"/>
+              <a:rPr lang="ko-KR" altLang="en-US" dirty="0"/>
               <a:t>이 학습을 하는 과정에서 </a:t>
             </a:r>
             <a:r>
-              <a:rPr lang="en-US" altLang="ko-KR"/>
+              <a:rPr lang="en-US" altLang="ko-KR" dirty="0"/>
               <a:t>shortcut</a:t>
             </a:r>
             <a:r>
-              <a:rPr lang="ko-KR" altLang="en-US"/>
-              <a:t>의 전략을 학습하게 됩니다</a:t>
-            </a:r>
-            <a:r>
-              <a:rPr lang="en-US" altLang="ko-KR"/>
+              <a:rPr lang="ko-KR" altLang="en-US" dirty="0"/>
+              <a:t>의 전략을 학습하게 됨</a:t>
+            </a:r>
+            <a:r>
+              <a:rPr lang="en-US" altLang="ko-KR" dirty="0"/>
               <a:t>. </a:t>
             </a:r>
             <a:r>
-              <a:rPr lang="ko-KR" altLang="en-US"/>
+              <a:rPr lang="ko-KR" altLang="en-US" dirty="0"/>
               <a:t>각종 </a:t>
             </a:r>
             <a:r>
-              <a:rPr lang="en-US" altLang="ko-KR"/>
+              <a:rPr lang="en-US" altLang="ko-KR" dirty="0"/>
               <a:t>benchmarks</a:t>
             </a:r>
             <a:r>
-              <a:rPr lang="ko-KR" altLang="en-US"/>
+              <a:rPr lang="ko-KR" altLang="en-US" dirty="0"/>
               <a:t>에선 잘 결정하는데 </a:t>
             </a:r>
             <a:r>
-              <a:rPr lang="en-US" altLang="ko-KR"/>
+              <a:rPr lang="en-US" altLang="ko-KR" dirty="0"/>
               <a:t>challenging</a:t>
             </a:r>
             <a:r>
-              <a:rPr lang="ko-KR" altLang="en-US"/>
+              <a:rPr lang="ko-KR" altLang="en-US" dirty="0"/>
               <a:t>한</a:t>
             </a:r>
             <a:r>
-              <a:rPr lang="en-US" altLang="ko-KR"/>
+              <a:rPr lang="en-US" altLang="ko-KR" dirty="0"/>
               <a:t> testing </a:t>
             </a:r>
             <a:r>
-              <a:rPr lang="ko-KR" altLang="en-US"/>
-              <a:t>환경에선 잘못 판단하는 것을 말합니다</a:t>
-            </a:r>
-            <a:r>
-              <a:rPr lang="en-US" altLang="ko-KR"/>
+              <a:rPr lang="ko-KR" altLang="en-US" dirty="0"/>
+              <a:t>환경에선 잘못 판단하는 것</a:t>
+            </a:r>
+            <a:r>
+              <a:rPr lang="en-US" altLang="ko-KR" dirty="0"/>
               <a:t>.</a:t>
             </a:r>
           </a:p>
@@ -7001,15 +8506,24 @@
               </a:lnSpc>
               <a:buNone/>
             </a:pPr>
-            <a:r>
-              <a:rPr lang="en-US" altLang="ko-KR"/>
+            <a:endParaRPr lang="en-US" altLang="ko-KR" dirty="0"/>
+          </a:p>
+          <a:p>
+            <a:pPr marL="0" indent="0">
+              <a:lnSpc>
+                <a:spcPct val="125000"/>
+              </a:lnSpc>
+              <a:buNone/>
+            </a:pPr>
+            <a:r>
+              <a:rPr lang="en-US" altLang="ko-KR" dirty="0"/>
               <a:t>Ex) </a:t>
             </a:r>
             <a:r>
-              <a:rPr lang="ko-KR" altLang="en-US"/>
+              <a:rPr lang="ko-KR" altLang="en-US" dirty="0"/>
               <a:t>축구사진에서 축구공이 사라지면 테니스로 잘못 판단</a:t>
             </a:r>
-            <a:endParaRPr lang="en-US" altLang="ko-KR"/>
+            <a:endParaRPr lang="en-US" altLang="ko-KR" dirty="0"/>
           </a:p>
         </p:txBody>
       </p:sp>
@@ -7029,7 +8543,7 @@
         </p:nvSpPr>
         <p:spPr>
           <a:xfrm>
-            <a:off x="501315" y="3644272"/>
+            <a:off x="437147" y="3635885"/>
             <a:ext cx="7583905" cy="444729"/>
           </a:xfrm>
           <a:prstGeom prst="rect">
@@ -7209,14 +8723,14 @@
               <a:buNone/>
             </a:pPr>
             <a:r>
-              <a:rPr lang="en-US" altLang="ko-KR" sz="2400" b="1"/>
+              <a:rPr lang="en-US" altLang="ko-KR" sz="2400" b="1" dirty="0"/>
               <a:t>2 - </a:t>
             </a:r>
             <a:r>
-              <a:rPr lang="en-US" altLang="ko-KR" sz="2400"/>
+              <a:rPr lang="en-US" altLang="ko-KR" sz="2400" dirty="0"/>
               <a:t>Why neural models learn shortcuts?</a:t>
             </a:r>
-            <a:endParaRPr lang="ko-KR" altLang="en-US" sz="2400"/>
+            <a:endParaRPr lang="ko-KR" altLang="en-US" sz="2400" dirty="0"/>
           </a:p>
         </p:txBody>
       </p:sp>
@@ -7234,7 +8748,7 @@
         </p:nvSpPr>
         <p:spPr>
           <a:xfrm>
-            <a:off x="501315" y="4086655"/>
+            <a:off x="501315" y="4102697"/>
             <a:ext cx="11189370" cy="2473824"/>
           </a:xfrm>
           <a:prstGeom prst="roundRect">
@@ -7281,34 +8795,34 @@
               <a:buChar char="§"/>
             </a:pPr>
             <a:r>
-              <a:rPr lang="ko-KR" altLang="en-US" sz="1600" err="1"/>
+              <a:rPr lang="ko-KR" altLang="en-US" sz="1600" dirty="0" err="1"/>
               <a:t>Annotation</a:t>
             </a:r>
             <a:r>
-              <a:rPr lang="ko-KR" altLang="en-US" sz="1600"/>
+              <a:rPr lang="ko-KR" altLang="en-US" sz="1600" dirty="0"/>
               <a:t> </a:t>
             </a:r>
             <a:r>
-              <a:rPr lang="ko-KR" altLang="en-US" sz="1600" err="1"/>
+              <a:rPr lang="ko-KR" altLang="en-US" sz="1600" dirty="0" err="1"/>
               <a:t>artifacts</a:t>
             </a:r>
             <a:r>
-              <a:rPr lang="ko-KR" altLang="en-US" sz="1600"/>
+              <a:rPr lang="ko-KR" altLang="en-US" sz="1600" dirty="0"/>
               <a:t> =&gt; NLI </a:t>
             </a:r>
             <a:r>
-              <a:rPr lang="ko-KR" altLang="en-US" sz="1600" err="1"/>
+              <a:rPr lang="ko-KR" altLang="en-US" sz="1600" dirty="0" err="1"/>
               <a:t>task에서</a:t>
             </a:r>
             <a:r>
-              <a:rPr lang="ko-KR" altLang="en-US" sz="1600"/>
+              <a:rPr lang="ko-KR" altLang="en-US" sz="1600" dirty="0"/>
               <a:t> 많이 </a:t>
             </a:r>
             <a:r>
-              <a:rPr lang="ko-KR" altLang="en-US" sz="1600" err="1"/>
+              <a:rPr lang="ko-KR" altLang="en-US" sz="1600" dirty="0" err="1"/>
               <a:t>일어남</a:t>
             </a:r>
-            <a:endParaRPr lang="en-US" altLang="ko-KR" sz="1600"/>
+            <a:endParaRPr lang="en-US" altLang="ko-KR" sz="1600" dirty="0"/>
           </a:p>
           <a:p>
             <a:pPr marL="342900" indent="-342900">
@@ -7319,22 +8833,70 @@
               <a:buChar char="-"/>
             </a:pPr>
             <a:r>
-              <a:rPr lang="en-US" altLang="ko-KR" sz="1600"/>
+              <a:rPr lang="en-US" altLang="ko-KR" sz="1600" dirty="0"/>
               <a:t>NLI task : </a:t>
             </a:r>
             <a:r>
-              <a:rPr lang="ko-KR" altLang="en-US" sz="1600"/>
-              <a:t>두개의 문장 관계가 </a:t>
-            </a:r>
-            <a:r>
-              <a:rPr lang="en-US" altLang="ko-KR" sz="1600"/>
-              <a:t>Entailment, Neutral, Contradiction</a:t>
-            </a:r>
-            <a:r>
-              <a:rPr lang="ko-KR" altLang="en-US" sz="1600"/>
+              <a:rPr lang="ko-KR" altLang="en-US" sz="1600" dirty="0"/>
+              <a:t>두개의 문장</a:t>
+            </a:r>
+            <a:r>
+              <a:rPr lang="en-US" altLang="ko-KR" sz="1600" dirty="0"/>
+              <a:t>(</a:t>
+            </a:r>
+            <a:r>
+              <a:rPr lang="ko-KR" altLang="en-US" sz="1600" dirty="0"/>
+              <a:t>전제</a:t>
+            </a:r>
+            <a:r>
+              <a:rPr lang="en-US" altLang="ko-KR" sz="1600" dirty="0"/>
+              <a:t>, </a:t>
+            </a:r>
+            <a:r>
+              <a:rPr lang="ko-KR" altLang="en-US" sz="1600" dirty="0"/>
+              <a:t>가설</a:t>
+            </a:r>
+            <a:r>
+              <a:rPr lang="en-US" altLang="ko-KR" sz="1600" dirty="0"/>
+              <a:t>)</a:t>
+            </a:r>
+            <a:r>
+              <a:rPr lang="ko-KR" altLang="en-US" sz="1600" dirty="0"/>
+              <a:t> 관계가 </a:t>
+            </a:r>
+            <a:r>
+              <a:rPr lang="en-US" altLang="ko-KR" sz="1600" dirty="0"/>
+              <a:t>Entailment(</a:t>
+            </a:r>
+            <a:r>
+              <a:rPr lang="ko-KR" altLang="en-US" sz="1600" dirty="0"/>
+              <a:t>함의</a:t>
+            </a:r>
+            <a:r>
+              <a:rPr lang="en-US" altLang="ko-KR" sz="1600" dirty="0"/>
+              <a:t>), Neutral(</a:t>
+            </a:r>
+            <a:r>
+              <a:rPr lang="ko-KR" altLang="en-US" sz="1600" dirty="0"/>
+              <a:t>중립</a:t>
+            </a:r>
+            <a:r>
+              <a:rPr lang="en-US" altLang="ko-KR" sz="1600" dirty="0"/>
+              <a:t>), Contradiction(</a:t>
+            </a:r>
+            <a:r>
+              <a:rPr lang="ko-KR" altLang="en-US" sz="1600" dirty="0"/>
+              <a:t>모순</a:t>
+            </a:r>
+            <a:r>
+              <a:rPr lang="en-US" altLang="ko-KR" sz="1600" dirty="0"/>
+              <a:t>)</a:t>
+            </a:r>
+            <a:r>
+              <a:rPr lang="ko-KR" altLang="en-US" sz="1600" dirty="0"/>
               <a:t>인지 분류</a:t>
             </a:r>
-            <a:endParaRPr lang="en-US" altLang="ko-KR" sz="1600"/>
+            <a:endParaRPr lang="en-US" altLang="ko-KR" sz="1600" dirty="0"/>
           </a:p>
           <a:p>
             <a:pPr marL="342900" indent="-342900">
@@ -7345,22 +8907,22 @@
               <a:buChar char="-"/>
             </a:pPr>
             <a:r>
-              <a:rPr lang="en-US" altLang="ko-KR" sz="1600"/>
+              <a:rPr lang="en-US" altLang="ko-KR" sz="1600" dirty="0"/>
               <a:t>Contradiction </a:t>
             </a:r>
             <a:r>
-              <a:rPr lang="ko-KR" altLang="en-US" sz="1600"/>
+              <a:rPr lang="ko-KR" altLang="en-US" sz="1600" dirty="0"/>
               <a:t>에 </a:t>
             </a:r>
             <a:r>
-              <a:rPr lang="en-US" altLang="ko-KR" sz="1600"/>
+              <a:rPr lang="en-US" altLang="ko-KR" sz="1600" dirty="0"/>
               <a:t>never, no, nothing</a:t>
             </a:r>
             <a:r>
-              <a:rPr lang="ko-KR" altLang="en-US" sz="1600"/>
+              <a:rPr lang="ko-KR" altLang="en-US" sz="1600" dirty="0"/>
               <a:t>과 같은 단어들이 많이 분포함</a:t>
             </a:r>
-            <a:endParaRPr lang="en-US" altLang="ko-KR" sz="1600"/>
+            <a:endParaRPr lang="en-US" altLang="ko-KR" sz="1600" dirty="0"/>
           </a:p>
           <a:p>
             <a:pPr>
@@ -7369,22 +8931,22 @@
               </a:lnSpc>
             </a:pPr>
             <a:r>
-              <a:rPr lang="en-US" altLang="ko-KR" sz="1600"/>
+              <a:rPr lang="en-US" altLang="ko-KR" sz="1600" dirty="0"/>
               <a:t>      =&gt; annotation </a:t>
             </a:r>
             <a:r>
-              <a:rPr lang="ko-KR" altLang="en-US" sz="1600"/>
+              <a:rPr lang="ko-KR" altLang="en-US" sz="1600" dirty="0"/>
               <a:t>단계에서 편견이 발생하고</a:t>
             </a:r>
             <a:r>
-              <a:rPr lang="en-US" altLang="ko-KR" sz="1600"/>
+              <a:rPr lang="en-US" altLang="ko-KR" sz="1600" dirty="0"/>
               <a:t>, </a:t>
             </a:r>
             <a:r>
-              <a:rPr lang="ko-KR" altLang="en-US" sz="1600"/>
+              <a:rPr lang="ko-KR" altLang="en-US" sz="1600" dirty="0"/>
               <a:t>모델이 학습함</a:t>
             </a:r>
-            <a:endParaRPr lang="en-US" altLang="ko-KR" sz="1600"/>
+            <a:endParaRPr lang="en-US" altLang="ko-KR" sz="1600" dirty="0"/>
           </a:p>
           <a:p>
             <a:pPr marL="342900" indent="-342900">
@@ -7395,30 +8957,30 @@
               <a:buChar char="-"/>
             </a:pPr>
             <a:r>
-              <a:rPr lang="en-US" altLang="ko-KR" sz="1600"/>
+              <a:rPr lang="en-US" altLang="ko-KR" sz="1600" dirty="0"/>
               <a:t>Classification </a:t>
             </a:r>
             <a:r>
-              <a:rPr lang="ko-KR" altLang="en-US" sz="1600"/>
+              <a:rPr lang="ko-KR" altLang="en-US" sz="1600" dirty="0"/>
               <a:t>문제 </a:t>
             </a:r>
             <a:r>
-              <a:rPr lang="en-US" altLang="ko-KR" sz="1600"/>
+              <a:rPr lang="en-US" altLang="ko-KR" sz="1600" dirty="0"/>
               <a:t>: </a:t>
             </a:r>
             <a:r>
-              <a:rPr lang="ko-KR" altLang="en-US" sz="1600"/>
+              <a:rPr lang="ko-KR" altLang="en-US" sz="1600" dirty="0"/>
               <a:t>두 개의 문장 사이의 관계가 아니라 </a:t>
             </a:r>
             <a:r>
-              <a:rPr lang="en-US" altLang="ko-KR" sz="1600"/>
+              <a:rPr lang="en-US" altLang="ko-KR" sz="1600" dirty="0"/>
               <a:t>hypothesis</a:t>
             </a:r>
             <a:r>
-              <a:rPr lang="ko-KR" altLang="en-US" sz="1600"/>
+              <a:rPr lang="ko-KR" altLang="en-US" sz="1600" dirty="0"/>
               <a:t>에 있는 단어만으로 추론</a:t>
             </a:r>
-            <a:endParaRPr lang="en-US" altLang="ko-KR" sz="1600"/>
+            <a:endParaRPr lang="en-US" altLang="ko-KR" sz="1600" dirty="0"/>
           </a:p>
           <a:p>
             <a:pPr>
@@ -7427,10 +8989,10 @@
               </a:lnSpc>
             </a:pPr>
             <a:r>
-              <a:rPr lang="ko-KR" altLang="en-US" sz="1600"/>
+              <a:rPr lang="ko-KR" altLang="en-US" sz="1600" dirty="0"/>
               <a:t>   </a:t>
             </a:r>
-            <a:endParaRPr lang="en-US" altLang="ko-KR" sz="1600"/>
+            <a:endParaRPr lang="en-US" altLang="ko-KR" sz="1600" dirty="0"/>
           </a:p>
           <a:p>
             <a:pPr marL="342900" indent="-342900">
@@ -7441,22 +9003,22 @@
               <a:buChar char="§"/>
             </a:pPr>
             <a:r>
-              <a:rPr lang="en-US" altLang="ko-KR" sz="1600"/>
+              <a:rPr lang="en-US" altLang="ko-KR" sz="1600" dirty="0"/>
               <a:t>training set</a:t>
             </a:r>
             <a:r>
-              <a:rPr lang="ko-KR" altLang="en-US" sz="1600"/>
+              <a:rPr lang="ko-KR" altLang="en-US" sz="1600" dirty="0"/>
               <a:t>에 따라 왜 이런 일이 일어나는지 분석 </a:t>
             </a:r>
             <a:r>
-              <a:rPr lang="en-US" altLang="ko-KR" sz="1600"/>
+              <a:rPr lang="en-US" altLang="ko-KR" sz="1600" dirty="0"/>
               <a:t>– shortcut / challenging version dataset</a:t>
             </a:r>
             <a:r>
-              <a:rPr lang="ko-KR" altLang="en-US" sz="1600"/>
+              <a:rPr lang="ko-KR" altLang="en-US" sz="1600" dirty="0"/>
               <a:t> </a:t>
             </a:r>
-            <a:endParaRPr lang="en-US" altLang="ko-KR" sz="1600"/>
+            <a:endParaRPr lang="en-US" altLang="ko-KR" sz="1600" dirty="0"/>
           </a:p>
           <a:p>
             <a:pPr>
@@ -7465,34 +9027,162 @@
               </a:lnSpc>
             </a:pPr>
             <a:r>
-              <a:rPr lang="en-US" altLang="ko-KR" sz="1600"/>
+              <a:rPr lang="en-US" altLang="ko-KR" sz="1600" dirty="0"/>
               <a:t>    =&gt; Training set</a:t>
             </a:r>
             <a:r>
-              <a:rPr lang="ko-KR" altLang="en-US" sz="1600"/>
+              <a:rPr lang="ko-KR" altLang="en-US" sz="1600" dirty="0"/>
               <a:t>에서 </a:t>
             </a:r>
             <a:r>
-              <a:rPr lang="en-US" altLang="ko-KR" sz="1600"/>
+              <a:rPr lang="en-US" altLang="ko-KR" sz="1600" dirty="0"/>
               <a:t>challenging</a:t>
             </a:r>
             <a:r>
-              <a:rPr lang="ko-KR" altLang="en-US" sz="1600"/>
+              <a:rPr lang="ko-KR" altLang="en-US" sz="1600" dirty="0"/>
               <a:t>한 </a:t>
             </a:r>
             <a:r>
-              <a:rPr lang="en-US" altLang="ko-KR" sz="1600"/>
+              <a:rPr lang="en-US" altLang="ko-KR" sz="1600" dirty="0"/>
               <a:t>example </a:t>
             </a:r>
             <a:r>
-              <a:rPr lang="ko-KR" altLang="en-US" sz="1600"/>
+              <a:rPr lang="ko-KR" altLang="en-US" sz="1600" dirty="0"/>
               <a:t>만드는 것도 중요하다</a:t>
             </a:r>
             <a:r>
-              <a:rPr lang="en-US" altLang="ko-KR" sz="1600"/>
+              <a:rPr lang="en-US" altLang="ko-KR" sz="1600" dirty="0"/>
               <a:t>.</a:t>
             </a:r>
-            <a:endParaRPr lang="ko-KR" altLang="en-US" sz="1600"/>
+            <a:endParaRPr lang="ko-KR" altLang="en-US" sz="1600" dirty="0"/>
+          </a:p>
+        </p:txBody>
+      </p:sp>
+      <p:sp>
+        <p:nvSpPr>
+          <p:cNvPr id="4" name="TextBox 3">
+            <a:extLst>
+              <a:ext uri="{FF2B5EF4-FFF2-40B4-BE49-F238E27FC236}">
+                <a16:creationId xmlns:a16="http://schemas.microsoft.com/office/drawing/2014/main" id="{9792721E-31D1-4D9D-B504-CD61A8F6CEC8}"/>
+              </a:ext>
+            </a:extLst>
+          </p:cNvPr>
+          <p:cNvSpPr txBox="1"/>
+          <p:nvPr/>
+        </p:nvSpPr>
+        <p:spPr>
+          <a:xfrm>
+            <a:off x="5426219" y="70375"/>
+            <a:ext cx="6663784" cy="369332"/>
+          </a:xfrm>
+          <a:prstGeom prst="rect">
+            <a:avLst/>
+          </a:prstGeom>
+          <a:solidFill>
+            <a:srgbClr val="DEEBF7">
+              <a:alpha val="50196"/>
+            </a:srgbClr>
+          </a:solidFill>
+        </p:spPr>
+        <p:txBody>
+          <a:bodyPr wrap="square" rtlCol="0">
+            <a:spAutoFit/>
+          </a:bodyPr>
+          <a:lstStyle/>
+          <a:p>
+            <a:r>
+              <a:rPr lang="ko-KR" altLang="en-US" dirty="0"/>
+              <a:t>서울대 </a:t>
+            </a:r>
+            <a:r>
+              <a:rPr lang="ko-KR" altLang="en-US" b="0" i="0" dirty="0">
+                <a:solidFill>
+                  <a:srgbClr val="030303"/>
+                </a:solidFill>
+                <a:effectLst/>
+                <a:latin typeface="Roboto" panose="02000000000000000000" pitchFamily="2" charset="0"/>
+              </a:rPr>
+              <a:t>컴퓨터공학부 언어 및 데이터지능 연구실 이경재 연구원 </a:t>
+            </a:r>
+            <a:endParaRPr lang="ko-KR" altLang="en-US" dirty="0"/>
+          </a:p>
+        </p:txBody>
+      </p:sp>
+      <p:sp>
+        <p:nvSpPr>
+          <p:cNvPr id="10" name="TextBox 9">
+            <a:extLst>
+              <a:ext uri="{FF2B5EF4-FFF2-40B4-BE49-F238E27FC236}">
+                <a16:creationId xmlns:a16="http://schemas.microsoft.com/office/drawing/2014/main" id="{39D9F1D8-07F3-477A-BFEE-2B93060D79ED}"/>
+              </a:ext>
+            </a:extLst>
+          </p:cNvPr>
+          <p:cNvSpPr txBox="1"/>
+          <p:nvPr/>
+        </p:nvSpPr>
+        <p:spPr>
+          <a:xfrm>
+            <a:off x="281230" y="121275"/>
+            <a:ext cx="4283242" cy="369332"/>
+          </a:xfrm>
+          <a:prstGeom prst="rect">
+            <a:avLst/>
+          </a:prstGeom>
+          <a:noFill/>
+        </p:spPr>
+        <p:txBody>
+          <a:bodyPr wrap="square">
+            <a:spAutoFit/>
+          </a:bodyPr>
+          <a:lstStyle/>
+          <a:p>
+            <a:r>
+              <a:rPr lang="ko-KR" altLang="en-US" dirty="0">
+                <a:solidFill>
+                  <a:schemeClr val="bg2">
+                    <a:lumMod val="75000"/>
+                  </a:schemeClr>
+                </a:solidFill>
+              </a:rPr>
+              <a:t>자연어처리 </a:t>
+            </a:r>
+            <a:r>
+              <a:rPr lang="en-US" altLang="ko-KR" dirty="0">
+                <a:solidFill>
+                  <a:schemeClr val="bg2">
+                    <a:lumMod val="75000"/>
+                  </a:schemeClr>
+                </a:solidFill>
+              </a:rPr>
+              <a:t>AI</a:t>
+            </a:r>
+            <a:r>
+              <a:rPr lang="ko-KR" altLang="en-US" dirty="0">
+                <a:solidFill>
+                  <a:schemeClr val="bg2">
+                    <a:lumMod val="75000"/>
+                  </a:schemeClr>
+                </a:solidFill>
+              </a:rPr>
+              <a:t>는 올바른 추론을 하는가</a:t>
+            </a:r>
+            <a:r>
+              <a:rPr lang="en-US" altLang="ko-KR" dirty="0">
+                <a:solidFill>
+                  <a:schemeClr val="bg2">
+                    <a:lumMod val="75000"/>
+                  </a:schemeClr>
+                </a:solidFill>
+              </a:rPr>
+              <a:t>? </a:t>
+            </a:r>
+            <a:endParaRPr lang="ko-KR" altLang="en-US" dirty="0">
+              <a:solidFill>
+                <a:schemeClr val="bg2">
+                  <a:lumMod val="75000"/>
+                </a:schemeClr>
+              </a:solidFill>
+            </a:endParaRPr>
           </a:p>
         </p:txBody>
       </p:sp>
@@ -7526,42 +9216,6 @@
           <a:chExt cx="0" cy="0"/>
         </a:xfrm>
       </p:grpSpPr>
-      <p:sp>
-        <p:nvSpPr>
-          <p:cNvPr id="2" name="제목 1">
-            <a:extLst>
-              <a:ext uri="{FF2B5EF4-FFF2-40B4-BE49-F238E27FC236}">
-                <a16:creationId xmlns:a16="http://schemas.microsoft.com/office/drawing/2014/main" id="{E145F6C6-1DB4-4CB6-BAC3-26838AF58E9A}"/>
-              </a:ext>
-            </a:extLst>
-          </p:cNvPr>
-          <p:cNvSpPr>
-            <a:spLocks noGrp="1"/>
-          </p:cNvSpPr>
-          <p:nvPr>
-            <p:ph type="title"/>
-          </p:nvPr>
-        </p:nvSpPr>
-        <p:spPr>
-          <a:xfrm>
-            <a:off x="501315" y="287354"/>
-            <a:ext cx="10728158" cy="744147"/>
-          </a:xfrm>
-        </p:spPr>
-        <p:txBody>
-          <a:bodyPr>
-            <a:normAutofit/>
-          </a:bodyPr>
-          <a:lstStyle/>
-          <a:p>
-            <a:r>
-              <a:rPr lang="en-US" altLang="ko-KR" sz="3600" b="1"/>
-              <a:t>Mitigating Shortcut Learning of NLP models</a:t>
-            </a:r>
-            <a:endParaRPr lang="ko-KR" altLang="en-US" sz="3600" b="1"/>
-          </a:p>
-        </p:txBody>
-      </p:sp>
       <p:sp>
         <p:nvSpPr>
           <p:cNvPr id="3" name="내용 개체 틀 2">
@@ -7947,7 +9601,7 @@
           <p:nvPr/>
         </p:nvPicPr>
         <p:blipFill rotWithShape="1">
-          <a:blip r:embed="rId2"/>
+          <a:blip r:embed="rId3"/>
           <a:srcRect t="5718" b="887"/>
           <a:stretch/>
         </p:blipFill>
@@ -7976,7 +9630,7 @@
           <p:nvPr/>
         </p:nvPicPr>
         <p:blipFill>
-          <a:blip r:embed="rId3"/>
+          <a:blip r:embed="rId4"/>
           <a:stretch>
             <a:fillRect/>
           </a:stretch>
@@ -8006,7 +9660,7 @@
           <p:nvPr/>
         </p:nvPicPr>
         <p:blipFill rotWithShape="1">
-          <a:blip r:embed="rId4"/>
+          <a:blip r:embed="rId5"/>
           <a:srcRect t="6093"/>
           <a:stretch/>
         </p:blipFill>
@@ -8065,31 +9719,31 @@
               </a:lnSpc>
             </a:pPr>
             <a:r>
-              <a:rPr lang="ko-KR" altLang="en-US" sz="1600"/>
+              <a:rPr lang="ko-KR" altLang="en-US" sz="1600" dirty="0"/>
               <a:t>1. </a:t>
             </a:r>
             <a:r>
-              <a:rPr lang="ko-KR" altLang="en-US" sz="1600" err="1"/>
-              <a:t>single-paragraphs</a:t>
-            </a:r>
-            <a:r>
-              <a:rPr lang="ko-KR" altLang="en-US" sz="1600"/>
-              <a:t> 로만 </a:t>
-            </a:r>
-            <a:r>
-              <a:rPr lang="ko-KR" altLang="en-US" sz="1600" err="1"/>
+              <a:rPr lang="ko-KR" altLang="en-US" sz="1600" dirty="0" err="1"/>
+              <a:t>single-paragraphs로만</a:t>
+            </a:r>
+            <a:r>
+              <a:rPr lang="ko-KR" altLang="en-US" sz="1600" dirty="0"/>
+              <a:t> </a:t>
+            </a:r>
+            <a:r>
+              <a:rPr lang="ko-KR" altLang="en-US" sz="1600" dirty="0" err="1"/>
               <a:t>train한</a:t>
             </a:r>
             <a:r>
-              <a:rPr lang="ko-KR" altLang="en-US" sz="1600"/>
+              <a:rPr lang="ko-KR" altLang="en-US" sz="1600" dirty="0"/>
               <a:t> 모델 =&gt; </a:t>
             </a:r>
             <a:r>
-              <a:rPr lang="ko-KR" altLang="en-US" sz="1600" err="1"/>
+              <a:rPr lang="ko-KR" altLang="en-US" sz="1600" dirty="0" err="1"/>
               <a:t>shortcut</a:t>
             </a:r>
             <a:r>
-              <a:rPr lang="ko-KR" altLang="en-US" sz="1600"/>
+              <a:rPr lang="ko-KR" altLang="en-US" sz="1600" dirty="0"/>
               <a:t> 학습이 됨</a:t>
             </a:r>
           </a:p>
@@ -8100,31 +9754,31 @@
               </a:lnSpc>
             </a:pPr>
             <a:r>
-              <a:rPr lang="ko-KR" altLang="en-US" sz="1600"/>
+              <a:rPr lang="ko-KR" altLang="en-US" sz="1600" dirty="0"/>
               <a:t>2. </a:t>
             </a:r>
             <a:r>
-              <a:rPr lang="ko-KR" altLang="en-US" sz="1600" err="1"/>
+              <a:rPr lang="ko-KR" altLang="en-US" sz="1600" dirty="0" err="1"/>
               <a:t>evidence-negative</a:t>
             </a:r>
             <a:r>
-              <a:rPr lang="ko-KR" altLang="en-US" sz="1600"/>
+              <a:rPr lang="ko-KR" altLang="en-US" sz="1600" dirty="0"/>
               <a:t> </a:t>
             </a:r>
             <a:r>
-              <a:rPr lang="ko-KR" altLang="en-US" sz="1600" err="1"/>
+              <a:rPr lang="ko-KR" altLang="en-US" sz="1600" dirty="0" err="1"/>
               <a:t>set으로</a:t>
             </a:r>
             <a:r>
-              <a:rPr lang="ko-KR" altLang="en-US" sz="1600"/>
+              <a:rPr lang="ko-KR" altLang="en-US" sz="1600" dirty="0"/>
               <a:t> </a:t>
             </a:r>
             <a:r>
-              <a:rPr lang="ko-KR" altLang="en-US" sz="1600" err="1"/>
+              <a:rPr lang="ko-KR" altLang="en-US" sz="1600" dirty="0" err="1"/>
               <a:t>regularization한</a:t>
             </a:r>
             <a:r>
-              <a:rPr lang="ko-KR" altLang="en-US" sz="1600"/>
+              <a:rPr lang="ko-KR" altLang="en-US" sz="1600" dirty="0"/>
               <a:t> 모델 </a:t>
             </a:r>
           </a:p>
@@ -8135,22 +9789,22 @@
               </a:lnSpc>
             </a:pPr>
             <a:r>
-              <a:rPr lang="ko-KR" altLang="en-US" sz="1600"/>
+              <a:rPr lang="ko-KR" altLang="en-US" sz="1600" dirty="0"/>
               <a:t>  =&gt; 증거가 없을 때 </a:t>
             </a:r>
             <a:r>
-              <a:rPr lang="ko-KR" altLang="en-US" sz="1600" err="1"/>
+              <a:rPr lang="ko-KR" altLang="en-US" sz="1600" dirty="0" err="1"/>
               <a:t>confidence가</a:t>
             </a:r>
             <a:r>
-              <a:rPr lang="ko-KR" altLang="en-US" sz="1600"/>
+              <a:rPr lang="ko-KR" altLang="en-US" sz="1600" dirty="0"/>
               <a:t> 0으로 </a:t>
             </a:r>
             <a:r>
-              <a:rPr lang="ko-KR" altLang="en-US" sz="1600" err="1"/>
+              <a:rPr lang="ko-KR" altLang="en-US" sz="1600" dirty="0" err="1"/>
               <a:t>가까워짐</a:t>
             </a:r>
-            <a:endParaRPr lang="ko-KR" altLang="en-US" sz="1600"/>
+            <a:endParaRPr lang="ko-KR" altLang="en-US" sz="1600" dirty="0"/>
           </a:p>
           <a:p>
             <a:pPr>
@@ -8159,15 +9813,15 @@
               </a:lnSpc>
             </a:pPr>
             <a:r>
-              <a:rPr lang="ko-KR" altLang="en-US" sz="1600"/>
+              <a:rPr lang="ko-KR" altLang="en-US" sz="1600" dirty="0"/>
               <a:t>3. 최종 </a:t>
             </a:r>
             <a:r>
-              <a:rPr lang="ko-KR" altLang="en-US" sz="1600" err="1"/>
+              <a:rPr lang="ko-KR" altLang="en-US" sz="1600" dirty="0" err="1"/>
               <a:t>full</a:t>
             </a:r>
             <a:r>
-              <a:rPr lang="ko-KR" altLang="en-US" sz="1600"/>
+              <a:rPr lang="ko-KR" altLang="en-US" sz="1600" dirty="0"/>
               <a:t> 모델</a:t>
             </a:r>
           </a:p>
@@ -8178,31 +9832,31 @@
               </a:lnSpc>
             </a:pPr>
             <a:r>
-              <a:rPr lang="en-US" altLang="ko-KR" sz="1600"/>
+              <a:rPr lang="en-US" altLang="ko-KR" sz="1600" dirty="0"/>
               <a:t>  - </a:t>
             </a:r>
             <a:r>
-              <a:rPr lang="ko-KR" altLang="en-US" sz="1600" err="1"/>
+              <a:rPr lang="ko-KR" altLang="en-US" sz="1600" dirty="0" err="1"/>
               <a:t>Evidence-negative</a:t>
             </a:r>
             <a:r>
-              <a:rPr lang="ko-KR" altLang="en-US" sz="1600"/>
+              <a:rPr lang="ko-KR" altLang="en-US" sz="1600" dirty="0"/>
               <a:t> </a:t>
             </a:r>
             <a:r>
-              <a:rPr lang="ko-KR" altLang="en-US" sz="1600" err="1"/>
+              <a:rPr lang="ko-KR" altLang="en-US" sz="1600" dirty="0" err="1"/>
               <a:t>set에서</a:t>
             </a:r>
             <a:r>
-              <a:rPr lang="ko-KR" altLang="en-US" sz="1600"/>
+              <a:rPr lang="ko-KR" altLang="en-US" sz="1600" dirty="0"/>
               <a:t> 낮은 </a:t>
             </a:r>
             <a:r>
-              <a:rPr lang="ko-KR" altLang="en-US" sz="1600" err="1"/>
+              <a:rPr lang="ko-KR" altLang="en-US" sz="1600" dirty="0" err="1"/>
               <a:t>confidence를</a:t>
             </a:r>
             <a:r>
-              <a:rPr lang="ko-KR" altLang="en-US" sz="1600"/>
+              <a:rPr lang="ko-KR" altLang="en-US" sz="1600" dirty="0"/>
               <a:t> 유지하면서 </a:t>
             </a:r>
           </a:p>
@@ -8213,35 +9867,35 @@
               </a:lnSpc>
             </a:pPr>
             <a:r>
-              <a:rPr lang="ko-KR" altLang="en-US" sz="1600"/>
+              <a:rPr lang="ko-KR" altLang="en-US" sz="1600" dirty="0"/>
               <a:t>  </a:t>
             </a:r>
             <a:r>
-              <a:rPr lang="en-US" altLang="ko-KR" sz="1600"/>
+              <a:rPr lang="en-US" altLang="ko-KR" sz="1600" dirty="0"/>
               <a:t>- </a:t>
             </a:r>
             <a:r>
-              <a:rPr lang="ko-KR" altLang="en-US" sz="1600" err="1"/>
+              <a:rPr lang="ko-KR" altLang="en-US" sz="1600" dirty="0" err="1"/>
               <a:t>Evidence-positive</a:t>
             </a:r>
             <a:r>
-              <a:rPr lang="ko-KR" altLang="en-US" sz="1600"/>
+              <a:rPr lang="ko-KR" altLang="en-US" sz="1600" dirty="0"/>
               <a:t> </a:t>
             </a:r>
             <a:r>
-              <a:rPr lang="ko-KR" altLang="en-US" sz="1600" err="1"/>
+              <a:rPr lang="ko-KR" altLang="en-US" sz="1600" dirty="0" err="1"/>
               <a:t>set에서</a:t>
             </a:r>
             <a:r>
-              <a:rPr lang="ko-KR" altLang="en-US" sz="1600"/>
+              <a:rPr lang="ko-KR" altLang="en-US" sz="1600" dirty="0"/>
               <a:t> </a:t>
             </a:r>
             <a:r>
-              <a:rPr lang="ko-KR" altLang="en-US" sz="1600" err="1"/>
+              <a:rPr lang="ko-KR" altLang="en-US" sz="1600" dirty="0" err="1"/>
               <a:t>confidence를</a:t>
             </a:r>
             <a:r>
-              <a:rPr lang="ko-KR" altLang="en-US" sz="1600"/>
+              <a:rPr lang="ko-KR" altLang="en-US" sz="1600" dirty="0"/>
               <a:t> 더 증가시킴</a:t>
             </a:r>
           </a:p>
@@ -8434,6 +10088,189 @@
               </a:rPr>
               <a:t>모델</a:t>
             </a:r>
+          </a:p>
+        </p:txBody>
+      </p:sp>
+      <p:sp>
+        <p:nvSpPr>
+          <p:cNvPr id="15" name="제목 1">
+            <a:extLst>
+              <a:ext uri="{FF2B5EF4-FFF2-40B4-BE49-F238E27FC236}">
+                <a16:creationId xmlns:a16="http://schemas.microsoft.com/office/drawing/2014/main" id="{460AD0F7-E86D-4F70-82B2-1CF2A7C23004}"/>
+              </a:ext>
+            </a:extLst>
+          </p:cNvPr>
+          <p:cNvSpPr txBox="1">
+            <a:spLocks/>
+          </p:cNvSpPr>
+          <p:nvPr/>
+        </p:nvSpPr>
+        <p:spPr>
+          <a:xfrm>
+            <a:off x="281230" y="327349"/>
+            <a:ext cx="10728158" cy="744147"/>
+          </a:xfrm>
+          <a:prstGeom prst="rect">
+            <a:avLst/>
+          </a:prstGeom>
+        </p:spPr>
+        <p:txBody>
+          <a:bodyPr vert="horz" lIns="91440" tIns="45720" rIns="91440" bIns="45720" rtlCol="0" anchor="ctr">
+            <a:normAutofit/>
+          </a:bodyPr>
+          <a:lstStyle>
+            <a:lvl1pPr algn="l" defTabSz="914400" rtl="0" eaLnBrk="1" latinLnBrk="1" hangingPunct="1">
+              <a:lnSpc>
+                <a:spcPct val="90000"/>
+              </a:lnSpc>
+              <a:spcBef>
+                <a:spcPct val="0"/>
+              </a:spcBef>
+              <a:buNone/>
+              <a:defRPr sz="4400" kern="1200">
+                <a:solidFill>
+                  <a:schemeClr val="tx1"/>
+                </a:solidFill>
+                <a:latin typeface="+mj-lt"/>
+                <a:ea typeface="+mj-ea"/>
+                <a:cs typeface="+mj-cs"/>
+              </a:defRPr>
+            </a:lvl1pPr>
+          </a:lstStyle>
+          <a:p>
+            <a:r>
+              <a:rPr lang="en-US" altLang="ko-KR" sz="3600" b="1"/>
+              <a:t>Mitigating Shortcut Learning of NLP models</a:t>
+            </a:r>
+            <a:endParaRPr lang="ko-KR" altLang="en-US" sz="3600" b="1" dirty="0"/>
+          </a:p>
+        </p:txBody>
+      </p:sp>
+      <p:sp>
+        <p:nvSpPr>
+          <p:cNvPr id="16" name="TextBox 15">
+            <a:extLst>
+              <a:ext uri="{FF2B5EF4-FFF2-40B4-BE49-F238E27FC236}">
+                <a16:creationId xmlns:a16="http://schemas.microsoft.com/office/drawing/2014/main" id="{B276E688-623A-4D87-8CA3-4814EEBF16BE}"/>
+              </a:ext>
+            </a:extLst>
+          </p:cNvPr>
+          <p:cNvSpPr txBox="1"/>
+          <p:nvPr/>
+        </p:nvSpPr>
+        <p:spPr>
+          <a:xfrm>
+            <a:off x="5426219" y="70375"/>
+            <a:ext cx="6663784" cy="369332"/>
+          </a:xfrm>
+          <a:prstGeom prst="rect">
+            <a:avLst/>
+          </a:prstGeom>
+          <a:solidFill>
+            <a:srgbClr val="DEEBF7">
+              <a:alpha val="50196"/>
+            </a:srgbClr>
+          </a:solidFill>
+        </p:spPr>
+        <p:txBody>
+          <a:bodyPr wrap="square" rtlCol="0">
+            <a:spAutoFit/>
+          </a:bodyPr>
+          <a:lstStyle/>
+          <a:p>
+            <a:r>
+              <a:rPr lang="ko-KR" altLang="en-US" dirty="0"/>
+              <a:t>서울대 </a:t>
+            </a:r>
+            <a:r>
+              <a:rPr lang="ko-KR" altLang="en-US" b="0" i="0" dirty="0">
+                <a:solidFill>
+                  <a:srgbClr val="030303"/>
+                </a:solidFill>
+                <a:effectLst/>
+                <a:latin typeface="Roboto" panose="02000000000000000000" pitchFamily="2" charset="0"/>
+              </a:rPr>
+              <a:t>컴퓨터공학부 언어 및 데이터지능 연구실 이경재 연구원 </a:t>
+            </a:r>
+            <a:endParaRPr lang="ko-KR" altLang="en-US" dirty="0"/>
+          </a:p>
+        </p:txBody>
+      </p:sp>
+      <p:sp>
+        <p:nvSpPr>
+          <p:cNvPr id="17" name="TextBox 16">
+            <a:extLst>
+              <a:ext uri="{FF2B5EF4-FFF2-40B4-BE49-F238E27FC236}">
+                <a16:creationId xmlns:a16="http://schemas.microsoft.com/office/drawing/2014/main" id="{0F897755-FD9E-4E6E-97A7-97CAA6D6EFB8}"/>
+              </a:ext>
+            </a:extLst>
+          </p:cNvPr>
+          <p:cNvSpPr txBox="1"/>
+          <p:nvPr/>
+        </p:nvSpPr>
+        <p:spPr>
+          <a:xfrm>
+            <a:off x="281230" y="121275"/>
+            <a:ext cx="4283242" cy="369332"/>
+          </a:xfrm>
+          <a:prstGeom prst="rect">
+            <a:avLst/>
+          </a:prstGeom>
+          <a:noFill/>
+        </p:spPr>
+        <p:txBody>
+          <a:bodyPr wrap="square">
+            <a:spAutoFit/>
+          </a:bodyPr>
+          <a:lstStyle/>
+          <a:p>
+            <a:r>
+              <a:rPr lang="ko-KR" altLang="en-US" dirty="0">
+                <a:solidFill>
+                  <a:schemeClr val="bg2">
+                    <a:lumMod val="75000"/>
+                  </a:schemeClr>
+                </a:solidFill>
+              </a:rPr>
+              <a:t>자연어처리 </a:t>
+            </a:r>
+            <a:r>
+              <a:rPr lang="en-US" altLang="ko-KR" dirty="0">
+                <a:solidFill>
+                  <a:schemeClr val="bg2">
+                    <a:lumMod val="75000"/>
+                  </a:schemeClr>
+                </a:solidFill>
+              </a:rPr>
+              <a:t>AI</a:t>
+            </a:r>
+            <a:r>
+              <a:rPr lang="ko-KR" altLang="en-US" dirty="0">
+                <a:solidFill>
+                  <a:schemeClr val="bg2">
+                    <a:lumMod val="75000"/>
+                  </a:schemeClr>
+                </a:solidFill>
+              </a:rPr>
+              <a:t>는 올바른 추론을 하는가</a:t>
+            </a:r>
+            <a:r>
+              <a:rPr lang="en-US" altLang="ko-KR" dirty="0">
+                <a:solidFill>
+                  <a:schemeClr val="bg2">
+                    <a:lumMod val="75000"/>
+                  </a:schemeClr>
+                </a:solidFill>
+              </a:rPr>
+              <a:t>? </a:t>
+            </a:r>
+            <a:endParaRPr lang="ko-KR" altLang="en-US" dirty="0">
+              <a:solidFill>
+                <a:schemeClr val="bg2">
+                  <a:lumMod val="75000"/>
+                </a:schemeClr>
+              </a:solidFill>
+            </a:endParaRPr>
           </a:p>
         </p:txBody>
       </p:sp>
@@ -8485,7 +10322,7 @@
         </p:nvSpPr>
         <p:spPr>
           <a:xfrm>
-            <a:off x="501315" y="287354"/>
+            <a:off x="510734" y="362525"/>
             <a:ext cx="10728158" cy="744147"/>
           </a:xfrm>
         </p:spPr>
@@ -8925,12 +10762,12 @@
         </p:nvSpPr>
         <p:spPr>
           <a:xfrm>
-            <a:off x="6222378" y="4194785"/>
-            <a:ext cx="5080623" cy="685719"/>
+            <a:off x="5926720" y="4194785"/>
+            <a:ext cx="5671570" cy="759393"/>
           </a:xfrm>
           <a:prstGeom prst="roundRect">
             <a:avLst>
-              <a:gd name="adj" fmla="val 9265"/>
+              <a:gd name="adj" fmla="val 34807"/>
             </a:avLst>
           </a:prstGeom>
           <a:solidFill>
@@ -8949,38 +10786,55 @@
               </a:lnSpc>
             </a:pPr>
             <a:r>
-              <a:rPr lang="en-US" altLang="en-US" sz="1600" b="1">
+              <a:rPr lang="en-US" altLang="en-US" b="1" dirty="0">
                 <a:ea typeface="+mn-lt"/>
                 <a:cs typeface="+mn-lt"/>
               </a:rPr>
               <a:t>=&gt;</a:t>
             </a:r>
             <a:r>
-              <a:rPr lang="ko-KR" altLang="en-US" sz="1600" b="1">
+              <a:rPr lang="ko-KR" altLang="en-US" b="1" dirty="0">
                 <a:ea typeface="+mn-lt"/>
                 <a:cs typeface="+mn-lt"/>
               </a:rPr>
               <a:t> </a:t>
             </a:r>
             <a:r>
-              <a:rPr lang="ko-KR" altLang="en-US" sz="1600" b="1">
+              <a:rPr lang="ko-KR" altLang="en-US" b="1" dirty="0">
                 <a:ea typeface="맑은 고딕"/>
               </a:rPr>
               <a:t>어떻게 하면 주식들 간의 동적인 </a:t>
             </a:r>
             <a:r>
-              <a:rPr lang="ko-KR" altLang="en-US" sz="1600" b="1" err="1">
+              <a:rPr lang="ko-KR" altLang="en-US" b="1" dirty="0" err="1">
                 <a:ea typeface="맑은 고딕"/>
               </a:rPr>
               <a:t>correleation을</a:t>
             </a:r>
             <a:r>
-              <a:rPr lang="ko-KR" altLang="en-US" sz="1600" b="1">
-                <a:ea typeface="맑은 고딕"/>
-              </a:rPr>
-              <a:t> 사전지식 없이 잘 학습할 수 있을까?</a:t>
-            </a:r>
-            <a:endParaRPr lang="ko-KR"/>
+              <a:rPr lang="ko-KR" altLang="en-US" b="1" dirty="0">
+                <a:ea typeface="맑은 고딕"/>
+              </a:rPr>
+              <a:t> </a:t>
+            </a:r>
+            <a:br>
+              <a:rPr lang="en-US" altLang="ko-KR" b="1" dirty="0">
+                <a:ea typeface="맑은 고딕"/>
+              </a:rPr>
+            </a:br>
+            <a:r>
+              <a:rPr lang="en-US" altLang="ko-KR" b="1" dirty="0">
+                <a:ea typeface="맑은 고딕"/>
+              </a:rPr>
+              <a:t>     </a:t>
+            </a:r>
+            <a:r>
+              <a:rPr lang="ko-KR" altLang="en-US" b="1" dirty="0">
+                <a:ea typeface="맑은 고딕"/>
+              </a:rPr>
+              <a:t>사전지식 없이 잘 학습할 수 있을까?</a:t>
+            </a:r>
+            <a:endParaRPr lang="ko-KR" sz="2000" dirty="0"/>
           </a:p>
         </p:txBody>
       </p:sp>
@@ -8999,7 +10853,7 @@
           <p:nvPr/>
         </p:nvPicPr>
         <p:blipFill>
-          <a:blip r:embed="rId2"/>
+          <a:blip r:embed="rId3"/>
           <a:stretch>
             <a:fillRect/>
           </a:stretch>
@@ -9707,6 +11561,123 @@
           </a:p>
         </p:txBody>
       </p:sp>
+      <p:sp>
+        <p:nvSpPr>
+          <p:cNvPr id="10" name="TextBox 9">
+            <a:extLst>
+              <a:ext uri="{FF2B5EF4-FFF2-40B4-BE49-F238E27FC236}">
+                <a16:creationId xmlns:a16="http://schemas.microsoft.com/office/drawing/2014/main" id="{33E3B42F-0FDC-45B0-A906-C8A337DE37CB}"/>
+              </a:ext>
+            </a:extLst>
+          </p:cNvPr>
+          <p:cNvSpPr txBox="1"/>
+          <p:nvPr/>
+        </p:nvSpPr>
+        <p:spPr>
+          <a:xfrm>
+            <a:off x="6930189" y="118316"/>
+            <a:ext cx="5069306" cy="369332"/>
+          </a:xfrm>
+          <a:prstGeom prst="rect">
+            <a:avLst/>
+          </a:prstGeom>
+          <a:solidFill>
+            <a:srgbClr val="DEEBF7">
+              <a:alpha val="50196"/>
+            </a:srgbClr>
+          </a:solidFill>
+        </p:spPr>
+        <p:txBody>
+          <a:bodyPr wrap="square">
+            <a:spAutoFit/>
+          </a:bodyPr>
+          <a:lstStyle/>
+          <a:p>
+            <a:r>
+              <a:rPr lang="ko-KR" altLang="en-US" b="0" i="0" dirty="0">
+                <a:solidFill>
+                  <a:srgbClr val="030303"/>
+                </a:solidFill>
+                <a:effectLst/>
+                <a:latin typeface="Roboto" panose="02000000000000000000" pitchFamily="2" charset="0"/>
+              </a:rPr>
+              <a:t>서울대 컴퓨터공학부 </a:t>
+            </a:r>
+            <a:r>
+              <a:rPr lang="ko-KR" altLang="en-US" b="0" i="0" dirty="0" err="1">
+                <a:solidFill>
+                  <a:srgbClr val="030303"/>
+                </a:solidFill>
+                <a:effectLst/>
+                <a:latin typeface="Roboto" panose="02000000000000000000" pitchFamily="2" charset="0"/>
+              </a:rPr>
+              <a:t>데이터마이닝</a:t>
+            </a:r>
+            <a:r>
+              <a:rPr lang="ko-KR" altLang="en-US" b="0" i="0" dirty="0">
+                <a:solidFill>
+                  <a:srgbClr val="030303"/>
+                </a:solidFill>
+                <a:effectLst/>
+                <a:latin typeface="Roboto" panose="02000000000000000000" pitchFamily="2" charset="0"/>
+              </a:rPr>
+              <a:t> 랩 강유 교수</a:t>
+            </a:r>
+            <a:endParaRPr lang="ko-KR" altLang="en-US" dirty="0"/>
+          </a:p>
+        </p:txBody>
+      </p:sp>
+      <p:sp>
+        <p:nvSpPr>
+          <p:cNvPr id="12" name="TextBox 11">
+            <a:extLst>
+              <a:ext uri="{FF2B5EF4-FFF2-40B4-BE49-F238E27FC236}">
+                <a16:creationId xmlns:a16="http://schemas.microsoft.com/office/drawing/2014/main" id="{6FBFFD09-D4B4-4117-8EFC-431092F6F82B}"/>
+              </a:ext>
+            </a:extLst>
+          </p:cNvPr>
+          <p:cNvSpPr txBox="1"/>
+          <p:nvPr/>
+        </p:nvSpPr>
+        <p:spPr>
+          <a:xfrm>
+            <a:off x="510734" y="117401"/>
+            <a:ext cx="2521224" cy="369332"/>
+          </a:xfrm>
+          <a:prstGeom prst="rect">
+            <a:avLst/>
+          </a:prstGeom>
+          <a:noFill/>
+        </p:spPr>
+        <p:txBody>
+          <a:bodyPr wrap="square">
+            <a:spAutoFit/>
+          </a:bodyPr>
+          <a:lstStyle/>
+          <a:p>
+            <a:r>
+              <a:rPr lang="en-US" altLang="ko-KR" dirty="0">
+                <a:solidFill>
+                  <a:schemeClr val="bg2">
+                    <a:lumMod val="75000"/>
+                  </a:schemeClr>
+                </a:solidFill>
+              </a:rPr>
+              <a:t>AI</a:t>
+            </a:r>
+            <a:r>
+              <a:rPr lang="ko-KR" altLang="en-US" dirty="0">
+                <a:solidFill>
+                  <a:schemeClr val="bg2">
+                    <a:lumMod val="75000"/>
+                  </a:schemeClr>
+                </a:solidFill>
+              </a:rPr>
+              <a:t>를 통한 주가 예측</a:t>
+            </a:r>
+          </a:p>
+        </p:txBody>
+      </p:sp>
     </p:spTree>
     <p:extLst>
       <p:ext uri="{BB962C8B-B14F-4D97-AF65-F5344CB8AC3E}">
@@ -9755,7 +11726,7 @@
         </p:nvSpPr>
         <p:spPr>
           <a:xfrm>
-            <a:off x="501315" y="287354"/>
+            <a:off x="501315" y="335480"/>
             <a:ext cx="10728158" cy="744147"/>
           </a:xfrm>
         </p:spPr>
@@ -9766,12 +11737,12 @@
           <a:lstStyle/>
           <a:p>
             <a:r>
-              <a:rPr lang="en-US" altLang="ko-KR" sz="3600" b="1">
+              <a:rPr lang="en-US" altLang="ko-KR" sz="3600" b="1" dirty="0">
                 <a:ea typeface="맑은 고딕"/>
               </a:rPr>
               <a:t>Stock Prediction with AI</a:t>
             </a:r>
-            <a:endParaRPr lang="ko-KR"/>
+            <a:endParaRPr lang="ko-KR" dirty="0"/>
           </a:p>
         </p:txBody>
       </p:sp>
@@ -9815,18 +11786,18 @@
               <a:buChar char="•"/>
             </a:pPr>
             <a:r>
-              <a:rPr lang="ko-KR" altLang="en-US" err="1">
+              <a:rPr lang="ko-KR" altLang="en-US" dirty="0" err="1">
                 <a:ea typeface="맑은 고딕"/>
               </a:rPr>
               <a:t>Dataset</a:t>
             </a:r>
             <a:r>
-              <a:rPr lang="ko-KR" altLang="en-US">
+              <a:rPr lang="ko-KR" altLang="en-US" dirty="0">
                 <a:ea typeface="맑은 고딕"/>
               </a:rPr>
               <a:t> : 2(기존) + 4(새로운) </a:t>
             </a:r>
-            <a:endParaRPr lang="ko-KR"/>
+            <a:endParaRPr lang="ko-KR" dirty="0"/>
           </a:p>
           <a:p>
             <a:pPr lvl="1">
@@ -9835,54 +11806,54 @@
               </a:lnSpc>
             </a:pPr>
             <a:r>
-              <a:rPr lang="ko-KR" altLang="en-US">
+              <a:rPr lang="ko-KR" altLang="en-US" dirty="0">
                 <a:ea typeface="맑은 고딕"/>
               </a:rPr>
               <a:t>= </a:t>
             </a:r>
             <a:r>
-              <a:rPr lang="ko-KR" altLang="en-US" err="1">
+              <a:rPr lang="ko-KR" altLang="en-US" dirty="0" err="1">
                 <a:ea typeface="맑은 고딕"/>
               </a:rPr>
               <a:t>train</a:t>
             </a:r>
             <a:r>
-              <a:rPr lang="ko-KR" altLang="en-US">
+              <a:rPr lang="ko-KR" altLang="en-US" dirty="0">
                 <a:ea typeface="맑은 고딕"/>
               </a:rPr>
               <a:t> / </a:t>
             </a:r>
             <a:r>
-              <a:rPr lang="ko-KR" altLang="en-US" err="1">
+              <a:rPr lang="ko-KR" altLang="en-US" dirty="0" err="1">
                 <a:ea typeface="맑은 고딕"/>
               </a:rPr>
               <a:t>valid</a:t>
             </a:r>
             <a:r>
-              <a:rPr lang="ko-KR" altLang="en-US">
+              <a:rPr lang="ko-KR" altLang="en-US" dirty="0">
                 <a:ea typeface="맑은 고딕"/>
               </a:rPr>
               <a:t> / </a:t>
             </a:r>
             <a:r>
-              <a:rPr lang="ko-KR" altLang="en-US" err="1">
+              <a:rPr lang="ko-KR" altLang="en-US" dirty="0" err="1">
                 <a:ea typeface="맑은 고딕"/>
               </a:rPr>
               <a:t>test</a:t>
             </a:r>
             <a:r>
-              <a:rPr lang="ko-KR" altLang="en-US">
+              <a:rPr lang="ko-KR" altLang="en-US" dirty="0">
                 <a:ea typeface="맑은 고딕"/>
               </a:rPr>
               <a:t> </a:t>
             </a:r>
             <a:r>
-              <a:rPr lang="ko-KR" altLang="en-US" err="1">
+              <a:rPr lang="ko-KR" altLang="en-US" dirty="0" err="1">
                 <a:ea typeface="맑은 고딕"/>
               </a:rPr>
               <a:t>sets</a:t>
             </a:r>
-            <a:endParaRPr lang="ko-KR" altLang="en-US">
+            <a:endParaRPr lang="ko-KR" altLang="en-US" dirty="0">
               <a:ea typeface="맑은 고딕"/>
             </a:endParaRPr>
           </a:p>
@@ -9895,115 +11866,115 @@
               <a:buChar char="•"/>
             </a:pPr>
             <a:r>
-              <a:rPr lang="ko-KR" altLang="en-US" err="1">
+              <a:rPr lang="ko-KR" altLang="en-US" dirty="0" err="1">
                 <a:ea typeface="맑은 고딕"/>
               </a:rPr>
               <a:t>Evaluation</a:t>
             </a:r>
             <a:r>
-              <a:rPr lang="ko-KR" altLang="en-US">
+              <a:rPr lang="ko-KR" altLang="en-US" dirty="0">
                 <a:ea typeface="맑은 고딕"/>
               </a:rPr>
               <a:t> </a:t>
             </a:r>
             <a:r>
-              <a:rPr lang="ko-KR" altLang="en-US" err="1">
+              <a:rPr lang="ko-KR" altLang="en-US" dirty="0" err="1">
                 <a:ea typeface="맑은 고딕"/>
               </a:rPr>
               <a:t>metrics</a:t>
             </a:r>
             <a:r>
-              <a:rPr lang="ko-KR" altLang="en-US">
-                <a:ea typeface="맑은 고딕"/>
-              </a:rPr>
-              <a:t> : </a:t>
+              <a:rPr lang="ko-KR" altLang="en-US" dirty="0">
+                <a:ea typeface="맑은 고딕"/>
+              </a:rPr>
+              <a:t> 평가 지표 : </a:t>
             </a:r>
             <a:br>
-              <a:rPr lang="ko-KR" altLang="en-US">
+              <a:rPr lang="ko-KR" altLang="en-US" dirty="0">
                 <a:ea typeface="맑은 고딕"/>
               </a:rPr>
             </a:br>
             <a:r>
-              <a:rPr lang="ko-KR" altLang="en-US">
+              <a:rPr lang="ko-KR" altLang="en-US" dirty="0">
                 <a:ea typeface="맑은 고딕"/>
               </a:rPr>
               <a:t>- </a:t>
             </a:r>
             <a:r>
-              <a:rPr lang="ko-KR" altLang="en-US" err="1">
+              <a:rPr lang="ko-KR" altLang="en-US" dirty="0" err="1">
                 <a:ea typeface="맑은 고딕"/>
               </a:rPr>
               <a:t>Simple</a:t>
             </a:r>
             <a:r>
-              <a:rPr lang="ko-KR" altLang="en-US">
+              <a:rPr lang="ko-KR" altLang="en-US" dirty="0">
                 <a:ea typeface="맑은 고딕"/>
               </a:rPr>
               <a:t> </a:t>
             </a:r>
             <a:r>
-              <a:rPr lang="ko-KR" altLang="en-US" err="1">
+              <a:rPr lang="ko-KR" altLang="en-US" dirty="0" err="1">
                 <a:ea typeface="맑은 고딕"/>
               </a:rPr>
               <a:t>accuracy</a:t>
             </a:r>
             <a:r>
-              <a:rPr lang="ko-KR" altLang="en-US">
-                <a:ea typeface="맑은 고딕"/>
-              </a:rPr>
-              <a:t>(ACC)</a:t>
+              <a:rPr lang="ko-KR" altLang="en-US" dirty="0">
+                <a:ea typeface="맑은 고딕"/>
+              </a:rPr>
+              <a:t> (ACC)</a:t>
             </a:r>
             <a:br>
-              <a:rPr lang="ko-KR" altLang="en-US">
+              <a:rPr lang="ko-KR" altLang="en-US" dirty="0">
                 <a:ea typeface="맑은 고딕"/>
               </a:rPr>
             </a:br>
             <a:r>
-              <a:rPr lang="ko-KR" altLang="en-US">
-                <a:ea typeface="맑은 고딕"/>
-              </a:rPr>
-              <a:t>-  The </a:t>
-            </a:r>
-            <a:r>
-              <a:rPr lang="ko-KR" altLang="en-US" err="1">
+              <a:rPr lang="ko-KR" altLang="en-US" dirty="0">
+                <a:ea typeface="맑은 고딕"/>
+              </a:rPr>
+              <a:t>- The </a:t>
+            </a:r>
+            <a:r>
+              <a:rPr lang="ko-KR" altLang="en-US" dirty="0" err="1">
                 <a:ea typeface="맑은 고딕"/>
               </a:rPr>
               <a:t>Matthews</a:t>
             </a:r>
             <a:r>
-              <a:rPr lang="ko-KR" altLang="en-US">
+              <a:rPr lang="ko-KR" altLang="en-US" dirty="0">
                 <a:ea typeface="맑은 고딕"/>
               </a:rPr>
               <a:t> </a:t>
             </a:r>
             <a:r>
-              <a:rPr lang="ko-KR" altLang="en-US" err="1">
+              <a:rPr lang="ko-KR" altLang="en-US" dirty="0" err="1">
                 <a:ea typeface="맑은 고딕"/>
               </a:rPr>
               <a:t>correlation</a:t>
             </a:r>
             <a:br>
-              <a:rPr lang="ko-KR" altLang="en-US">
+              <a:rPr lang="ko-KR" altLang="en-US" dirty="0">
                 <a:ea typeface="맑은 고딕"/>
               </a:rPr>
             </a:br>
             <a:r>
-              <a:rPr lang="ko-KR" altLang="en-US">
+              <a:rPr lang="ko-KR" altLang="en-US" dirty="0">
                 <a:ea typeface="맑은 고딕"/>
               </a:rPr>
               <a:t>    </a:t>
             </a:r>
             <a:r>
-              <a:rPr lang="ko-KR" altLang="en-US" err="1">
+              <a:rPr lang="ko-KR" altLang="en-US" dirty="0" err="1">
                 <a:ea typeface="맑은 고딕"/>
               </a:rPr>
               <a:t>coefficient</a:t>
             </a:r>
             <a:r>
-              <a:rPr lang="ko-KR" altLang="en-US">
-                <a:ea typeface="맑은 고딕"/>
-              </a:rPr>
-              <a:t>(MCC)</a:t>
+              <a:rPr lang="ko-KR" altLang="en-US" dirty="0">
+                <a:ea typeface="맑은 고딕"/>
+              </a:rPr>
+              <a:t> (MCC)</a:t>
             </a:r>
           </a:p>
         </p:txBody>
@@ -10024,7 +11995,7 @@
         </p:nvSpPr>
         <p:spPr>
           <a:xfrm>
-            <a:off x="427933" y="1378606"/>
+            <a:off x="427939" y="1437182"/>
             <a:ext cx="11255510" cy="2160156"/>
           </a:xfrm>
           <a:prstGeom prst="roundRect">
@@ -10215,67 +12186,67 @@
               <a:buChar char="§"/>
             </a:pPr>
             <a:r>
-              <a:rPr lang="ko-KR" altLang="en-US" sz="1800" b="1">
+              <a:rPr lang="ko-KR" altLang="en-US" sz="1800" b="1" dirty="0">
                 <a:ea typeface="맑은 고딕"/>
               </a:rPr>
               <a:t>DTML(Data-</a:t>
             </a:r>
             <a:r>
-              <a:rPr lang="ko-KR" altLang="en-US" sz="1800" b="1" err="1">
+              <a:rPr lang="ko-KR" altLang="en-US" sz="1800" b="1" dirty="0" err="1">
                 <a:ea typeface="맑은 고딕"/>
               </a:rPr>
               <a:t>axis</a:t>
             </a:r>
             <a:r>
-              <a:rPr lang="ko-KR" altLang="en-US" sz="1800" b="1">
+              <a:rPr lang="ko-KR" altLang="en-US" sz="1800" b="1" dirty="0">
                 <a:ea typeface="맑은 고딕"/>
               </a:rPr>
               <a:t> </a:t>
             </a:r>
             <a:r>
-              <a:rPr lang="ko-KR" altLang="en-US" sz="1800" b="1" err="1">
+              <a:rPr lang="ko-KR" altLang="en-US" sz="1800" b="1" dirty="0" err="1">
                 <a:ea typeface="맑은 고딕"/>
               </a:rPr>
               <a:t>Transformer</a:t>
             </a:r>
             <a:r>
-              <a:rPr lang="ko-KR" altLang="en-US" sz="1800" b="1">
+              <a:rPr lang="ko-KR" altLang="en-US" sz="1800" b="1" dirty="0">
                 <a:ea typeface="맑은 고딕"/>
               </a:rPr>
               <a:t> </a:t>
             </a:r>
             <a:r>
-              <a:rPr lang="ko-KR" altLang="en-US" sz="1800" b="1" err="1">
+              <a:rPr lang="ko-KR" altLang="en-US" sz="1800" b="1" dirty="0" err="1">
                 <a:ea typeface="맑은 고딕"/>
               </a:rPr>
               <a:t>with</a:t>
             </a:r>
             <a:r>
-              <a:rPr lang="ko-KR" altLang="en-US" sz="1800" b="1">
+              <a:rPr lang="ko-KR" altLang="en-US" sz="1800" b="1" dirty="0">
                 <a:ea typeface="맑은 고딕"/>
               </a:rPr>
               <a:t> </a:t>
             </a:r>
             <a:r>
-              <a:rPr lang="ko-KR" altLang="en-US" sz="1800" b="1" err="1">
+              <a:rPr lang="ko-KR" altLang="en-US" sz="1800" b="1" dirty="0" err="1">
                 <a:ea typeface="맑은 고딕"/>
               </a:rPr>
               <a:t>Multi-Level</a:t>
             </a:r>
             <a:r>
-              <a:rPr lang="ko-KR" altLang="en-US" sz="1800" b="1">
+              <a:rPr lang="ko-KR" altLang="en-US" sz="1800" b="1" dirty="0">
                 <a:ea typeface="맑은 고딕"/>
               </a:rPr>
               <a:t> </a:t>
             </a:r>
             <a:r>
-              <a:rPr lang="ko-KR" altLang="en-US" sz="1800" b="1" err="1">
+              <a:rPr lang="ko-KR" altLang="en-US" sz="1800" b="1" dirty="0" err="1">
                 <a:ea typeface="맑은 고딕"/>
               </a:rPr>
               <a:t>contexts</a:t>
             </a:r>
             <a:r>
-              <a:rPr lang="ko-KR" altLang="en-US" sz="1800" b="1">
+              <a:rPr lang="ko-KR" altLang="en-US" sz="1800" b="1" dirty="0">
                 <a:ea typeface="맑은 고딕"/>
               </a:rPr>
               <a:t>)</a:t>
@@ -10290,31 +12261,31 @@
               <a:buChar char="§"/>
             </a:pPr>
             <a:r>
-              <a:rPr lang="ko-KR" altLang="en-US" sz="1800">
+              <a:rPr lang="ko-KR" altLang="en-US" sz="1800" dirty="0">
                 <a:ea typeface="맑은 고딕"/>
               </a:rPr>
               <a:t>Time-</a:t>
             </a:r>
             <a:r>
-              <a:rPr lang="ko-KR" altLang="en-US" sz="1800" err="1">
+              <a:rPr lang="ko-KR" altLang="en-US" sz="1800" dirty="0" err="1">
                 <a:ea typeface="맑은 고딕"/>
               </a:rPr>
               <a:t>axis</a:t>
             </a:r>
             <a:r>
-              <a:rPr lang="ko-KR" altLang="en-US" sz="1800">
+              <a:rPr lang="ko-KR" altLang="en-US" sz="1800" dirty="0">
                 <a:ea typeface="맑은 고딕"/>
               </a:rPr>
               <a:t> </a:t>
             </a:r>
             <a:r>
-              <a:rPr lang="ko-KR" altLang="en-US" sz="1800" err="1">
+              <a:rPr lang="ko-KR" altLang="en-US" sz="1800" dirty="0" err="1">
                 <a:ea typeface="맑은 고딕"/>
               </a:rPr>
               <a:t>attention</a:t>
             </a:r>
             <a:r>
-              <a:rPr lang="ko-KR" altLang="en-US" sz="1800">
+              <a:rPr lang="ko-KR" altLang="en-US" sz="1800" dirty="0">
                 <a:ea typeface="맑은 고딕"/>
               </a:rPr>
               <a:t> - 어떤 날짜가 다음날 예측할 때 도움이 될지 동적으로 학습</a:t>
@@ -10329,25 +12300,25 @@
               <a:buChar char="§"/>
             </a:pPr>
             <a:r>
-              <a:rPr lang="ko-KR" altLang="en-US" sz="1800" err="1">
+              <a:rPr lang="ko-KR" altLang="en-US" sz="1800" dirty="0" err="1">
                 <a:ea typeface="맑은 고딕"/>
               </a:rPr>
               <a:t>Context</a:t>
             </a:r>
             <a:r>
-              <a:rPr lang="ko-KR" altLang="en-US" sz="1800">
+              <a:rPr lang="ko-KR" altLang="en-US" sz="1800" dirty="0">
                 <a:ea typeface="맑은 고딕"/>
               </a:rPr>
               <a:t> </a:t>
             </a:r>
             <a:r>
-              <a:rPr lang="ko-KR" altLang="en-US" sz="1800" err="1">
+              <a:rPr lang="ko-KR" altLang="en-US" sz="1800" dirty="0" err="1">
                 <a:ea typeface="맑은 고딕"/>
               </a:rPr>
               <a:t>aggregation</a:t>
             </a:r>
             <a:r>
-              <a:rPr lang="ko-KR" altLang="en-US" sz="1800">
+              <a:rPr lang="ko-KR" altLang="en-US" sz="1800" dirty="0">
                 <a:ea typeface="맑은 고딕"/>
               </a:rPr>
               <a:t> - 개별 주식 + 시장의 트렌드</a:t>
@@ -10362,31 +12333,31 @@
               <a:buChar char="§"/>
             </a:pPr>
             <a:r>
-              <a:rPr lang="ko-KR" altLang="en-US" sz="1800">
+              <a:rPr lang="ko-KR" altLang="en-US" sz="1800" dirty="0">
                 <a:ea typeface="맑은 고딕"/>
               </a:rPr>
               <a:t>Data-</a:t>
             </a:r>
             <a:r>
-              <a:rPr lang="ko-KR" altLang="en-US" sz="1800" err="1">
+              <a:rPr lang="ko-KR" altLang="en-US" sz="1800" dirty="0" err="1">
                 <a:ea typeface="맑은 고딕"/>
               </a:rPr>
               <a:t>axis</a:t>
             </a:r>
             <a:r>
-              <a:rPr lang="ko-KR" altLang="en-US" sz="1800">
+              <a:rPr lang="ko-KR" altLang="en-US" sz="1800" dirty="0">
                 <a:ea typeface="맑은 고딕"/>
               </a:rPr>
               <a:t> </a:t>
             </a:r>
             <a:r>
-              <a:rPr lang="ko-KR" altLang="en-US" sz="1800" err="1">
+              <a:rPr lang="ko-KR" altLang="en-US" sz="1800" dirty="0" err="1">
                 <a:ea typeface="맑은 고딕"/>
               </a:rPr>
               <a:t>attention</a:t>
             </a:r>
             <a:r>
-              <a:rPr lang="ko-KR" altLang="en-US" sz="1800">
+              <a:rPr lang="ko-KR" altLang="en-US" sz="1800" dirty="0">
                 <a:ea typeface="맑은 고딕"/>
               </a:rPr>
               <a:t> - 여러 주식 간의 상관관계를 동적으로 학습</a:t>
@@ -10400,46 +12371,46 @@
               <a:buNone/>
             </a:pPr>
             <a:r>
-              <a:rPr lang="ko-KR" altLang="en-US" sz="1800">
+              <a:rPr lang="ko-KR" altLang="en-US" sz="1800" dirty="0">
                 <a:ea typeface="맑은 고딕"/>
               </a:rPr>
               <a:t>=&gt; </a:t>
             </a:r>
             <a:r>
-              <a:rPr lang="ko-KR" altLang="en-US" sz="1800" err="1">
+              <a:rPr lang="ko-KR" altLang="en-US" sz="1800" dirty="0" err="1">
                 <a:ea typeface="맑은 고딕"/>
               </a:rPr>
               <a:t>시간축</a:t>
             </a:r>
             <a:r>
-              <a:rPr lang="ko-KR" altLang="en-US" sz="1800">
+              <a:rPr lang="ko-KR" altLang="en-US" sz="1800" dirty="0">
                 <a:ea typeface="맑은 고딕"/>
               </a:rPr>
               <a:t> + </a:t>
             </a:r>
             <a:r>
-              <a:rPr lang="ko-KR" altLang="en-US" sz="1800" err="1">
+              <a:rPr lang="ko-KR" altLang="en-US" sz="1800" dirty="0" err="1">
                 <a:ea typeface="맑은 고딕"/>
               </a:rPr>
               <a:t>global</a:t>
             </a:r>
             <a:r>
-              <a:rPr lang="ko-KR" altLang="en-US" sz="1800">
+              <a:rPr lang="ko-KR" altLang="en-US" sz="1800" dirty="0">
                 <a:ea typeface="맑은 고딕"/>
               </a:rPr>
               <a:t> </a:t>
             </a:r>
             <a:r>
-              <a:rPr lang="ko-KR" altLang="en-US" sz="1800" err="1">
+              <a:rPr lang="ko-KR" altLang="en-US" sz="1800" dirty="0" err="1">
                 <a:ea typeface="맑은 고딕"/>
               </a:rPr>
               <a:t>market</a:t>
             </a:r>
             <a:r>
-              <a:rPr lang="ko-KR" altLang="en-US" sz="1800">
-                <a:ea typeface="맑은 고딕"/>
-              </a:rPr>
-              <a:t> + 종목 간의 연관관계</a:t>
+              <a:rPr lang="ko-KR" altLang="en-US" sz="1800" dirty="0">
+                <a:ea typeface="맑은 고딕"/>
+              </a:rPr>
+              <a:t> + 종목 간의 연관관계 학습</a:t>
             </a:r>
           </a:p>
         </p:txBody>
@@ -10500,7 +12471,7 @@
         </p:nvSpPr>
         <p:spPr>
           <a:xfrm>
-            <a:off x="5546276" y="3588171"/>
+            <a:off x="5546276" y="3712866"/>
             <a:ext cx="6137173" cy="3008866"/>
           </a:xfrm>
           <a:prstGeom prst="roundRect">
@@ -11121,15 +13092,15 @@
           <p:nvPr/>
         </p:nvPicPr>
         <p:blipFill>
-          <a:blip r:embed="rId2"/>
+          <a:blip r:embed="rId3"/>
           <a:stretch>
             <a:fillRect/>
           </a:stretch>
         </p:blipFill>
         <p:spPr>
           <a:xfrm>
-            <a:off x="8304362" y="201495"/>
-            <a:ext cx="3648973" cy="1451689"/>
+            <a:off x="8451272" y="537057"/>
+            <a:ext cx="3439574" cy="1274888"/>
           </a:xfrm>
           <a:prstGeom prst="rect">
             <a:avLst/>
@@ -11143,6 +13114,123 @@
           </a:ln>
         </p:spPr>
       </p:pic>
+      <p:sp>
+        <p:nvSpPr>
+          <p:cNvPr id="11" name="TextBox 10">
+            <a:extLst>
+              <a:ext uri="{FF2B5EF4-FFF2-40B4-BE49-F238E27FC236}">
+                <a16:creationId xmlns:a16="http://schemas.microsoft.com/office/drawing/2014/main" id="{8E4BA276-FEF5-434A-91DA-8AE6958C8D59}"/>
+              </a:ext>
+            </a:extLst>
+          </p:cNvPr>
+          <p:cNvSpPr txBox="1"/>
+          <p:nvPr/>
+        </p:nvSpPr>
+        <p:spPr>
+          <a:xfrm>
+            <a:off x="6930189" y="118316"/>
+            <a:ext cx="5069306" cy="369332"/>
+          </a:xfrm>
+          <a:prstGeom prst="rect">
+            <a:avLst/>
+          </a:prstGeom>
+          <a:solidFill>
+            <a:srgbClr val="DEEBF7">
+              <a:alpha val="50196"/>
+            </a:srgbClr>
+          </a:solidFill>
+        </p:spPr>
+        <p:txBody>
+          <a:bodyPr wrap="square">
+            <a:spAutoFit/>
+          </a:bodyPr>
+          <a:lstStyle/>
+          <a:p>
+            <a:r>
+              <a:rPr lang="ko-KR" altLang="en-US" b="0" i="0" dirty="0">
+                <a:solidFill>
+                  <a:srgbClr val="030303"/>
+                </a:solidFill>
+                <a:effectLst/>
+                <a:latin typeface="Roboto" panose="02000000000000000000" pitchFamily="2" charset="0"/>
+              </a:rPr>
+              <a:t>서울대 컴퓨터공학부 </a:t>
+            </a:r>
+            <a:r>
+              <a:rPr lang="ko-KR" altLang="en-US" b="0" i="0" dirty="0" err="1">
+                <a:solidFill>
+                  <a:srgbClr val="030303"/>
+                </a:solidFill>
+                <a:effectLst/>
+                <a:latin typeface="Roboto" panose="02000000000000000000" pitchFamily="2" charset="0"/>
+              </a:rPr>
+              <a:t>데이터마이닝</a:t>
+            </a:r>
+            <a:r>
+              <a:rPr lang="ko-KR" altLang="en-US" b="0" i="0" dirty="0">
+                <a:solidFill>
+                  <a:srgbClr val="030303"/>
+                </a:solidFill>
+                <a:effectLst/>
+                <a:latin typeface="Roboto" panose="02000000000000000000" pitchFamily="2" charset="0"/>
+              </a:rPr>
+              <a:t> 랩 강유 교수</a:t>
+            </a:r>
+            <a:endParaRPr lang="ko-KR" altLang="en-US" dirty="0"/>
+          </a:p>
+        </p:txBody>
+      </p:sp>
+      <p:sp>
+        <p:nvSpPr>
+          <p:cNvPr id="15" name="TextBox 14">
+            <a:extLst>
+              <a:ext uri="{FF2B5EF4-FFF2-40B4-BE49-F238E27FC236}">
+                <a16:creationId xmlns:a16="http://schemas.microsoft.com/office/drawing/2014/main" id="{04F7C8C4-D5FF-46D0-88B4-F2910443BA1B}"/>
+              </a:ext>
+            </a:extLst>
+          </p:cNvPr>
+          <p:cNvSpPr txBox="1"/>
+          <p:nvPr/>
+        </p:nvSpPr>
+        <p:spPr>
+          <a:xfrm>
+            <a:off x="510734" y="117401"/>
+            <a:ext cx="2521224" cy="369332"/>
+          </a:xfrm>
+          <a:prstGeom prst="rect">
+            <a:avLst/>
+          </a:prstGeom>
+          <a:noFill/>
+        </p:spPr>
+        <p:txBody>
+          <a:bodyPr wrap="square">
+            <a:spAutoFit/>
+          </a:bodyPr>
+          <a:lstStyle/>
+          <a:p>
+            <a:r>
+              <a:rPr lang="en-US" altLang="ko-KR" dirty="0">
+                <a:solidFill>
+                  <a:schemeClr val="bg2">
+                    <a:lumMod val="75000"/>
+                  </a:schemeClr>
+                </a:solidFill>
+              </a:rPr>
+              <a:t>AI</a:t>
+            </a:r>
+            <a:r>
+              <a:rPr lang="ko-KR" altLang="en-US" dirty="0">
+                <a:solidFill>
+                  <a:schemeClr val="bg2">
+                    <a:lumMod val="75000"/>
+                  </a:schemeClr>
+                </a:solidFill>
+              </a:rPr>
+              <a:t>를 통한 주가 예측</a:t>
+            </a:r>
+          </a:p>
+        </p:txBody>
+      </p:sp>
     </p:spTree>
     <p:extLst>
       <p:ext uri="{BB962C8B-B14F-4D97-AF65-F5344CB8AC3E}">
@@ -11248,36 +13336,36 @@
               </a:lnSpc>
             </a:pPr>
             <a:r>
-              <a:rPr lang="ko-KR" altLang="en-US" b="1">
+              <a:rPr lang="ko-KR" altLang="en-US" b="1" dirty="0">
                 <a:ea typeface="맑은 고딕"/>
               </a:rPr>
               <a:t>1.  3D </a:t>
             </a:r>
             <a:r>
-              <a:rPr lang="ko-KR" altLang="en-US" b="1" err="1">
+              <a:rPr lang="ko-KR" altLang="en-US" b="1" dirty="0" err="1">
                 <a:ea typeface="맑은 고딕"/>
               </a:rPr>
               <a:t>shape</a:t>
             </a:r>
             <a:r>
-              <a:rPr lang="ko-KR" altLang="en-US" b="1">
+              <a:rPr lang="ko-KR" altLang="en-US" b="1" dirty="0">
                 <a:ea typeface="맑은 고딕"/>
               </a:rPr>
               <a:t> </a:t>
             </a:r>
             <a:r>
-              <a:rPr lang="ko-KR" altLang="en-US" b="1" err="1">
+              <a:rPr lang="ko-KR" altLang="en-US" b="1" dirty="0" err="1">
                 <a:ea typeface="맑은 고딕"/>
               </a:rPr>
               <a:t>completion</a:t>
             </a:r>
             <a:r>
-              <a:rPr lang="ko-KR" altLang="en-US" b="1">
+              <a:rPr lang="ko-KR" altLang="en-US" b="1" dirty="0">
                 <a:ea typeface="맑은 고딕"/>
               </a:rPr>
               <a:t> (ICLR 2021)</a:t>
             </a:r>
-            <a:endParaRPr lang="ko-KR" b="1">
+            <a:endParaRPr lang="ko-KR" b="1" dirty="0">
               <a:ea typeface="맑은 고딕"/>
             </a:endParaRPr>
           </a:p>
@@ -11288,40 +13376,40 @@
               </a:lnSpc>
             </a:pPr>
             <a:r>
-              <a:rPr lang="ko-KR" altLang="en-US">
+              <a:rPr lang="ko-KR" altLang="en-US" dirty="0">
                 <a:ea typeface="맑은 고딕"/>
               </a:rPr>
               <a:t>=&gt;</a:t>
             </a:r>
             <a:r>
-              <a:rPr lang="ko-KR" altLang="en-US">
+              <a:rPr lang="ko-KR" altLang="en-US" dirty="0">
                 <a:latin typeface="맑은 고딕"/>
                 <a:ea typeface="맑은 고딕"/>
               </a:rPr>
               <a:t> </a:t>
             </a:r>
             <a:r>
-              <a:rPr lang="ko-KR">
+              <a:rPr lang="ko-KR" dirty="0">
                 <a:latin typeface="Malgun Gothic"/>
                 <a:ea typeface="Malgun Gothic"/>
               </a:rPr>
               <a:t>다양하고 디테일이 살아있는 3d </a:t>
             </a:r>
             <a:r>
-              <a:rPr lang="ko-KR" err="1">
+              <a:rPr lang="ko-KR" dirty="0" err="1">
                 <a:latin typeface="Malgun Gothic"/>
                 <a:ea typeface="Malgun Gothic"/>
               </a:rPr>
               <a:t>shape</a:t>
             </a:r>
             <a:r>
-              <a:rPr lang="ko-KR">
+              <a:rPr lang="ko-KR" dirty="0">
                 <a:latin typeface="Malgun Gothic"/>
                 <a:ea typeface="Malgun Gothic"/>
               </a:rPr>
               <a:t> 만들기 위해서</a:t>
             </a:r>
-            <a:endParaRPr lang="ko-KR" altLang="en-US">
+            <a:endParaRPr lang="ko-KR" altLang="en-US" dirty="0">
               <a:ea typeface="맑은 고딕"/>
             </a:endParaRPr>
           </a:p>
@@ -11334,31 +13422,31 @@
               <a:buChar char="•"/>
             </a:pPr>
             <a:r>
-              <a:rPr lang="ko-KR" altLang="en-US">
+              <a:rPr lang="ko-KR" altLang="en-US" dirty="0">
                 <a:ea typeface="맑은 고딕"/>
               </a:rPr>
               <a:t>3d </a:t>
             </a:r>
             <a:r>
-              <a:rPr lang="ko-KR" altLang="en-US" err="1">
+              <a:rPr lang="ko-KR" altLang="en-US" dirty="0" err="1">
                 <a:ea typeface="맑은 고딕"/>
               </a:rPr>
               <a:t>Generation</a:t>
             </a:r>
             <a:r>
-              <a:rPr lang="ko-KR" altLang="en-US">
+              <a:rPr lang="ko-KR" altLang="en-US" dirty="0">
                 <a:ea typeface="맑은 고딕"/>
               </a:rPr>
               <a:t> </a:t>
             </a:r>
             <a:r>
-              <a:rPr lang="ko-KR" altLang="en-US" err="1">
+              <a:rPr lang="ko-KR" altLang="en-US" dirty="0" err="1">
                 <a:ea typeface="맑은 고딕"/>
               </a:rPr>
               <a:t>Models</a:t>
             </a:r>
             <a:r>
-              <a:rPr lang="ko-KR" altLang="en-US">
+              <a:rPr lang="ko-KR" altLang="en-US" dirty="0">
                 <a:ea typeface="맑은 고딕"/>
               </a:rPr>
               <a:t> - 해상도 문제</a:t>
@@ -11373,42 +13461,42 @@
               <a:buChar char="•"/>
             </a:pPr>
             <a:r>
-              <a:rPr lang="ko-KR" altLang="en-US" err="1">
+              <a:rPr lang="ko-KR" altLang="en-US" dirty="0" err="1">
                 <a:ea typeface="맑은 고딕"/>
               </a:rPr>
               <a:t>Sparsity</a:t>
             </a:r>
             <a:r>
-              <a:rPr lang="ko-KR" altLang="en-US">
+              <a:rPr lang="ko-KR" altLang="en-US" dirty="0">
                 <a:ea typeface="맑은 고딕"/>
               </a:rPr>
               <a:t> : </a:t>
             </a:r>
             <a:r>
-              <a:rPr lang="ko-KR" altLang="en-US" err="1">
+              <a:rPr lang="ko-KR" altLang="en-US" dirty="0" err="1">
                 <a:ea typeface="맑은 고딕"/>
               </a:rPr>
               <a:t>high</a:t>
             </a:r>
             <a:r>
-              <a:rPr lang="ko-KR" altLang="en-US">
+              <a:rPr lang="ko-KR" altLang="en-US" dirty="0">
                 <a:ea typeface="맑은 고딕"/>
               </a:rPr>
               <a:t> 해상도 -&gt; </a:t>
             </a:r>
             <a:r>
-              <a:rPr lang="ko-KR" altLang="en-US" err="1">
+              <a:rPr lang="ko-KR" altLang="en-US" dirty="0" err="1">
                 <a:ea typeface="맑은 고딕"/>
               </a:rPr>
               <a:t>low</a:t>
             </a:r>
             <a:r>
-              <a:rPr lang="ko-KR" altLang="en-US">
+              <a:rPr lang="ko-KR" altLang="en-US" dirty="0">
                 <a:ea typeface="맑은 고딕"/>
               </a:rPr>
               <a:t> 점유율</a:t>
             </a:r>
-            <a:endParaRPr lang="ko-KR"/>
+            <a:endParaRPr lang="ko-KR" dirty="0"/>
           </a:p>
           <a:p>
             <a:pPr marL="1200150" lvl="2" indent="-285750">
@@ -11419,25 +13507,25 @@
               <a:buChar char="•"/>
             </a:pPr>
             <a:r>
-              <a:rPr lang="ko-KR" altLang="en-US" err="1">
+              <a:rPr lang="ko-KR" altLang="en-US" dirty="0" err="1">
                 <a:ea typeface="맑은 고딕"/>
               </a:rPr>
               <a:t>Connectivity</a:t>
             </a:r>
             <a:r>
-              <a:rPr lang="ko-KR" altLang="en-US">
+              <a:rPr lang="ko-KR" altLang="en-US" dirty="0">
                 <a:ea typeface="맑은 고딕"/>
               </a:rPr>
               <a:t> : 점점 </a:t>
             </a:r>
             <a:r>
-              <a:rPr lang="ko-KR" altLang="en-US" err="1">
+              <a:rPr lang="ko-KR" altLang="en-US" dirty="0" err="1">
                 <a:ea typeface="맑은 고딕"/>
               </a:rPr>
               <a:t>grow하는</a:t>
             </a:r>
             <a:r>
-              <a:rPr lang="ko-KR" altLang="en-US">
+              <a:rPr lang="ko-KR" altLang="en-US" dirty="0">
                 <a:ea typeface="맑은 고딕"/>
               </a:rPr>
               <a:t> 형태</a:t>
@@ -11452,117 +13540,117 @@
               <a:buChar char="•"/>
             </a:pPr>
             <a:r>
-              <a:rPr lang="ko-KR" altLang="en-US" err="1">
+              <a:rPr lang="ko-KR" altLang="en-US" dirty="0" err="1">
                 <a:ea typeface="맑은 고딕"/>
               </a:rPr>
               <a:t>Generative</a:t>
             </a:r>
             <a:r>
-              <a:rPr lang="ko-KR" altLang="en-US">
+              <a:rPr lang="ko-KR" altLang="en-US" dirty="0">
                 <a:ea typeface="맑은 고딕"/>
               </a:rPr>
               <a:t> </a:t>
             </a:r>
             <a:r>
-              <a:rPr lang="ko-KR" altLang="en-US" err="1">
+              <a:rPr lang="ko-KR" altLang="en-US" dirty="0" err="1">
                 <a:ea typeface="맑은 고딕"/>
               </a:rPr>
               <a:t>Cellular</a:t>
             </a:r>
             <a:r>
-              <a:rPr lang="ko-KR" altLang="en-US">
+              <a:rPr lang="ko-KR" altLang="en-US" dirty="0">
                 <a:ea typeface="맑은 고딕"/>
               </a:rPr>
               <a:t> </a:t>
             </a:r>
             <a:r>
-              <a:rPr lang="ko-KR" altLang="en-US" err="1">
+              <a:rPr lang="ko-KR" altLang="en-US" dirty="0" err="1">
                 <a:ea typeface="맑은 고딕"/>
               </a:rPr>
               <a:t>Automata</a:t>
             </a:r>
             <a:r>
-              <a:rPr lang="ko-KR" altLang="en-US">
+              <a:rPr lang="ko-KR" altLang="en-US" dirty="0">
                 <a:ea typeface="맑은 고딕"/>
               </a:rPr>
               <a:t> (GCA) 사용 </a:t>
             </a:r>
             <a:br>
-              <a:rPr lang="ko-KR" altLang="en-US">
+              <a:rPr lang="ko-KR" altLang="en-US" dirty="0">
                 <a:ea typeface="맑은 고딕"/>
               </a:rPr>
             </a:br>
             <a:r>
-              <a:rPr lang="ko-KR" altLang="en-US">
+              <a:rPr lang="ko-KR" altLang="en-US" dirty="0">
                 <a:ea typeface="맑은 고딕"/>
               </a:rPr>
               <a:t>- 점진적으로 자라나게 하기 위해 </a:t>
             </a:r>
             <a:br>
-              <a:rPr lang="ko-KR" altLang="en-US">
+              <a:rPr lang="ko-KR" altLang="en-US" dirty="0">
                 <a:ea typeface="맑은 고딕"/>
               </a:rPr>
             </a:br>
             <a:r>
-              <a:rPr lang="ko-KR" altLang="en-US">
+              <a:rPr lang="ko-KR" altLang="en-US" dirty="0">
                 <a:ea typeface="맑은 고딕"/>
               </a:rPr>
               <a:t>- </a:t>
             </a:r>
             <a:r>
-              <a:rPr lang="ko-KR" altLang="en-US" err="1">
+              <a:rPr lang="ko-KR" altLang="en-US" dirty="0" err="1">
                 <a:ea typeface="맑은 고딕"/>
               </a:rPr>
               <a:t>initial</a:t>
             </a:r>
             <a:r>
-              <a:rPr lang="ko-KR" altLang="en-US">
+              <a:rPr lang="ko-KR" altLang="en-US" dirty="0">
                 <a:ea typeface="맑은 고딕"/>
               </a:rPr>
               <a:t> </a:t>
             </a:r>
             <a:r>
-              <a:rPr lang="ko-KR" altLang="en-US" err="1">
+              <a:rPr lang="ko-KR" altLang="en-US" dirty="0" err="1">
                 <a:ea typeface="맑은 고딕"/>
               </a:rPr>
               <a:t>shape</a:t>
             </a:r>
             <a:r>
-              <a:rPr lang="ko-KR" altLang="en-US">
+              <a:rPr lang="ko-KR" altLang="en-US" dirty="0">
                 <a:ea typeface="맑은 고딕"/>
               </a:rPr>
               <a:t> =&gt; 그 주위로만 자라남 </a:t>
             </a:r>
             <a:br>
-              <a:rPr lang="ko-KR" altLang="en-US">
+              <a:rPr lang="ko-KR" altLang="en-US" dirty="0">
                 <a:ea typeface="맑은 고딕"/>
               </a:rPr>
             </a:br>
             <a:r>
-              <a:rPr lang="ko-KR" altLang="en-US">
+              <a:rPr lang="ko-KR" altLang="en-US" dirty="0">
                 <a:ea typeface="맑은 고딕"/>
               </a:rPr>
               <a:t>  =&gt; 여러 번 자라나다 보면 최종적인 </a:t>
             </a:r>
             <a:r>
-              <a:rPr lang="ko-KR" altLang="en-US" err="1">
+              <a:rPr lang="ko-KR" altLang="en-US" dirty="0" err="1">
                 <a:ea typeface="맑은 고딕"/>
               </a:rPr>
               <a:t>shape에</a:t>
             </a:r>
             <a:r>
-              <a:rPr lang="ko-KR" altLang="en-US">
+              <a:rPr lang="ko-KR" altLang="en-US" dirty="0">
                 <a:ea typeface="맑은 고딕"/>
               </a:rPr>
               <a:t> </a:t>
             </a:r>
             <a:r>
-              <a:rPr lang="ko-KR" altLang="en-US" err="1">
+              <a:rPr lang="ko-KR" altLang="en-US" dirty="0" err="1">
                 <a:ea typeface="맑은 고딕"/>
               </a:rPr>
               <a:t>다가감</a:t>
             </a:r>
-            <a:endParaRPr lang="ko-KR" altLang="en-US">
+            <a:endParaRPr lang="ko-KR" altLang="en-US" dirty="0">
               <a:ea typeface="맑은 고딕"/>
             </a:endParaRPr>
           </a:p>
@@ -11775,13 +13863,13 @@
               <a:buChar char="v"/>
             </a:pPr>
             <a:r>
-              <a:rPr lang="en-US" altLang="ko-KR" sz="1800">
+              <a:rPr lang="en-US" altLang="ko-KR" sz="1800" dirty="0">
                 <a:ea typeface="+mn-lt"/>
                 <a:cs typeface="+mn-lt"/>
               </a:rPr>
               <a:t> Computer vision in action</a:t>
             </a:r>
-            <a:endParaRPr lang="ko-KR"/>
+            <a:endParaRPr lang="ko-KR" dirty="0"/>
           </a:p>
           <a:p>
             <a:pPr>
@@ -11792,24 +13880,24 @@
               <a:buChar char="§"/>
             </a:pPr>
             <a:r>
-              <a:rPr lang="ko-KR" altLang="en-US" sz="1800" err="1">
+              <a:rPr lang="ko-KR" altLang="en-US" sz="1800" dirty="0" err="1">
                 <a:ea typeface="맑은 고딕"/>
               </a:rPr>
               <a:t>Object</a:t>
             </a:r>
             <a:r>
-              <a:rPr lang="ko-KR" altLang="en-US" sz="1800">
+              <a:rPr lang="ko-KR" altLang="en-US" sz="1800" dirty="0">
                 <a:ea typeface="맑은 고딕"/>
               </a:rPr>
               <a:t> </a:t>
             </a:r>
             <a:r>
-              <a:rPr lang="ko-KR" altLang="en-US" sz="1800" err="1">
+              <a:rPr lang="ko-KR" altLang="en-US" sz="1800" dirty="0" err="1">
                 <a:ea typeface="맑은 고딕"/>
               </a:rPr>
               <a:t>detection</a:t>
             </a:r>
-            <a:endParaRPr lang="ko-KR">
+            <a:endParaRPr lang="ko-KR" dirty="0">
               <a:ea typeface="맑은 고딕" panose="020B0503020000020004" pitchFamily="34" charset="-127"/>
             </a:endParaRPr>
           </a:p>
@@ -11822,12 +13910,12 @@
               <a:buChar char="§"/>
             </a:pPr>
             <a:r>
-              <a:rPr lang="ko-KR" altLang="en-US" sz="1800" err="1">
+              <a:rPr lang="ko-KR" altLang="en-US" sz="1800" dirty="0" err="1">
                 <a:ea typeface="맑은 고딕"/>
               </a:rPr>
               <a:t>Segmentation</a:t>
             </a:r>
-            <a:endParaRPr lang="ko-KR" altLang="en-US" sz="1800">
+            <a:endParaRPr lang="ko-KR" altLang="en-US" sz="1800" dirty="0">
               <a:ea typeface="맑은 고딕"/>
             </a:endParaRPr>
           </a:p>
@@ -11840,24 +13928,24 @@
               <a:buChar char="§"/>
             </a:pPr>
             <a:r>
-              <a:rPr lang="ko-KR" altLang="en-US" sz="1800" err="1">
+              <a:rPr lang="ko-KR" altLang="en-US" sz="1800" dirty="0" err="1">
                 <a:ea typeface="맑은 고딕"/>
               </a:rPr>
               <a:t>Pose</a:t>
             </a:r>
             <a:r>
-              <a:rPr lang="ko-KR" altLang="en-US" sz="1800">
+              <a:rPr lang="ko-KR" altLang="en-US" sz="1800" dirty="0">
                 <a:ea typeface="맑은 고딕"/>
               </a:rPr>
               <a:t> </a:t>
             </a:r>
             <a:r>
-              <a:rPr lang="ko-KR" altLang="en-US" sz="1800" err="1">
+              <a:rPr lang="ko-KR" altLang="en-US" sz="1800" dirty="0" err="1">
                 <a:ea typeface="맑은 고딕"/>
               </a:rPr>
               <a:t>detection</a:t>
             </a:r>
-            <a:endParaRPr lang="ko-KR" altLang="en-US" sz="1800">
+            <a:endParaRPr lang="ko-KR" altLang="en-US" sz="1800" dirty="0">
               <a:ea typeface="맑은 고딕"/>
             </a:endParaRPr>
           </a:p>
@@ -12769,6 +14857,157 @@
           </a:p>
         </p:txBody>
       </p:sp>
+      <p:sp>
+        <p:nvSpPr>
+          <p:cNvPr id="13" name="TextBox 12">
+            <a:extLst>
+              <a:ext uri="{FF2B5EF4-FFF2-40B4-BE49-F238E27FC236}">
+                <a16:creationId xmlns:a16="http://schemas.microsoft.com/office/drawing/2014/main" id="{0E27BBAA-2675-41CA-837C-072CEF37CD9A}"/>
+              </a:ext>
+            </a:extLst>
+          </p:cNvPr>
+          <p:cNvSpPr txBox="1"/>
+          <p:nvPr/>
+        </p:nvSpPr>
+        <p:spPr>
+          <a:xfrm>
+            <a:off x="8196724" y="85621"/>
+            <a:ext cx="3899024" cy="369332"/>
+          </a:xfrm>
+          <a:prstGeom prst="rect">
+            <a:avLst/>
+          </a:prstGeom>
+          <a:solidFill>
+            <a:srgbClr val="DEEBF7">
+              <a:alpha val="50196"/>
+            </a:srgbClr>
+          </a:solidFill>
+        </p:spPr>
+        <p:txBody>
+          <a:bodyPr wrap="square">
+            <a:spAutoFit/>
+          </a:bodyPr>
+          <a:lstStyle/>
+          <a:p>
+            <a:r>
+              <a:rPr lang="ko-KR" altLang="en-US" b="0" i="0" dirty="0">
+                <a:solidFill>
+                  <a:srgbClr val="030303"/>
+                </a:solidFill>
+                <a:effectLst/>
+                <a:latin typeface="Roboto" panose="02000000000000000000" pitchFamily="2" charset="0"/>
+              </a:rPr>
+              <a:t>서울대 전기정보공학부 김영민 교수</a:t>
+            </a:r>
+            <a:endParaRPr lang="ko-KR" altLang="en-US" dirty="0"/>
+          </a:p>
+        </p:txBody>
+      </p:sp>
+      <p:sp>
+        <p:nvSpPr>
+          <p:cNvPr id="15" name="TextBox 14">
+            <a:extLst>
+              <a:ext uri="{FF2B5EF4-FFF2-40B4-BE49-F238E27FC236}">
+                <a16:creationId xmlns:a16="http://schemas.microsoft.com/office/drawing/2014/main" id="{53C8196F-793C-4C32-805B-28DE84F43D97}"/>
+              </a:ext>
+            </a:extLst>
+          </p:cNvPr>
+          <p:cNvSpPr txBox="1"/>
+          <p:nvPr/>
+        </p:nvSpPr>
+        <p:spPr>
+          <a:xfrm>
+            <a:off x="555368" y="88592"/>
+            <a:ext cx="6096000" cy="369332"/>
+          </a:xfrm>
+          <a:prstGeom prst="rect">
+            <a:avLst/>
+          </a:prstGeom>
+          <a:noFill/>
+        </p:spPr>
+        <p:txBody>
+          <a:bodyPr wrap="square">
+            <a:spAutoFit/>
+          </a:bodyPr>
+          <a:lstStyle/>
+          <a:p>
+            <a:r>
+              <a:rPr lang="en-US" altLang="ko-KR" dirty="0">
+                <a:solidFill>
+                  <a:schemeClr val="bg2">
+                    <a:lumMod val="75000"/>
+                  </a:schemeClr>
+                </a:solidFill>
+                <a:ea typeface="맑은 고딕"/>
+              </a:rPr>
+              <a:t>AI</a:t>
+            </a:r>
+            <a:r>
+              <a:rPr lang="ko-KR" altLang="en-US" dirty="0">
+                <a:solidFill>
+                  <a:schemeClr val="bg2">
+                    <a:lumMod val="75000"/>
+                  </a:schemeClr>
+                </a:solidFill>
+                <a:ea typeface="맑은 고딕"/>
+              </a:rPr>
+              <a:t>가 </a:t>
+            </a:r>
+            <a:r>
+              <a:rPr lang="en-US" altLang="ko-KR" dirty="0">
+                <a:solidFill>
+                  <a:schemeClr val="bg2">
+                    <a:lumMod val="75000"/>
+                  </a:schemeClr>
+                </a:solidFill>
+                <a:ea typeface="맑은 고딕"/>
+              </a:rPr>
+              <a:t>3</a:t>
+            </a:r>
+            <a:r>
+              <a:rPr lang="ko-KR" altLang="en-US" dirty="0">
+                <a:solidFill>
+                  <a:schemeClr val="bg2">
+                    <a:lumMod val="75000"/>
+                  </a:schemeClr>
+                </a:solidFill>
+                <a:ea typeface="맑은 고딕"/>
+              </a:rPr>
+              <a:t>차원 데이터를 처리하는 방법은</a:t>
+            </a:r>
+            <a:r>
+              <a:rPr lang="en-US" altLang="ko-KR" dirty="0">
+                <a:solidFill>
+                  <a:schemeClr val="bg2">
+                    <a:lumMod val="75000"/>
+                  </a:schemeClr>
+                </a:solidFill>
+                <a:ea typeface="맑은 고딕"/>
+              </a:rPr>
+              <a:t>?</a:t>
+            </a:r>
+            <a:r>
+              <a:rPr lang="ko-KR" altLang="en-US" b="0" i="0" dirty="0">
+                <a:solidFill>
+                  <a:schemeClr val="bg2">
+                    <a:lumMod val="75000"/>
+                  </a:schemeClr>
+                </a:solidFill>
+                <a:effectLst/>
+                <a:latin typeface="Roboto" panose="02000000000000000000" pitchFamily="2" charset="0"/>
+              </a:rPr>
+              <a:t> </a:t>
+            </a:r>
+            <a:endParaRPr lang="ko-KR" altLang="en-US" dirty="0">
+              <a:solidFill>
+                <a:schemeClr val="bg2">
+                  <a:lumMod val="75000"/>
+                </a:schemeClr>
+              </a:solidFill>
+            </a:endParaRPr>
+          </a:p>
+        </p:txBody>
+      </p:sp>
     </p:spTree>
     <p:extLst>
       <p:ext uri="{BB962C8B-B14F-4D97-AF65-F5344CB8AC3E}">
@@ -12874,24 +15113,24 @@
               </a:lnSpc>
             </a:pPr>
             <a:r>
-              <a:rPr lang="ko-KR" altLang="en-US" b="1">
+              <a:rPr lang="ko-KR" altLang="en-US" b="1" dirty="0">
                 <a:ea typeface="맑은 고딕"/>
               </a:rPr>
               <a:t>2.  2D-3D </a:t>
             </a:r>
             <a:r>
-              <a:rPr lang="ko-KR" altLang="en-US" b="1" err="1">
+              <a:rPr lang="ko-KR" altLang="en-US" b="1" dirty="0" err="1">
                 <a:ea typeface="맑은 고딕"/>
               </a:rPr>
               <a:t>localization</a:t>
             </a:r>
             <a:r>
-              <a:rPr lang="ko-KR" altLang="en-US" b="1">
+              <a:rPr lang="ko-KR" altLang="en-US" b="1" dirty="0">
                 <a:ea typeface="맑은 고딕"/>
               </a:rPr>
               <a:t> (ICCV 2021)</a:t>
             </a:r>
-            <a:endParaRPr lang="ko-KR"/>
+            <a:endParaRPr lang="ko-KR" dirty="0"/>
           </a:p>
           <a:p>
             <a:pPr lvl="1">
@@ -12900,7 +15139,7 @@
               </a:lnSpc>
             </a:pPr>
             <a:r>
-              <a:rPr lang="ko-KR" altLang="en-US">
+              <a:rPr lang="ko-KR" altLang="en-US" dirty="0">
                 <a:solidFill>
                   <a:schemeClr val="bg2">
                     <a:lumMod val="50000"/>
@@ -12911,7 +15150,7 @@
               <a:t>: </a:t>
             </a:r>
             <a:r>
-              <a:rPr lang="en-US">
+              <a:rPr lang="en-US" dirty="0">
                 <a:solidFill>
                   <a:schemeClr val="bg2">
                     <a:lumMod val="50000"/>
@@ -12923,7 +15162,7 @@
               <a:t>3d + 2d data </a:t>
             </a:r>
             <a:r>
-              <a:rPr lang="ko-KR" altLang="en-US">
+              <a:rPr lang="ko-KR" altLang="en-US" dirty="0">
                 <a:solidFill>
                   <a:schemeClr val="bg2">
                     <a:lumMod val="50000"/>
@@ -12935,7 +15174,7 @@
               <a:t>어떻게</a:t>
             </a:r>
             <a:r>
-              <a:rPr lang="en-US">
+              <a:rPr lang="en-US" dirty="0">
                 <a:solidFill>
                   <a:schemeClr val="bg2">
                     <a:lumMod val="50000"/>
@@ -12947,7 +15186,7 @@
               <a:t> </a:t>
             </a:r>
             <a:r>
-              <a:rPr lang="ko-KR" altLang="en-US">
+              <a:rPr lang="ko-KR" altLang="en-US" dirty="0">
                 <a:solidFill>
                   <a:schemeClr val="bg2">
                     <a:lumMod val="50000"/>
@@ -12959,7 +15198,7 @@
               <a:t>잘</a:t>
             </a:r>
             <a:r>
-              <a:rPr lang="en-US">
+              <a:rPr lang="en-US" dirty="0">
                 <a:solidFill>
                   <a:schemeClr val="bg2">
                     <a:lumMod val="50000"/>
@@ -12971,7 +15210,7 @@
               <a:t> </a:t>
             </a:r>
             <a:r>
-              <a:rPr lang="ko-KR" altLang="en-US" err="1">
+              <a:rPr lang="ko-KR" altLang="en-US" dirty="0">
                 <a:solidFill>
                   <a:schemeClr val="bg2">
                     <a:lumMod val="50000"/>
@@ -12980,9 +15219,9 @@
                 <a:ea typeface="+mn-lt"/>
                 <a:cs typeface="+mn-lt"/>
               </a:rPr>
-              <a:t>조합할것인가</a:t>
-            </a:r>
-            <a:endParaRPr lang="en-US" err="1">
+              <a:t>조합할 것인가</a:t>
+            </a:r>
+            <a:endParaRPr lang="en-US" dirty="0">
               <a:solidFill>
                 <a:schemeClr val="bg2">
                   <a:lumMod val="50000"/>
@@ -13001,30 +15240,30 @@
               <a:buChar char="•"/>
             </a:pPr>
             <a:r>
-              <a:rPr lang="ko-KR" altLang="en-US">
+              <a:rPr lang="ko-KR" altLang="en-US" dirty="0">
                 <a:ea typeface="맑은 고딕"/>
               </a:rPr>
               <a:t>3d </a:t>
             </a:r>
             <a:r>
-              <a:rPr lang="ko-KR" altLang="en-US" err="1">
+              <a:rPr lang="ko-KR" altLang="en-US" dirty="0" err="1">
                 <a:ea typeface="맑은 고딕"/>
               </a:rPr>
               <a:t>data에</a:t>
             </a:r>
             <a:r>
-              <a:rPr lang="ko-KR" altLang="en-US">
+              <a:rPr lang="ko-KR" altLang="en-US" dirty="0">
                 <a:ea typeface="맑은 고딕"/>
               </a:rPr>
               <a:t> 2d 이미지를 매칭하는 </a:t>
             </a:r>
             <a:r>
-              <a:rPr lang="ko-KR" altLang="en-US" err="1">
+              <a:rPr lang="ko-KR" altLang="en-US" dirty="0" err="1">
                 <a:ea typeface="맑은 고딕"/>
               </a:rPr>
               <a:t>formulation</a:t>
             </a:r>
-            <a:endParaRPr lang="ko-KR" altLang="en-US">
+            <a:endParaRPr lang="ko-KR" altLang="en-US" dirty="0">
               <a:ea typeface="맑은 고딕"/>
             </a:endParaRPr>
           </a:p>
@@ -13037,13 +15276,13 @@
               <a:buChar char="•"/>
             </a:pPr>
             <a:r>
-              <a:rPr lang="ko-KR" altLang="en-US" err="1">
+              <a:rPr lang="ko-KR" altLang="en-US" dirty="0" err="1">
                 <a:ea typeface="맑은 고딕"/>
               </a:rPr>
               <a:t>Panorama</a:t>
             </a:r>
             <a:r>
-              <a:rPr lang="ko-KR" altLang="en-US">
+              <a:rPr lang="ko-KR" altLang="en-US" dirty="0">
                 <a:ea typeface="맑은 고딕"/>
               </a:rPr>
               <a:t> 이미지 사용</a:t>
@@ -13056,47 +15295,47 @@
               </a:lnSpc>
             </a:pPr>
             <a:r>
-              <a:rPr lang="ko-KR" altLang="en-US">
+              <a:rPr lang="ko-KR" altLang="en-US" dirty="0">
                 <a:ea typeface="맑은 고딕"/>
               </a:rPr>
               <a:t>- Global </a:t>
             </a:r>
             <a:r>
-              <a:rPr lang="ko-KR" altLang="en-US" err="1">
+              <a:rPr lang="ko-KR" altLang="en-US" dirty="0" err="1">
                 <a:ea typeface="맑은 고딕"/>
               </a:rPr>
               <a:t>context</a:t>
             </a:r>
             <a:r>
-              <a:rPr lang="ko-KR" altLang="en-US">
+              <a:rPr lang="ko-KR" altLang="en-US" dirty="0">
                 <a:ea typeface="맑은 고딕"/>
               </a:rPr>
               <a:t> 캡쳐 </a:t>
             </a:r>
             <a:br>
-              <a:rPr lang="ko-KR" altLang="en-US">
+              <a:rPr lang="ko-KR" altLang="en-US" dirty="0">
                 <a:ea typeface="맑은 고딕"/>
               </a:rPr>
             </a:br>
             <a:r>
-              <a:rPr lang="ko-KR" altLang="en-US">
+              <a:rPr lang="ko-KR" altLang="en-US" dirty="0">
                 <a:ea typeface="맑은 고딕"/>
               </a:rPr>
               <a:t>   = 반복적 물체와 작은 변화에 </a:t>
             </a:r>
             <a:r>
-              <a:rPr lang="ko-KR" altLang="en-US" err="1">
+              <a:rPr lang="ko-KR" altLang="en-US" dirty="0" err="1">
                 <a:ea typeface="맑은 고딕"/>
               </a:rPr>
               <a:t>robust</a:t>
             </a:r>
             <a:r>
-              <a:rPr lang="ko-KR" altLang="en-US">
+              <a:rPr lang="ko-KR" altLang="en-US" dirty="0">
                 <a:ea typeface="맑은 고딕"/>
               </a:rPr>
               <a:t> </a:t>
             </a:r>
-            <a:endParaRPr lang="ko-KR"/>
+            <a:endParaRPr lang="ko-KR" dirty="0"/>
           </a:p>
           <a:p>
             <a:pPr marL="800100" lvl="1" indent="-342900">
@@ -13107,84 +15346,84 @@
               <a:buChar char="•"/>
             </a:pPr>
             <a:r>
-              <a:rPr lang="ko-KR" altLang="en-US" err="1">
+              <a:rPr lang="ko-KR" altLang="en-US" dirty="0" err="1">
                 <a:ea typeface="맑은 고딕"/>
               </a:rPr>
               <a:t>Starting</a:t>
             </a:r>
             <a:r>
-              <a:rPr lang="ko-KR" altLang="en-US">
+              <a:rPr lang="ko-KR" altLang="en-US" dirty="0">
                 <a:ea typeface="맑은 고딕"/>
               </a:rPr>
               <a:t> </a:t>
             </a:r>
             <a:r>
-              <a:rPr lang="ko-KR" altLang="en-US" err="1">
+              <a:rPr lang="ko-KR" altLang="en-US" dirty="0" err="1">
                 <a:ea typeface="맑은 고딕"/>
               </a:rPr>
               <a:t>point</a:t>
             </a:r>
             <a:r>
-              <a:rPr lang="ko-KR" altLang="en-US">
+              <a:rPr lang="ko-KR" altLang="en-US" dirty="0">
                 <a:ea typeface="맑은 고딕"/>
               </a:rPr>
               <a:t> </a:t>
             </a:r>
             <a:r>
-              <a:rPr lang="ko-KR" altLang="en-US" err="1">
+              <a:rPr lang="ko-KR" altLang="en-US" dirty="0" err="1">
                 <a:ea typeface="맑은 고딕"/>
               </a:rPr>
               <a:t>부터</a:t>
             </a:r>
             <a:r>
-              <a:rPr lang="ko-KR" altLang="en-US">
+              <a:rPr lang="ko-KR" altLang="en-US" dirty="0">
                 <a:ea typeface="맑은 고딕"/>
               </a:rPr>
               <a:t> 색깔을 비교하며</a:t>
             </a:r>
             <a:br>
-              <a:rPr lang="ko-KR" altLang="en-US">
+              <a:rPr lang="ko-KR" altLang="en-US" dirty="0">
                 <a:ea typeface="맑은 고딕"/>
               </a:rPr>
             </a:br>
             <a:r>
-              <a:rPr lang="ko-KR" altLang="en-US">
+              <a:rPr lang="ko-KR" altLang="en-US" dirty="0">
                 <a:ea typeface="맑은 고딕"/>
               </a:rPr>
               <a:t> </a:t>
             </a:r>
             <a:r>
-              <a:rPr lang="ko-KR" altLang="en-US" err="1">
+              <a:rPr lang="ko-KR" altLang="en-US" dirty="0" err="1">
                 <a:ea typeface="맑은 고딕"/>
               </a:rPr>
               <a:t>loss를</a:t>
             </a:r>
             <a:r>
-              <a:rPr lang="ko-KR" altLang="en-US">
+              <a:rPr lang="ko-KR" altLang="en-US" dirty="0">
                 <a:ea typeface="맑은 고딕"/>
               </a:rPr>
               <a:t> 계산 =&gt; </a:t>
             </a:r>
             <a:r>
-              <a:rPr lang="ko-KR" altLang="en-US" err="1">
+              <a:rPr lang="ko-KR" altLang="en-US" dirty="0" err="1">
                 <a:ea typeface="맑은 고딕"/>
               </a:rPr>
               <a:t>smallest</a:t>
             </a:r>
             <a:r>
-              <a:rPr lang="ko-KR" altLang="en-US">
+              <a:rPr lang="ko-KR" altLang="en-US" dirty="0">
                 <a:ea typeface="맑은 고딕"/>
               </a:rPr>
               <a:t> </a:t>
             </a:r>
             <a:r>
-              <a:rPr lang="ko-KR" altLang="en-US" err="1">
+              <a:rPr lang="ko-KR" altLang="en-US" dirty="0" err="1">
                 <a:ea typeface="맑은 고딕"/>
               </a:rPr>
               <a:t>lost</a:t>
             </a:r>
             <a:r>
-              <a:rPr lang="ko-KR" altLang="en-US">
+              <a:rPr lang="ko-KR" altLang="en-US" dirty="0">
                 <a:ea typeface="맑은 고딕"/>
               </a:rPr>
               <a:t> 고름</a:t>
@@ -13196,7 +15435,7 @@
                 <a:spcPct val="120000"/>
               </a:lnSpc>
             </a:pPr>
-            <a:endParaRPr lang="ko-KR" altLang="en-US">
+            <a:endParaRPr lang="ko-KR" altLang="en-US" dirty="0">
               <a:ea typeface="맑은 고딕"/>
             </a:endParaRPr>
           </a:p>
@@ -13207,54 +15446,54 @@
               </a:lnSpc>
             </a:pPr>
             <a:r>
-              <a:rPr lang="ko-KR" altLang="en-US">
+              <a:rPr lang="ko-KR" altLang="en-US" dirty="0">
                 <a:ea typeface="맑은 고딕"/>
               </a:rPr>
               <a:t>=&gt; 2D </a:t>
             </a:r>
             <a:r>
-              <a:rPr lang="ko-KR" altLang="en-US" err="1">
+              <a:rPr lang="ko-KR" altLang="en-US" dirty="0" err="1">
                 <a:ea typeface="맑은 고딕"/>
               </a:rPr>
               <a:t>localization</a:t>
             </a:r>
             <a:r>
-              <a:rPr lang="ko-KR" altLang="en-US">
+              <a:rPr lang="ko-KR" altLang="en-US" dirty="0">
                 <a:ea typeface="맑은 고딕"/>
               </a:rPr>
               <a:t> </a:t>
             </a:r>
             <a:r>
-              <a:rPr lang="ko-KR" altLang="en-US" err="1">
+              <a:rPr lang="ko-KR" altLang="en-US" dirty="0" err="1">
                 <a:ea typeface="맑은 고딕"/>
               </a:rPr>
               <a:t>on</a:t>
             </a:r>
             <a:r>
-              <a:rPr lang="ko-KR" altLang="en-US">
+              <a:rPr lang="ko-KR" altLang="en-US" dirty="0">
                 <a:ea typeface="맑은 고딕"/>
               </a:rPr>
               <a:t> 3D </a:t>
             </a:r>
             <a:r>
-              <a:rPr lang="ko-KR" altLang="en-US" err="1">
+              <a:rPr lang="ko-KR" altLang="en-US" dirty="0" err="1">
                 <a:ea typeface="맑은 고딕"/>
               </a:rPr>
               <a:t>map</a:t>
             </a:r>
             <a:r>
-              <a:rPr lang="ko-KR" altLang="en-US">
+              <a:rPr lang="ko-KR" altLang="en-US" dirty="0">
                 <a:ea typeface="맑은 고딕"/>
               </a:rPr>
               <a:t> - 실용적인 </a:t>
             </a:r>
             <a:r>
-              <a:rPr lang="ko-KR" altLang="en-US" err="1">
+              <a:rPr lang="ko-KR" altLang="en-US" dirty="0" err="1">
                 <a:ea typeface="맑은 고딕"/>
               </a:rPr>
               <a:t>usage</a:t>
             </a:r>
-            <a:endParaRPr lang="ko-KR" altLang="en-US">
+            <a:endParaRPr lang="ko-KR" altLang="en-US" dirty="0">
               <a:ea typeface="맑은 고딕"/>
             </a:endParaRPr>
           </a:p>
@@ -13265,42 +15504,42 @@
               </a:lnSpc>
             </a:pPr>
             <a:r>
-              <a:rPr lang="ko-KR" altLang="en-US">
+              <a:rPr lang="ko-KR" altLang="en-US" dirty="0">
                 <a:ea typeface="맑은 고딕"/>
               </a:rPr>
               <a:t>=&gt; 파노라마 이미지 사용이 </a:t>
             </a:r>
             <a:br>
-              <a:rPr lang="ko-KR" altLang="en-US">
+              <a:rPr lang="ko-KR" altLang="en-US" dirty="0">
                 <a:ea typeface="맑은 고딕"/>
               </a:rPr>
             </a:br>
             <a:r>
-              <a:rPr lang="ko-KR" altLang="en-US">
+              <a:rPr lang="ko-KR" altLang="en-US" dirty="0">
                 <a:ea typeface="맑은 고딕"/>
               </a:rPr>
               <a:t>     </a:t>
             </a:r>
             <a:r>
-              <a:rPr lang="ko-KR" altLang="en-US" err="1">
+              <a:rPr lang="ko-KR" altLang="en-US" dirty="0" err="1">
                 <a:ea typeface="맑은 고딕"/>
               </a:rPr>
               <a:t>visual</a:t>
             </a:r>
             <a:r>
-              <a:rPr lang="ko-KR" altLang="en-US">
+              <a:rPr lang="ko-KR" altLang="en-US" dirty="0">
                 <a:ea typeface="맑은 고딕"/>
               </a:rPr>
               <a:t> </a:t>
             </a:r>
             <a:r>
-              <a:rPr lang="ko-KR" altLang="en-US" err="1">
+              <a:rPr lang="ko-KR" altLang="en-US" dirty="0" err="1">
                 <a:ea typeface="맑은 고딕"/>
               </a:rPr>
               <a:t>localization의</a:t>
             </a:r>
             <a:r>
-              <a:rPr lang="ko-KR" altLang="en-US">
+              <a:rPr lang="ko-KR" altLang="en-US" dirty="0">
                 <a:ea typeface="맑은 고딕"/>
               </a:rPr>
               <a:t> 한계점을 극복함</a:t>
@@ -13313,12 +15552,12 @@
               </a:lnSpc>
             </a:pPr>
             <a:r>
-              <a:rPr lang="ko-KR" altLang="en-US">
+              <a:rPr lang="ko-KR" altLang="en-US" dirty="0">
                 <a:ea typeface="맑은 고딕"/>
               </a:rPr>
               <a:t>=&gt; 빠르고 정확함</a:t>
             </a:r>
-            <a:endParaRPr lang="ko-KR"/>
+            <a:endParaRPr lang="ko-KR" dirty="0"/>
           </a:p>
           <a:p>
             <a:pPr>
@@ -13327,31 +15566,31 @@
               </a:lnSpc>
             </a:pPr>
             <a:r>
-              <a:rPr lang="ko-KR" altLang="en-US">
+              <a:rPr lang="ko-KR" altLang="en-US" dirty="0">
                 <a:ea typeface="맑은 고딕"/>
               </a:rPr>
               <a:t>=&gt; </a:t>
             </a:r>
             <a:r>
-              <a:rPr lang="ko-KR" altLang="en-US" err="1">
+              <a:rPr lang="ko-KR" altLang="en-US" dirty="0" err="1">
                 <a:ea typeface="맑은 고딕"/>
               </a:rPr>
               <a:t>딥뉴럴</a:t>
             </a:r>
             <a:r>
-              <a:rPr lang="ko-KR" altLang="en-US">
+              <a:rPr lang="ko-KR" altLang="en-US" dirty="0">
                 <a:ea typeface="맑은 고딕"/>
               </a:rPr>
               <a:t> </a:t>
             </a:r>
             <a:r>
-              <a:rPr lang="ko-KR" altLang="en-US" err="1">
+              <a:rPr lang="ko-KR" altLang="en-US" dirty="0" err="1">
                 <a:ea typeface="맑은 고딕"/>
               </a:rPr>
               <a:t>network를</a:t>
             </a:r>
             <a:r>
-              <a:rPr lang="ko-KR" altLang="en-US">
+              <a:rPr lang="ko-KR" altLang="en-US" dirty="0">
                 <a:ea typeface="맑은 고딕"/>
               </a:rPr>
               <a:t> 사용하지 않음</a:t>
@@ -13397,48 +15636,48 @@
               </a:lnSpc>
             </a:pPr>
             <a:r>
-              <a:rPr lang="ko-KR" altLang="en-US" b="1">
+              <a:rPr lang="ko-KR" altLang="en-US" b="1" dirty="0">
                 <a:ea typeface="맑은 고딕"/>
               </a:rPr>
               <a:t>3.  </a:t>
             </a:r>
             <a:r>
-              <a:rPr lang="ko-KR" altLang="en-US" b="1" err="1">
+              <a:rPr lang="ko-KR" altLang="en-US" b="1" dirty="0" err="1">
                 <a:ea typeface="맑은 고딕"/>
               </a:rPr>
               <a:t>Dynamic</a:t>
             </a:r>
             <a:r>
-              <a:rPr lang="ko-KR" altLang="en-US" b="1">
+              <a:rPr lang="ko-KR" altLang="en-US" b="1" dirty="0">
                 <a:ea typeface="맑은 고딕"/>
               </a:rPr>
               <a:t> </a:t>
             </a:r>
             <a:r>
-              <a:rPr lang="ko-KR" altLang="en-US" b="1" err="1">
+              <a:rPr lang="ko-KR" altLang="en-US" b="1" dirty="0" err="1">
                 <a:ea typeface="맑은 고딕"/>
               </a:rPr>
               <a:t>entity</a:t>
             </a:r>
             <a:r>
-              <a:rPr lang="ko-KR" altLang="en-US" b="1">
+              <a:rPr lang="ko-KR" altLang="en-US" b="1" dirty="0">
                 <a:ea typeface="맑은 고딕"/>
               </a:rPr>
               <a:t> </a:t>
             </a:r>
             <a:r>
-              <a:rPr lang="ko-KR" altLang="en-US" b="1" err="1">
+              <a:rPr lang="ko-KR" altLang="en-US" b="1" dirty="0" err="1">
                 <a:ea typeface="맑은 고딕"/>
               </a:rPr>
               <a:t>extraction</a:t>
             </a:r>
             <a:r>
-              <a:rPr lang="ko-KR" altLang="en-US" b="1">
+              <a:rPr lang="ko-KR" altLang="en-US" b="1" dirty="0">
                 <a:ea typeface="맑은 고딕"/>
               </a:rPr>
               <a:t> (CVPR 2021)</a:t>
             </a:r>
-            <a:endParaRPr lang="ko-KR"/>
+            <a:endParaRPr lang="ko-KR" dirty="0"/>
           </a:p>
           <a:p>
             <a:pPr marL="457200">
@@ -13447,7 +15686,7 @@
               </a:lnSpc>
             </a:pPr>
             <a:r>
-              <a:rPr lang="en-US" altLang="ko-KR">
+              <a:rPr lang="en-US" altLang="ko-KR" dirty="0">
                 <a:solidFill>
                   <a:schemeClr val="bg2">
                     <a:lumMod val="50000"/>
@@ -13459,7 +15698,7 @@
               <a:t>: 3d </a:t>
             </a:r>
             <a:r>
-              <a:rPr lang="ko-KR" altLang="en-US">
+              <a:rPr lang="ko-KR" altLang="en-US" dirty="0">
                 <a:solidFill>
                   <a:schemeClr val="bg2">
                     <a:lumMod val="50000"/>
@@ -13469,10 +15708,10 @@
                 <a:ea typeface="Malgun Gothic"/>
                 <a:cs typeface="+mn-lt"/>
               </a:rPr>
-              <a:t>이미지</a:t>
-            </a:r>
-            <a:r>
-              <a:rPr lang="en-US" altLang="ko-KR">
+              <a:t>정보</a:t>
+            </a:r>
+            <a:r>
+              <a:rPr lang="en-US" altLang="ko-KR" dirty="0">
                 <a:solidFill>
                   <a:schemeClr val="bg2">
                     <a:lumMod val="50000"/>
@@ -13484,7 +15723,7 @@
               <a:t> </a:t>
             </a:r>
             <a:r>
-              <a:rPr lang="ko-KR" altLang="en-US">
+              <a:rPr lang="ko-KR" altLang="en-US" dirty="0">
                 <a:solidFill>
                   <a:schemeClr val="bg2">
                     <a:lumMod val="50000"/>
@@ -13497,7 +15736,7 @@
               <a:t>없이</a:t>
             </a:r>
             <a:r>
-              <a:rPr lang="en-US" altLang="ko-KR">
+              <a:rPr lang="en-US" altLang="ko-KR" dirty="0">
                 <a:solidFill>
                   <a:schemeClr val="bg2">
                     <a:lumMod val="50000"/>
@@ -13509,7 +15748,7 @@
               <a:t> </a:t>
             </a:r>
             <a:r>
-              <a:rPr lang="ko-KR" altLang="en-US">
+              <a:rPr lang="ko-KR" altLang="en-US" dirty="0">
                 <a:solidFill>
                   <a:schemeClr val="bg2">
                     <a:lumMod val="50000"/>
@@ -13522,7 +15761,7 @@
               <a:t>이미지만</a:t>
             </a:r>
             <a:r>
-              <a:rPr lang="en-US" altLang="ko-KR">
+              <a:rPr lang="en-US" altLang="ko-KR" dirty="0">
                 <a:solidFill>
                   <a:schemeClr val="bg2">
                     <a:lumMod val="50000"/>
@@ -13534,7 +15773,7 @@
               <a:t> </a:t>
             </a:r>
             <a:r>
-              <a:rPr lang="ko-KR" altLang="en-US">
+              <a:rPr lang="ko-KR" altLang="en-US" dirty="0">
                 <a:solidFill>
                   <a:schemeClr val="bg2">
                     <a:lumMod val="50000"/>
@@ -13547,7 +15786,7 @@
               <a:t>가지고</a:t>
             </a:r>
             <a:r>
-              <a:rPr lang="en-US" altLang="ko-KR">
+              <a:rPr lang="en-US" altLang="ko-KR" dirty="0">
                 <a:solidFill>
                   <a:schemeClr val="bg2">
                     <a:lumMod val="50000"/>
@@ -13559,7 +15798,7 @@
               <a:t> </a:t>
             </a:r>
             <a:r>
-              <a:rPr lang="ko-KR" altLang="en-US">
+              <a:rPr lang="ko-KR" altLang="en-US" dirty="0">
                 <a:solidFill>
                   <a:schemeClr val="bg2">
                     <a:lumMod val="50000"/>
@@ -13572,7 +15811,7 @@
               <a:t>물리적인</a:t>
             </a:r>
             <a:r>
-              <a:rPr lang="en-US" altLang="ko-KR">
+              <a:rPr lang="en-US" altLang="ko-KR" dirty="0">
                 <a:solidFill>
                   <a:schemeClr val="bg2">
                     <a:lumMod val="50000"/>
@@ -13584,7 +15823,7 @@
               <a:t> </a:t>
             </a:r>
             <a:r>
-              <a:rPr lang="ko-KR" altLang="en-US">
+              <a:rPr lang="ko-KR" altLang="en-US" dirty="0">
                 <a:solidFill>
                   <a:schemeClr val="bg2">
                     <a:lumMod val="50000"/>
@@ -13597,7 +15836,7 @@
               <a:t>법칙을</a:t>
             </a:r>
             <a:r>
-              <a:rPr lang="en-US" altLang="ko-KR">
+              <a:rPr lang="en-US" altLang="ko-KR" dirty="0">
                 <a:solidFill>
                   <a:schemeClr val="bg2">
                     <a:lumMod val="50000"/>
@@ -13609,7 +15848,7 @@
               <a:t> </a:t>
             </a:r>
             <a:r>
-              <a:rPr lang="ko-KR" altLang="en-US">
+              <a:rPr lang="ko-KR" altLang="en-US" dirty="0">
                 <a:solidFill>
                   <a:schemeClr val="bg2">
                     <a:lumMod val="50000"/>
@@ -13622,7 +15861,7 @@
               <a:t>표현할</a:t>
             </a:r>
             <a:r>
-              <a:rPr lang="en-US" altLang="ko-KR">
+              <a:rPr lang="en-US" altLang="ko-KR" dirty="0">
                 <a:solidFill>
                   <a:schemeClr val="bg2">
                     <a:lumMod val="50000"/>
@@ -13634,7 +15873,7 @@
               <a:t> </a:t>
             </a:r>
             <a:r>
-              <a:rPr lang="ko-KR" altLang="en-US">
+              <a:rPr lang="ko-KR" altLang="en-US" dirty="0">
                 <a:solidFill>
                   <a:schemeClr val="bg2">
                     <a:lumMod val="50000"/>
@@ -13647,7 +15886,7 @@
               <a:t>수</a:t>
             </a:r>
             <a:r>
-              <a:rPr lang="en-US" altLang="ko-KR">
+              <a:rPr lang="en-US" altLang="ko-KR" dirty="0">
                 <a:solidFill>
                   <a:schemeClr val="bg2">
                     <a:lumMod val="50000"/>
@@ -13659,7 +15898,7 @@
               <a:t> </a:t>
             </a:r>
             <a:r>
-              <a:rPr lang="ko-KR" altLang="en-US">
+              <a:rPr lang="ko-KR" altLang="en-US" dirty="0">
                 <a:solidFill>
                   <a:schemeClr val="bg2">
                     <a:lumMod val="50000"/>
@@ -13671,7 +15910,7 @@
               </a:rPr>
               <a:t>없을까</a:t>
             </a:r>
-            <a:endParaRPr lang="en-US" altLang="ko-KR">
+            <a:endParaRPr lang="en-US" altLang="ko-KR" dirty="0">
               <a:solidFill>
                 <a:schemeClr val="bg2">
                   <a:lumMod val="50000"/>
@@ -13690,7 +15929,7 @@
               <a:buChar char="•"/>
             </a:pPr>
             <a:r>
-              <a:rPr lang="en-US" altLang="ko-KR" err="1">
+              <a:rPr lang="en-US" altLang="ko-KR" dirty="0">
                 <a:latin typeface="Malgun Gothic"/>
                 <a:ea typeface="Malgun Gothic"/>
                 <a:cs typeface="+mn-lt"/>
@@ -13698,7 +15937,7 @@
               <a:t>Agent</a:t>
             </a:r>
             <a:r>
-              <a:rPr lang="ko-KR" altLang="en-US">
+              <a:rPr lang="ko-KR" altLang="en-US" dirty="0">
                 <a:latin typeface="Malgun Gothic"/>
                 <a:ea typeface="Malgun Gothic"/>
                 <a:cs typeface="+mn-lt"/>
@@ -13706,30 +15945,51 @@
               <a:t> </a:t>
             </a:r>
             <a:r>
-              <a:rPr lang="en-US" altLang="ko-KR">
+              <a:rPr lang="en-US" altLang="ko-KR" dirty="0">
                 <a:latin typeface="Malgun Gothic"/>
                 <a:ea typeface="Malgun Gothic"/>
                 <a:cs typeface="+mn-lt"/>
               </a:rPr>
-              <a:t>(</a:t>
-            </a:r>
-            <a:r>
-              <a:rPr lang="en-US" altLang="ko-KR" err="1">
+              <a:t>(active)</a:t>
+            </a:r>
+            <a:endParaRPr lang="en-US" altLang="ko-KR" dirty="0">
+              <a:ea typeface="+mn-lt"/>
+              <a:cs typeface="+mn-lt"/>
+            </a:endParaRPr>
+          </a:p>
+          <a:p>
+            <a:pPr marL="800100" indent="-342900">
+              <a:lnSpc>
+                <a:spcPct val="120000"/>
+              </a:lnSpc>
+              <a:buFont typeface="Arial,Sans-Serif"/>
+              <a:buChar char="•"/>
+            </a:pPr>
+            <a:r>
+              <a:rPr lang="en-US" altLang="ko-KR" dirty="0">
                 <a:latin typeface="Malgun Gothic"/>
                 <a:ea typeface="Malgun Gothic"/>
                 <a:cs typeface="+mn-lt"/>
               </a:rPr>
-              <a:t>active</a:t>
-            </a:r>
-            <a:r>
-              <a:rPr lang="en-US" altLang="ko-KR">
+              <a:t>Objects</a:t>
+            </a:r>
+            <a:r>
+              <a:rPr lang="ko-KR" altLang="en-US" dirty="0">
                 <a:latin typeface="Malgun Gothic"/>
                 <a:ea typeface="Malgun Gothic"/>
                 <a:cs typeface="+mn-lt"/>
               </a:rPr>
-              <a:t>)</a:t>
-            </a:r>
-            <a:endParaRPr lang="en-US" altLang="ko-KR">
+              <a:t> </a:t>
+            </a:r>
+            <a:r>
+              <a:rPr lang="en-US" altLang="ko-KR" dirty="0">
+                <a:latin typeface="Malgun Gothic"/>
+                <a:ea typeface="Malgun Gothic"/>
+                <a:cs typeface="+mn-lt"/>
+              </a:rPr>
+              <a:t>(passive)</a:t>
+            </a:r>
+            <a:endParaRPr lang="en-US" altLang="ko-KR" dirty="0">
               <a:ea typeface="+mn-lt"/>
               <a:cs typeface="+mn-lt"/>
             </a:endParaRPr>
@@ -13743,15 +16003,15 @@
               <a:buChar char="•"/>
             </a:pPr>
             <a:r>
-              <a:rPr lang="en-US" altLang="ko-KR" err="1">
+              <a:rPr lang="en-US" altLang="ko-KR" dirty="0">
                 <a:latin typeface="Malgun Gothic"/>
                 <a:ea typeface="Malgun Gothic"/>
                 <a:cs typeface="+mn-lt"/>
               </a:rPr>
-              <a:t>Objects</a:t>
-            </a:r>
-            <a:r>
-              <a:rPr lang="ko-KR" altLang="en-US">
+              <a:t>Background</a:t>
+            </a:r>
+            <a:r>
+              <a:rPr lang="ko-KR" altLang="en-US" dirty="0">
                 <a:latin typeface="Malgun Gothic"/>
                 <a:ea typeface="Malgun Gothic"/>
                 <a:cs typeface="+mn-lt"/>
@@ -13759,94 +16019,21 @@
               <a:t> </a:t>
             </a:r>
             <a:r>
-              <a:rPr lang="en-US" altLang="ko-KR">
+              <a:rPr lang="en-US" altLang="ko-KR" dirty="0">
                 <a:latin typeface="Malgun Gothic"/>
                 <a:ea typeface="Malgun Gothic"/>
                 <a:cs typeface="+mn-lt"/>
               </a:rPr>
-              <a:t>(</a:t>
-            </a:r>
-            <a:r>
-              <a:rPr lang="en-US" altLang="ko-KR" err="1">
-                <a:latin typeface="Malgun Gothic"/>
-                <a:ea typeface="Malgun Gothic"/>
-                <a:cs typeface="+mn-lt"/>
-              </a:rPr>
-              <a:t>passive</a:t>
-            </a:r>
-            <a:r>
-              <a:rPr lang="en-US" altLang="ko-KR">
-                <a:latin typeface="Malgun Gothic"/>
-                <a:ea typeface="Malgun Gothic"/>
-                <a:cs typeface="+mn-lt"/>
-              </a:rPr>
-              <a:t>)</a:t>
-            </a:r>
-            <a:endParaRPr lang="en-US" altLang="ko-KR">
-              <a:ea typeface="+mn-lt"/>
-              <a:cs typeface="+mn-lt"/>
-            </a:endParaRPr>
-          </a:p>
-          <a:p>
-            <a:pPr marL="800100" indent="-342900">
+              <a:t>(static)</a:t>
+            </a:r>
+          </a:p>
+          <a:p>
+            <a:pPr marL="457200">
               <a:lnSpc>
                 <a:spcPct val="120000"/>
               </a:lnSpc>
-              <a:buFont typeface="Arial,Sans-Serif"/>
-              <a:buChar char="•"/>
             </a:pPr>
-            <a:r>
-              <a:rPr lang="en-US" altLang="ko-KR" err="1">
-                <a:latin typeface="Malgun Gothic"/>
-                <a:ea typeface="Malgun Gothic"/>
-                <a:cs typeface="+mn-lt"/>
-              </a:rPr>
-              <a:t>Background</a:t>
-            </a:r>
-            <a:r>
-              <a:rPr lang="ko-KR" altLang="en-US">
-                <a:latin typeface="Malgun Gothic"/>
-                <a:ea typeface="Malgun Gothic"/>
-                <a:cs typeface="+mn-lt"/>
-              </a:rPr>
-              <a:t> </a:t>
-            </a:r>
-            <a:r>
-              <a:rPr lang="en-US" altLang="ko-KR">
-                <a:latin typeface="Malgun Gothic"/>
-                <a:ea typeface="Malgun Gothic"/>
-                <a:cs typeface="+mn-lt"/>
-              </a:rPr>
-              <a:t>(</a:t>
-            </a:r>
-            <a:r>
-              <a:rPr lang="en-US" altLang="ko-KR" err="1">
-                <a:latin typeface="Malgun Gothic"/>
-                <a:ea typeface="Malgun Gothic"/>
-                <a:cs typeface="+mn-lt"/>
-              </a:rPr>
-              <a:t>static</a:t>
-            </a:r>
-            <a:r>
-              <a:rPr lang="en-US" altLang="ko-KR">
-                <a:latin typeface="Malgun Gothic"/>
-                <a:ea typeface="Malgun Gothic"/>
-                <a:cs typeface="+mn-lt"/>
-              </a:rPr>
-              <a:t>)</a:t>
-            </a:r>
-            <a:endParaRPr lang="en-US" altLang="ko-KR">
-              <a:ea typeface="+mn-lt"/>
-              <a:cs typeface="+mn-lt"/>
-            </a:endParaRPr>
-          </a:p>
-          <a:p>
-            <a:pPr>
-              <a:lnSpc>
-                <a:spcPct val="120000"/>
-              </a:lnSpc>
-            </a:pPr>
-            <a:endParaRPr lang="ko-KR" altLang="en-US" b="1">
+            <a:endParaRPr lang="ko-KR" altLang="en-US" b="1" dirty="0">
               <a:latin typeface="맑은 고딕"/>
               <a:ea typeface="맑은 고딕"/>
               <a:cs typeface="+mn-lt"/>
@@ -13859,7 +16046,7 @@
               </a:lnSpc>
             </a:pPr>
             <a:r>
-              <a:rPr lang="ko-KR">
+              <a:rPr lang="ko-KR" dirty="0">
                 <a:latin typeface="Malgun Gothic"/>
                 <a:ea typeface="Malgun Gothic"/>
                 <a:cs typeface="+mn-lt"/>
@@ -13867,7 +16054,7 @@
               <a:t>=&gt;</a:t>
             </a:r>
             <a:r>
-              <a:rPr lang="ko-KR" altLang="en-US">
+              <a:rPr lang="ko-KR" altLang="en-US" dirty="0">
                 <a:latin typeface="Malgun Gothic"/>
                 <a:ea typeface="Malgun Gothic"/>
                 <a:cs typeface="+mn-lt"/>
@@ -13875,7 +16062,7 @@
               <a:t> </a:t>
             </a:r>
             <a:r>
-              <a:rPr lang="ko-KR" altLang="en-US" err="1">
+              <a:rPr lang="ko-KR" altLang="en-US" dirty="0" err="1">
                 <a:latin typeface="Malgun Gothic"/>
                 <a:ea typeface="Malgun Gothic"/>
                 <a:cs typeface="+mn-lt"/>
@@ -13883,7 +16070,7 @@
               <a:t>agent를</a:t>
             </a:r>
             <a:r>
-              <a:rPr lang="ko-KR" altLang="en-US">
+              <a:rPr lang="ko-KR" altLang="en-US" dirty="0">
                 <a:latin typeface="Malgun Gothic"/>
                 <a:ea typeface="Malgun Gothic"/>
                 <a:cs typeface="+mn-lt"/>
@@ -13891,7 +16078,7 @@
               <a:t> 따로 쪼개서 비디오만으로도 </a:t>
             </a:r>
             <a:r>
-              <a:rPr lang="ko-KR" altLang="en-US" err="1">
+              <a:rPr lang="ko-KR" altLang="en-US" dirty="0" err="1">
                 <a:latin typeface="Malgun Gothic"/>
                 <a:ea typeface="Malgun Gothic"/>
                 <a:cs typeface="+mn-lt"/>
@@ -13899,7 +16086,7 @@
               <a:t>physical</a:t>
             </a:r>
             <a:r>
-              <a:rPr lang="ko-KR" altLang="en-US">
+              <a:rPr lang="ko-KR" altLang="en-US" dirty="0">
                 <a:latin typeface="Malgun Gothic"/>
                 <a:ea typeface="Malgun Gothic"/>
                 <a:cs typeface="+mn-lt"/>
@@ -13907,7 +16094,7 @@
               <a:t> </a:t>
             </a:r>
             <a:r>
-              <a:rPr lang="ko-KR" altLang="en-US" err="1">
+              <a:rPr lang="ko-KR" altLang="en-US" dirty="0" err="1">
                 <a:latin typeface="Malgun Gothic"/>
                 <a:ea typeface="Malgun Gothic"/>
                 <a:cs typeface="+mn-lt"/>
@@ -13915,14 +16102,14 @@
               <a:t>interaction을</a:t>
             </a:r>
             <a:r>
-              <a:rPr lang="ko-KR" altLang="en-US">
+              <a:rPr lang="ko-KR" altLang="en-US" dirty="0">
                 <a:latin typeface="Malgun Gothic"/>
                 <a:ea typeface="Malgun Gothic"/>
                 <a:cs typeface="+mn-lt"/>
               </a:rPr>
               <a:t> 잘 표현할 수 있었다.</a:t>
             </a:r>
-            <a:endParaRPr lang="ko-KR"/>
+            <a:endParaRPr lang="ko-KR" dirty="0"/>
           </a:p>
         </p:txBody>
       </p:sp>
@@ -14037,6 +16224,157 @@
           </a:ln>
         </p:spPr>
       </p:pic>
+      <p:sp>
+        <p:nvSpPr>
+          <p:cNvPr id="8" name="TextBox 7">
+            <a:extLst>
+              <a:ext uri="{FF2B5EF4-FFF2-40B4-BE49-F238E27FC236}">
+                <a16:creationId xmlns:a16="http://schemas.microsoft.com/office/drawing/2014/main" id="{8149A30E-1D17-440A-A4C7-A998744FC28F}"/>
+              </a:ext>
+            </a:extLst>
+          </p:cNvPr>
+          <p:cNvSpPr txBox="1"/>
+          <p:nvPr/>
+        </p:nvSpPr>
+        <p:spPr>
+          <a:xfrm>
+            <a:off x="8196724" y="85621"/>
+            <a:ext cx="3899024" cy="369332"/>
+          </a:xfrm>
+          <a:prstGeom prst="rect">
+            <a:avLst/>
+          </a:prstGeom>
+          <a:solidFill>
+            <a:srgbClr val="DEEBF7">
+              <a:alpha val="50196"/>
+            </a:srgbClr>
+          </a:solidFill>
+        </p:spPr>
+        <p:txBody>
+          <a:bodyPr wrap="square">
+            <a:spAutoFit/>
+          </a:bodyPr>
+          <a:lstStyle/>
+          <a:p>
+            <a:r>
+              <a:rPr lang="ko-KR" altLang="en-US" b="0" i="0" dirty="0">
+                <a:solidFill>
+                  <a:srgbClr val="030303"/>
+                </a:solidFill>
+                <a:effectLst/>
+                <a:latin typeface="Roboto" panose="02000000000000000000" pitchFamily="2" charset="0"/>
+              </a:rPr>
+              <a:t>서울대 전기정보공학부 김영민 교수</a:t>
+            </a:r>
+            <a:endParaRPr lang="ko-KR" altLang="en-US" dirty="0"/>
+          </a:p>
+        </p:txBody>
+      </p:sp>
+      <p:sp>
+        <p:nvSpPr>
+          <p:cNvPr id="10" name="TextBox 9">
+            <a:extLst>
+              <a:ext uri="{FF2B5EF4-FFF2-40B4-BE49-F238E27FC236}">
+                <a16:creationId xmlns:a16="http://schemas.microsoft.com/office/drawing/2014/main" id="{45A0A482-38F3-4C19-AA0F-AE6A51E74EF0}"/>
+              </a:ext>
+            </a:extLst>
+          </p:cNvPr>
+          <p:cNvSpPr txBox="1"/>
+          <p:nvPr/>
+        </p:nvSpPr>
+        <p:spPr>
+          <a:xfrm>
+            <a:off x="555368" y="88592"/>
+            <a:ext cx="6096000" cy="369332"/>
+          </a:xfrm>
+          <a:prstGeom prst="rect">
+            <a:avLst/>
+          </a:prstGeom>
+          <a:noFill/>
+        </p:spPr>
+        <p:txBody>
+          <a:bodyPr wrap="square">
+            <a:spAutoFit/>
+          </a:bodyPr>
+          <a:lstStyle/>
+          <a:p>
+            <a:r>
+              <a:rPr lang="en-US" altLang="ko-KR" dirty="0">
+                <a:solidFill>
+                  <a:schemeClr val="bg2">
+                    <a:lumMod val="75000"/>
+                  </a:schemeClr>
+                </a:solidFill>
+                <a:ea typeface="맑은 고딕"/>
+              </a:rPr>
+              <a:t>AI</a:t>
+            </a:r>
+            <a:r>
+              <a:rPr lang="ko-KR" altLang="en-US" dirty="0">
+                <a:solidFill>
+                  <a:schemeClr val="bg2">
+                    <a:lumMod val="75000"/>
+                  </a:schemeClr>
+                </a:solidFill>
+                <a:ea typeface="맑은 고딕"/>
+              </a:rPr>
+              <a:t>가 </a:t>
+            </a:r>
+            <a:r>
+              <a:rPr lang="en-US" altLang="ko-KR" dirty="0">
+                <a:solidFill>
+                  <a:schemeClr val="bg2">
+                    <a:lumMod val="75000"/>
+                  </a:schemeClr>
+                </a:solidFill>
+                <a:ea typeface="맑은 고딕"/>
+              </a:rPr>
+              <a:t>3</a:t>
+            </a:r>
+            <a:r>
+              <a:rPr lang="ko-KR" altLang="en-US" dirty="0">
+                <a:solidFill>
+                  <a:schemeClr val="bg2">
+                    <a:lumMod val="75000"/>
+                  </a:schemeClr>
+                </a:solidFill>
+                <a:ea typeface="맑은 고딕"/>
+              </a:rPr>
+              <a:t>차원 데이터를 처리하는 방법은</a:t>
+            </a:r>
+            <a:r>
+              <a:rPr lang="en-US" altLang="ko-KR" dirty="0">
+                <a:solidFill>
+                  <a:schemeClr val="bg2">
+                    <a:lumMod val="75000"/>
+                  </a:schemeClr>
+                </a:solidFill>
+                <a:ea typeface="맑은 고딕"/>
+              </a:rPr>
+              <a:t>?</a:t>
+            </a:r>
+            <a:r>
+              <a:rPr lang="ko-KR" altLang="en-US" b="0" i="0" dirty="0">
+                <a:solidFill>
+                  <a:schemeClr val="bg2">
+                    <a:lumMod val="75000"/>
+                  </a:schemeClr>
+                </a:solidFill>
+                <a:effectLst/>
+                <a:latin typeface="Roboto" panose="02000000000000000000" pitchFamily="2" charset="0"/>
+              </a:rPr>
+              <a:t> </a:t>
+            </a:r>
+            <a:endParaRPr lang="ko-KR" altLang="en-US" dirty="0">
+              <a:solidFill>
+                <a:schemeClr val="bg2">
+                  <a:lumMod val="75000"/>
+                </a:schemeClr>
+              </a:solidFill>
+            </a:endParaRPr>
+          </a:p>
+        </p:txBody>
+      </p:sp>
     </p:spTree>
     <p:extLst>
       <p:ext uri="{BB962C8B-B14F-4D97-AF65-F5344CB8AC3E}">

--- a/미팅 자료/1주차(220316)-세미나영상요약.pptx
+++ b/미팅 자료/1주차(220316)-세미나영상요약.pptx
@@ -602,7 +602,7 @@
   <pc:docChgLst>
     <pc:chgData name="김 소희" userId="bb2aac79503078d9" providerId="LiveId" clId="{3DAD0114-187A-4A9A-954B-29283055D7D5}"/>
     <pc:docChg chg="undo redo custSel addSld delSld modSld">
-      <pc:chgData name="김 소희" userId="bb2aac79503078d9" providerId="LiveId" clId="{3DAD0114-187A-4A9A-954B-29283055D7D5}" dt="2022-03-15T14:02:04.930" v="3564" actId="20577"/>
+      <pc:chgData name="김 소희" userId="bb2aac79503078d9" providerId="LiveId" clId="{3DAD0114-187A-4A9A-954B-29283055D7D5}" dt="2022-03-16T04:29:06.714" v="3567" actId="20577"/>
       <pc:docMkLst>
         <pc:docMk/>
       </pc:docMkLst>
@@ -1128,7 +1128,7 @@
         </pc:picChg>
       </pc:sldChg>
       <pc:sldChg chg="addSp modSp mod modNotesTx">
-        <pc:chgData name="김 소희" userId="bb2aac79503078d9" providerId="LiveId" clId="{3DAD0114-187A-4A9A-954B-29283055D7D5}" dt="2022-03-15T13:45:01.707" v="3126" actId="20577"/>
+        <pc:chgData name="김 소희" userId="bb2aac79503078d9" providerId="LiveId" clId="{3DAD0114-187A-4A9A-954B-29283055D7D5}" dt="2022-03-16T04:29:06.714" v="3567" actId="20577"/>
         <pc:sldMkLst>
           <pc:docMk/>
           <pc:sldMk cId="2540077337" sldId="266"/>
@@ -1385,7 +1385,7 @@
           </a:lstStyle>
           <a:p>
             <a:fld id="{C40E2386-B155-490E-B4F1-B9D81C4A81A4}" type="datetimeFigureOut">
-              <a:t>2022-03-15</a:t>
+              <a:t>2022-03-16</a:t>
             </a:fld>
             <a:endParaRPr lang="ko-KR" altLang="en-US"/>
           </a:p>
@@ -2520,10 +2520,10 @@
           </a:p>
           <a:p>
             <a:r>
-              <a:rPr lang="en-US" altLang="ko-KR" dirty="0" err="1">
-                <a:ea typeface="맑은 고딕"/>
-              </a:rPr>
-              <a:t>Segmentaion</a:t>
+              <a:rPr lang="en-US" altLang="ko-KR" dirty="0">
+                <a:ea typeface="맑은 고딕"/>
+              </a:rPr>
+              <a:t>Segmentation</a:t>
             </a:r>
             <a:r>
               <a:rPr lang="ko-KR" altLang="en-US" dirty="0">
@@ -3421,7 +3421,7 @@
           <a:p>
             <a:fld id="{8A9E655F-1767-47E6-8D79-E1FF2B497DB2}" type="datetimeFigureOut">
               <a:rPr lang="ko-KR" altLang="en-US" smtClean="0"/>
-              <a:t>2022-03-15</a:t>
+              <a:t>2022-03-16</a:t>
             </a:fld>
             <a:endParaRPr lang="ko-KR" altLang="en-US"/>
           </a:p>
@@ -3619,7 +3619,7 @@
           <a:p>
             <a:fld id="{8A9E655F-1767-47E6-8D79-E1FF2B497DB2}" type="datetimeFigureOut">
               <a:rPr lang="ko-KR" altLang="en-US" smtClean="0"/>
-              <a:t>2022-03-15</a:t>
+              <a:t>2022-03-16</a:t>
             </a:fld>
             <a:endParaRPr lang="ko-KR" altLang="en-US"/>
           </a:p>
@@ -3827,7 +3827,7 @@
           <a:p>
             <a:fld id="{8A9E655F-1767-47E6-8D79-E1FF2B497DB2}" type="datetimeFigureOut">
               <a:rPr lang="ko-KR" altLang="en-US" smtClean="0"/>
-              <a:t>2022-03-15</a:t>
+              <a:t>2022-03-16</a:t>
             </a:fld>
             <a:endParaRPr lang="ko-KR" altLang="en-US"/>
           </a:p>
@@ -4025,7 +4025,7 @@
           <a:p>
             <a:fld id="{8A9E655F-1767-47E6-8D79-E1FF2B497DB2}" type="datetimeFigureOut">
               <a:rPr lang="ko-KR" altLang="en-US" smtClean="0"/>
-              <a:t>2022-03-15</a:t>
+              <a:t>2022-03-16</a:t>
             </a:fld>
             <a:endParaRPr lang="ko-KR" altLang="en-US"/>
           </a:p>
@@ -4300,7 +4300,7 @@
           <a:p>
             <a:fld id="{8A9E655F-1767-47E6-8D79-E1FF2B497DB2}" type="datetimeFigureOut">
               <a:rPr lang="ko-KR" altLang="en-US" smtClean="0"/>
-              <a:t>2022-03-15</a:t>
+              <a:t>2022-03-16</a:t>
             </a:fld>
             <a:endParaRPr lang="ko-KR" altLang="en-US"/>
           </a:p>
@@ -4565,7 +4565,7 @@
           <a:p>
             <a:fld id="{8A9E655F-1767-47E6-8D79-E1FF2B497DB2}" type="datetimeFigureOut">
               <a:rPr lang="ko-KR" altLang="en-US" smtClean="0"/>
-              <a:t>2022-03-15</a:t>
+              <a:t>2022-03-16</a:t>
             </a:fld>
             <a:endParaRPr lang="ko-KR" altLang="en-US"/>
           </a:p>
@@ -4977,7 +4977,7 @@
           <a:p>
             <a:fld id="{8A9E655F-1767-47E6-8D79-E1FF2B497DB2}" type="datetimeFigureOut">
               <a:rPr lang="ko-KR" altLang="en-US" smtClean="0"/>
-              <a:t>2022-03-15</a:t>
+              <a:t>2022-03-16</a:t>
             </a:fld>
             <a:endParaRPr lang="ko-KR" altLang="en-US"/>
           </a:p>
@@ -5118,7 +5118,7 @@
           <a:p>
             <a:fld id="{8A9E655F-1767-47E6-8D79-E1FF2B497DB2}" type="datetimeFigureOut">
               <a:rPr lang="ko-KR" altLang="en-US" smtClean="0"/>
-              <a:t>2022-03-15</a:t>
+              <a:t>2022-03-16</a:t>
             </a:fld>
             <a:endParaRPr lang="ko-KR" altLang="en-US"/>
           </a:p>
@@ -5231,7 +5231,7 @@
           <a:p>
             <a:fld id="{8A9E655F-1767-47E6-8D79-E1FF2B497DB2}" type="datetimeFigureOut">
               <a:rPr lang="ko-KR" altLang="en-US" smtClean="0"/>
-              <a:t>2022-03-15</a:t>
+              <a:t>2022-03-16</a:t>
             </a:fld>
             <a:endParaRPr lang="ko-KR" altLang="en-US"/>
           </a:p>
@@ -5542,7 +5542,7 @@
           <a:p>
             <a:fld id="{8A9E655F-1767-47E6-8D79-E1FF2B497DB2}" type="datetimeFigureOut">
               <a:rPr lang="ko-KR" altLang="en-US" smtClean="0"/>
-              <a:t>2022-03-15</a:t>
+              <a:t>2022-03-16</a:t>
             </a:fld>
             <a:endParaRPr lang="ko-KR" altLang="en-US"/>
           </a:p>
@@ -5830,7 +5830,7 @@
           <a:p>
             <a:fld id="{8A9E655F-1767-47E6-8D79-E1FF2B497DB2}" type="datetimeFigureOut">
               <a:rPr lang="ko-KR" altLang="en-US" smtClean="0"/>
-              <a:t>2022-03-15</a:t>
+              <a:t>2022-03-16</a:t>
             </a:fld>
             <a:endParaRPr lang="ko-KR" altLang="en-US"/>
           </a:p>
@@ -6071,7 +6071,7 @@
           <a:p>
             <a:fld id="{8A9E655F-1767-47E6-8D79-E1FF2B497DB2}" type="datetimeFigureOut">
               <a:rPr lang="ko-KR" altLang="en-US" smtClean="0"/>
-              <a:t>2022-03-15</a:t>
+              <a:t>2022-03-16</a:t>
             </a:fld>
             <a:endParaRPr lang="ko-KR" altLang="en-US"/>
           </a:p>
